--- a/Malicious_URL_Detection_Capstone_Presentation.pptx
+++ b/Malicious_URL_Detection_Capstone_Presentation.pptx
@@ -5,7 +5,7 @@
     <p:sldMasterId id="2147483648" r:id="rId1"/>
   </p:sldMasterIdLst>
   <p:notesMasterIdLst>
-    <p:notesMasterId r:id="rId14"/>
+    <p:notesMasterId r:id="rId16"/>
   </p:notesMasterIdLst>
   <p:sldIdLst>
     <p:sldId id="256" r:id="rId2"/>
@@ -15,11 +15,13 @@
     <p:sldId id="260" r:id="rId6"/>
     <p:sldId id="261" r:id="rId7"/>
     <p:sldId id="262" r:id="rId8"/>
-    <p:sldId id="263" r:id="rId9"/>
-    <p:sldId id="264" r:id="rId10"/>
-    <p:sldId id="265" r:id="rId11"/>
-    <p:sldId id="266" r:id="rId12"/>
-    <p:sldId id="267" r:id="rId13"/>
+    <p:sldId id="268" r:id="rId9"/>
+    <p:sldId id="269" r:id="rId10"/>
+    <p:sldId id="263" r:id="rId11"/>
+    <p:sldId id="264" r:id="rId12"/>
+    <p:sldId id="265" r:id="rId13"/>
+    <p:sldId id="266" r:id="rId14"/>
+    <p:sldId id="267" r:id="rId15"/>
   </p:sldIdLst>
   <p:sldSz cx="9144000" cy="6858000" type="screen4x3"/>
   <p:notesSz cx="6858000" cy="9144000"/>
@@ -137,6 +139,553 @@
 </p:presentation>
 </file>
 
+<file path=ppt/revisionInfo.xml><?xml version="1.0" encoding="utf-8"?>
+<p1510:revInfo xmlns:a="http://schemas.openxmlformats.org/drawingml/2006/main" xmlns:r="http://schemas.openxmlformats.org/officeDocument/2006/relationships" xmlns:p1510="http://schemas.microsoft.com/office/powerpoint/2015/10/main">
+  <p1510:revLst>
+    <p1510:client id="{3E10BEA9-948B-4B0E-BC79-4F30C4BCB2A0}" v="10" dt="2025-07-25T15:19:23.412"/>
+  </p1510:revLst>
+</p1510:revInfo>
+</file>
+
+<file path=ppt/changesInfos/changesInfo1.xml><?xml version="1.0" encoding="utf-8"?>
+<pc:chgInfo xmlns:a="http://schemas.openxmlformats.org/drawingml/2006/main" xmlns:r="http://schemas.openxmlformats.org/officeDocument/2006/relationships" xmlns:ac="http://schemas.microsoft.com/office/drawing/2013/main/command" xmlns:pc="http://schemas.microsoft.com/office/powerpoint/2013/main/command">
+  <pc:docChgLst>
+    <pc:chgData name="louis knox" userId="ca7f32541148dd8f" providerId="LiveId" clId="{3E10BEA9-948B-4B0E-BC79-4F30C4BCB2A0}"/>
+    <pc:docChg chg="undo custSel addSld modSld">
+      <pc:chgData name="louis knox" userId="ca7f32541148dd8f" providerId="LiveId" clId="{3E10BEA9-948B-4B0E-BC79-4F30C4BCB2A0}" dt="2025-07-25T15:19:23.412" v="77"/>
+      <pc:docMkLst>
+        <pc:docMk/>
+      </pc:docMkLst>
+      <pc:sldChg chg="addSp modSp mod">
+        <pc:chgData name="louis knox" userId="ca7f32541148dd8f" providerId="LiveId" clId="{3E10BEA9-948B-4B0E-BC79-4F30C4BCB2A0}" dt="2025-07-25T15:11:09.588" v="13" actId="1076"/>
+        <pc:sldMkLst>
+          <pc:docMk/>
+          <pc:sldMk cId="0" sldId="264"/>
+        </pc:sldMkLst>
+        <pc:picChg chg="add mod">
+          <ac:chgData name="louis knox" userId="ca7f32541148dd8f" providerId="LiveId" clId="{3E10BEA9-948B-4B0E-BC79-4F30C4BCB2A0}" dt="2025-07-25T15:10:35.495" v="7" actId="1076"/>
+          <ac:picMkLst>
+            <pc:docMk/>
+            <pc:sldMk cId="0" sldId="264"/>
+            <ac:picMk id="5" creationId="{82357F0A-75B2-458F-6847-173ABE386EF3}"/>
+          </ac:picMkLst>
+        </pc:picChg>
+        <pc:picChg chg="add mod">
+          <ac:chgData name="louis knox" userId="ca7f32541148dd8f" providerId="LiveId" clId="{3E10BEA9-948B-4B0E-BC79-4F30C4BCB2A0}" dt="2025-07-25T15:11:09.588" v="13" actId="1076"/>
+          <ac:picMkLst>
+            <pc:docMk/>
+            <pc:sldMk cId="0" sldId="264"/>
+            <ac:picMk id="7" creationId="{2D04A1ED-B0CD-67DE-DFE1-F19AFA88513A}"/>
+          </ac:picMkLst>
+        </pc:picChg>
+      </pc:sldChg>
+      <pc:sldChg chg="addSp delSp modSp add mod">
+        <pc:chgData name="louis knox" userId="ca7f32541148dd8f" providerId="LiveId" clId="{3E10BEA9-948B-4B0E-BC79-4F30C4BCB2A0}" dt="2025-07-25T15:17:15.468" v="68" actId="26606"/>
+        <pc:sldMkLst>
+          <pc:docMk/>
+          <pc:sldMk cId="623461624" sldId="268"/>
+        </pc:sldMkLst>
+        <pc:spChg chg="mod">
+          <ac:chgData name="louis knox" userId="ca7f32541148dd8f" providerId="LiveId" clId="{3E10BEA9-948B-4B0E-BC79-4F30C4BCB2A0}" dt="2025-07-25T15:17:15.468" v="68" actId="26606"/>
+          <ac:spMkLst>
+            <pc:docMk/>
+            <pc:sldMk cId="623461624" sldId="268"/>
+            <ac:spMk id="2" creationId="{9B9DD31E-E84A-5BB5-1160-0AD40AF273A8}"/>
+          </ac:spMkLst>
+        </pc:spChg>
+        <pc:spChg chg="add del">
+          <ac:chgData name="louis knox" userId="ca7f32541148dd8f" providerId="LiveId" clId="{3E10BEA9-948B-4B0E-BC79-4F30C4BCB2A0}" dt="2025-07-25T15:17:15.468" v="68" actId="26606"/>
+          <ac:spMkLst>
+            <pc:docMk/>
+            <pc:sldMk cId="623461624" sldId="268"/>
+            <ac:spMk id="20" creationId="{5D0606A7-EF9E-ED68-1378-6BC112DDD07A}"/>
+          </ac:spMkLst>
+        </pc:spChg>
+        <pc:spChg chg="add del">
+          <ac:chgData name="louis knox" userId="ca7f32541148dd8f" providerId="LiveId" clId="{3E10BEA9-948B-4B0E-BC79-4F30C4BCB2A0}" dt="2025-07-25T15:17:15.408" v="67" actId="26606"/>
+          <ac:spMkLst>
+            <pc:docMk/>
+            <pc:sldMk cId="623461624" sldId="268"/>
+            <ac:spMk id="22" creationId="{43A884FB-31E2-BB9B-B48E-17D2F2BC8FA5}"/>
+          </ac:spMkLst>
+        </pc:spChg>
+        <pc:spChg chg="add del">
+          <ac:chgData name="louis knox" userId="ca7f32541148dd8f" providerId="LiveId" clId="{3E10BEA9-948B-4B0E-BC79-4F30C4BCB2A0}" dt="2025-07-25T15:17:15.468" v="68" actId="26606"/>
+          <ac:spMkLst>
+            <pc:docMk/>
+            <pc:sldMk cId="623461624" sldId="268"/>
+            <ac:spMk id="24" creationId="{72AF74A9-F028-AF6D-0BDF-E6F46B28556A}"/>
+          </ac:spMkLst>
+        </pc:spChg>
+        <pc:spChg chg="add del">
+          <ac:chgData name="louis knox" userId="ca7f32541148dd8f" providerId="LiveId" clId="{3E10BEA9-948B-4B0E-BC79-4F30C4BCB2A0}" dt="2025-07-25T15:17:15.468" v="68" actId="26606"/>
+          <ac:spMkLst>
+            <pc:docMk/>
+            <pc:sldMk cId="623461624" sldId="268"/>
+            <ac:spMk id="26" creationId="{5966B88F-B588-41A8-EA00-0078B7451F2C}"/>
+          </ac:spMkLst>
+        </pc:spChg>
+        <pc:spChg chg="add del">
+          <ac:chgData name="louis knox" userId="ca7f32541148dd8f" providerId="LiveId" clId="{3E10BEA9-948B-4B0E-BC79-4F30C4BCB2A0}" dt="2025-07-25T15:16:27.551" v="53" actId="26606"/>
+          <ac:spMkLst>
+            <pc:docMk/>
+            <pc:sldMk cId="623461624" sldId="268"/>
+            <ac:spMk id="31" creationId="{C4285719-470E-454C-AF62-8323075F1F5B}"/>
+          </ac:spMkLst>
+        </pc:spChg>
+        <pc:spChg chg="add del">
+          <ac:chgData name="louis knox" userId="ca7f32541148dd8f" providerId="LiveId" clId="{3E10BEA9-948B-4B0E-BC79-4F30C4BCB2A0}" dt="2025-07-25T15:16:27.551" v="53" actId="26606"/>
+          <ac:spMkLst>
+            <pc:docMk/>
+            <pc:sldMk cId="623461624" sldId="268"/>
+            <ac:spMk id="33" creationId="{CD9FE4EF-C4D8-49A0-B2FF-81D8DB7D8A24}"/>
+          </ac:spMkLst>
+        </pc:spChg>
+        <pc:spChg chg="add del">
+          <ac:chgData name="louis knox" userId="ca7f32541148dd8f" providerId="LiveId" clId="{3E10BEA9-948B-4B0E-BC79-4F30C4BCB2A0}" dt="2025-07-25T15:16:27.551" v="53" actId="26606"/>
+          <ac:spMkLst>
+            <pc:docMk/>
+            <pc:sldMk cId="623461624" sldId="268"/>
+            <ac:spMk id="35" creationId="{4300840D-0A0B-4512-BACA-B439D5B9C57C}"/>
+          </ac:spMkLst>
+        </pc:spChg>
+        <pc:spChg chg="add del">
+          <ac:chgData name="louis knox" userId="ca7f32541148dd8f" providerId="LiveId" clId="{3E10BEA9-948B-4B0E-BC79-4F30C4BCB2A0}" dt="2025-07-25T15:16:27.551" v="53" actId="26606"/>
+          <ac:spMkLst>
+            <pc:docMk/>
+            <pc:sldMk cId="623461624" sldId="268"/>
+            <ac:spMk id="37" creationId="{D2B78728-A580-49A7-84F9-6EF6F583ADE0}"/>
+          </ac:spMkLst>
+        </pc:spChg>
+        <pc:spChg chg="add del">
+          <ac:chgData name="louis knox" userId="ca7f32541148dd8f" providerId="LiveId" clId="{3E10BEA9-948B-4B0E-BC79-4F30C4BCB2A0}" dt="2025-07-25T15:16:27.551" v="53" actId="26606"/>
+          <ac:spMkLst>
+            <pc:docMk/>
+            <pc:sldMk cId="623461624" sldId="268"/>
+            <ac:spMk id="39" creationId="{38FAA1A1-D861-433F-88FA-1E9D6FD31D11}"/>
+          </ac:spMkLst>
+        </pc:spChg>
+        <pc:spChg chg="add del">
+          <ac:chgData name="louis knox" userId="ca7f32541148dd8f" providerId="LiveId" clId="{3E10BEA9-948B-4B0E-BC79-4F30C4BCB2A0}" dt="2025-07-25T15:16:27.551" v="53" actId="26606"/>
+          <ac:spMkLst>
+            <pc:docMk/>
+            <pc:sldMk cId="623461624" sldId="268"/>
+            <ac:spMk id="41" creationId="{8D71EDA1-87BF-4D5D-AB79-F346FD19278A}"/>
+          </ac:spMkLst>
+        </pc:spChg>
+        <pc:spChg chg="add del">
+          <ac:chgData name="louis knox" userId="ca7f32541148dd8f" providerId="LiveId" clId="{3E10BEA9-948B-4B0E-BC79-4F30C4BCB2A0}" dt="2025-07-25T15:16:49.010" v="57" actId="26606"/>
+          <ac:spMkLst>
+            <pc:docMk/>
+            <pc:sldMk cId="623461624" sldId="268"/>
+            <ac:spMk id="46" creationId="{5D0606A7-EF9E-ED68-1378-6BC112DDD07A}"/>
+          </ac:spMkLst>
+        </pc:spChg>
+        <pc:spChg chg="add del">
+          <ac:chgData name="louis knox" userId="ca7f32541148dd8f" providerId="LiveId" clId="{3E10BEA9-948B-4B0E-BC79-4F30C4BCB2A0}" dt="2025-07-25T15:16:49.010" v="57" actId="26606"/>
+          <ac:spMkLst>
+            <pc:docMk/>
+            <pc:sldMk cId="623461624" sldId="268"/>
+            <ac:spMk id="47" creationId="{43A884FB-31E2-BB9B-B48E-17D2F2BC8FA5}"/>
+          </ac:spMkLst>
+        </pc:spChg>
+        <pc:spChg chg="add del">
+          <ac:chgData name="louis knox" userId="ca7f32541148dd8f" providerId="LiveId" clId="{3E10BEA9-948B-4B0E-BC79-4F30C4BCB2A0}" dt="2025-07-25T15:16:49.010" v="57" actId="26606"/>
+          <ac:spMkLst>
+            <pc:docMk/>
+            <pc:sldMk cId="623461624" sldId="268"/>
+            <ac:spMk id="48" creationId="{72AF74A9-F028-AF6D-0BDF-E6F46B28556A}"/>
+          </ac:spMkLst>
+        </pc:spChg>
+        <pc:spChg chg="add del">
+          <ac:chgData name="louis knox" userId="ca7f32541148dd8f" providerId="LiveId" clId="{3E10BEA9-948B-4B0E-BC79-4F30C4BCB2A0}" dt="2025-07-25T15:16:49.010" v="57" actId="26606"/>
+          <ac:spMkLst>
+            <pc:docMk/>
+            <pc:sldMk cId="623461624" sldId="268"/>
+            <ac:spMk id="49" creationId="{5966B88F-B588-41A8-EA00-0078B7451F2C}"/>
+          </ac:spMkLst>
+        </pc:spChg>
+        <pc:spChg chg="add del">
+          <ac:chgData name="louis knox" userId="ca7f32541148dd8f" providerId="LiveId" clId="{3E10BEA9-948B-4B0E-BC79-4F30C4BCB2A0}" dt="2025-07-25T15:16:50.710" v="59" actId="26606"/>
+          <ac:spMkLst>
+            <pc:docMk/>
+            <pc:sldMk cId="623461624" sldId="268"/>
+            <ac:spMk id="51" creationId="{5D0606A7-EF9E-ED68-1378-6BC112DDD07A}"/>
+          </ac:spMkLst>
+        </pc:spChg>
+        <pc:spChg chg="add del">
+          <ac:chgData name="louis knox" userId="ca7f32541148dd8f" providerId="LiveId" clId="{3E10BEA9-948B-4B0E-BC79-4F30C4BCB2A0}" dt="2025-07-25T15:16:50.710" v="59" actId="26606"/>
+          <ac:spMkLst>
+            <pc:docMk/>
+            <pc:sldMk cId="623461624" sldId="268"/>
+            <ac:spMk id="52" creationId="{43A884FB-31E2-BB9B-B48E-17D2F2BC8FA5}"/>
+          </ac:spMkLst>
+        </pc:spChg>
+        <pc:spChg chg="add del">
+          <ac:chgData name="louis knox" userId="ca7f32541148dd8f" providerId="LiveId" clId="{3E10BEA9-948B-4B0E-BC79-4F30C4BCB2A0}" dt="2025-07-25T15:16:50.710" v="59" actId="26606"/>
+          <ac:spMkLst>
+            <pc:docMk/>
+            <pc:sldMk cId="623461624" sldId="268"/>
+            <ac:spMk id="53" creationId="{72AF74A9-F028-AF6D-0BDF-E6F46B28556A}"/>
+          </ac:spMkLst>
+        </pc:spChg>
+        <pc:spChg chg="add del">
+          <ac:chgData name="louis knox" userId="ca7f32541148dd8f" providerId="LiveId" clId="{3E10BEA9-948B-4B0E-BC79-4F30C4BCB2A0}" dt="2025-07-25T15:16:50.710" v="59" actId="26606"/>
+          <ac:spMkLst>
+            <pc:docMk/>
+            <pc:sldMk cId="623461624" sldId="268"/>
+            <ac:spMk id="54" creationId="{5966B88F-B588-41A8-EA00-0078B7451F2C}"/>
+          </ac:spMkLst>
+        </pc:spChg>
+        <pc:spChg chg="add del">
+          <ac:chgData name="louis knox" userId="ca7f32541148dd8f" providerId="LiveId" clId="{3E10BEA9-948B-4B0E-BC79-4F30C4BCB2A0}" dt="2025-07-25T15:16:52.212" v="61" actId="26606"/>
+          <ac:spMkLst>
+            <pc:docMk/>
+            <pc:sldMk cId="623461624" sldId="268"/>
+            <ac:spMk id="56" creationId="{5D0606A7-EF9E-ED68-1378-6BC112DDD07A}"/>
+          </ac:spMkLst>
+        </pc:spChg>
+        <pc:spChg chg="add del">
+          <ac:chgData name="louis knox" userId="ca7f32541148dd8f" providerId="LiveId" clId="{3E10BEA9-948B-4B0E-BC79-4F30C4BCB2A0}" dt="2025-07-25T15:16:52.212" v="61" actId="26606"/>
+          <ac:spMkLst>
+            <pc:docMk/>
+            <pc:sldMk cId="623461624" sldId="268"/>
+            <ac:spMk id="57" creationId="{43A884FB-31E2-BB9B-B48E-17D2F2BC8FA5}"/>
+          </ac:spMkLst>
+        </pc:spChg>
+        <pc:spChg chg="add del">
+          <ac:chgData name="louis knox" userId="ca7f32541148dd8f" providerId="LiveId" clId="{3E10BEA9-948B-4B0E-BC79-4F30C4BCB2A0}" dt="2025-07-25T15:16:52.212" v="61" actId="26606"/>
+          <ac:spMkLst>
+            <pc:docMk/>
+            <pc:sldMk cId="623461624" sldId="268"/>
+            <ac:spMk id="58" creationId="{72AF74A9-F028-AF6D-0BDF-E6F46B28556A}"/>
+          </ac:spMkLst>
+        </pc:spChg>
+        <pc:spChg chg="add del">
+          <ac:chgData name="louis knox" userId="ca7f32541148dd8f" providerId="LiveId" clId="{3E10BEA9-948B-4B0E-BC79-4F30C4BCB2A0}" dt="2025-07-25T15:16:52.212" v="61" actId="26606"/>
+          <ac:spMkLst>
+            <pc:docMk/>
+            <pc:sldMk cId="623461624" sldId="268"/>
+            <ac:spMk id="59" creationId="{5966B88F-B588-41A8-EA00-0078B7451F2C}"/>
+          </ac:spMkLst>
+        </pc:spChg>
+        <pc:spChg chg="add del">
+          <ac:chgData name="louis knox" userId="ca7f32541148dd8f" providerId="LiveId" clId="{3E10BEA9-948B-4B0E-BC79-4F30C4BCB2A0}" dt="2025-07-25T15:16:59.279" v="63" actId="26606"/>
+          <ac:spMkLst>
+            <pc:docMk/>
+            <pc:sldMk cId="623461624" sldId="268"/>
+            <ac:spMk id="61" creationId="{5D0606A7-EF9E-ED68-1378-6BC112DDD07A}"/>
+          </ac:spMkLst>
+        </pc:spChg>
+        <pc:spChg chg="add del">
+          <ac:chgData name="louis knox" userId="ca7f32541148dd8f" providerId="LiveId" clId="{3E10BEA9-948B-4B0E-BC79-4F30C4BCB2A0}" dt="2025-07-25T15:16:59.279" v="63" actId="26606"/>
+          <ac:spMkLst>
+            <pc:docMk/>
+            <pc:sldMk cId="623461624" sldId="268"/>
+            <ac:spMk id="62" creationId="{43A884FB-31E2-BB9B-B48E-17D2F2BC8FA5}"/>
+          </ac:spMkLst>
+        </pc:spChg>
+        <pc:spChg chg="add del">
+          <ac:chgData name="louis knox" userId="ca7f32541148dd8f" providerId="LiveId" clId="{3E10BEA9-948B-4B0E-BC79-4F30C4BCB2A0}" dt="2025-07-25T15:16:59.279" v="63" actId="26606"/>
+          <ac:spMkLst>
+            <pc:docMk/>
+            <pc:sldMk cId="623461624" sldId="268"/>
+            <ac:spMk id="63" creationId="{72AF74A9-F028-AF6D-0BDF-E6F46B28556A}"/>
+          </ac:spMkLst>
+        </pc:spChg>
+        <pc:spChg chg="add del">
+          <ac:chgData name="louis knox" userId="ca7f32541148dd8f" providerId="LiveId" clId="{3E10BEA9-948B-4B0E-BC79-4F30C4BCB2A0}" dt="2025-07-25T15:16:59.279" v="63" actId="26606"/>
+          <ac:spMkLst>
+            <pc:docMk/>
+            <pc:sldMk cId="623461624" sldId="268"/>
+            <ac:spMk id="64" creationId="{5966B88F-B588-41A8-EA00-0078B7451F2C}"/>
+          </ac:spMkLst>
+        </pc:spChg>
+        <pc:spChg chg="add del">
+          <ac:chgData name="louis knox" userId="ca7f32541148dd8f" providerId="LiveId" clId="{3E10BEA9-948B-4B0E-BC79-4F30C4BCB2A0}" dt="2025-07-25T15:17:01.441" v="65" actId="26606"/>
+          <ac:spMkLst>
+            <pc:docMk/>
+            <pc:sldMk cId="623461624" sldId="268"/>
+            <ac:spMk id="66" creationId="{B50AB553-2A96-4A92-96F2-93548E096954}"/>
+          </ac:spMkLst>
+        </pc:spChg>
+        <pc:spChg chg="add">
+          <ac:chgData name="louis knox" userId="ca7f32541148dd8f" providerId="LiveId" clId="{3E10BEA9-948B-4B0E-BC79-4F30C4BCB2A0}" dt="2025-07-25T15:17:15.468" v="68" actId="26606"/>
+          <ac:spMkLst>
+            <pc:docMk/>
+            <pc:sldMk cId="623461624" sldId="268"/>
+            <ac:spMk id="71" creationId="{C4285719-470E-454C-AF62-8323075F1F5B}"/>
+          </ac:spMkLst>
+        </pc:spChg>
+        <pc:spChg chg="add">
+          <ac:chgData name="louis knox" userId="ca7f32541148dd8f" providerId="LiveId" clId="{3E10BEA9-948B-4B0E-BC79-4F30C4BCB2A0}" dt="2025-07-25T15:17:15.468" v="68" actId="26606"/>
+          <ac:spMkLst>
+            <pc:docMk/>
+            <pc:sldMk cId="623461624" sldId="268"/>
+            <ac:spMk id="72" creationId="{CD9FE4EF-C4D8-49A0-B2FF-81D8DB7D8A24}"/>
+          </ac:spMkLst>
+        </pc:spChg>
+        <pc:spChg chg="add">
+          <ac:chgData name="louis knox" userId="ca7f32541148dd8f" providerId="LiveId" clId="{3E10BEA9-948B-4B0E-BC79-4F30C4BCB2A0}" dt="2025-07-25T15:17:15.468" v="68" actId="26606"/>
+          <ac:spMkLst>
+            <pc:docMk/>
+            <pc:sldMk cId="623461624" sldId="268"/>
+            <ac:spMk id="73" creationId="{4300840D-0A0B-4512-BACA-B439D5B9C57C}"/>
+          </ac:spMkLst>
+        </pc:spChg>
+        <pc:spChg chg="add">
+          <ac:chgData name="louis knox" userId="ca7f32541148dd8f" providerId="LiveId" clId="{3E10BEA9-948B-4B0E-BC79-4F30C4BCB2A0}" dt="2025-07-25T15:17:15.468" v="68" actId="26606"/>
+          <ac:spMkLst>
+            <pc:docMk/>
+            <pc:sldMk cId="623461624" sldId="268"/>
+            <ac:spMk id="74" creationId="{D2B78728-A580-49A7-84F9-6EF6F583ADE0}"/>
+          </ac:spMkLst>
+        </pc:spChg>
+        <pc:spChg chg="add">
+          <ac:chgData name="louis knox" userId="ca7f32541148dd8f" providerId="LiveId" clId="{3E10BEA9-948B-4B0E-BC79-4F30C4BCB2A0}" dt="2025-07-25T15:17:15.468" v="68" actId="26606"/>
+          <ac:spMkLst>
+            <pc:docMk/>
+            <pc:sldMk cId="623461624" sldId="268"/>
+            <ac:spMk id="75" creationId="{38FAA1A1-D861-433F-88FA-1E9D6FD31D11}"/>
+          </ac:spMkLst>
+        </pc:spChg>
+        <pc:spChg chg="add">
+          <ac:chgData name="louis knox" userId="ca7f32541148dd8f" providerId="LiveId" clId="{3E10BEA9-948B-4B0E-BC79-4F30C4BCB2A0}" dt="2025-07-25T15:17:15.468" v="68" actId="26606"/>
+          <ac:spMkLst>
+            <pc:docMk/>
+            <pc:sldMk cId="623461624" sldId="268"/>
+            <ac:spMk id="76" creationId="{8D71EDA1-87BF-4D5D-AB79-F346FD19278A}"/>
+          </ac:spMkLst>
+        </pc:spChg>
+        <pc:grpChg chg="add del">
+          <ac:chgData name="louis knox" userId="ca7f32541148dd8f" providerId="LiveId" clId="{3E10BEA9-948B-4B0E-BC79-4F30C4BCB2A0}" dt="2025-07-25T15:16:41.448" v="55" actId="26606"/>
+          <ac:grpSpMkLst>
+            <pc:docMk/>
+            <pc:sldMk cId="623461624" sldId="268"/>
+            <ac:grpSpMk id="43" creationId="{1FD67D68-9B83-C338-8342-3348D8F22347}"/>
+          </ac:grpSpMkLst>
+        </pc:grpChg>
+        <pc:grpChg chg="add del">
+          <ac:chgData name="louis knox" userId="ca7f32541148dd8f" providerId="LiveId" clId="{3E10BEA9-948B-4B0E-BC79-4F30C4BCB2A0}" dt="2025-07-25T15:17:15.408" v="67" actId="26606"/>
+          <ac:grpSpMkLst>
+            <pc:docMk/>
+            <pc:sldMk cId="623461624" sldId="268"/>
+            <ac:grpSpMk id="68" creationId="{1FD67D68-9B83-C338-8342-3348D8F22347}"/>
+          </ac:grpSpMkLst>
+        </pc:grpChg>
+        <pc:graphicFrameChg chg="mod ord modGraphic">
+          <ac:chgData name="louis knox" userId="ca7f32541148dd8f" providerId="LiveId" clId="{3E10BEA9-948B-4B0E-BC79-4F30C4BCB2A0}" dt="2025-07-25T15:17:15.408" v="67" actId="26606"/>
+          <ac:graphicFrameMkLst>
+            <pc:docMk/>
+            <pc:sldMk cId="623461624" sldId="268"/>
+            <ac:graphicFrameMk id="15" creationId="{10151314-D96F-0538-89F7-DE89E821FB36}"/>
+          </ac:graphicFrameMkLst>
+        </pc:graphicFrameChg>
+        <pc:picChg chg="add mod ord">
+          <ac:chgData name="louis knox" userId="ca7f32541148dd8f" providerId="LiveId" clId="{3E10BEA9-948B-4B0E-BC79-4F30C4BCB2A0}" dt="2025-07-25T15:17:15.408" v="67" actId="26606"/>
+          <ac:picMkLst>
+            <pc:docMk/>
+            <pc:sldMk cId="623461624" sldId="268"/>
+            <ac:picMk id="4" creationId="{CAB6E030-E4CF-0424-73B7-D9990D6FAA67}"/>
+          </ac:picMkLst>
+        </pc:picChg>
+        <pc:picChg chg="add del mod">
+          <ac:chgData name="louis knox" userId="ca7f32541148dd8f" providerId="LiveId" clId="{3E10BEA9-948B-4B0E-BC79-4F30C4BCB2A0}" dt="2025-07-25T15:14:13.109" v="38" actId="478"/>
+          <ac:picMkLst>
+            <pc:docMk/>
+            <pc:sldMk cId="623461624" sldId="268"/>
+            <ac:picMk id="6" creationId="{5C335659-488F-0D1A-800C-12843C4B2B37}"/>
+          </ac:picMkLst>
+        </pc:picChg>
+      </pc:sldChg>
+      <pc:sldChg chg="addSp delSp modSp add mod">
+        <pc:chgData name="louis knox" userId="ca7f32541148dd8f" providerId="LiveId" clId="{3E10BEA9-948B-4B0E-BC79-4F30C4BCB2A0}" dt="2025-07-25T15:19:23.412" v="77"/>
+        <pc:sldMkLst>
+          <pc:docMk/>
+          <pc:sldMk cId="3964063589" sldId="269"/>
+        </pc:sldMkLst>
+        <pc:spChg chg="mod">
+          <ac:chgData name="louis knox" userId="ca7f32541148dd8f" providerId="LiveId" clId="{3E10BEA9-948B-4B0E-BC79-4F30C4BCB2A0}" dt="2025-07-25T15:18:42.429" v="75" actId="26606"/>
+          <ac:spMkLst>
+            <pc:docMk/>
+            <pc:sldMk cId="3964063589" sldId="269"/>
+            <ac:spMk id="2" creationId="{6A8A8C01-7217-AD13-857B-85A926E1CAEF}"/>
+          </ac:spMkLst>
+        </pc:spChg>
+        <pc:spChg chg="add del">
+          <ac:chgData name="louis knox" userId="ca7f32541148dd8f" providerId="LiveId" clId="{3E10BEA9-948B-4B0E-BC79-4F30C4BCB2A0}" dt="2025-07-25T15:18:42.461" v="76" actId="26606"/>
+          <ac:spMkLst>
+            <pc:docMk/>
+            <pc:sldMk cId="3964063589" sldId="269"/>
+            <ac:spMk id="20" creationId="{8286CAC6-A8CC-0E06-E0C1-68D96EBC6949}"/>
+          </ac:spMkLst>
+        </pc:spChg>
+        <pc:spChg chg="add del">
+          <ac:chgData name="louis knox" userId="ca7f32541148dd8f" providerId="LiveId" clId="{3E10BEA9-948B-4B0E-BC79-4F30C4BCB2A0}" dt="2025-07-25T15:18:42.461" v="76" actId="26606"/>
+          <ac:spMkLst>
+            <pc:docMk/>
+            <pc:sldMk cId="3964063589" sldId="269"/>
+            <ac:spMk id="22" creationId="{79798C63-2A2A-DD88-1073-FCACBB58C6D8}"/>
+          </ac:spMkLst>
+        </pc:spChg>
+        <pc:spChg chg="add del">
+          <ac:chgData name="louis knox" userId="ca7f32541148dd8f" providerId="LiveId" clId="{3E10BEA9-948B-4B0E-BC79-4F30C4BCB2A0}" dt="2025-07-25T15:18:42.461" v="76" actId="26606"/>
+          <ac:spMkLst>
+            <pc:docMk/>
+            <pc:sldMk cId="3964063589" sldId="269"/>
+            <ac:spMk id="24" creationId="{CC47DBE4-805E-02A4-189A-9C8794274B2C}"/>
+          </ac:spMkLst>
+        </pc:spChg>
+        <pc:spChg chg="add del">
+          <ac:chgData name="louis knox" userId="ca7f32541148dd8f" providerId="LiveId" clId="{3E10BEA9-948B-4B0E-BC79-4F30C4BCB2A0}" dt="2025-07-25T15:18:42.461" v="76" actId="26606"/>
+          <ac:spMkLst>
+            <pc:docMk/>
+            <pc:sldMk cId="3964063589" sldId="269"/>
+            <ac:spMk id="26" creationId="{90EF9CB8-D9E4-8888-4D58-6A392ED4F504}"/>
+          </ac:spMkLst>
+        </pc:spChg>
+        <pc:spChg chg="add del">
+          <ac:chgData name="louis knox" userId="ca7f32541148dd8f" providerId="LiveId" clId="{3E10BEA9-948B-4B0E-BC79-4F30C4BCB2A0}" dt="2025-07-25T15:18:35.973" v="73" actId="26606"/>
+          <ac:spMkLst>
+            <pc:docMk/>
+            <pc:sldMk cId="3964063589" sldId="269"/>
+            <ac:spMk id="31" creationId="{C4285719-470E-454C-AF62-8323075F1F5B}"/>
+          </ac:spMkLst>
+        </pc:spChg>
+        <pc:spChg chg="add del">
+          <ac:chgData name="louis knox" userId="ca7f32541148dd8f" providerId="LiveId" clId="{3E10BEA9-948B-4B0E-BC79-4F30C4BCB2A0}" dt="2025-07-25T15:18:35.973" v="73" actId="26606"/>
+          <ac:spMkLst>
+            <pc:docMk/>
+            <pc:sldMk cId="3964063589" sldId="269"/>
+            <ac:spMk id="33" creationId="{CD9FE4EF-C4D8-49A0-B2FF-81D8DB7D8A24}"/>
+          </ac:spMkLst>
+        </pc:spChg>
+        <pc:spChg chg="add del">
+          <ac:chgData name="louis knox" userId="ca7f32541148dd8f" providerId="LiveId" clId="{3E10BEA9-948B-4B0E-BC79-4F30C4BCB2A0}" dt="2025-07-25T15:18:35.973" v="73" actId="26606"/>
+          <ac:spMkLst>
+            <pc:docMk/>
+            <pc:sldMk cId="3964063589" sldId="269"/>
+            <ac:spMk id="37" creationId="{D2B78728-A580-49A7-84F9-6EF6F583ADE0}"/>
+          </ac:spMkLst>
+        </pc:spChg>
+        <pc:spChg chg="add del">
+          <ac:chgData name="louis knox" userId="ca7f32541148dd8f" providerId="LiveId" clId="{3E10BEA9-948B-4B0E-BC79-4F30C4BCB2A0}" dt="2025-07-25T15:18:35.973" v="73" actId="26606"/>
+          <ac:spMkLst>
+            <pc:docMk/>
+            <pc:sldMk cId="3964063589" sldId="269"/>
+            <ac:spMk id="39" creationId="{38FAA1A1-D861-433F-88FA-1E9D6FD31D11}"/>
+          </ac:spMkLst>
+        </pc:spChg>
+        <pc:spChg chg="add del">
+          <ac:chgData name="louis knox" userId="ca7f32541148dd8f" providerId="LiveId" clId="{3E10BEA9-948B-4B0E-BC79-4F30C4BCB2A0}" dt="2025-07-25T15:18:35.973" v="73" actId="26606"/>
+          <ac:spMkLst>
+            <pc:docMk/>
+            <pc:sldMk cId="3964063589" sldId="269"/>
+            <ac:spMk id="41" creationId="{8D71EDA1-87BF-4D5D-AB79-F346FD19278A}"/>
+          </ac:spMkLst>
+        </pc:spChg>
+        <pc:spChg chg="add del">
+          <ac:chgData name="louis knox" userId="ca7f32541148dd8f" providerId="LiveId" clId="{3E10BEA9-948B-4B0E-BC79-4F30C4BCB2A0}" dt="2025-07-25T15:18:42.429" v="75" actId="26606"/>
+          <ac:spMkLst>
+            <pc:docMk/>
+            <pc:sldMk cId="3964063589" sldId="269"/>
+            <ac:spMk id="43" creationId="{C4285719-470E-454C-AF62-8323075F1F5B}"/>
+          </ac:spMkLst>
+        </pc:spChg>
+        <pc:spChg chg="add del">
+          <ac:chgData name="louis knox" userId="ca7f32541148dd8f" providerId="LiveId" clId="{3E10BEA9-948B-4B0E-BC79-4F30C4BCB2A0}" dt="2025-07-25T15:18:42.429" v="75" actId="26606"/>
+          <ac:spMkLst>
+            <pc:docMk/>
+            <pc:sldMk cId="3964063589" sldId="269"/>
+            <ac:spMk id="44" creationId="{CD9FE4EF-C4D8-49A0-B2FF-81D8DB7D8A24}"/>
+          </ac:spMkLst>
+        </pc:spChg>
+        <pc:spChg chg="add del">
+          <ac:chgData name="louis knox" userId="ca7f32541148dd8f" providerId="LiveId" clId="{3E10BEA9-948B-4B0E-BC79-4F30C4BCB2A0}" dt="2025-07-25T15:18:42.429" v="75" actId="26606"/>
+          <ac:spMkLst>
+            <pc:docMk/>
+            <pc:sldMk cId="3964063589" sldId="269"/>
+            <ac:spMk id="45" creationId="{4300840D-0A0B-4512-BACA-B439D5B9C57C}"/>
+          </ac:spMkLst>
+        </pc:spChg>
+        <pc:spChg chg="add del">
+          <ac:chgData name="louis knox" userId="ca7f32541148dd8f" providerId="LiveId" clId="{3E10BEA9-948B-4B0E-BC79-4F30C4BCB2A0}" dt="2025-07-25T15:18:42.429" v="75" actId="26606"/>
+          <ac:spMkLst>
+            <pc:docMk/>
+            <pc:sldMk cId="3964063589" sldId="269"/>
+            <ac:spMk id="46" creationId="{D2B78728-A580-49A7-84F9-6EF6F583ADE0}"/>
+          </ac:spMkLst>
+        </pc:spChg>
+        <pc:spChg chg="add del">
+          <ac:chgData name="louis knox" userId="ca7f32541148dd8f" providerId="LiveId" clId="{3E10BEA9-948B-4B0E-BC79-4F30C4BCB2A0}" dt="2025-07-25T15:18:42.429" v="75" actId="26606"/>
+          <ac:spMkLst>
+            <pc:docMk/>
+            <pc:sldMk cId="3964063589" sldId="269"/>
+            <ac:spMk id="48" creationId="{8D71EDA1-87BF-4D5D-AB79-F346FD19278A}"/>
+          </ac:spMkLst>
+        </pc:spChg>
+        <pc:spChg chg="add">
+          <ac:chgData name="louis knox" userId="ca7f32541148dd8f" providerId="LiveId" clId="{3E10BEA9-948B-4B0E-BC79-4F30C4BCB2A0}" dt="2025-07-25T15:18:42.461" v="76" actId="26606"/>
+          <ac:spMkLst>
+            <pc:docMk/>
+            <pc:sldMk cId="3964063589" sldId="269"/>
+            <ac:spMk id="50" creationId="{8286CAC6-A8CC-0E06-E0C1-68D96EBC6949}"/>
+          </ac:spMkLst>
+        </pc:spChg>
+        <pc:spChg chg="add">
+          <ac:chgData name="louis knox" userId="ca7f32541148dd8f" providerId="LiveId" clId="{3E10BEA9-948B-4B0E-BC79-4F30C4BCB2A0}" dt="2025-07-25T15:18:42.461" v="76" actId="26606"/>
+          <ac:spMkLst>
+            <pc:docMk/>
+            <pc:sldMk cId="3964063589" sldId="269"/>
+            <ac:spMk id="51" creationId="{79798C63-2A2A-DD88-1073-FCACBB58C6D8}"/>
+          </ac:spMkLst>
+        </pc:spChg>
+        <pc:spChg chg="add">
+          <ac:chgData name="louis knox" userId="ca7f32541148dd8f" providerId="LiveId" clId="{3E10BEA9-948B-4B0E-BC79-4F30C4BCB2A0}" dt="2025-07-25T15:18:42.461" v="76" actId="26606"/>
+          <ac:spMkLst>
+            <pc:docMk/>
+            <pc:sldMk cId="3964063589" sldId="269"/>
+            <ac:spMk id="52" creationId="{CC47DBE4-805E-02A4-189A-9C8794274B2C}"/>
+          </ac:spMkLst>
+        </pc:spChg>
+        <pc:spChg chg="add">
+          <ac:chgData name="louis knox" userId="ca7f32541148dd8f" providerId="LiveId" clId="{3E10BEA9-948B-4B0E-BC79-4F30C4BCB2A0}" dt="2025-07-25T15:18:42.461" v="76" actId="26606"/>
+          <ac:spMkLst>
+            <pc:docMk/>
+            <pc:sldMk cId="3964063589" sldId="269"/>
+            <ac:spMk id="53" creationId="{90EF9CB8-D9E4-8888-4D58-6A392ED4F504}"/>
+          </ac:spMkLst>
+        </pc:spChg>
+        <pc:graphicFrameChg chg="mod modGraphic">
+          <ac:chgData name="louis knox" userId="ca7f32541148dd8f" providerId="LiveId" clId="{3E10BEA9-948B-4B0E-BC79-4F30C4BCB2A0}" dt="2025-07-25T15:19:23.412" v="77"/>
+          <ac:graphicFrameMkLst>
+            <pc:docMk/>
+            <pc:sldMk cId="3964063589" sldId="269"/>
+            <ac:graphicFrameMk id="15" creationId="{769D282B-E3A2-A141-EE48-3633E5E5C42F}"/>
+          </ac:graphicFrameMkLst>
+        </pc:graphicFrameChg>
+        <pc:picChg chg="del">
+          <ac:chgData name="louis knox" userId="ca7f32541148dd8f" providerId="LiveId" clId="{3E10BEA9-948B-4B0E-BC79-4F30C4BCB2A0}" dt="2025-07-25T15:14:31.916" v="43" actId="478"/>
+          <ac:picMkLst>
+            <pc:docMk/>
+            <pc:sldMk cId="3964063589" sldId="269"/>
+            <ac:picMk id="4" creationId="{20E31D6A-4EEE-EDDC-8CC8-BE05BEBBA03B}"/>
+          </ac:picMkLst>
+        </pc:picChg>
+        <pc:picChg chg="mod">
+          <ac:chgData name="louis knox" userId="ca7f32541148dd8f" providerId="LiveId" clId="{3E10BEA9-948B-4B0E-BC79-4F30C4BCB2A0}" dt="2025-07-25T15:17:37.741" v="69" actId="1076"/>
+          <ac:picMkLst>
+            <pc:docMk/>
+            <pc:sldMk cId="3964063589" sldId="269"/>
+            <ac:picMk id="6" creationId="{4F6DD129-CEC8-8BF2-498E-AE09C6DE12D0}"/>
+          </ac:picMkLst>
+        </pc:picChg>
+      </pc:sldChg>
+    </pc:docChg>
+  </pc:docChgLst>
+</pc:chgInfo>
+</file>
+
 <file path=ppt/diagrams/colors1.xml><?xml version="1.0" encoding="utf-8"?>
 <dgm:colorsDef xmlns:dgm="http://schemas.openxmlformats.org/drawingml/2006/diagram" xmlns:a="http://schemas.openxmlformats.org/drawingml/2006/main" uniqueId="urn:microsoft.com/office/officeart/2018/5/colors/Iconchunking_coloredtext_colorful1">
   <dgm:title val=""/>
@@ -3687,6 +4236,1707 @@
 </file>
 
 <file path=ppt/diagrams/colors5.xml><?xml version="1.0" encoding="utf-8"?>
+<dgm:colorsDef xmlns:dgm="http://schemas.openxmlformats.org/drawingml/2006/diagram" xmlns:a="http://schemas.openxmlformats.org/drawingml/2006/main" uniqueId="urn:microsoft.com/office/officeart/2005/8/colors/colorful5">
+  <dgm:title val=""/>
+  <dgm:desc val=""/>
+  <dgm:catLst>
+    <dgm:cat type="colorful" pri="10500"/>
+  </dgm:catLst>
+  <dgm:styleLbl name="node0">
+    <dgm:fillClrLst meth="repeat">
+      <a:schemeClr val="accent4"/>
+    </dgm:fillClrLst>
+    <dgm:linClrLst meth="repeat">
+      <a:schemeClr val="lt1"/>
+    </dgm:linClrLst>
+    <dgm:effectClrLst/>
+    <dgm:txLinClrLst/>
+    <dgm:txFillClrLst/>
+    <dgm:txEffectClrLst/>
+  </dgm:styleLbl>
+  <dgm:styleLbl name="node1">
+    <dgm:fillClrLst>
+      <a:schemeClr val="accent5"/>
+      <a:schemeClr val="accent6"/>
+    </dgm:fillClrLst>
+    <dgm:linClrLst meth="repeat">
+      <a:schemeClr val="lt1"/>
+    </dgm:linClrLst>
+    <dgm:effectClrLst/>
+    <dgm:txLinClrLst/>
+    <dgm:txFillClrLst/>
+    <dgm:txEffectClrLst/>
+  </dgm:styleLbl>
+  <dgm:styleLbl name="alignNode1">
+    <dgm:fillClrLst>
+      <a:schemeClr val="accent5"/>
+      <a:schemeClr val="accent6"/>
+    </dgm:fillClrLst>
+    <dgm:linClrLst>
+      <a:schemeClr val="accent5"/>
+      <a:schemeClr val="accent6"/>
+    </dgm:linClrLst>
+    <dgm:effectClrLst/>
+    <dgm:txLinClrLst/>
+    <dgm:txFillClrLst/>
+    <dgm:txEffectClrLst/>
+  </dgm:styleLbl>
+  <dgm:styleLbl name="lnNode1">
+    <dgm:fillClrLst>
+      <a:schemeClr val="accent5"/>
+      <a:schemeClr val="accent6"/>
+    </dgm:fillClrLst>
+    <dgm:linClrLst meth="repeat">
+      <a:schemeClr val="lt1"/>
+    </dgm:linClrLst>
+    <dgm:effectClrLst/>
+    <dgm:txLinClrLst/>
+    <dgm:txFillClrLst/>
+    <dgm:txEffectClrLst/>
+  </dgm:styleLbl>
+  <dgm:styleLbl name="vennNode1">
+    <dgm:fillClrLst>
+      <a:schemeClr val="accent5">
+        <a:alpha val="50000"/>
+      </a:schemeClr>
+      <a:schemeClr val="accent6">
+        <a:alpha val="50000"/>
+      </a:schemeClr>
+    </dgm:fillClrLst>
+    <dgm:linClrLst meth="repeat">
+      <a:schemeClr val="lt1"/>
+    </dgm:linClrLst>
+    <dgm:effectClrLst/>
+    <dgm:txLinClrLst/>
+    <dgm:txFillClrLst/>
+    <dgm:txEffectClrLst/>
+  </dgm:styleLbl>
+  <dgm:styleLbl name="node2">
+    <dgm:fillClrLst>
+      <a:schemeClr val="accent6"/>
+    </dgm:fillClrLst>
+    <dgm:linClrLst meth="repeat">
+      <a:schemeClr val="lt1"/>
+    </dgm:linClrLst>
+    <dgm:effectClrLst/>
+    <dgm:txLinClrLst/>
+    <dgm:txFillClrLst/>
+    <dgm:txEffectClrLst/>
+  </dgm:styleLbl>
+  <dgm:styleLbl name="node3">
+    <dgm:fillClrLst>
+      <a:schemeClr val="accent1"/>
+    </dgm:fillClrLst>
+    <dgm:linClrLst meth="repeat">
+      <a:schemeClr val="lt1"/>
+    </dgm:linClrLst>
+    <dgm:effectClrLst/>
+    <dgm:txLinClrLst/>
+    <dgm:txFillClrLst/>
+    <dgm:txEffectClrLst/>
+  </dgm:styleLbl>
+  <dgm:styleLbl name="node4">
+    <dgm:fillClrLst>
+      <a:schemeClr val="accent2"/>
+    </dgm:fillClrLst>
+    <dgm:linClrLst meth="repeat">
+      <a:schemeClr val="lt1"/>
+    </dgm:linClrLst>
+    <dgm:effectClrLst/>
+    <dgm:txLinClrLst/>
+    <dgm:txFillClrLst/>
+    <dgm:txEffectClrLst/>
+  </dgm:styleLbl>
+  <dgm:styleLbl name="fgImgPlace1">
+    <dgm:fillClrLst>
+      <a:schemeClr val="accent5">
+        <a:tint val="50000"/>
+      </a:schemeClr>
+      <a:schemeClr val="accent6">
+        <a:tint val="50000"/>
+      </a:schemeClr>
+    </dgm:fillClrLst>
+    <dgm:linClrLst meth="repeat">
+      <a:schemeClr val="lt1"/>
+    </dgm:linClrLst>
+    <dgm:effectClrLst/>
+    <dgm:txLinClrLst/>
+    <dgm:txFillClrLst meth="repeat">
+      <a:schemeClr val="lt1"/>
+    </dgm:txFillClrLst>
+    <dgm:txEffectClrLst/>
+  </dgm:styleLbl>
+  <dgm:styleLbl name="alignImgPlace1">
+    <dgm:fillClrLst>
+      <a:schemeClr val="accent5">
+        <a:tint val="50000"/>
+      </a:schemeClr>
+      <a:schemeClr val="accent6">
+        <a:tint val="20000"/>
+      </a:schemeClr>
+    </dgm:fillClrLst>
+    <dgm:linClrLst meth="repeat">
+      <a:schemeClr val="lt1"/>
+    </dgm:linClrLst>
+    <dgm:effectClrLst/>
+    <dgm:txLinClrLst/>
+    <dgm:txFillClrLst meth="repeat">
+      <a:schemeClr val="lt1"/>
+    </dgm:txFillClrLst>
+    <dgm:txEffectClrLst/>
+  </dgm:styleLbl>
+  <dgm:styleLbl name="bgImgPlace1">
+    <dgm:fillClrLst>
+      <a:schemeClr val="accent5">
+        <a:tint val="50000"/>
+      </a:schemeClr>
+      <a:schemeClr val="accent6">
+        <a:tint val="20000"/>
+      </a:schemeClr>
+    </dgm:fillClrLst>
+    <dgm:linClrLst meth="repeat">
+      <a:schemeClr val="lt1"/>
+    </dgm:linClrLst>
+    <dgm:effectClrLst/>
+    <dgm:txLinClrLst/>
+    <dgm:txFillClrLst meth="repeat">
+      <a:schemeClr val="lt1"/>
+    </dgm:txFillClrLst>
+    <dgm:txEffectClrLst/>
+  </dgm:styleLbl>
+  <dgm:styleLbl name="sibTrans2D1">
+    <dgm:fillClrLst>
+      <a:schemeClr val="accent5"/>
+      <a:schemeClr val="accent6"/>
+    </dgm:fillClrLst>
+    <dgm:linClrLst meth="repeat">
+      <a:schemeClr val="lt1"/>
+    </dgm:linClrLst>
+    <dgm:effectClrLst/>
+    <dgm:txLinClrLst/>
+    <dgm:txFillClrLst/>
+    <dgm:txEffectClrLst/>
+  </dgm:styleLbl>
+  <dgm:styleLbl name="fgSibTrans2D1">
+    <dgm:fillClrLst>
+      <a:schemeClr val="accent5"/>
+      <a:schemeClr val="accent6"/>
+    </dgm:fillClrLst>
+    <dgm:linClrLst meth="repeat">
+      <a:schemeClr val="lt1"/>
+    </dgm:linClrLst>
+    <dgm:effectClrLst/>
+    <dgm:txLinClrLst/>
+    <dgm:txFillClrLst meth="repeat">
+      <a:schemeClr val="lt1"/>
+    </dgm:txFillClrLst>
+    <dgm:txEffectClrLst/>
+  </dgm:styleLbl>
+  <dgm:styleLbl name="bgSibTrans2D1">
+    <dgm:fillClrLst>
+      <a:schemeClr val="accent5"/>
+      <a:schemeClr val="accent6"/>
+    </dgm:fillClrLst>
+    <dgm:linClrLst meth="repeat">
+      <a:schemeClr val="lt1"/>
+    </dgm:linClrLst>
+    <dgm:effectClrLst/>
+    <dgm:txLinClrLst/>
+    <dgm:txFillClrLst meth="repeat">
+      <a:schemeClr val="lt1"/>
+    </dgm:txFillClrLst>
+    <dgm:txEffectClrLst/>
+  </dgm:styleLbl>
+  <dgm:styleLbl name="sibTrans1D1">
+    <dgm:fillClrLst/>
+    <dgm:linClrLst>
+      <a:schemeClr val="accent5"/>
+      <a:schemeClr val="accent6"/>
+    </dgm:linClrLst>
+    <dgm:effectClrLst/>
+    <dgm:txLinClrLst/>
+    <dgm:txFillClrLst meth="repeat">
+      <a:schemeClr val="tx1"/>
+    </dgm:txFillClrLst>
+    <dgm:txEffectClrLst/>
+  </dgm:styleLbl>
+  <dgm:styleLbl name="callout">
+    <dgm:fillClrLst meth="repeat">
+      <a:schemeClr val="accent5"/>
+    </dgm:fillClrLst>
+    <dgm:linClrLst meth="repeat">
+      <a:schemeClr val="accent5">
+        <a:tint val="50000"/>
+      </a:schemeClr>
+    </dgm:linClrLst>
+    <dgm:effectClrLst/>
+    <dgm:txLinClrLst/>
+    <dgm:txFillClrLst meth="repeat">
+      <a:schemeClr val="tx1"/>
+    </dgm:txFillClrLst>
+    <dgm:txEffectClrLst/>
+  </dgm:styleLbl>
+  <dgm:styleLbl name="asst0">
+    <dgm:fillClrLst meth="repeat">
+      <a:schemeClr val="accent5"/>
+    </dgm:fillClrLst>
+    <dgm:linClrLst meth="repeat">
+      <a:schemeClr val="lt1">
+        <a:shade val="80000"/>
+      </a:schemeClr>
+    </dgm:linClrLst>
+    <dgm:effectClrLst/>
+    <dgm:txLinClrLst/>
+    <dgm:txFillClrLst/>
+    <dgm:txEffectClrLst/>
+  </dgm:styleLbl>
+  <dgm:styleLbl name="asst1">
+    <dgm:fillClrLst meth="repeat">
+      <a:schemeClr val="accent6"/>
+    </dgm:fillClrLst>
+    <dgm:linClrLst meth="repeat">
+      <a:schemeClr val="lt1">
+        <a:shade val="80000"/>
+      </a:schemeClr>
+    </dgm:linClrLst>
+    <dgm:effectClrLst/>
+    <dgm:txLinClrLst/>
+    <dgm:txFillClrLst/>
+    <dgm:txEffectClrLst/>
+  </dgm:styleLbl>
+  <dgm:styleLbl name="asst2">
+    <dgm:fillClrLst>
+      <a:schemeClr val="accent1"/>
+    </dgm:fillClrLst>
+    <dgm:linClrLst meth="repeat">
+      <a:schemeClr val="lt1"/>
+    </dgm:linClrLst>
+    <dgm:effectClrLst/>
+    <dgm:txLinClrLst/>
+    <dgm:txFillClrLst/>
+    <dgm:txEffectClrLst/>
+  </dgm:styleLbl>
+  <dgm:styleLbl name="asst3">
+    <dgm:fillClrLst>
+      <a:schemeClr val="accent2"/>
+    </dgm:fillClrLst>
+    <dgm:linClrLst meth="repeat">
+      <a:schemeClr val="lt1"/>
+    </dgm:linClrLst>
+    <dgm:effectClrLst/>
+    <dgm:txLinClrLst/>
+    <dgm:txFillClrLst/>
+    <dgm:txEffectClrLst/>
+  </dgm:styleLbl>
+  <dgm:styleLbl name="asst4">
+    <dgm:fillClrLst>
+      <a:schemeClr val="accent3"/>
+    </dgm:fillClrLst>
+    <dgm:linClrLst meth="repeat">
+      <a:schemeClr val="lt1"/>
+    </dgm:linClrLst>
+    <dgm:effectClrLst/>
+    <dgm:txLinClrLst/>
+    <dgm:txFillClrLst/>
+    <dgm:txEffectClrLst/>
+  </dgm:styleLbl>
+  <dgm:styleLbl name="parChTrans2D1">
+    <dgm:fillClrLst meth="repeat">
+      <a:schemeClr val="accent5"/>
+    </dgm:fillClrLst>
+    <dgm:linClrLst meth="repeat">
+      <a:schemeClr val="lt1"/>
+    </dgm:linClrLst>
+    <dgm:effectClrLst/>
+    <dgm:txLinClrLst/>
+    <dgm:txFillClrLst meth="repeat">
+      <a:schemeClr val="lt1"/>
+    </dgm:txFillClrLst>
+    <dgm:txEffectClrLst/>
+  </dgm:styleLbl>
+  <dgm:styleLbl name="parChTrans2D2">
+    <dgm:fillClrLst meth="repeat">
+      <a:schemeClr val="accent6"/>
+    </dgm:fillClrLst>
+    <dgm:linClrLst meth="repeat">
+      <a:schemeClr val="lt1"/>
+    </dgm:linClrLst>
+    <dgm:effectClrLst/>
+    <dgm:txLinClrLst/>
+    <dgm:txFillClrLst/>
+    <dgm:txEffectClrLst/>
+  </dgm:styleLbl>
+  <dgm:styleLbl name="parChTrans2D3">
+    <dgm:fillClrLst meth="repeat">
+      <a:schemeClr val="accent6"/>
+    </dgm:fillClrLst>
+    <dgm:linClrLst meth="repeat">
+      <a:schemeClr val="lt1"/>
+    </dgm:linClrLst>
+    <dgm:effectClrLst/>
+    <dgm:txLinClrLst/>
+    <dgm:txFillClrLst/>
+    <dgm:txEffectClrLst/>
+  </dgm:styleLbl>
+  <dgm:styleLbl name="parChTrans2D4">
+    <dgm:fillClrLst meth="repeat">
+      <a:schemeClr val="accent1"/>
+    </dgm:fillClrLst>
+    <dgm:linClrLst meth="repeat">
+      <a:schemeClr val="lt1"/>
+    </dgm:linClrLst>
+    <dgm:effectClrLst/>
+    <dgm:txLinClrLst/>
+    <dgm:txFillClrLst meth="repeat">
+      <a:schemeClr val="lt1"/>
+    </dgm:txFillClrLst>
+    <dgm:txEffectClrLst/>
+  </dgm:styleLbl>
+  <dgm:styleLbl name="parChTrans1D1">
+    <dgm:fillClrLst meth="repeat">
+      <a:schemeClr val="accent5"/>
+    </dgm:fillClrLst>
+    <dgm:linClrLst meth="repeat">
+      <a:schemeClr val="accent5"/>
+    </dgm:linClrLst>
+    <dgm:effectClrLst/>
+    <dgm:txLinClrLst/>
+    <dgm:txFillClrLst meth="repeat">
+      <a:schemeClr val="tx1"/>
+    </dgm:txFillClrLst>
+    <dgm:txEffectClrLst/>
+  </dgm:styleLbl>
+  <dgm:styleLbl name="parChTrans1D2">
+    <dgm:fillClrLst meth="repeat">
+      <a:schemeClr val="accent6">
+        <a:tint val="90000"/>
+      </a:schemeClr>
+    </dgm:fillClrLst>
+    <dgm:linClrLst meth="repeat">
+      <a:schemeClr val="accent6"/>
+    </dgm:linClrLst>
+    <dgm:effectClrLst/>
+    <dgm:txLinClrLst/>
+    <dgm:txFillClrLst meth="repeat">
+      <a:schemeClr val="tx1"/>
+    </dgm:txFillClrLst>
+    <dgm:txEffectClrLst/>
+  </dgm:styleLbl>
+  <dgm:styleLbl name="parChTrans1D3">
+    <dgm:fillClrLst meth="repeat">
+      <a:schemeClr val="accent6">
+        <a:tint val="70000"/>
+      </a:schemeClr>
+    </dgm:fillClrLst>
+    <dgm:linClrLst meth="repeat">
+      <a:schemeClr val="accent1"/>
+    </dgm:linClrLst>
+    <dgm:effectClrLst/>
+    <dgm:txLinClrLst/>
+    <dgm:txFillClrLst meth="repeat">
+      <a:schemeClr val="tx1"/>
+    </dgm:txFillClrLst>
+    <dgm:txEffectClrLst/>
+  </dgm:styleLbl>
+  <dgm:styleLbl name="parChTrans1D4">
+    <dgm:fillClrLst meth="repeat">
+      <a:schemeClr val="accent6">
+        <a:tint val="50000"/>
+      </a:schemeClr>
+    </dgm:fillClrLst>
+    <dgm:linClrLst meth="repeat">
+      <a:schemeClr val="accent2"/>
+    </dgm:linClrLst>
+    <dgm:effectClrLst/>
+    <dgm:txLinClrLst/>
+    <dgm:txFillClrLst meth="repeat">
+      <a:schemeClr val="tx1"/>
+    </dgm:txFillClrLst>
+    <dgm:txEffectClrLst/>
+  </dgm:styleLbl>
+  <dgm:styleLbl name="fgAcc1">
+    <dgm:fillClrLst meth="repeat">
+      <a:schemeClr val="lt1">
+        <a:alpha val="90000"/>
+      </a:schemeClr>
+    </dgm:fillClrLst>
+    <dgm:linClrLst>
+      <a:schemeClr val="accent5"/>
+      <a:schemeClr val="accent6"/>
+    </dgm:linClrLst>
+    <dgm:effectClrLst/>
+    <dgm:txLinClrLst/>
+    <dgm:txFillClrLst meth="repeat">
+      <a:schemeClr val="dk1"/>
+    </dgm:txFillClrLst>
+    <dgm:txEffectClrLst/>
+  </dgm:styleLbl>
+  <dgm:styleLbl name="conFgAcc1">
+    <dgm:fillClrLst meth="repeat">
+      <a:schemeClr val="lt1">
+        <a:alpha val="90000"/>
+      </a:schemeClr>
+    </dgm:fillClrLst>
+    <dgm:linClrLst>
+      <a:schemeClr val="accent5"/>
+      <a:schemeClr val="accent6"/>
+    </dgm:linClrLst>
+    <dgm:effectClrLst/>
+    <dgm:txLinClrLst/>
+    <dgm:txFillClrLst meth="repeat">
+      <a:schemeClr val="dk1"/>
+    </dgm:txFillClrLst>
+    <dgm:txEffectClrLst/>
+  </dgm:styleLbl>
+  <dgm:styleLbl name="alignAcc1">
+    <dgm:fillClrLst meth="repeat">
+      <a:schemeClr val="lt1">
+        <a:alpha val="90000"/>
+      </a:schemeClr>
+    </dgm:fillClrLst>
+    <dgm:linClrLst>
+      <a:schemeClr val="accent5"/>
+      <a:schemeClr val="accent6"/>
+    </dgm:linClrLst>
+    <dgm:effectClrLst/>
+    <dgm:txLinClrLst/>
+    <dgm:txFillClrLst meth="repeat">
+      <a:schemeClr val="dk1"/>
+    </dgm:txFillClrLst>
+    <dgm:txEffectClrLst/>
+  </dgm:styleLbl>
+  <dgm:styleLbl name="trAlignAcc1">
+    <dgm:fillClrLst meth="repeat">
+      <a:schemeClr val="lt1">
+        <a:alpha val="40000"/>
+      </a:schemeClr>
+    </dgm:fillClrLst>
+    <dgm:linClrLst meth="repeat">
+      <a:schemeClr val="accent5"/>
+    </dgm:linClrLst>
+    <dgm:effectClrLst/>
+    <dgm:txLinClrLst/>
+    <dgm:txFillClrLst meth="repeat">
+      <a:schemeClr val="dk1"/>
+    </dgm:txFillClrLst>
+    <dgm:txEffectClrLst/>
+  </dgm:styleLbl>
+  <dgm:styleLbl name="bgAcc1">
+    <dgm:fillClrLst meth="repeat">
+      <a:schemeClr val="lt1">
+        <a:alpha val="90000"/>
+      </a:schemeClr>
+    </dgm:fillClrLst>
+    <dgm:linClrLst>
+      <a:schemeClr val="accent5"/>
+      <a:schemeClr val="accent6"/>
+    </dgm:linClrLst>
+    <dgm:effectClrLst/>
+    <dgm:txLinClrLst/>
+    <dgm:txFillClrLst meth="repeat">
+      <a:schemeClr val="dk1"/>
+    </dgm:txFillClrLst>
+    <dgm:txEffectClrLst/>
+  </dgm:styleLbl>
+  <dgm:styleLbl name="solidFgAcc1">
+    <dgm:fillClrLst meth="repeat">
+      <a:schemeClr val="lt1"/>
+    </dgm:fillClrLst>
+    <dgm:linClrLst>
+      <a:schemeClr val="accent5"/>
+      <a:schemeClr val="accent6"/>
+    </dgm:linClrLst>
+    <dgm:effectClrLst/>
+    <dgm:txLinClrLst/>
+    <dgm:txFillClrLst meth="repeat">
+      <a:schemeClr val="dk1"/>
+    </dgm:txFillClrLst>
+    <dgm:txEffectClrLst/>
+  </dgm:styleLbl>
+  <dgm:styleLbl name="solidAlignAcc1">
+    <dgm:fillClrLst meth="repeat">
+      <a:schemeClr val="lt1"/>
+    </dgm:fillClrLst>
+    <dgm:linClrLst>
+      <a:schemeClr val="accent5"/>
+      <a:schemeClr val="accent6"/>
+    </dgm:linClrLst>
+    <dgm:effectClrLst/>
+    <dgm:txLinClrLst/>
+    <dgm:txFillClrLst meth="repeat">
+      <a:schemeClr val="dk1"/>
+    </dgm:txFillClrLst>
+    <dgm:txEffectClrLst/>
+  </dgm:styleLbl>
+  <dgm:styleLbl name="solidBgAcc1">
+    <dgm:fillClrLst meth="repeat">
+      <a:schemeClr val="lt1"/>
+    </dgm:fillClrLst>
+    <dgm:linClrLst>
+      <a:schemeClr val="accent5"/>
+      <a:schemeClr val="accent6"/>
+    </dgm:linClrLst>
+    <dgm:effectClrLst/>
+    <dgm:txLinClrLst/>
+    <dgm:txFillClrLst meth="repeat">
+      <a:schemeClr val="dk1"/>
+    </dgm:txFillClrLst>
+    <dgm:txEffectClrLst/>
+  </dgm:styleLbl>
+  <dgm:styleLbl name="fgAccFollowNode1">
+    <dgm:fillClrLst>
+      <a:schemeClr val="accent5">
+        <a:tint val="40000"/>
+        <a:alpha val="90000"/>
+      </a:schemeClr>
+      <a:schemeClr val="accent6">
+        <a:tint val="40000"/>
+        <a:alpha val="90000"/>
+      </a:schemeClr>
+    </dgm:fillClrLst>
+    <dgm:linClrLst>
+      <a:schemeClr val="accent5">
+        <a:tint val="40000"/>
+        <a:alpha val="90000"/>
+      </a:schemeClr>
+      <a:schemeClr val="accent5">
+        <a:tint val="40000"/>
+        <a:alpha val="90000"/>
+      </a:schemeClr>
+    </dgm:linClrLst>
+    <dgm:effectClrLst/>
+    <dgm:txLinClrLst/>
+    <dgm:txFillClrLst meth="repeat">
+      <a:schemeClr val="dk1"/>
+    </dgm:txFillClrLst>
+    <dgm:txEffectClrLst/>
+  </dgm:styleLbl>
+  <dgm:styleLbl name="alignAccFollowNode1">
+    <dgm:fillClrLst>
+      <a:schemeClr val="accent5">
+        <a:tint val="40000"/>
+        <a:alpha val="90000"/>
+      </a:schemeClr>
+      <a:schemeClr val="accent6">
+        <a:tint val="40000"/>
+        <a:alpha val="90000"/>
+      </a:schemeClr>
+    </dgm:fillClrLst>
+    <dgm:linClrLst>
+      <a:schemeClr val="accent5">
+        <a:tint val="40000"/>
+        <a:alpha val="90000"/>
+      </a:schemeClr>
+      <a:schemeClr val="accent6">
+        <a:tint val="40000"/>
+        <a:alpha val="90000"/>
+      </a:schemeClr>
+    </dgm:linClrLst>
+    <dgm:effectClrLst/>
+    <dgm:txLinClrLst/>
+    <dgm:txFillClrLst meth="repeat">
+      <a:schemeClr val="dk1"/>
+    </dgm:txFillClrLst>
+    <dgm:txEffectClrLst/>
+  </dgm:styleLbl>
+  <dgm:styleLbl name="bgAccFollowNode1">
+    <dgm:fillClrLst>
+      <a:schemeClr val="accent5">
+        <a:tint val="40000"/>
+        <a:alpha val="90000"/>
+      </a:schemeClr>
+      <a:schemeClr val="accent6">
+        <a:tint val="40000"/>
+        <a:alpha val="90000"/>
+      </a:schemeClr>
+    </dgm:fillClrLst>
+    <dgm:linClrLst>
+      <a:schemeClr val="accent5">
+        <a:tint val="40000"/>
+        <a:alpha val="90000"/>
+      </a:schemeClr>
+      <a:schemeClr val="accent6">
+        <a:tint val="40000"/>
+        <a:alpha val="90000"/>
+      </a:schemeClr>
+    </dgm:linClrLst>
+    <dgm:effectClrLst/>
+    <dgm:txLinClrLst/>
+    <dgm:txFillClrLst meth="repeat">
+      <a:schemeClr val="dk1"/>
+    </dgm:txFillClrLst>
+    <dgm:txEffectClrLst/>
+  </dgm:styleLbl>
+  <dgm:styleLbl name="fgAcc0">
+    <dgm:fillClrLst meth="repeat">
+      <a:schemeClr val="lt1">
+        <a:alpha val="90000"/>
+      </a:schemeClr>
+    </dgm:fillClrLst>
+    <dgm:linClrLst>
+      <a:schemeClr val="accent4"/>
+    </dgm:linClrLst>
+    <dgm:effectClrLst/>
+    <dgm:txLinClrLst/>
+    <dgm:txFillClrLst meth="repeat">
+      <a:schemeClr val="dk1"/>
+    </dgm:txFillClrLst>
+    <dgm:txEffectClrLst/>
+  </dgm:styleLbl>
+  <dgm:styleLbl name="fgAcc2">
+    <dgm:fillClrLst meth="repeat">
+      <a:schemeClr val="lt1">
+        <a:alpha val="90000"/>
+      </a:schemeClr>
+    </dgm:fillClrLst>
+    <dgm:linClrLst>
+      <a:schemeClr val="accent6"/>
+    </dgm:linClrLst>
+    <dgm:effectClrLst/>
+    <dgm:txLinClrLst/>
+    <dgm:txFillClrLst meth="repeat">
+      <a:schemeClr val="dk1"/>
+    </dgm:txFillClrLst>
+    <dgm:txEffectClrLst/>
+  </dgm:styleLbl>
+  <dgm:styleLbl name="fgAcc3">
+    <dgm:fillClrLst meth="repeat">
+      <a:schemeClr val="lt1">
+        <a:alpha val="90000"/>
+      </a:schemeClr>
+    </dgm:fillClrLst>
+    <dgm:linClrLst>
+      <a:schemeClr val="accent1"/>
+    </dgm:linClrLst>
+    <dgm:effectClrLst/>
+    <dgm:txLinClrLst/>
+    <dgm:txFillClrLst meth="repeat">
+      <a:schemeClr val="dk1"/>
+    </dgm:txFillClrLst>
+    <dgm:txEffectClrLst/>
+  </dgm:styleLbl>
+  <dgm:styleLbl name="fgAcc4">
+    <dgm:fillClrLst meth="repeat">
+      <a:schemeClr val="lt1">
+        <a:alpha val="90000"/>
+      </a:schemeClr>
+    </dgm:fillClrLst>
+    <dgm:linClrLst>
+      <a:schemeClr val="accent2"/>
+    </dgm:linClrLst>
+    <dgm:effectClrLst/>
+    <dgm:txLinClrLst/>
+    <dgm:txFillClrLst meth="repeat">
+      <a:schemeClr val="dk1"/>
+    </dgm:txFillClrLst>
+    <dgm:txEffectClrLst/>
+  </dgm:styleLbl>
+  <dgm:styleLbl name="bgShp">
+    <dgm:fillClrLst meth="repeat">
+      <a:schemeClr val="accent5">
+        <a:tint val="40000"/>
+      </a:schemeClr>
+    </dgm:fillClrLst>
+    <dgm:linClrLst meth="repeat">
+      <a:schemeClr val="dk1"/>
+    </dgm:linClrLst>
+    <dgm:effectClrLst/>
+    <dgm:txLinClrLst/>
+    <dgm:txFillClrLst meth="repeat">
+      <a:schemeClr val="dk1"/>
+    </dgm:txFillClrLst>
+    <dgm:txEffectClrLst/>
+  </dgm:styleLbl>
+  <dgm:styleLbl name="dkBgShp">
+    <dgm:fillClrLst meth="repeat">
+      <a:schemeClr val="accent5">
+        <a:shade val="90000"/>
+      </a:schemeClr>
+    </dgm:fillClrLst>
+    <dgm:linClrLst meth="repeat">
+      <a:schemeClr val="dk1"/>
+    </dgm:linClrLst>
+    <dgm:effectClrLst/>
+    <dgm:txLinClrLst/>
+    <dgm:txFillClrLst meth="repeat">
+      <a:schemeClr val="lt1"/>
+    </dgm:txFillClrLst>
+    <dgm:txEffectClrLst/>
+  </dgm:styleLbl>
+  <dgm:styleLbl name="trBgShp">
+    <dgm:fillClrLst meth="repeat">
+      <a:schemeClr val="accent5">
+        <a:tint val="50000"/>
+        <a:alpha val="40000"/>
+      </a:schemeClr>
+    </dgm:fillClrLst>
+    <dgm:linClrLst meth="repeat">
+      <a:schemeClr val="accent5"/>
+    </dgm:linClrLst>
+    <dgm:effectClrLst/>
+    <dgm:txLinClrLst/>
+    <dgm:txFillClrLst meth="repeat">
+      <a:schemeClr val="lt1"/>
+    </dgm:txFillClrLst>
+    <dgm:txEffectClrLst/>
+  </dgm:styleLbl>
+  <dgm:styleLbl name="fgShp">
+    <dgm:fillClrLst meth="repeat">
+      <a:schemeClr val="accent5">
+        <a:tint val="40000"/>
+      </a:schemeClr>
+    </dgm:fillClrLst>
+    <dgm:linClrLst meth="repeat">
+      <a:schemeClr val="lt1"/>
+    </dgm:linClrLst>
+    <dgm:effectClrLst/>
+    <dgm:txLinClrLst/>
+    <dgm:txFillClrLst meth="repeat">
+      <a:schemeClr val="dk1"/>
+    </dgm:txFillClrLst>
+    <dgm:txEffectClrLst/>
+  </dgm:styleLbl>
+  <dgm:styleLbl name="revTx">
+    <dgm:fillClrLst meth="repeat">
+      <a:schemeClr val="lt1">
+        <a:alpha val="0"/>
+      </a:schemeClr>
+    </dgm:fillClrLst>
+    <dgm:linClrLst meth="repeat">
+      <a:schemeClr val="dk1">
+        <a:alpha val="0"/>
+      </a:schemeClr>
+    </dgm:linClrLst>
+    <dgm:effectClrLst/>
+    <dgm:txLinClrLst/>
+    <dgm:txFillClrLst meth="repeat">
+      <a:schemeClr val="tx1"/>
+    </dgm:txFillClrLst>
+    <dgm:txEffectClrLst/>
+  </dgm:styleLbl>
+</dgm:colorsDef>
+</file>
+
+<file path=ppt/diagrams/colors6.xml><?xml version="1.0" encoding="utf-8"?>
+<dgm:colorsDef xmlns:dgm="http://schemas.openxmlformats.org/drawingml/2006/diagram" xmlns:a="http://schemas.openxmlformats.org/drawingml/2006/main" uniqueId="urn:microsoft.com/office/officeart/2005/8/colors/colorful1">
+  <dgm:title val=""/>
+  <dgm:desc val=""/>
+  <dgm:catLst>
+    <dgm:cat type="colorful" pri="10100"/>
+  </dgm:catLst>
+  <dgm:styleLbl name="node0">
+    <dgm:fillClrLst meth="repeat">
+      <a:schemeClr val="accent1"/>
+    </dgm:fillClrLst>
+    <dgm:linClrLst meth="repeat">
+      <a:schemeClr val="lt1"/>
+    </dgm:linClrLst>
+    <dgm:effectClrLst/>
+    <dgm:txLinClrLst/>
+    <dgm:txFillClrLst/>
+    <dgm:txEffectClrLst/>
+  </dgm:styleLbl>
+  <dgm:styleLbl name="node1">
+    <dgm:fillClrLst meth="repeat">
+      <a:schemeClr val="accent2"/>
+      <a:schemeClr val="accent3"/>
+      <a:schemeClr val="accent4"/>
+      <a:schemeClr val="accent5"/>
+      <a:schemeClr val="accent6"/>
+    </dgm:fillClrLst>
+    <dgm:linClrLst meth="repeat">
+      <a:schemeClr val="lt1"/>
+    </dgm:linClrLst>
+    <dgm:effectClrLst/>
+    <dgm:txLinClrLst/>
+    <dgm:txFillClrLst/>
+    <dgm:txEffectClrLst/>
+  </dgm:styleLbl>
+  <dgm:styleLbl name="alignNode1">
+    <dgm:fillClrLst meth="repeat">
+      <a:schemeClr val="accent2"/>
+      <a:schemeClr val="accent3"/>
+      <a:schemeClr val="accent4"/>
+      <a:schemeClr val="accent5"/>
+      <a:schemeClr val="accent6"/>
+    </dgm:fillClrLst>
+    <dgm:linClrLst meth="repeat">
+      <a:schemeClr val="accent2"/>
+      <a:schemeClr val="accent3"/>
+      <a:schemeClr val="accent4"/>
+      <a:schemeClr val="accent5"/>
+      <a:schemeClr val="accent6"/>
+    </dgm:linClrLst>
+    <dgm:effectClrLst/>
+    <dgm:txLinClrLst/>
+    <dgm:txFillClrLst/>
+    <dgm:txEffectClrLst/>
+  </dgm:styleLbl>
+  <dgm:styleLbl name="lnNode1">
+    <dgm:fillClrLst meth="repeat">
+      <a:schemeClr val="accent2"/>
+      <a:schemeClr val="accent3"/>
+      <a:schemeClr val="accent4"/>
+      <a:schemeClr val="accent5"/>
+      <a:schemeClr val="accent6"/>
+    </dgm:fillClrLst>
+    <dgm:linClrLst meth="repeat">
+      <a:schemeClr val="lt1"/>
+    </dgm:linClrLst>
+    <dgm:effectClrLst/>
+    <dgm:txLinClrLst/>
+    <dgm:txFillClrLst/>
+    <dgm:txEffectClrLst/>
+  </dgm:styleLbl>
+  <dgm:styleLbl name="vennNode1">
+    <dgm:fillClrLst meth="repeat">
+      <a:schemeClr val="accent2">
+        <a:alpha val="50000"/>
+      </a:schemeClr>
+      <a:schemeClr val="accent3">
+        <a:alpha val="50000"/>
+      </a:schemeClr>
+      <a:schemeClr val="accent4">
+        <a:alpha val="50000"/>
+      </a:schemeClr>
+      <a:schemeClr val="accent5">
+        <a:alpha val="50000"/>
+      </a:schemeClr>
+      <a:schemeClr val="accent6">
+        <a:alpha val="50000"/>
+      </a:schemeClr>
+    </dgm:fillClrLst>
+    <dgm:linClrLst meth="repeat">
+      <a:schemeClr val="lt1"/>
+    </dgm:linClrLst>
+    <dgm:effectClrLst/>
+    <dgm:txLinClrLst/>
+    <dgm:txFillClrLst/>
+    <dgm:txEffectClrLst/>
+  </dgm:styleLbl>
+  <dgm:styleLbl name="node2">
+    <dgm:fillClrLst>
+      <a:schemeClr val="accent2"/>
+    </dgm:fillClrLst>
+    <dgm:linClrLst meth="repeat">
+      <a:schemeClr val="lt1"/>
+    </dgm:linClrLst>
+    <dgm:effectClrLst/>
+    <dgm:txLinClrLst/>
+    <dgm:txFillClrLst/>
+    <dgm:txEffectClrLst/>
+  </dgm:styleLbl>
+  <dgm:styleLbl name="node3">
+    <dgm:fillClrLst>
+      <a:schemeClr val="accent3"/>
+    </dgm:fillClrLst>
+    <dgm:linClrLst meth="repeat">
+      <a:schemeClr val="lt1"/>
+    </dgm:linClrLst>
+    <dgm:effectClrLst/>
+    <dgm:txLinClrLst/>
+    <dgm:txFillClrLst/>
+    <dgm:txEffectClrLst/>
+  </dgm:styleLbl>
+  <dgm:styleLbl name="node4">
+    <dgm:fillClrLst>
+      <a:schemeClr val="accent4"/>
+    </dgm:fillClrLst>
+    <dgm:linClrLst meth="repeat">
+      <a:schemeClr val="lt1"/>
+    </dgm:linClrLst>
+    <dgm:effectClrLst/>
+    <dgm:txLinClrLst/>
+    <dgm:txFillClrLst/>
+    <dgm:txEffectClrLst/>
+  </dgm:styleLbl>
+  <dgm:styleLbl name="fgImgPlace1">
+    <dgm:fillClrLst meth="repeat">
+      <a:schemeClr val="accent2">
+        <a:tint val="50000"/>
+      </a:schemeClr>
+      <a:schemeClr val="accent3">
+        <a:tint val="50000"/>
+      </a:schemeClr>
+      <a:schemeClr val="accent4">
+        <a:tint val="50000"/>
+      </a:schemeClr>
+      <a:schemeClr val="accent5">
+        <a:tint val="50000"/>
+      </a:schemeClr>
+      <a:schemeClr val="accent6">
+        <a:tint val="50000"/>
+      </a:schemeClr>
+    </dgm:fillClrLst>
+    <dgm:linClrLst meth="repeat">
+      <a:schemeClr val="lt1"/>
+    </dgm:linClrLst>
+    <dgm:effectClrLst/>
+    <dgm:txLinClrLst/>
+    <dgm:txFillClrLst meth="repeat">
+      <a:schemeClr val="lt1"/>
+    </dgm:txFillClrLst>
+    <dgm:txEffectClrLst/>
+  </dgm:styleLbl>
+  <dgm:styleLbl name="alignImgPlace1">
+    <dgm:fillClrLst>
+      <a:schemeClr val="accent1">
+        <a:tint val="50000"/>
+      </a:schemeClr>
+      <a:schemeClr val="accent2">
+        <a:tint val="20000"/>
+      </a:schemeClr>
+    </dgm:fillClrLst>
+    <dgm:linClrLst meth="repeat">
+      <a:schemeClr val="lt1"/>
+    </dgm:linClrLst>
+    <dgm:effectClrLst/>
+    <dgm:txLinClrLst/>
+    <dgm:txFillClrLst meth="repeat">
+      <a:schemeClr val="lt1"/>
+    </dgm:txFillClrLst>
+    <dgm:txEffectClrLst/>
+  </dgm:styleLbl>
+  <dgm:styleLbl name="bgImgPlace1">
+    <dgm:fillClrLst>
+      <a:schemeClr val="accent1">
+        <a:tint val="50000"/>
+      </a:schemeClr>
+      <a:schemeClr val="accent2">
+        <a:tint val="20000"/>
+      </a:schemeClr>
+    </dgm:fillClrLst>
+    <dgm:linClrLst meth="repeat">
+      <a:schemeClr val="lt1"/>
+    </dgm:linClrLst>
+    <dgm:effectClrLst/>
+    <dgm:txLinClrLst/>
+    <dgm:txFillClrLst meth="repeat">
+      <a:schemeClr val="lt1"/>
+    </dgm:txFillClrLst>
+    <dgm:txEffectClrLst/>
+  </dgm:styleLbl>
+  <dgm:styleLbl name="sibTrans2D1">
+    <dgm:fillClrLst meth="repeat">
+      <a:schemeClr val="accent2"/>
+      <a:schemeClr val="accent3"/>
+      <a:schemeClr val="accent4"/>
+      <a:schemeClr val="accent5"/>
+      <a:schemeClr val="accent6"/>
+    </dgm:fillClrLst>
+    <dgm:linClrLst meth="cycle">
+      <a:schemeClr val="lt1"/>
+    </dgm:linClrLst>
+    <dgm:effectClrLst/>
+    <dgm:txLinClrLst/>
+    <dgm:txFillClrLst/>
+    <dgm:txEffectClrLst/>
+  </dgm:styleLbl>
+  <dgm:styleLbl name="fgSibTrans2D1">
+    <dgm:fillClrLst meth="repeat">
+      <a:schemeClr val="accent2"/>
+      <a:schemeClr val="accent3"/>
+      <a:schemeClr val="accent4"/>
+      <a:schemeClr val="accent5"/>
+      <a:schemeClr val="accent6"/>
+    </dgm:fillClrLst>
+    <dgm:linClrLst meth="cycle">
+      <a:schemeClr val="lt1"/>
+    </dgm:linClrLst>
+    <dgm:effectClrLst/>
+    <dgm:txLinClrLst/>
+    <dgm:txFillClrLst meth="repeat">
+      <a:schemeClr val="lt1"/>
+    </dgm:txFillClrLst>
+    <dgm:txEffectClrLst/>
+  </dgm:styleLbl>
+  <dgm:styleLbl name="bgSibTrans2D1">
+    <dgm:fillClrLst meth="repeat">
+      <a:schemeClr val="accent2"/>
+      <a:schemeClr val="accent3"/>
+      <a:schemeClr val="accent4"/>
+      <a:schemeClr val="accent5"/>
+      <a:schemeClr val="accent6"/>
+    </dgm:fillClrLst>
+    <dgm:linClrLst meth="cycle">
+      <a:schemeClr val="lt1"/>
+    </dgm:linClrLst>
+    <dgm:effectClrLst/>
+    <dgm:txLinClrLst/>
+    <dgm:txFillClrLst meth="repeat">
+      <a:schemeClr val="lt1"/>
+    </dgm:txFillClrLst>
+    <dgm:txEffectClrLst/>
+  </dgm:styleLbl>
+  <dgm:styleLbl name="sibTrans1D1">
+    <dgm:fillClrLst meth="repeat">
+      <a:schemeClr val="accent2"/>
+      <a:schemeClr val="accent3"/>
+      <a:schemeClr val="accent4"/>
+      <a:schemeClr val="accent5"/>
+      <a:schemeClr val="accent6"/>
+    </dgm:fillClrLst>
+    <dgm:linClrLst meth="repeat">
+      <a:schemeClr val="accent2"/>
+      <a:schemeClr val="accent3"/>
+      <a:schemeClr val="accent4"/>
+      <a:schemeClr val="accent5"/>
+      <a:schemeClr val="accent6"/>
+    </dgm:linClrLst>
+    <dgm:effectClrLst/>
+    <dgm:txLinClrLst/>
+    <dgm:txFillClrLst meth="repeat">
+      <a:schemeClr val="tx1"/>
+    </dgm:txFillClrLst>
+    <dgm:txEffectClrLst/>
+  </dgm:styleLbl>
+  <dgm:styleLbl name="callout">
+    <dgm:fillClrLst meth="repeat">
+      <a:schemeClr val="accent2"/>
+    </dgm:fillClrLst>
+    <dgm:linClrLst meth="repeat">
+      <a:schemeClr val="accent2">
+        <a:tint val="50000"/>
+      </a:schemeClr>
+    </dgm:linClrLst>
+    <dgm:effectClrLst/>
+    <dgm:txLinClrLst/>
+    <dgm:txFillClrLst meth="repeat">
+      <a:schemeClr val="tx1"/>
+    </dgm:txFillClrLst>
+    <dgm:txEffectClrLst/>
+  </dgm:styleLbl>
+  <dgm:styleLbl name="asst0">
+    <dgm:fillClrLst meth="repeat">
+      <a:schemeClr val="accent1"/>
+    </dgm:fillClrLst>
+    <dgm:linClrLst meth="repeat">
+      <a:schemeClr val="lt1"/>
+    </dgm:linClrLst>
+    <dgm:effectClrLst/>
+    <dgm:txLinClrLst/>
+    <dgm:txFillClrLst/>
+    <dgm:txEffectClrLst/>
+  </dgm:styleLbl>
+  <dgm:styleLbl name="asst1">
+    <dgm:fillClrLst meth="repeat">
+      <a:schemeClr val="accent2"/>
+    </dgm:fillClrLst>
+    <dgm:linClrLst meth="repeat">
+      <a:schemeClr val="lt1"/>
+    </dgm:linClrLst>
+    <dgm:effectClrLst/>
+    <dgm:txLinClrLst/>
+    <dgm:txFillClrLst/>
+    <dgm:txEffectClrLst/>
+  </dgm:styleLbl>
+  <dgm:styleLbl name="asst2">
+    <dgm:fillClrLst>
+      <a:schemeClr val="accent3"/>
+    </dgm:fillClrLst>
+    <dgm:linClrLst meth="repeat">
+      <a:schemeClr val="lt1"/>
+    </dgm:linClrLst>
+    <dgm:effectClrLst/>
+    <dgm:txLinClrLst/>
+    <dgm:txFillClrLst/>
+    <dgm:txEffectClrLst/>
+  </dgm:styleLbl>
+  <dgm:styleLbl name="asst3">
+    <dgm:fillClrLst>
+      <a:schemeClr val="accent4"/>
+    </dgm:fillClrLst>
+    <dgm:linClrLst meth="repeat">
+      <a:schemeClr val="lt1"/>
+    </dgm:linClrLst>
+    <dgm:effectClrLst/>
+    <dgm:txLinClrLst/>
+    <dgm:txFillClrLst/>
+    <dgm:txEffectClrLst/>
+  </dgm:styleLbl>
+  <dgm:styleLbl name="asst4">
+    <dgm:fillClrLst>
+      <a:schemeClr val="accent5"/>
+    </dgm:fillClrLst>
+    <dgm:linClrLst meth="repeat">
+      <a:schemeClr val="lt1"/>
+    </dgm:linClrLst>
+    <dgm:effectClrLst/>
+    <dgm:txLinClrLst/>
+    <dgm:txFillClrLst/>
+    <dgm:txEffectClrLst/>
+  </dgm:styleLbl>
+  <dgm:styleLbl name="parChTrans2D1">
+    <dgm:fillClrLst meth="repeat">
+      <a:schemeClr val="accent2"/>
+    </dgm:fillClrLst>
+    <dgm:linClrLst meth="repeat">
+      <a:schemeClr val="lt1"/>
+    </dgm:linClrLst>
+    <dgm:effectClrLst/>
+    <dgm:txLinClrLst/>
+    <dgm:txFillClrLst meth="repeat">
+      <a:schemeClr val="lt1"/>
+    </dgm:txFillClrLst>
+    <dgm:txEffectClrLst/>
+  </dgm:styleLbl>
+  <dgm:styleLbl name="parChTrans2D2">
+    <dgm:fillClrLst meth="repeat">
+      <a:schemeClr val="accent3"/>
+    </dgm:fillClrLst>
+    <dgm:linClrLst meth="repeat">
+      <a:schemeClr val="lt1"/>
+    </dgm:linClrLst>
+    <dgm:effectClrLst/>
+    <dgm:txLinClrLst/>
+    <dgm:txFillClrLst/>
+    <dgm:txEffectClrLst/>
+  </dgm:styleLbl>
+  <dgm:styleLbl name="parChTrans2D3">
+    <dgm:fillClrLst meth="repeat">
+      <a:schemeClr val="accent4"/>
+    </dgm:fillClrLst>
+    <dgm:linClrLst meth="repeat">
+      <a:schemeClr val="lt1"/>
+    </dgm:linClrLst>
+    <dgm:effectClrLst/>
+    <dgm:txLinClrLst/>
+    <dgm:txFillClrLst/>
+    <dgm:txEffectClrLst/>
+  </dgm:styleLbl>
+  <dgm:styleLbl name="parChTrans2D4">
+    <dgm:fillClrLst meth="repeat">
+      <a:schemeClr val="accent5"/>
+    </dgm:fillClrLst>
+    <dgm:linClrLst meth="repeat">
+      <a:schemeClr val="lt1"/>
+    </dgm:linClrLst>
+    <dgm:effectClrLst/>
+    <dgm:txLinClrLst/>
+    <dgm:txFillClrLst meth="repeat">
+      <a:schemeClr val="lt1"/>
+    </dgm:txFillClrLst>
+    <dgm:txEffectClrLst/>
+  </dgm:styleLbl>
+  <dgm:styleLbl name="parChTrans1D1">
+    <dgm:fillClrLst meth="repeat">
+      <a:schemeClr val="accent2"/>
+    </dgm:fillClrLst>
+    <dgm:linClrLst meth="repeat">
+      <a:schemeClr val="accent1"/>
+    </dgm:linClrLst>
+    <dgm:effectClrLst/>
+    <dgm:txLinClrLst/>
+    <dgm:txFillClrLst meth="repeat">
+      <a:schemeClr val="tx1"/>
+    </dgm:txFillClrLst>
+    <dgm:txEffectClrLst/>
+  </dgm:styleLbl>
+  <dgm:styleLbl name="parChTrans1D2">
+    <dgm:fillClrLst meth="repeat">
+      <a:schemeClr val="accent3">
+        <a:tint val="90000"/>
+      </a:schemeClr>
+    </dgm:fillClrLst>
+    <dgm:linClrLst meth="repeat">
+      <a:schemeClr val="accent2"/>
+    </dgm:linClrLst>
+    <dgm:effectClrLst/>
+    <dgm:txLinClrLst/>
+    <dgm:txFillClrLst meth="repeat">
+      <a:schemeClr val="tx1"/>
+    </dgm:txFillClrLst>
+    <dgm:txEffectClrLst/>
+  </dgm:styleLbl>
+  <dgm:styleLbl name="parChTrans1D3">
+    <dgm:fillClrLst meth="repeat">
+      <a:schemeClr val="accent4">
+        <a:tint val="70000"/>
+      </a:schemeClr>
+    </dgm:fillClrLst>
+    <dgm:linClrLst meth="repeat">
+      <a:schemeClr val="accent3"/>
+    </dgm:linClrLst>
+    <dgm:effectClrLst/>
+    <dgm:txLinClrLst/>
+    <dgm:txFillClrLst meth="repeat">
+      <a:schemeClr val="tx1"/>
+    </dgm:txFillClrLst>
+    <dgm:txEffectClrLst/>
+  </dgm:styleLbl>
+  <dgm:styleLbl name="parChTrans1D4">
+    <dgm:fillClrLst meth="repeat">
+      <a:schemeClr val="accent5">
+        <a:tint val="50000"/>
+      </a:schemeClr>
+    </dgm:fillClrLst>
+    <dgm:linClrLst meth="repeat">
+      <a:schemeClr val="accent4"/>
+    </dgm:linClrLst>
+    <dgm:effectClrLst/>
+    <dgm:txLinClrLst/>
+    <dgm:txFillClrLst meth="repeat">
+      <a:schemeClr val="tx1"/>
+    </dgm:txFillClrLst>
+    <dgm:txEffectClrLst/>
+  </dgm:styleLbl>
+  <dgm:styleLbl name="fgAcc1">
+    <dgm:fillClrLst meth="repeat">
+      <a:schemeClr val="lt1">
+        <a:alpha val="90000"/>
+      </a:schemeClr>
+    </dgm:fillClrLst>
+    <dgm:linClrLst meth="repeat">
+      <a:schemeClr val="accent2"/>
+      <a:schemeClr val="accent3"/>
+      <a:schemeClr val="accent4"/>
+      <a:schemeClr val="accent5"/>
+      <a:schemeClr val="accent6"/>
+    </dgm:linClrLst>
+    <dgm:effectClrLst/>
+    <dgm:txLinClrLst/>
+    <dgm:txFillClrLst meth="repeat">
+      <a:schemeClr val="dk1"/>
+    </dgm:txFillClrLst>
+    <dgm:txEffectClrLst/>
+  </dgm:styleLbl>
+  <dgm:styleLbl name="conFgAcc1">
+    <dgm:fillClrLst meth="repeat">
+      <a:schemeClr val="lt1">
+        <a:alpha val="90000"/>
+      </a:schemeClr>
+    </dgm:fillClrLst>
+    <dgm:linClrLst meth="repeat">
+      <a:schemeClr val="accent2"/>
+      <a:schemeClr val="accent3"/>
+      <a:schemeClr val="accent4"/>
+      <a:schemeClr val="accent5"/>
+      <a:schemeClr val="accent6"/>
+    </dgm:linClrLst>
+    <dgm:effectClrLst/>
+    <dgm:txLinClrLst/>
+    <dgm:txFillClrLst meth="repeat">
+      <a:schemeClr val="dk1"/>
+    </dgm:txFillClrLst>
+    <dgm:txEffectClrLst/>
+  </dgm:styleLbl>
+  <dgm:styleLbl name="alignAcc1">
+    <dgm:fillClrLst meth="repeat">
+      <a:schemeClr val="lt1">
+        <a:alpha val="90000"/>
+      </a:schemeClr>
+    </dgm:fillClrLst>
+    <dgm:linClrLst meth="repeat">
+      <a:schemeClr val="accent2"/>
+      <a:schemeClr val="accent3"/>
+      <a:schemeClr val="accent4"/>
+      <a:schemeClr val="accent5"/>
+      <a:schemeClr val="accent6"/>
+    </dgm:linClrLst>
+    <dgm:effectClrLst/>
+    <dgm:txLinClrLst/>
+    <dgm:txFillClrLst meth="repeat">
+      <a:schemeClr val="dk1"/>
+    </dgm:txFillClrLst>
+    <dgm:txEffectClrLst/>
+  </dgm:styleLbl>
+  <dgm:styleLbl name="trAlignAcc1">
+    <dgm:fillClrLst meth="repeat">
+      <a:schemeClr val="lt1">
+        <a:alpha val="40000"/>
+      </a:schemeClr>
+    </dgm:fillClrLst>
+    <dgm:linClrLst meth="repeat">
+      <a:schemeClr val="accent1"/>
+    </dgm:linClrLst>
+    <dgm:effectClrLst/>
+    <dgm:txLinClrLst/>
+    <dgm:txFillClrLst meth="repeat">
+      <a:schemeClr val="dk1"/>
+    </dgm:txFillClrLst>
+    <dgm:txEffectClrLst/>
+  </dgm:styleLbl>
+  <dgm:styleLbl name="bgAcc1">
+    <dgm:fillClrLst meth="repeat">
+      <a:schemeClr val="lt1">
+        <a:alpha val="90000"/>
+      </a:schemeClr>
+    </dgm:fillClrLst>
+    <dgm:linClrLst meth="repeat">
+      <a:schemeClr val="accent2"/>
+      <a:schemeClr val="accent3"/>
+      <a:schemeClr val="accent4"/>
+      <a:schemeClr val="accent5"/>
+      <a:schemeClr val="accent6"/>
+    </dgm:linClrLst>
+    <dgm:effectClrLst/>
+    <dgm:txLinClrLst/>
+    <dgm:txFillClrLst meth="repeat">
+      <a:schemeClr val="dk1"/>
+    </dgm:txFillClrLst>
+    <dgm:txEffectClrLst/>
+  </dgm:styleLbl>
+  <dgm:styleLbl name="solidFgAcc1">
+    <dgm:fillClrLst meth="repeat">
+      <a:schemeClr val="lt1"/>
+    </dgm:fillClrLst>
+    <dgm:linClrLst meth="repeat">
+      <a:schemeClr val="accent2"/>
+      <a:schemeClr val="accent3"/>
+      <a:schemeClr val="accent4"/>
+      <a:schemeClr val="accent5"/>
+      <a:schemeClr val="accent6"/>
+    </dgm:linClrLst>
+    <dgm:effectClrLst/>
+    <dgm:txLinClrLst/>
+    <dgm:txFillClrLst meth="repeat">
+      <a:schemeClr val="dk1"/>
+    </dgm:txFillClrLst>
+    <dgm:txEffectClrLst/>
+  </dgm:styleLbl>
+  <dgm:styleLbl name="solidAlignAcc1">
+    <dgm:fillClrLst meth="repeat">
+      <a:schemeClr val="lt1"/>
+    </dgm:fillClrLst>
+    <dgm:linClrLst meth="repeat">
+      <a:schemeClr val="accent2"/>
+      <a:schemeClr val="accent3"/>
+      <a:schemeClr val="accent4"/>
+      <a:schemeClr val="accent5"/>
+      <a:schemeClr val="accent6"/>
+    </dgm:linClrLst>
+    <dgm:effectClrLst/>
+    <dgm:txLinClrLst/>
+    <dgm:txFillClrLst meth="repeat">
+      <a:schemeClr val="dk1"/>
+    </dgm:txFillClrLst>
+    <dgm:txEffectClrLst/>
+  </dgm:styleLbl>
+  <dgm:styleLbl name="solidBgAcc1">
+    <dgm:fillClrLst meth="repeat">
+      <a:schemeClr val="lt1"/>
+    </dgm:fillClrLst>
+    <dgm:linClrLst meth="repeat">
+      <a:schemeClr val="accent2"/>
+      <a:schemeClr val="accent3"/>
+      <a:schemeClr val="accent4"/>
+      <a:schemeClr val="accent5"/>
+      <a:schemeClr val="accent6"/>
+    </dgm:linClrLst>
+    <dgm:effectClrLst/>
+    <dgm:txLinClrLst/>
+    <dgm:txFillClrLst meth="repeat">
+      <a:schemeClr val="dk1"/>
+    </dgm:txFillClrLst>
+    <dgm:txEffectClrLst/>
+  </dgm:styleLbl>
+  <dgm:styleLbl name="fgAccFollowNode1">
+    <dgm:fillClrLst meth="repeat">
+      <a:schemeClr val="accent2">
+        <a:tint val="40000"/>
+        <a:alpha val="90000"/>
+      </a:schemeClr>
+      <a:schemeClr val="accent3">
+        <a:tint val="40000"/>
+        <a:alpha val="90000"/>
+      </a:schemeClr>
+      <a:schemeClr val="accent4">
+        <a:tint val="40000"/>
+        <a:alpha val="90000"/>
+      </a:schemeClr>
+      <a:schemeClr val="accent5">
+        <a:tint val="40000"/>
+        <a:alpha val="90000"/>
+      </a:schemeClr>
+      <a:schemeClr val="accent6">
+        <a:tint val="40000"/>
+        <a:alpha val="90000"/>
+      </a:schemeClr>
+    </dgm:fillClrLst>
+    <dgm:linClrLst meth="repeat">
+      <a:schemeClr val="accent2">
+        <a:tint val="40000"/>
+        <a:alpha val="90000"/>
+      </a:schemeClr>
+      <a:schemeClr val="accent3">
+        <a:tint val="40000"/>
+        <a:alpha val="90000"/>
+      </a:schemeClr>
+      <a:schemeClr val="accent4">
+        <a:tint val="40000"/>
+        <a:alpha val="90000"/>
+      </a:schemeClr>
+      <a:schemeClr val="accent5">
+        <a:tint val="40000"/>
+        <a:alpha val="90000"/>
+      </a:schemeClr>
+      <a:schemeClr val="accent6">
+        <a:tint val="40000"/>
+        <a:alpha val="90000"/>
+      </a:schemeClr>
+    </dgm:linClrLst>
+    <dgm:effectClrLst/>
+    <dgm:txLinClrLst/>
+    <dgm:txFillClrLst meth="repeat">
+      <a:schemeClr val="dk1"/>
+    </dgm:txFillClrLst>
+    <dgm:txEffectClrLst/>
+  </dgm:styleLbl>
+  <dgm:styleLbl name="alignAccFollowNode1">
+    <dgm:fillClrLst meth="repeat">
+      <a:schemeClr val="accent2">
+        <a:tint val="40000"/>
+        <a:alpha val="90000"/>
+      </a:schemeClr>
+      <a:schemeClr val="accent3">
+        <a:tint val="40000"/>
+        <a:alpha val="90000"/>
+      </a:schemeClr>
+      <a:schemeClr val="accent4">
+        <a:tint val="40000"/>
+        <a:alpha val="90000"/>
+      </a:schemeClr>
+      <a:schemeClr val="accent5">
+        <a:tint val="40000"/>
+        <a:alpha val="90000"/>
+      </a:schemeClr>
+      <a:schemeClr val="accent6">
+        <a:tint val="40000"/>
+        <a:alpha val="90000"/>
+      </a:schemeClr>
+    </dgm:fillClrLst>
+    <dgm:linClrLst meth="repeat">
+      <a:schemeClr val="accent2">
+        <a:tint val="40000"/>
+        <a:alpha val="90000"/>
+      </a:schemeClr>
+      <a:schemeClr val="accent3">
+        <a:tint val="40000"/>
+        <a:alpha val="90000"/>
+      </a:schemeClr>
+      <a:schemeClr val="accent4">
+        <a:tint val="40000"/>
+        <a:alpha val="90000"/>
+      </a:schemeClr>
+      <a:schemeClr val="accent5">
+        <a:tint val="40000"/>
+        <a:alpha val="90000"/>
+      </a:schemeClr>
+      <a:schemeClr val="accent6">
+        <a:tint val="40000"/>
+        <a:alpha val="90000"/>
+      </a:schemeClr>
+    </dgm:linClrLst>
+    <dgm:effectClrLst/>
+    <dgm:txLinClrLst/>
+    <dgm:txFillClrLst meth="repeat">
+      <a:schemeClr val="dk1"/>
+    </dgm:txFillClrLst>
+    <dgm:txEffectClrLst/>
+  </dgm:styleLbl>
+  <dgm:styleLbl name="bgAccFollowNode1">
+    <dgm:fillClrLst meth="repeat">
+      <a:schemeClr val="accent2">
+        <a:tint val="40000"/>
+        <a:alpha val="90000"/>
+      </a:schemeClr>
+      <a:schemeClr val="accent3">
+        <a:tint val="40000"/>
+        <a:alpha val="90000"/>
+      </a:schemeClr>
+      <a:schemeClr val="accent4">
+        <a:tint val="40000"/>
+        <a:alpha val="90000"/>
+      </a:schemeClr>
+      <a:schemeClr val="accent5">
+        <a:tint val="40000"/>
+        <a:alpha val="90000"/>
+      </a:schemeClr>
+      <a:schemeClr val="accent6">
+        <a:tint val="40000"/>
+        <a:alpha val="90000"/>
+      </a:schemeClr>
+    </dgm:fillClrLst>
+    <dgm:linClrLst meth="repeat">
+      <a:schemeClr val="accent2">
+        <a:tint val="40000"/>
+        <a:alpha val="90000"/>
+      </a:schemeClr>
+      <a:schemeClr val="accent3">
+        <a:tint val="40000"/>
+        <a:alpha val="90000"/>
+      </a:schemeClr>
+      <a:schemeClr val="accent4">
+        <a:tint val="40000"/>
+        <a:alpha val="90000"/>
+      </a:schemeClr>
+      <a:schemeClr val="accent5">
+        <a:tint val="40000"/>
+        <a:alpha val="90000"/>
+      </a:schemeClr>
+      <a:schemeClr val="accent6">
+        <a:tint val="40000"/>
+        <a:alpha val="90000"/>
+      </a:schemeClr>
+    </dgm:linClrLst>
+    <dgm:effectClrLst/>
+    <dgm:txLinClrLst/>
+    <dgm:txFillClrLst meth="repeat">
+      <a:schemeClr val="dk1"/>
+    </dgm:txFillClrLst>
+    <dgm:txEffectClrLst/>
+  </dgm:styleLbl>
+  <dgm:styleLbl name="fgAcc0">
+    <dgm:fillClrLst meth="repeat">
+      <a:schemeClr val="lt1">
+        <a:alpha val="90000"/>
+      </a:schemeClr>
+    </dgm:fillClrLst>
+    <dgm:linClrLst>
+      <a:schemeClr val="accent1"/>
+    </dgm:linClrLst>
+    <dgm:effectClrLst/>
+    <dgm:txLinClrLst/>
+    <dgm:txFillClrLst meth="repeat">
+      <a:schemeClr val="dk1"/>
+    </dgm:txFillClrLst>
+    <dgm:txEffectClrLst/>
+  </dgm:styleLbl>
+  <dgm:styleLbl name="fgAcc2">
+    <dgm:fillClrLst meth="repeat">
+      <a:schemeClr val="lt1">
+        <a:alpha val="90000"/>
+      </a:schemeClr>
+    </dgm:fillClrLst>
+    <dgm:linClrLst>
+      <a:schemeClr val="accent2"/>
+    </dgm:linClrLst>
+    <dgm:effectClrLst/>
+    <dgm:txLinClrLst/>
+    <dgm:txFillClrLst meth="repeat">
+      <a:schemeClr val="dk1"/>
+    </dgm:txFillClrLst>
+    <dgm:txEffectClrLst/>
+  </dgm:styleLbl>
+  <dgm:styleLbl name="fgAcc3">
+    <dgm:fillClrLst meth="repeat">
+      <a:schemeClr val="lt1">
+        <a:alpha val="90000"/>
+      </a:schemeClr>
+    </dgm:fillClrLst>
+    <dgm:linClrLst>
+      <a:schemeClr val="accent3"/>
+    </dgm:linClrLst>
+    <dgm:effectClrLst/>
+    <dgm:txLinClrLst/>
+    <dgm:txFillClrLst meth="repeat">
+      <a:schemeClr val="dk1"/>
+    </dgm:txFillClrLst>
+    <dgm:txEffectClrLst/>
+  </dgm:styleLbl>
+  <dgm:styleLbl name="fgAcc4">
+    <dgm:fillClrLst meth="repeat">
+      <a:schemeClr val="lt1">
+        <a:alpha val="90000"/>
+      </a:schemeClr>
+    </dgm:fillClrLst>
+    <dgm:linClrLst>
+      <a:schemeClr val="accent4"/>
+    </dgm:linClrLst>
+    <dgm:effectClrLst/>
+    <dgm:txLinClrLst/>
+    <dgm:txFillClrLst meth="repeat">
+      <a:schemeClr val="dk1"/>
+    </dgm:txFillClrLst>
+    <dgm:txEffectClrLst/>
+  </dgm:styleLbl>
+  <dgm:styleLbl name="bgShp">
+    <dgm:fillClrLst meth="repeat">
+      <a:schemeClr val="accent2">
+        <a:tint val="40000"/>
+      </a:schemeClr>
+    </dgm:fillClrLst>
+    <dgm:linClrLst meth="repeat">
+      <a:schemeClr val="dk1"/>
+    </dgm:linClrLst>
+    <dgm:effectClrLst/>
+    <dgm:txLinClrLst/>
+    <dgm:txFillClrLst meth="repeat">
+      <a:schemeClr val="dk1"/>
+    </dgm:txFillClrLst>
+    <dgm:txEffectClrLst/>
+  </dgm:styleLbl>
+  <dgm:styleLbl name="dkBgShp">
+    <dgm:fillClrLst meth="repeat">
+      <a:schemeClr val="accent2">
+        <a:shade val="90000"/>
+      </a:schemeClr>
+    </dgm:fillClrLst>
+    <dgm:linClrLst meth="repeat">
+      <a:schemeClr val="dk1"/>
+    </dgm:linClrLst>
+    <dgm:effectClrLst/>
+    <dgm:txLinClrLst/>
+    <dgm:txFillClrLst meth="repeat">
+      <a:schemeClr val="lt1"/>
+    </dgm:txFillClrLst>
+    <dgm:txEffectClrLst/>
+  </dgm:styleLbl>
+  <dgm:styleLbl name="trBgShp">
+    <dgm:fillClrLst meth="repeat">
+      <a:schemeClr val="accent1">
+        <a:tint val="50000"/>
+        <a:alpha val="40000"/>
+      </a:schemeClr>
+    </dgm:fillClrLst>
+    <dgm:linClrLst meth="repeat">
+      <a:schemeClr val="accent2"/>
+    </dgm:linClrLst>
+    <dgm:effectClrLst/>
+    <dgm:txLinClrLst/>
+    <dgm:txFillClrLst meth="repeat">
+      <a:schemeClr val="lt1"/>
+    </dgm:txFillClrLst>
+    <dgm:txEffectClrLst/>
+  </dgm:styleLbl>
+  <dgm:styleLbl name="fgShp">
+    <dgm:fillClrLst meth="repeat">
+      <a:schemeClr val="accent2">
+        <a:tint val="40000"/>
+      </a:schemeClr>
+    </dgm:fillClrLst>
+    <dgm:linClrLst meth="repeat">
+      <a:schemeClr val="lt1"/>
+    </dgm:linClrLst>
+    <dgm:effectClrLst/>
+    <dgm:txLinClrLst/>
+    <dgm:txFillClrLst meth="repeat">
+      <a:schemeClr val="dk1"/>
+    </dgm:txFillClrLst>
+    <dgm:txEffectClrLst/>
+  </dgm:styleLbl>
+  <dgm:styleLbl name="revTx">
+    <dgm:fillClrLst meth="repeat">
+      <a:schemeClr val="lt1">
+        <a:alpha val="0"/>
+      </a:schemeClr>
+    </dgm:fillClrLst>
+    <dgm:linClrLst meth="repeat">
+      <a:schemeClr val="dk1">
+        <a:alpha val="0"/>
+      </a:schemeClr>
+    </dgm:linClrLst>
+    <dgm:effectClrLst/>
+    <dgm:txLinClrLst/>
+    <dgm:txFillClrLst meth="repeat">
+      <a:schemeClr val="tx1"/>
+    </dgm:txFillClrLst>
+    <dgm:txEffectClrLst/>
+  </dgm:styleLbl>
+</dgm:colorsDef>
+</file>
+
+<file path=ppt/diagrams/colors7.xml><?xml version="1.0" encoding="utf-8"?>
 <dgm:colorsDef xmlns:dgm="http://schemas.openxmlformats.org/drawingml/2006/diagram" xmlns:a="http://schemas.openxmlformats.org/drawingml/2006/main" uniqueId="urn:microsoft.com/office/officeart/2005/8/colors/accent1_2">
   <dgm:title val=""/>
   <dgm:desc val=""/>
@@ -4433,7 +6683,7 @@
 </dgm:colorsDef>
 </file>
 
-<file path=ppt/diagrams/colors6.xml><?xml version="1.0" encoding="utf-8"?>
+<file path=ppt/diagrams/colors8.xml><?xml version="1.0" encoding="utf-8"?>
 <dgm:colorsDef xmlns:dgm="http://schemas.openxmlformats.org/drawingml/2006/diagram" xmlns:a="http://schemas.openxmlformats.org/drawingml/2006/main" uniqueId="urn:microsoft.com/office/officeart/2005/8/colors/colorful5">
   <dgm:title val=""/>
   <dgm:desc val=""/>
@@ -6189,6 +8439,597 @@
 <file path=ppt/diagrams/data5.xml><?xml version="1.0" encoding="utf-8"?>
 <dgm:dataModel xmlns:dgm="http://schemas.openxmlformats.org/drawingml/2006/diagram" xmlns:a="http://schemas.openxmlformats.org/drawingml/2006/main">
   <dgm:ptLst>
+    <dgm:pt modelId="{25C03219-7B7B-400A-A2BB-AF8E53A32864}" type="doc">
+      <dgm:prSet loTypeId="urn:microsoft.com/office/officeart/2008/layout/LinedList" loCatId="list" qsTypeId="urn:microsoft.com/office/officeart/2005/8/quickstyle/simple5" qsCatId="simple" csTypeId="urn:microsoft.com/office/officeart/2005/8/colors/colorful5" csCatId="colorful" phldr="1"/>
+      <dgm:spPr/>
+      <dgm:t>
+        <a:bodyPr/>
+        <a:lstStyle/>
+        <a:p>
+          <a:endParaRPr lang="en-US"/>
+        </a:p>
+      </dgm:t>
+    </dgm:pt>
+    <dgm:pt modelId="{C29F3279-88CE-4D73-B76C-114455242E12}">
+      <dgm:prSet/>
+      <dgm:spPr/>
+      <dgm:t>
+        <a:bodyPr/>
+        <a:lstStyle/>
+        <a:p>
+          <a:pPr>
+            <a:buNone/>
+          </a:pPr>
+          <a:r>
+            <a:rPr lang="en-US"/>
+            <a:t>The confusion matrix visualizes the performance of the XGBoost model in classifying benign and malicious URLs.</a:t>
+          </a:r>
+        </a:p>
+      </dgm:t>
+    </dgm:pt>
+    <dgm:pt modelId="{DB3F9098-1C1B-4FE3-A241-54A66DE9BE65}" type="parTrans" cxnId="{83EC69A2-C7E3-445A-9D84-42830D326BE6}">
+      <dgm:prSet/>
+      <dgm:spPr/>
+      <dgm:t>
+        <a:bodyPr/>
+        <a:lstStyle/>
+        <a:p>
+          <a:endParaRPr lang="en-US"/>
+        </a:p>
+      </dgm:t>
+    </dgm:pt>
+    <dgm:pt modelId="{CEB02C06-7F9F-4D05-AFF3-52A4BA26B7B4}" type="sibTrans" cxnId="{83EC69A2-C7E3-445A-9D84-42830D326BE6}">
+      <dgm:prSet/>
+      <dgm:spPr/>
+      <dgm:t>
+        <a:bodyPr/>
+        <a:lstStyle/>
+        <a:p>
+          <a:endParaRPr lang="en-US"/>
+        </a:p>
+      </dgm:t>
+    </dgm:pt>
+    <dgm:pt modelId="{44E191BB-3A2B-4342-BBE7-3023277425D3}">
+      <dgm:prSet/>
+      <dgm:spPr/>
+      <dgm:t>
+        <a:bodyPr/>
+        <a:lstStyle/>
+        <a:p>
+          <a:pPr>
+            <a:buFont typeface="Arial" panose="020B0604020202020204" pitchFamily="34" charset="0"/>
+            <a:buChar char="•"/>
+          </a:pPr>
+          <a:r>
+            <a:rPr lang="en-US" b="1"/>
+            <a:t>True Positives (Malicious correctly identified):</a:t>
+          </a:r>
+          <a:r>
+            <a:rPr lang="en-US"/>
+            <a:t> 46,239</a:t>
+          </a:r>
+        </a:p>
+      </dgm:t>
+    </dgm:pt>
+    <dgm:pt modelId="{A50C3133-8874-4B0B-8650-E08F71901D42}" type="parTrans" cxnId="{7991D841-9E87-47DA-98D6-7C83181FAFFD}">
+      <dgm:prSet/>
+      <dgm:spPr/>
+      <dgm:t>
+        <a:bodyPr/>
+        <a:lstStyle/>
+        <a:p>
+          <a:endParaRPr lang="en-US"/>
+        </a:p>
+      </dgm:t>
+    </dgm:pt>
+    <dgm:pt modelId="{1A40A135-089D-4CDE-A17F-0E58F92FE2EF}" type="sibTrans" cxnId="{7991D841-9E87-47DA-98D6-7C83181FAFFD}">
+      <dgm:prSet/>
+      <dgm:spPr/>
+      <dgm:t>
+        <a:bodyPr/>
+        <a:lstStyle/>
+        <a:p>
+          <a:endParaRPr lang="en-US"/>
+        </a:p>
+      </dgm:t>
+    </dgm:pt>
+    <dgm:pt modelId="{2B7F044E-08CA-4ED1-9752-EB9E55B74E58}">
+      <dgm:prSet/>
+      <dgm:spPr/>
+      <dgm:t>
+        <a:bodyPr/>
+        <a:lstStyle/>
+        <a:p>
+          <a:pPr>
+            <a:buFont typeface="Arial" panose="020B0604020202020204" pitchFamily="34" charset="0"/>
+            <a:buChar char="•"/>
+          </a:pPr>
+          <a:r>
+            <a:rPr lang="en-US" b="1"/>
+            <a:t>True Negatives (Benign correctly identified):</a:t>
+          </a:r>
+          <a:r>
+            <a:rPr lang="en-US"/>
+            <a:t> 105,164</a:t>
+          </a:r>
+        </a:p>
+      </dgm:t>
+    </dgm:pt>
+    <dgm:pt modelId="{A5EA8D20-195F-404B-A9F9-973EEDA6BFAA}" type="parTrans" cxnId="{4B30AC81-6B2D-467C-96BD-0828A7228450}">
+      <dgm:prSet/>
+      <dgm:spPr/>
+      <dgm:t>
+        <a:bodyPr/>
+        <a:lstStyle/>
+        <a:p>
+          <a:endParaRPr lang="en-US"/>
+        </a:p>
+      </dgm:t>
+    </dgm:pt>
+    <dgm:pt modelId="{25870A9F-858D-44FF-99E7-7D55937A9CA0}" type="sibTrans" cxnId="{4B30AC81-6B2D-467C-96BD-0828A7228450}">
+      <dgm:prSet/>
+      <dgm:spPr/>
+      <dgm:t>
+        <a:bodyPr/>
+        <a:lstStyle/>
+        <a:p>
+          <a:endParaRPr lang="en-US"/>
+        </a:p>
+      </dgm:t>
+    </dgm:pt>
+    <dgm:pt modelId="{86ECE67F-B2E7-4DCB-8280-949DF4C8251E}">
+      <dgm:prSet/>
+      <dgm:spPr/>
+      <dgm:t>
+        <a:bodyPr/>
+        <a:lstStyle/>
+        <a:p>
+          <a:pPr>
+            <a:buFont typeface="Arial" panose="020B0604020202020204" pitchFamily="34" charset="0"/>
+            <a:buChar char="•"/>
+          </a:pPr>
+          <a:r>
+            <a:rPr lang="en-US" b="1"/>
+            <a:t>False Positives (Benign misclassified as malicious):</a:t>
+          </a:r>
+          <a:r>
+            <a:rPr lang="en-US"/>
+            <a:t> 43,778</a:t>
+          </a:r>
+        </a:p>
+      </dgm:t>
+    </dgm:pt>
+    <dgm:pt modelId="{DC8E1F88-C5D3-4222-A57A-87F12F1870FF}" type="parTrans" cxnId="{B5923C52-1600-4E64-B2C9-CADE24ECFFC7}">
+      <dgm:prSet/>
+      <dgm:spPr/>
+      <dgm:t>
+        <a:bodyPr/>
+        <a:lstStyle/>
+        <a:p>
+          <a:endParaRPr lang="en-US"/>
+        </a:p>
+      </dgm:t>
+    </dgm:pt>
+    <dgm:pt modelId="{0462FA0C-B860-49B2-912D-FE7A0B9582D6}" type="sibTrans" cxnId="{B5923C52-1600-4E64-B2C9-CADE24ECFFC7}">
+      <dgm:prSet/>
+      <dgm:spPr/>
+      <dgm:t>
+        <a:bodyPr/>
+        <a:lstStyle/>
+        <a:p>
+          <a:endParaRPr lang="en-US"/>
+        </a:p>
+      </dgm:t>
+    </dgm:pt>
+    <dgm:pt modelId="{6C72C868-3088-42DC-AC9C-8CD1C1715CD5}">
+      <dgm:prSet/>
+      <dgm:spPr/>
+      <dgm:t>
+        <a:bodyPr/>
+        <a:lstStyle/>
+        <a:p>
+          <a:pPr>
+            <a:buFont typeface="Arial" panose="020B0604020202020204" pitchFamily="34" charset="0"/>
+            <a:buChar char="•"/>
+          </a:pPr>
+          <a:r>
+            <a:rPr lang="en-US" b="1"/>
+            <a:t>False Negatives (Malicious misclassified as benign):</a:t>
+          </a:r>
+          <a:r>
+            <a:rPr lang="en-US"/>
+            <a:t> 17,057</a:t>
+          </a:r>
+          <a:br>
+            <a:rPr lang="en-US"/>
+          </a:br>
+          <a:r>
+            <a:rPr lang="en-US"/>
+            <a:t>This shows the model has strong recall for both classes but still faces some false positive/negative trade-offs.</a:t>
+          </a:r>
+        </a:p>
+      </dgm:t>
+    </dgm:pt>
+    <dgm:pt modelId="{0F8BFF65-98D9-426F-B48D-73DE3AB4D0C5}" type="parTrans" cxnId="{AEC9B34B-C3AE-49F0-A1F5-18314BA74751}">
+      <dgm:prSet/>
+      <dgm:spPr/>
+      <dgm:t>
+        <a:bodyPr/>
+        <a:lstStyle/>
+        <a:p>
+          <a:endParaRPr lang="en-US"/>
+        </a:p>
+      </dgm:t>
+    </dgm:pt>
+    <dgm:pt modelId="{C455258F-6C26-4408-85B9-ABB35F9AB148}" type="sibTrans" cxnId="{AEC9B34B-C3AE-49F0-A1F5-18314BA74751}">
+      <dgm:prSet/>
+      <dgm:spPr/>
+      <dgm:t>
+        <a:bodyPr/>
+        <a:lstStyle/>
+        <a:p>
+          <a:endParaRPr lang="en-US"/>
+        </a:p>
+      </dgm:t>
+    </dgm:pt>
+    <dgm:pt modelId="{2BDFA0AE-AA1B-41F3-A52D-2AF2DC86782E}" type="pres">
+      <dgm:prSet presAssocID="{25C03219-7B7B-400A-A2BB-AF8E53A32864}" presName="vert0" presStyleCnt="0">
+        <dgm:presLayoutVars>
+          <dgm:dir/>
+          <dgm:animOne val="branch"/>
+          <dgm:animLvl val="lvl"/>
+        </dgm:presLayoutVars>
+      </dgm:prSet>
+      <dgm:spPr/>
+    </dgm:pt>
+    <dgm:pt modelId="{97D2455D-5B10-4554-8E83-3CC961CE30DC}" type="pres">
+      <dgm:prSet presAssocID="{C29F3279-88CE-4D73-B76C-114455242E12}" presName="thickLine" presStyleLbl="alignNode1" presStyleIdx="0" presStyleCnt="5"/>
+      <dgm:spPr/>
+    </dgm:pt>
+    <dgm:pt modelId="{05FE80FC-4247-48B2-BB14-F3A1DDA3CB4D}" type="pres">
+      <dgm:prSet presAssocID="{C29F3279-88CE-4D73-B76C-114455242E12}" presName="horz1" presStyleCnt="0"/>
+      <dgm:spPr/>
+    </dgm:pt>
+    <dgm:pt modelId="{8AED4397-16B2-46E1-B204-5EA157CDF4EF}" type="pres">
+      <dgm:prSet presAssocID="{C29F3279-88CE-4D73-B76C-114455242E12}" presName="tx1" presStyleLbl="revTx" presStyleIdx="0" presStyleCnt="5"/>
+      <dgm:spPr/>
+    </dgm:pt>
+    <dgm:pt modelId="{9A44E95B-8494-4296-B9F6-1CB05C20885F}" type="pres">
+      <dgm:prSet presAssocID="{C29F3279-88CE-4D73-B76C-114455242E12}" presName="vert1" presStyleCnt="0"/>
+      <dgm:spPr/>
+    </dgm:pt>
+    <dgm:pt modelId="{33BBDA0B-4C4B-4BBD-A328-FEDCE668F7CE}" type="pres">
+      <dgm:prSet presAssocID="{44E191BB-3A2B-4342-BBE7-3023277425D3}" presName="thickLine" presStyleLbl="alignNode1" presStyleIdx="1" presStyleCnt="5"/>
+      <dgm:spPr/>
+    </dgm:pt>
+    <dgm:pt modelId="{6FB461D6-44B5-4650-A917-10E23DB4B55C}" type="pres">
+      <dgm:prSet presAssocID="{44E191BB-3A2B-4342-BBE7-3023277425D3}" presName="horz1" presStyleCnt="0"/>
+      <dgm:spPr/>
+    </dgm:pt>
+    <dgm:pt modelId="{1ED600DD-CD55-4F76-A377-7476800A91C6}" type="pres">
+      <dgm:prSet presAssocID="{44E191BB-3A2B-4342-BBE7-3023277425D3}" presName="tx1" presStyleLbl="revTx" presStyleIdx="1" presStyleCnt="5"/>
+      <dgm:spPr/>
+    </dgm:pt>
+    <dgm:pt modelId="{FB10CF05-1001-41C9-B829-80076E738AE4}" type="pres">
+      <dgm:prSet presAssocID="{44E191BB-3A2B-4342-BBE7-3023277425D3}" presName="vert1" presStyleCnt="0"/>
+      <dgm:spPr/>
+    </dgm:pt>
+    <dgm:pt modelId="{4D525A41-CF2E-443C-A8A5-CEDDFC2BFC24}" type="pres">
+      <dgm:prSet presAssocID="{2B7F044E-08CA-4ED1-9752-EB9E55B74E58}" presName="thickLine" presStyleLbl="alignNode1" presStyleIdx="2" presStyleCnt="5"/>
+      <dgm:spPr/>
+    </dgm:pt>
+    <dgm:pt modelId="{5747D25C-5330-4FFF-8C29-5184D00F003E}" type="pres">
+      <dgm:prSet presAssocID="{2B7F044E-08CA-4ED1-9752-EB9E55B74E58}" presName="horz1" presStyleCnt="0"/>
+      <dgm:spPr/>
+    </dgm:pt>
+    <dgm:pt modelId="{12114CE2-BFCF-40E4-A420-9C52EF148FD4}" type="pres">
+      <dgm:prSet presAssocID="{2B7F044E-08CA-4ED1-9752-EB9E55B74E58}" presName="tx1" presStyleLbl="revTx" presStyleIdx="2" presStyleCnt="5"/>
+      <dgm:spPr/>
+    </dgm:pt>
+    <dgm:pt modelId="{D9D08F02-747A-4911-A14A-0799282B6535}" type="pres">
+      <dgm:prSet presAssocID="{2B7F044E-08CA-4ED1-9752-EB9E55B74E58}" presName="vert1" presStyleCnt="0"/>
+      <dgm:spPr/>
+    </dgm:pt>
+    <dgm:pt modelId="{1B312A72-AD93-4B75-83FC-317FFEB80703}" type="pres">
+      <dgm:prSet presAssocID="{86ECE67F-B2E7-4DCB-8280-949DF4C8251E}" presName="thickLine" presStyleLbl="alignNode1" presStyleIdx="3" presStyleCnt="5"/>
+      <dgm:spPr/>
+    </dgm:pt>
+    <dgm:pt modelId="{DE58A694-E991-451F-9128-34A7820923EE}" type="pres">
+      <dgm:prSet presAssocID="{86ECE67F-B2E7-4DCB-8280-949DF4C8251E}" presName="horz1" presStyleCnt="0"/>
+      <dgm:spPr/>
+    </dgm:pt>
+    <dgm:pt modelId="{68DFB6A5-0263-478C-BB1E-BD72A85A35B1}" type="pres">
+      <dgm:prSet presAssocID="{86ECE67F-B2E7-4DCB-8280-949DF4C8251E}" presName="tx1" presStyleLbl="revTx" presStyleIdx="3" presStyleCnt="5"/>
+      <dgm:spPr/>
+    </dgm:pt>
+    <dgm:pt modelId="{E6FD9044-B691-4D40-B4B1-15DB45BA22DB}" type="pres">
+      <dgm:prSet presAssocID="{86ECE67F-B2E7-4DCB-8280-949DF4C8251E}" presName="vert1" presStyleCnt="0"/>
+      <dgm:spPr/>
+    </dgm:pt>
+    <dgm:pt modelId="{7166D2C2-D00D-4713-BE51-E8FB43254BC8}" type="pres">
+      <dgm:prSet presAssocID="{6C72C868-3088-42DC-AC9C-8CD1C1715CD5}" presName="thickLine" presStyleLbl="alignNode1" presStyleIdx="4" presStyleCnt="5"/>
+      <dgm:spPr/>
+    </dgm:pt>
+    <dgm:pt modelId="{6FB7F059-CA81-4F09-A4D5-1DA45E6AD8D3}" type="pres">
+      <dgm:prSet presAssocID="{6C72C868-3088-42DC-AC9C-8CD1C1715CD5}" presName="horz1" presStyleCnt="0"/>
+      <dgm:spPr/>
+    </dgm:pt>
+    <dgm:pt modelId="{6866CE05-03E7-4B12-935F-0F1038B511FD}" type="pres">
+      <dgm:prSet presAssocID="{6C72C868-3088-42DC-AC9C-8CD1C1715CD5}" presName="tx1" presStyleLbl="revTx" presStyleIdx="4" presStyleCnt="5"/>
+      <dgm:spPr/>
+    </dgm:pt>
+    <dgm:pt modelId="{A56692F2-FF93-483B-A884-C78BEE166037}" type="pres">
+      <dgm:prSet presAssocID="{6C72C868-3088-42DC-AC9C-8CD1C1715CD5}" presName="vert1" presStyleCnt="0"/>
+      <dgm:spPr/>
+    </dgm:pt>
+  </dgm:ptLst>
+  <dgm:cxnLst>
+    <dgm:cxn modelId="{EAC3A05E-FA3D-4FAE-8EA5-6E1C77820828}" type="presOf" srcId="{2B7F044E-08CA-4ED1-9752-EB9E55B74E58}" destId="{12114CE2-BFCF-40E4-A420-9C52EF148FD4}" srcOrd="0" destOrd="0" presId="urn:microsoft.com/office/officeart/2008/layout/LinedList"/>
+    <dgm:cxn modelId="{7991D841-9E87-47DA-98D6-7C83181FAFFD}" srcId="{25C03219-7B7B-400A-A2BB-AF8E53A32864}" destId="{44E191BB-3A2B-4342-BBE7-3023277425D3}" srcOrd="1" destOrd="0" parTransId="{A50C3133-8874-4B0B-8650-E08F71901D42}" sibTransId="{1A40A135-089D-4CDE-A17F-0E58F92FE2EF}"/>
+    <dgm:cxn modelId="{AEC9B34B-C3AE-49F0-A1F5-18314BA74751}" srcId="{25C03219-7B7B-400A-A2BB-AF8E53A32864}" destId="{6C72C868-3088-42DC-AC9C-8CD1C1715CD5}" srcOrd="4" destOrd="0" parTransId="{0F8BFF65-98D9-426F-B48D-73DE3AB4D0C5}" sibTransId="{C455258F-6C26-4408-85B9-ABB35F9AB148}"/>
+    <dgm:cxn modelId="{C27A9A50-C9AF-4490-AD1D-CEB0143D6CA0}" type="presOf" srcId="{C29F3279-88CE-4D73-B76C-114455242E12}" destId="{8AED4397-16B2-46E1-B204-5EA157CDF4EF}" srcOrd="0" destOrd="0" presId="urn:microsoft.com/office/officeart/2008/layout/LinedList"/>
+    <dgm:cxn modelId="{B5923C52-1600-4E64-B2C9-CADE24ECFFC7}" srcId="{25C03219-7B7B-400A-A2BB-AF8E53A32864}" destId="{86ECE67F-B2E7-4DCB-8280-949DF4C8251E}" srcOrd="3" destOrd="0" parTransId="{DC8E1F88-C5D3-4222-A57A-87F12F1870FF}" sibTransId="{0462FA0C-B860-49B2-912D-FE7A0B9582D6}"/>
+    <dgm:cxn modelId="{3F5C6773-35AC-4E5D-B21A-DF3EA71339E7}" type="presOf" srcId="{25C03219-7B7B-400A-A2BB-AF8E53A32864}" destId="{2BDFA0AE-AA1B-41F3-A52D-2AF2DC86782E}" srcOrd="0" destOrd="0" presId="urn:microsoft.com/office/officeart/2008/layout/LinedList"/>
+    <dgm:cxn modelId="{BEAF7B7F-E49B-4DAE-8E4B-1516D71736F9}" type="presOf" srcId="{44E191BB-3A2B-4342-BBE7-3023277425D3}" destId="{1ED600DD-CD55-4F76-A377-7476800A91C6}" srcOrd="0" destOrd="0" presId="urn:microsoft.com/office/officeart/2008/layout/LinedList"/>
+    <dgm:cxn modelId="{4B30AC81-6B2D-467C-96BD-0828A7228450}" srcId="{25C03219-7B7B-400A-A2BB-AF8E53A32864}" destId="{2B7F044E-08CA-4ED1-9752-EB9E55B74E58}" srcOrd="2" destOrd="0" parTransId="{A5EA8D20-195F-404B-A9F9-973EEDA6BFAA}" sibTransId="{25870A9F-858D-44FF-99E7-7D55937A9CA0}"/>
+    <dgm:cxn modelId="{83EC69A2-C7E3-445A-9D84-42830D326BE6}" srcId="{25C03219-7B7B-400A-A2BB-AF8E53A32864}" destId="{C29F3279-88CE-4D73-B76C-114455242E12}" srcOrd="0" destOrd="0" parTransId="{DB3F9098-1C1B-4FE3-A241-54A66DE9BE65}" sibTransId="{CEB02C06-7F9F-4D05-AFF3-52A4BA26B7B4}"/>
+    <dgm:cxn modelId="{E11D95D8-EB24-488E-B101-41D9B68DBC57}" type="presOf" srcId="{86ECE67F-B2E7-4DCB-8280-949DF4C8251E}" destId="{68DFB6A5-0263-478C-BB1E-BD72A85A35B1}" srcOrd="0" destOrd="0" presId="urn:microsoft.com/office/officeart/2008/layout/LinedList"/>
+    <dgm:cxn modelId="{C6A8F1E7-486B-49DE-8986-77AC99569C03}" type="presOf" srcId="{6C72C868-3088-42DC-AC9C-8CD1C1715CD5}" destId="{6866CE05-03E7-4B12-935F-0F1038B511FD}" srcOrd="0" destOrd="0" presId="urn:microsoft.com/office/officeart/2008/layout/LinedList"/>
+    <dgm:cxn modelId="{A0C47CDE-18B7-430E-88ED-5F6FA3886F8D}" type="presParOf" srcId="{2BDFA0AE-AA1B-41F3-A52D-2AF2DC86782E}" destId="{97D2455D-5B10-4554-8E83-3CC961CE30DC}" srcOrd="0" destOrd="0" presId="urn:microsoft.com/office/officeart/2008/layout/LinedList"/>
+    <dgm:cxn modelId="{BC2222ED-070B-4DCF-B6D9-3E5463A7C36B}" type="presParOf" srcId="{2BDFA0AE-AA1B-41F3-A52D-2AF2DC86782E}" destId="{05FE80FC-4247-48B2-BB14-F3A1DDA3CB4D}" srcOrd="1" destOrd="0" presId="urn:microsoft.com/office/officeart/2008/layout/LinedList"/>
+    <dgm:cxn modelId="{92949BE7-5648-4CDD-89CF-DAB823EEB049}" type="presParOf" srcId="{05FE80FC-4247-48B2-BB14-F3A1DDA3CB4D}" destId="{8AED4397-16B2-46E1-B204-5EA157CDF4EF}" srcOrd="0" destOrd="0" presId="urn:microsoft.com/office/officeart/2008/layout/LinedList"/>
+    <dgm:cxn modelId="{1E22FE10-598C-4549-BDC5-0E504DF7F24A}" type="presParOf" srcId="{05FE80FC-4247-48B2-BB14-F3A1DDA3CB4D}" destId="{9A44E95B-8494-4296-B9F6-1CB05C20885F}" srcOrd="1" destOrd="0" presId="urn:microsoft.com/office/officeart/2008/layout/LinedList"/>
+    <dgm:cxn modelId="{CF314B83-A32F-44C6-AD7D-677196C55A65}" type="presParOf" srcId="{2BDFA0AE-AA1B-41F3-A52D-2AF2DC86782E}" destId="{33BBDA0B-4C4B-4BBD-A328-FEDCE668F7CE}" srcOrd="2" destOrd="0" presId="urn:microsoft.com/office/officeart/2008/layout/LinedList"/>
+    <dgm:cxn modelId="{1D56AA14-548F-43E0-A442-2C4EADCE78FC}" type="presParOf" srcId="{2BDFA0AE-AA1B-41F3-A52D-2AF2DC86782E}" destId="{6FB461D6-44B5-4650-A917-10E23DB4B55C}" srcOrd="3" destOrd="0" presId="urn:microsoft.com/office/officeart/2008/layout/LinedList"/>
+    <dgm:cxn modelId="{FF3F906B-CF1A-4B8A-8E0E-CE1DCEC08BF0}" type="presParOf" srcId="{6FB461D6-44B5-4650-A917-10E23DB4B55C}" destId="{1ED600DD-CD55-4F76-A377-7476800A91C6}" srcOrd="0" destOrd="0" presId="urn:microsoft.com/office/officeart/2008/layout/LinedList"/>
+    <dgm:cxn modelId="{99491D70-183F-4822-9994-F7C21DF81DE1}" type="presParOf" srcId="{6FB461D6-44B5-4650-A917-10E23DB4B55C}" destId="{FB10CF05-1001-41C9-B829-80076E738AE4}" srcOrd="1" destOrd="0" presId="urn:microsoft.com/office/officeart/2008/layout/LinedList"/>
+    <dgm:cxn modelId="{D2E40FCD-5580-475B-BBF4-9FE9E0862EFE}" type="presParOf" srcId="{2BDFA0AE-AA1B-41F3-A52D-2AF2DC86782E}" destId="{4D525A41-CF2E-443C-A8A5-CEDDFC2BFC24}" srcOrd="4" destOrd="0" presId="urn:microsoft.com/office/officeart/2008/layout/LinedList"/>
+    <dgm:cxn modelId="{5679A6AE-6AAC-42E7-BB4F-534F64E8EBA6}" type="presParOf" srcId="{2BDFA0AE-AA1B-41F3-A52D-2AF2DC86782E}" destId="{5747D25C-5330-4FFF-8C29-5184D00F003E}" srcOrd="5" destOrd="0" presId="urn:microsoft.com/office/officeart/2008/layout/LinedList"/>
+    <dgm:cxn modelId="{21E3B8DD-36AA-4016-AD0B-E30E6DDB2663}" type="presParOf" srcId="{5747D25C-5330-4FFF-8C29-5184D00F003E}" destId="{12114CE2-BFCF-40E4-A420-9C52EF148FD4}" srcOrd="0" destOrd="0" presId="urn:microsoft.com/office/officeart/2008/layout/LinedList"/>
+    <dgm:cxn modelId="{8D0E06D5-677C-4D88-BCB1-CDC8FB90B66C}" type="presParOf" srcId="{5747D25C-5330-4FFF-8C29-5184D00F003E}" destId="{D9D08F02-747A-4911-A14A-0799282B6535}" srcOrd="1" destOrd="0" presId="urn:microsoft.com/office/officeart/2008/layout/LinedList"/>
+    <dgm:cxn modelId="{BB84BB80-79B2-48BD-9D08-FE885F4CD152}" type="presParOf" srcId="{2BDFA0AE-AA1B-41F3-A52D-2AF2DC86782E}" destId="{1B312A72-AD93-4B75-83FC-317FFEB80703}" srcOrd="6" destOrd="0" presId="urn:microsoft.com/office/officeart/2008/layout/LinedList"/>
+    <dgm:cxn modelId="{14919322-C93A-4121-806F-D0532FB507E5}" type="presParOf" srcId="{2BDFA0AE-AA1B-41F3-A52D-2AF2DC86782E}" destId="{DE58A694-E991-451F-9128-34A7820923EE}" srcOrd="7" destOrd="0" presId="urn:microsoft.com/office/officeart/2008/layout/LinedList"/>
+    <dgm:cxn modelId="{5B071D50-9D10-43E0-BB6C-B99CEE582D83}" type="presParOf" srcId="{DE58A694-E991-451F-9128-34A7820923EE}" destId="{68DFB6A5-0263-478C-BB1E-BD72A85A35B1}" srcOrd="0" destOrd="0" presId="urn:microsoft.com/office/officeart/2008/layout/LinedList"/>
+    <dgm:cxn modelId="{D45DABFC-8F9C-421C-8604-1D7360BA2DE9}" type="presParOf" srcId="{DE58A694-E991-451F-9128-34A7820923EE}" destId="{E6FD9044-B691-4D40-B4B1-15DB45BA22DB}" srcOrd="1" destOrd="0" presId="urn:microsoft.com/office/officeart/2008/layout/LinedList"/>
+    <dgm:cxn modelId="{7289DE06-A1B4-40F3-B92C-FA8CDF138B23}" type="presParOf" srcId="{2BDFA0AE-AA1B-41F3-A52D-2AF2DC86782E}" destId="{7166D2C2-D00D-4713-BE51-E8FB43254BC8}" srcOrd="8" destOrd="0" presId="urn:microsoft.com/office/officeart/2008/layout/LinedList"/>
+    <dgm:cxn modelId="{1578A4A0-EB78-43E4-81A5-6DB1FD891F32}" type="presParOf" srcId="{2BDFA0AE-AA1B-41F3-A52D-2AF2DC86782E}" destId="{6FB7F059-CA81-4F09-A4D5-1DA45E6AD8D3}" srcOrd="9" destOrd="0" presId="urn:microsoft.com/office/officeart/2008/layout/LinedList"/>
+    <dgm:cxn modelId="{DD5B28CC-6041-43F9-BA33-AAFC781870A2}" type="presParOf" srcId="{6FB7F059-CA81-4F09-A4D5-1DA45E6AD8D3}" destId="{6866CE05-03E7-4B12-935F-0F1038B511FD}" srcOrd="0" destOrd="0" presId="urn:microsoft.com/office/officeart/2008/layout/LinedList"/>
+    <dgm:cxn modelId="{D42F915C-8B52-4679-9531-1B7CB1308FCE}" type="presParOf" srcId="{6FB7F059-CA81-4F09-A4D5-1DA45E6AD8D3}" destId="{A56692F2-FF93-483B-A884-C78BEE166037}" srcOrd="1" destOrd="0" presId="urn:microsoft.com/office/officeart/2008/layout/LinedList"/>
+  </dgm:cxnLst>
+  <dgm:bg/>
+  <dgm:whole/>
+  <dgm:extLst>
+    <a:ext uri="http://schemas.microsoft.com/office/drawing/2008/diagram">
+      <dsp:dataModelExt xmlns:dsp="http://schemas.microsoft.com/office/drawing/2008/diagram" relId="rId7" minVer="http://schemas.openxmlformats.org/drawingml/2006/diagram"/>
+    </a:ext>
+  </dgm:extLst>
+</dgm:dataModel>
+</file>
+
+<file path=ppt/diagrams/data6.xml><?xml version="1.0" encoding="utf-8"?>
+<dgm:dataModel xmlns:dgm="http://schemas.openxmlformats.org/drawingml/2006/diagram" xmlns:a="http://schemas.openxmlformats.org/drawingml/2006/main">
+  <dgm:ptLst>
+    <dgm:pt modelId="{25C03219-7B7B-400A-A2BB-AF8E53A32864}" type="doc">
+      <dgm:prSet loTypeId="urn:microsoft.com/office/officeart/2018/2/layout/IconLabelList" loCatId="icon" qsTypeId="urn:microsoft.com/office/officeart/2005/8/quickstyle/simple1" qsCatId="simple" csTypeId="urn:microsoft.com/office/officeart/2005/8/colors/colorful1" csCatId="colorful" phldr="1"/>
+      <dgm:spPr/>
+      <dgm:t>
+        <a:bodyPr/>
+        <a:lstStyle/>
+        <a:p>
+          <a:endParaRPr lang="en-US"/>
+        </a:p>
+      </dgm:t>
+    </dgm:pt>
+    <dgm:pt modelId="{E6C41314-BD5D-4A13-AF5B-E8668DC733C3}">
+      <dgm:prSet/>
+      <dgm:spPr/>
+      <dgm:t>
+        <a:bodyPr/>
+        <a:lstStyle/>
+        <a:p>
+          <a:pPr>
+            <a:lnSpc>
+              <a:spcPct val="100000"/>
+            </a:lnSpc>
+          </a:pPr>
+          <a:r>
+            <a:rPr lang="en-US"/>
+            <a:t>The most influential factors are the length of the URL, the number of digits, and the number of special characters.</a:t>
+          </a:r>
+          <a:endParaRPr lang="en-US" dirty="0"/>
+        </a:p>
+      </dgm:t>
+    </dgm:pt>
+    <dgm:pt modelId="{BD89DDB3-8034-4459-9CB5-E06BFB2AC6CC}" type="parTrans" cxnId="{8813D95A-5671-4621-9E72-5A4B735E12F0}">
+      <dgm:prSet/>
+      <dgm:spPr/>
+      <dgm:t>
+        <a:bodyPr/>
+        <a:lstStyle/>
+        <a:p>
+          <a:endParaRPr lang="en-US"/>
+        </a:p>
+      </dgm:t>
+    </dgm:pt>
+    <dgm:pt modelId="{E855B540-C714-4C02-8052-D8EA01F74B74}" type="sibTrans" cxnId="{8813D95A-5671-4621-9E72-5A4B735E12F0}">
+      <dgm:prSet/>
+      <dgm:spPr/>
+      <dgm:t>
+        <a:bodyPr/>
+        <a:lstStyle/>
+        <a:p>
+          <a:endParaRPr lang="en-US"/>
+        </a:p>
+      </dgm:t>
+    </dgm:pt>
+    <dgm:pt modelId="{D64C7518-40F3-4D5F-B718-9D6DBF489642}">
+      <dgm:prSet/>
+      <dgm:spPr/>
+      <dgm:t>
+        <a:bodyPr/>
+        <a:lstStyle/>
+        <a:p>
+          <a:pPr>
+            <a:lnSpc>
+              <a:spcPct val="100000"/>
+            </a:lnSpc>
+          </a:pPr>
+          <a:r>
+            <a:rPr lang="en-US"/>
+            <a:t>Other important indicators include num_subdomains, presence of suspicious keywords, and use of URL shorteners.</a:t>
+          </a:r>
+        </a:p>
+      </dgm:t>
+    </dgm:pt>
+    <dgm:pt modelId="{063D4AE5-21A3-4E40-8E48-0B548D4E3787}" type="parTrans" cxnId="{FC2760F0-1E97-4E7F-B26E-1EE16380F28A}">
+      <dgm:prSet/>
+      <dgm:spPr/>
+      <dgm:t>
+        <a:bodyPr/>
+        <a:lstStyle/>
+        <a:p>
+          <a:endParaRPr lang="en-US"/>
+        </a:p>
+      </dgm:t>
+    </dgm:pt>
+    <dgm:pt modelId="{3606D7BD-6C67-4312-BD96-9B800AB35EF9}" type="sibTrans" cxnId="{FC2760F0-1E97-4E7F-B26E-1EE16380F28A}">
+      <dgm:prSet/>
+      <dgm:spPr/>
+      <dgm:t>
+        <a:bodyPr/>
+        <a:lstStyle/>
+        <a:p>
+          <a:endParaRPr lang="en-US"/>
+        </a:p>
+      </dgm:t>
+    </dgm:pt>
+    <dgm:pt modelId="{13E2DD76-5712-44AF-AC8A-9539E46E94D0}" type="pres">
+      <dgm:prSet presAssocID="{25C03219-7B7B-400A-A2BB-AF8E53A32864}" presName="root" presStyleCnt="0">
+        <dgm:presLayoutVars>
+          <dgm:dir/>
+          <dgm:resizeHandles val="exact"/>
+        </dgm:presLayoutVars>
+      </dgm:prSet>
+      <dgm:spPr/>
+    </dgm:pt>
+    <dgm:pt modelId="{15C00E97-C026-49D5-9680-70EF0F421ECD}" type="pres">
+      <dgm:prSet presAssocID="{E6C41314-BD5D-4A13-AF5B-E8668DC733C3}" presName="compNode" presStyleCnt="0"/>
+      <dgm:spPr/>
+    </dgm:pt>
+    <dgm:pt modelId="{5BA14AF7-D058-46A9-90A4-6091933C4E74}" type="pres">
+      <dgm:prSet presAssocID="{E6C41314-BD5D-4A13-AF5B-E8668DC733C3}" presName="iconRect" presStyleLbl="node1" presStyleIdx="0" presStyleCnt="2"/>
+      <dgm:spPr>
+        <a:blipFill>
+          <a:blip xmlns:r="http://schemas.openxmlformats.org/officeDocument/2006/relationships" r:embed="rId1">
+            <a:extLst>
+              <a:ext uri="{28A0092B-C50C-407E-A947-70E740481C1C}">
+                <a14:useLocalDpi xmlns:a14="http://schemas.microsoft.com/office/drawing/2010/main" val="0"/>
+              </a:ext>
+              <a:ext uri="{96DAC541-7B7A-43D3-8B79-37D633B846F1}">
+                <asvg:svgBlip xmlns:asvg="http://schemas.microsoft.com/office/drawing/2016/SVG/main" r:embed="rId2"/>
+              </a:ext>
+            </a:extLst>
+          </a:blip>
+          <a:stretch>
+            <a:fillRect/>
+          </a:stretch>
+        </a:blipFill>
+      </dgm:spPr>
+      <dgm:extLst>
+        <a:ext uri="{E40237B7-FDA0-4F09-8148-C483321AD2D9}">
+          <dgm14:cNvPr xmlns:dgm14="http://schemas.microsoft.com/office/drawing/2010/diagram" id="0" name="" descr="Leprechaun Hat"/>
+        </a:ext>
+      </dgm:extLst>
+    </dgm:pt>
+    <dgm:pt modelId="{619130A1-75A2-4FD7-B9B1-9F3614AA8C67}" type="pres">
+      <dgm:prSet presAssocID="{E6C41314-BD5D-4A13-AF5B-E8668DC733C3}" presName="spaceRect" presStyleCnt="0"/>
+      <dgm:spPr/>
+    </dgm:pt>
+    <dgm:pt modelId="{396A5AE1-F152-4378-AD6B-DFAF4E41341D}" type="pres">
+      <dgm:prSet presAssocID="{E6C41314-BD5D-4A13-AF5B-E8668DC733C3}" presName="textRect" presStyleLbl="revTx" presStyleIdx="0" presStyleCnt="2">
+        <dgm:presLayoutVars>
+          <dgm:chMax val="1"/>
+          <dgm:chPref val="1"/>
+        </dgm:presLayoutVars>
+      </dgm:prSet>
+      <dgm:spPr/>
+    </dgm:pt>
+    <dgm:pt modelId="{9DE2606C-64D7-4386-89C3-930CFA6F88D9}" type="pres">
+      <dgm:prSet presAssocID="{E855B540-C714-4C02-8052-D8EA01F74B74}" presName="sibTrans" presStyleCnt="0"/>
+      <dgm:spPr/>
+    </dgm:pt>
+    <dgm:pt modelId="{6CBCFF29-D302-4BC9-B1B1-31894A149454}" type="pres">
+      <dgm:prSet presAssocID="{D64C7518-40F3-4D5F-B718-9D6DBF489642}" presName="compNode" presStyleCnt="0"/>
+      <dgm:spPr/>
+    </dgm:pt>
+    <dgm:pt modelId="{4AA83085-5038-44D1-8AB6-40C19BC2B589}" type="pres">
+      <dgm:prSet presAssocID="{D64C7518-40F3-4D5F-B718-9D6DBF489642}" presName="iconRect" presStyleLbl="node1" presStyleIdx="1" presStyleCnt="2"/>
+      <dgm:spPr>
+        <a:blipFill>
+          <a:blip xmlns:r="http://schemas.openxmlformats.org/officeDocument/2006/relationships" r:embed="rId3">
+            <a:extLst>
+              <a:ext uri="{28A0092B-C50C-407E-A947-70E740481C1C}">
+                <a14:useLocalDpi xmlns:a14="http://schemas.microsoft.com/office/drawing/2010/main" val="0"/>
+              </a:ext>
+              <a:ext uri="{96DAC541-7B7A-43D3-8B79-37D633B846F1}">
+                <asvg:svgBlip xmlns:asvg="http://schemas.microsoft.com/office/drawing/2016/SVG/main" r:embed="rId4"/>
+              </a:ext>
+            </a:extLst>
+          </a:blip>
+          <a:stretch>
+            <a:fillRect/>
+          </a:stretch>
+        </a:blipFill>
+      </dgm:spPr>
+      <dgm:extLst>
+        <a:ext uri="{E40237B7-FDA0-4F09-8148-C483321AD2D9}">
+          <dgm14:cNvPr xmlns:dgm14="http://schemas.microsoft.com/office/drawing/2010/diagram" id="0" name="" descr="Scientist"/>
+        </a:ext>
+      </dgm:extLst>
+    </dgm:pt>
+    <dgm:pt modelId="{50BEF2A1-8A89-4AAD-B47A-2089AC3DD79F}" type="pres">
+      <dgm:prSet presAssocID="{D64C7518-40F3-4D5F-B718-9D6DBF489642}" presName="spaceRect" presStyleCnt="0"/>
+      <dgm:spPr/>
+    </dgm:pt>
+    <dgm:pt modelId="{0F2D8CAD-8DBD-4E4C-8EDC-0942357D51F6}" type="pres">
+      <dgm:prSet presAssocID="{D64C7518-40F3-4D5F-B718-9D6DBF489642}" presName="textRect" presStyleLbl="revTx" presStyleIdx="1" presStyleCnt="2">
+        <dgm:presLayoutVars>
+          <dgm:chMax val="1"/>
+          <dgm:chPref val="1"/>
+        </dgm:presLayoutVars>
+      </dgm:prSet>
+      <dgm:spPr/>
+    </dgm:pt>
+  </dgm:ptLst>
+  <dgm:cxnLst>
+    <dgm:cxn modelId="{8813D95A-5671-4621-9E72-5A4B735E12F0}" srcId="{25C03219-7B7B-400A-A2BB-AF8E53A32864}" destId="{E6C41314-BD5D-4A13-AF5B-E8668DC733C3}" srcOrd="0" destOrd="0" parTransId="{BD89DDB3-8034-4459-9CB5-E06BFB2AC6CC}" sibTransId="{E855B540-C714-4C02-8052-D8EA01F74B74}"/>
+    <dgm:cxn modelId="{62459B7C-AA3F-434C-8437-0A418777F3C9}" type="presOf" srcId="{25C03219-7B7B-400A-A2BB-AF8E53A32864}" destId="{13E2DD76-5712-44AF-AC8A-9539E46E94D0}" srcOrd="0" destOrd="0" presId="urn:microsoft.com/office/officeart/2018/2/layout/IconLabelList"/>
+    <dgm:cxn modelId="{AE032CCE-10C0-46D6-919F-BACB5A1E5E43}" type="presOf" srcId="{D64C7518-40F3-4D5F-B718-9D6DBF489642}" destId="{0F2D8CAD-8DBD-4E4C-8EDC-0942357D51F6}" srcOrd="0" destOrd="0" presId="urn:microsoft.com/office/officeart/2018/2/layout/IconLabelList"/>
+    <dgm:cxn modelId="{5E18AEEC-1F72-4E8B-9AB9-B31B58C101C9}" type="presOf" srcId="{E6C41314-BD5D-4A13-AF5B-E8668DC733C3}" destId="{396A5AE1-F152-4378-AD6B-DFAF4E41341D}" srcOrd="0" destOrd="0" presId="urn:microsoft.com/office/officeart/2018/2/layout/IconLabelList"/>
+    <dgm:cxn modelId="{FC2760F0-1E97-4E7F-B26E-1EE16380F28A}" srcId="{25C03219-7B7B-400A-A2BB-AF8E53A32864}" destId="{D64C7518-40F3-4D5F-B718-9D6DBF489642}" srcOrd="1" destOrd="0" parTransId="{063D4AE5-21A3-4E40-8E48-0B548D4E3787}" sibTransId="{3606D7BD-6C67-4312-BD96-9B800AB35EF9}"/>
+    <dgm:cxn modelId="{12B1552D-DCFB-480F-8976-64809991D177}" type="presParOf" srcId="{13E2DD76-5712-44AF-AC8A-9539E46E94D0}" destId="{15C00E97-C026-49D5-9680-70EF0F421ECD}" srcOrd="0" destOrd="0" presId="urn:microsoft.com/office/officeart/2018/2/layout/IconLabelList"/>
+    <dgm:cxn modelId="{8D371788-41FD-40F6-BA79-D97BA2458CA3}" type="presParOf" srcId="{15C00E97-C026-49D5-9680-70EF0F421ECD}" destId="{5BA14AF7-D058-46A9-90A4-6091933C4E74}" srcOrd="0" destOrd="0" presId="urn:microsoft.com/office/officeart/2018/2/layout/IconLabelList"/>
+    <dgm:cxn modelId="{0761C794-2D41-4A0F-A63E-CBA31960CF7D}" type="presParOf" srcId="{15C00E97-C026-49D5-9680-70EF0F421ECD}" destId="{619130A1-75A2-4FD7-B9B1-9F3614AA8C67}" srcOrd="1" destOrd="0" presId="urn:microsoft.com/office/officeart/2018/2/layout/IconLabelList"/>
+    <dgm:cxn modelId="{9D831365-7520-43EE-A393-2CAFD414B98E}" type="presParOf" srcId="{15C00E97-C026-49D5-9680-70EF0F421ECD}" destId="{396A5AE1-F152-4378-AD6B-DFAF4E41341D}" srcOrd="2" destOrd="0" presId="urn:microsoft.com/office/officeart/2018/2/layout/IconLabelList"/>
+    <dgm:cxn modelId="{2FB79AE8-60A3-40D8-B6BE-A1129854FA3E}" type="presParOf" srcId="{13E2DD76-5712-44AF-AC8A-9539E46E94D0}" destId="{9DE2606C-64D7-4386-89C3-930CFA6F88D9}" srcOrd="1" destOrd="0" presId="urn:microsoft.com/office/officeart/2018/2/layout/IconLabelList"/>
+    <dgm:cxn modelId="{5B68F454-B4DA-4589-9245-F29C937E956A}" type="presParOf" srcId="{13E2DD76-5712-44AF-AC8A-9539E46E94D0}" destId="{6CBCFF29-D302-4BC9-B1B1-31894A149454}" srcOrd="2" destOrd="0" presId="urn:microsoft.com/office/officeart/2018/2/layout/IconLabelList"/>
+    <dgm:cxn modelId="{29BB33EF-0CFA-425F-9FAA-3FB1D9161975}" type="presParOf" srcId="{6CBCFF29-D302-4BC9-B1B1-31894A149454}" destId="{4AA83085-5038-44D1-8AB6-40C19BC2B589}" srcOrd="0" destOrd="0" presId="urn:microsoft.com/office/officeart/2018/2/layout/IconLabelList"/>
+    <dgm:cxn modelId="{EDFA74AB-428F-47E5-9F32-1F6087B24565}" type="presParOf" srcId="{6CBCFF29-D302-4BC9-B1B1-31894A149454}" destId="{50BEF2A1-8A89-4AAD-B47A-2089AC3DD79F}" srcOrd="1" destOrd="0" presId="urn:microsoft.com/office/officeart/2018/2/layout/IconLabelList"/>
+    <dgm:cxn modelId="{3B440077-22D7-46F2-AD51-E9508D4398C1}" type="presParOf" srcId="{6CBCFF29-D302-4BC9-B1B1-31894A149454}" destId="{0F2D8CAD-8DBD-4E4C-8EDC-0942357D51F6}" srcOrd="2" destOrd="0" presId="urn:microsoft.com/office/officeart/2018/2/layout/IconLabelList"/>
+  </dgm:cxnLst>
+  <dgm:bg/>
+  <dgm:whole/>
+  <dgm:extLst>
+    <a:ext uri="http://schemas.microsoft.com/office/drawing/2008/diagram">
+      <dsp:dataModelExt xmlns:dsp="http://schemas.microsoft.com/office/drawing/2008/diagram" relId="rId6" minVer="http://schemas.openxmlformats.org/drawingml/2006/diagram"/>
+    </a:ext>
+  </dgm:extLst>
+</dgm:dataModel>
+</file>
+
+<file path=ppt/diagrams/data7.xml><?xml version="1.0" encoding="utf-8"?>
+<dgm:dataModel xmlns:dgm="http://schemas.openxmlformats.org/drawingml/2006/diagram" xmlns:a="http://schemas.openxmlformats.org/drawingml/2006/main">
+  <dgm:ptLst>
     <dgm:pt modelId="{92F9AD4F-3CF4-46D3-91E2-FCCB2E6D717B}" type="doc">
       <dgm:prSet loTypeId="urn:microsoft.com/office/officeart/2005/8/layout/hierarchy1" loCatId="hierarchy" qsTypeId="urn:microsoft.com/office/officeart/2005/8/quickstyle/simple1" qsCatId="simple" csTypeId="urn:microsoft.com/office/officeart/2005/8/colors/accent1_2" csCatId="accent1" phldr="1"/>
       <dgm:spPr/>
@@ -6561,7 +9402,7 @@
 </dgm:dataModel>
 </file>
 
-<file path=ppt/diagrams/data6.xml><?xml version="1.0" encoding="utf-8"?>
+<file path=ppt/diagrams/data8.xml><?xml version="1.0" encoding="utf-8"?>
 <dgm:dataModel xmlns:dgm="http://schemas.openxmlformats.org/drawingml/2006/diagram" xmlns:a="http://schemas.openxmlformats.org/drawingml/2006/main">
   <dgm:ptLst>
     <dgm:pt modelId="{6E02568C-49C8-4D0C-A7A0-1018BBED2063}" type="doc">
@@ -8277,6 +11118,1015 @@
       <dsp:cNvGrpSpPr/>
     </dsp:nvGrpSpPr>
     <dsp:grpSpPr/>
+    <dsp:sp modelId="{97D2455D-5B10-4554-8E83-3CC961CE30DC}">
+      <dsp:nvSpPr>
+        <dsp:cNvPr id="0" name=""/>
+        <dsp:cNvSpPr/>
+      </dsp:nvSpPr>
+      <dsp:spPr>
+        <a:xfrm>
+          <a:off x="0" y="677"/>
+          <a:ext cx="2268977" cy="0"/>
+        </a:xfrm>
+        <a:prstGeom prst="line">
+          <a:avLst/>
+        </a:prstGeom>
+        <a:gradFill rotWithShape="0">
+          <a:gsLst>
+            <a:gs pos="0">
+              <a:schemeClr val="accent5">
+                <a:hueOff val="0"/>
+                <a:satOff val="0"/>
+                <a:lumOff val="0"/>
+                <a:alphaOff val="0"/>
+                <a:tint val="100000"/>
+                <a:shade val="100000"/>
+                <a:satMod val="130000"/>
+              </a:schemeClr>
+            </a:gs>
+            <a:gs pos="100000">
+              <a:schemeClr val="accent5">
+                <a:hueOff val="0"/>
+                <a:satOff val="0"/>
+                <a:lumOff val="0"/>
+                <a:alphaOff val="0"/>
+                <a:tint val="50000"/>
+                <a:shade val="100000"/>
+                <a:satMod val="350000"/>
+              </a:schemeClr>
+            </a:gs>
+          </a:gsLst>
+          <a:lin ang="16200000" scaled="0"/>
+        </a:gradFill>
+        <a:ln w="9525" cap="flat" cmpd="sng" algn="ctr">
+          <a:solidFill>
+            <a:schemeClr val="accent5">
+              <a:hueOff val="0"/>
+              <a:satOff val="0"/>
+              <a:lumOff val="0"/>
+              <a:alphaOff val="0"/>
+            </a:schemeClr>
+          </a:solidFill>
+          <a:prstDash val="solid"/>
+        </a:ln>
+        <a:effectLst>
+          <a:outerShdw blurRad="40000" dist="23000" dir="5400000" rotWithShape="0">
+            <a:srgbClr val="000000">
+              <a:alpha val="35000"/>
+            </a:srgbClr>
+          </a:outerShdw>
+        </a:effectLst>
+        <a:scene3d>
+          <a:camera prst="orthographicFront">
+            <a:rot lat="0" lon="0" rev="0"/>
+          </a:camera>
+          <a:lightRig rig="threePt" dir="t">
+            <a:rot lat="0" lon="0" rev="1200000"/>
+          </a:lightRig>
+        </a:scene3d>
+        <a:sp3d>
+          <a:bevelT w="63500" h="25400"/>
+        </a:sp3d>
+      </dsp:spPr>
+      <dsp:style>
+        <a:lnRef idx="1">
+          <a:scrgbClr r="0" g="0" b="0"/>
+        </a:lnRef>
+        <a:fillRef idx="3">
+          <a:scrgbClr r="0" g="0" b="0"/>
+        </a:fillRef>
+        <a:effectRef idx="3">
+          <a:scrgbClr r="0" g="0" b="0"/>
+        </a:effectRef>
+        <a:fontRef idx="minor">
+          <a:schemeClr val="lt1"/>
+        </a:fontRef>
+      </dsp:style>
+    </dsp:sp>
+    <dsp:sp modelId="{8AED4397-16B2-46E1-B204-5EA157CDF4EF}">
+      <dsp:nvSpPr>
+        <dsp:cNvPr id="0" name=""/>
+        <dsp:cNvSpPr/>
+      </dsp:nvSpPr>
+      <dsp:spPr>
+        <a:xfrm>
+          <a:off x="0" y="677"/>
+          <a:ext cx="2268977" cy="1108938"/>
+        </a:xfrm>
+        <a:prstGeom prst="rect">
+          <a:avLst/>
+        </a:prstGeom>
+        <a:noFill/>
+        <a:ln>
+          <a:noFill/>
+        </a:ln>
+        <a:effectLst/>
+      </dsp:spPr>
+      <dsp:style>
+        <a:lnRef idx="0">
+          <a:scrgbClr r="0" g="0" b="0"/>
+        </a:lnRef>
+        <a:fillRef idx="0">
+          <a:scrgbClr r="0" g="0" b="0"/>
+        </a:fillRef>
+        <a:effectRef idx="0">
+          <a:scrgbClr r="0" g="0" b="0"/>
+        </a:effectRef>
+        <a:fontRef idx="minor"/>
+      </dsp:style>
+      <dsp:txBody>
+        <a:bodyPr spcFirstLastPara="0" vert="horz" wrap="square" lIns="45720" tIns="45720" rIns="45720" bIns="45720" numCol="1" spcCol="1270" anchor="t" anchorCtr="0">
+          <a:noAutofit/>
+        </a:bodyPr>
+        <a:lstStyle/>
+        <a:p>
+          <a:pPr marL="0" lvl="0" indent="0" algn="l" defTabSz="533400">
+            <a:lnSpc>
+              <a:spcPct val="90000"/>
+            </a:lnSpc>
+            <a:spcBef>
+              <a:spcPct val="0"/>
+            </a:spcBef>
+            <a:spcAft>
+              <a:spcPct val="35000"/>
+            </a:spcAft>
+            <a:buNone/>
+          </a:pPr>
+          <a:r>
+            <a:rPr lang="en-US" sz="1200" kern="1200"/>
+            <a:t>The confusion matrix visualizes the performance of the XGBoost model in classifying benign and malicious URLs.</a:t>
+          </a:r>
+        </a:p>
+      </dsp:txBody>
+      <dsp:txXfrm>
+        <a:off x="0" y="677"/>
+        <a:ext cx="2268977" cy="1108938"/>
+      </dsp:txXfrm>
+    </dsp:sp>
+    <dsp:sp modelId="{33BBDA0B-4C4B-4BBD-A328-FEDCE668F7CE}">
+      <dsp:nvSpPr>
+        <dsp:cNvPr id="0" name=""/>
+        <dsp:cNvSpPr/>
+      </dsp:nvSpPr>
+      <dsp:spPr>
+        <a:xfrm>
+          <a:off x="0" y="1109615"/>
+          <a:ext cx="2268977" cy="0"/>
+        </a:xfrm>
+        <a:prstGeom prst="line">
+          <a:avLst/>
+        </a:prstGeom>
+        <a:gradFill rotWithShape="0">
+          <a:gsLst>
+            <a:gs pos="0">
+              <a:schemeClr val="accent5">
+                <a:hueOff val="-2483469"/>
+                <a:satOff val="9953"/>
+                <a:lumOff val="2157"/>
+                <a:alphaOff val="0"/>
+                <a:tint val="100000"/>
+                <a:shade val="100000"/>
+                <a:satMod val="130000"/>
+              </a:schemeClr>
+            </a:gs>
+            <a:gs pos="100000">
+              <a:schemeClr val="accent5">
+                <a:hueOff val="-2483469"/>
+                <a:satOff val="9953"/>
+                <a:lumOff val="2157"/>
+                <a:alphaOff val="0"/>
+                <a:tint val="50000"/>
+                <a:shade val="100000"/>
+                <a:satMod val="350000"/>
+              </a:schemeClr>
+            </a:gs>
+          </a:gsLst>
+          <a:lin ang="16200000" scaled="0"/>
+        </a:gradFill>
+        <a:ln w="9525" cap="flat" cmpd="sng" algn="ctr">
+          <a:solidFill>
+            <a:schemeClr val="accent5">
+              <a:hueOff val="-2483469"/>
+              <a:satOff val="9953"/>
+              <a:lumOff val="2157"/>
+              <a:alphaOff val="0"/>
+            </a:schemeClr>
+          </a:solidFill>
+          <a:prstDash val="solid"/>
+        </a:ln>
+        <a:effectLst>
+          <a:outerShdw blurRad="40000" dist="23000" dir="5400000" rotWithShape="0">
+            <a:srgbClr val="000000">
+              <a:alpha val="35000"/>
+            </a:srgbClr>
+          </a:outerShdw>
+        </a:effectLst>
+        <a:scene3d>
+          <a:camera prst="orthographicFront">
+            <a:rot lat="0" lon="0" rev="0"/>
+          </a:camera>
+          <a:lightRig rig="threePt" dir="t">
+            <a:rot lat="0" lon="0" rev="1200000"/>
+          </a:lightRig>
+        </a:scene3d>
+        <a:sp3d>
+          <a:bevelT w="63500" h="25400"/>
+        </a:sp3d>
+      </dsp:spPr>
+      <dsp:style>
+        <a:lnRef idx="1">
+          <a:scrgbClr r="0" g="0" b="0"/>
+        </a:lnRef>
+        <a:fillRef idx="3">
+          <a:scrgbClr r="0" g="0" b="0"/>
+        </a:fillRef>
+        <a:effectRef idx="3">
+          <a:scrgbClr r="0" g="0" b="0"/>
+        </a:effectRef>
+        <a:fontRef idx="minor">
+          <a:schemeClr val="lt1"/>
+        </a:fontRef>
+      </dsp:style>
+    </dsp:sp>
+    <dsp:sp modelId="{1ED600DD-CD55-4F76-A377-7476800A91C6}">
+      <dsp:nvSpPr>
+        <dsp:cNvPr id="0" name=""/>
+        <dsp:cNvSpPr/>
+      </dsp:nvSpPr>
+      <dsp:spPr>
+        <a:xfrm>
+          <a:off x="0" y="1109615"/>
+          <a:ext cx="2268977" cy="1108938"/>
+        </a:xfrm>
+        <a:prstGeom prst="rect">
+          <a:avLst/>
+        </a:prstGeom>
+        <a:noFill/>
+        <a:ln>
+          <a:noFill/>
+        </a:ln>
+        <a:effectLst/>
+      </dsp:spPr>
+      <dsp:style>
+        <a:lnRef idx="0">
+          <a:scrgbClr r="0" g="0" b="0"/>
+        </a:lnRef>
+        <a:fillRef idx="0">
+          <a:scrgbClr r="0" g="0" b="0"/>
+        </a:fillRef>
+        <a:effectRef idx="0">
+          <a:scrgbClr r="0" g="0" b="0"/>
+        </a:effectRef>
+        <a:fontRef idx="minor"/>
+      </dsp:style>
+      <dsp:txBody>
+        <a:bodyPr spcFirstLastPara="0" vert="horz" wrap="square" lIns="45720" tIns="45720" rIns="45720" bIns="45720" numCol="1" spcCol="1270" anchor="t" anchorCtr="0">
+          <a:noAutofit/>
+        </a:bodyPr>
+        <a:lstStyle/>
+        <a:p>
+          <a:pPr marL="0" lvl="0" indent="0" algn="l" defTabSz="533400">
+            <a:lnSpc>
+              <a:spcPct val="90000"/>
+            </a:lnSpc>
+            <a:spcBef>
+              <a:spcPct val="0"/>
+            </a:spcBef>
+            <a:spcAft>
+              <a:spcPct val="35000"/>
+            </a:spcAft>
+            <a:buFont typeface="Arial" panose="020B0604020202020204" pitchFamily="34" charset="0"/>
+            <a:buNone/>
+          </a:pPr>
+          <a:r>
+            <a:rPr lang="en-US" sz="1200" b="1" kern="1200"/>
+            <a:t>True Positives (Malicious correctly identified):</a:t>
+          </a:r>
+          <a:r>
+            <a:rPr lang="en-US" sz="1200" kern="1200"/>
+            <a:t> 46,239</a:t>
+          </a:r>
+        </a:p>
+      </dsp:txBody>
+      <dsp:txXfrm>
+        <a:off x="0" y="1109615"/>
+        <a:ext cx="2268977" cy="1108938"/>
+      </dsp:txXfrm>
+    </dsp:sp>
+    <dsp:sp modelId="{4D525A41-CF2E-443C-A8A5-CEDDFC2BFC24}">
+      <dsp:nvSpPr>
+        <dsp:cNvPr id="0" name=""/>
+        <dsp:cNvSpPr/>
+      </dsp:nvSpPr>
+      <dsp:spPr>
+        <a:xfrm>
+          <a:off x="0" y="2218554"/>
+          <a:ext cx="2268977" cy="0"/>
+        </a:xfrm>
+        <a:prstGeom prst="line">
+          <a:avLst/>
+        </a:prstGeom>
+        <a:gradFill rotWithShape="0">
+          <a:gsLst>
+            <a:gs pos="0">
+              <a:schemeClr val="accent5">
+                <a:hueOff val="-4966938"/>
+                <a:satOff val="19906"/>
+                <a:lumOff val="4314"/>
+                <a:alphaOff val="0"/>
+                <a:tint val="100000"/>
+                <a:shade val="100000"/>
+                <a:satMod val="130000"/>
+              </a:schemeClr>
+            </a:gs>
+            <a:gs pos="100000">
+              <a:schemeClr val="accent5">
+                <a:hueOff val="-4966938"/>
+                <a:satOff val="19906"/>
+                <a:lumOff val="4314"/>
+                <a:alphaOff val="0"/>
+                <a:tint val="50000"/>
+                <a:shade val="100000"/>
+                <a:satMod val="350000"/>
+              </a:schemeClr>
+            </a:gs>
+          </a:gsLst>
+          <a:lin ang="16200000" scaled="0"/>
+        </a:gradFill>
+        <a:ln w="9525" cap="flat" cmpd="sng" algn="ctr">
+          <a:solidFill>
+            <a:schemeClr val="accent5">
+              <a:hueOff val="-4966938"/>
+              <a:satOff val="19906"/>
+              <a:lumOff val="4314"/>
+              <a:alphaOff val="0"/>
+            </a:schemeClr>
+          </a:solidFill>
+          <a:prstDash val="solid"/>
+        </a:ln>
+        <a:effectLst>
+          <a:outerShdw blurRad="40000" dist="23000" dir="5400000" rotWithShape="0">
+            <a:srgbClr val="000000">
+              <a:alpha val="35000"/>
+            </a:srgbClr>
+          </a:outerShdw>
+        </a:effectLst>
+        <a:scene3d>
+          <a:camera prst="orthographicFront">
+            <a:rot lat="0" lon="0" rev="0"/>
+          </a:camera>
+          <a:lightRig rig="threePt" dir="t">
+            <a:rot lat="0" lon="0" rev="1200000"/>
+          </a:lightRig>
+        </a:scene3d>
+        <a:sp3d>
+          <a:bevelT w="63500" h="25400"/>
+        </a:sp3d>
+      </dsp:spPr>
+      <dsp:style>
+        <a:lnRef idx="1">
+          <a:scrgbClr r="0" g="0" b="0"/>
+        </a:lnRef>
+        <a:fillRef idx="3">
+          <a:scrgbClr r="0" g="0" b="0"/>
+        </a:fillRef>
+        <a:effectRef idx="3">
+          <a:scrgbClr r="0" g="0" b="0"/>
+        </a:effectRef>
+        <a:fontRef idx="minor">
+          <a:schemeClr val="lt1"/>
+        </a:fontRef>
+      </dsp:style>
+    </dsp:sp>
+    <dsp:sp modelId="{12114CE2-BFCF-40E4-A420-9C52EF148FD4}">
+      <dsp:nvSpPr>
+        <dsp:cNvPr id="0" name=""/>
+        <dsp:cNvSpPr/>
+      </dsp:nvSpPr>
+      <dsp:spPr>
+        <a:xfrm>
+          <a:off x="0" y="2218554"/>
+          <a:ext cx="2268977" cy="1108938"/>
+        </a:xfrm>
+        <a:prstGeom prst="rect">
+          <a:avLst/>
+        </a:prstGeom>
+        <a:noFill/>
+        <a:ln>
+          <a:noFill/>
+        </a:ln>
+        <a:effectLst/>
+      </dsp:spPr>
+      <dsp:style>
+        <a:lnRef idx="0">
+          <a:scrgbClr r="0" g="0" b="0"/>
+        </a:lnRef>
+        <a:fillRef idx="0">
+          <a:scrgbClr r="0" g="0" b="0"/>
+        </a:fillRef>
+        <a:effectRef idx="0">
+          <a:scrgbClr r="0" g="0" b="0"/>
+        </a:effectRef>
+        <a:fontRef idx="minor"/>
+      </dsp:style>
+      <dsp:txBody>
+        <a:bodyPr spcFirstLastPara="0" vert="horz" wrap="square" lIns="45720" tIns="45720" rIns="45720" bIns="45720" numCol="1" spcCol="1270" anchor="t" anchorCtr="0">
+          <a:noAutofit/>
+        </a:bodyPr>
+        <a:lstStyle/>
+        <a:p>
+          <a:pPr marL="0" lvl="0" indent="0" algn="l" defTabSz="533400">
+            <a:lnSpc>
+              <a:spcPct val="90000"/>
+            </a:lnSpc>
+            <a:spcBef>
+              <a:spcPct val="0"/>
+            </a:spcBef>
+            <a:spcAft>
+              <a:spcPct val="35000"/>
+            </a:spcAft>
+            <a:buFont typeface="Arial" panose="020B0604020202020204" pitchFamily="34" charset="0"/>
+            <a:buNone/>
+          </a:pPr>
+          <a:r>
+            <a:rPr lang="en-US" sz="1200" b="1" kern="1200"/>
+            <a:t>True Negatives (Benign correctly identified):</a:t>
+          </a:r>
+          <a:r>
+            <a:rPr lang="en-US" sz="1200" kern="1200"/>
+            <a:t> 105,164</a:t>
+          </a:r>
+        </a:p>
+      </dsp:txBody>
+      <dsp:txXfrm>
+        <a:off x="0" y="2218554"/>
+        <a:ext cx="2268977" cy="1108938"/>
+      </dsp:txXfrm>
+    </dsp:sp>
+    <dsp:sp modelId="{1B312A72-AD93-4B75-83FC-317FFEB80703}">
+      <dsp:nvSpPr>
+        <dsp:cNvPr id="0" name=""/>
+        <dsp:cNvSpPr/>
+      </dsp:nvSpPr>
+      <dsp:spPr>
+        <a:xfrm>
+          <a:off x="0" y="3327492"/>
+          <a:ext cx="2268977" cy="0"/>
+        </a:xfrm>
+        <a:prstGeom prst="line">
+          <a:avLst/>
+        </a:prstGeom>
+        <a:gradFill rotWithShape="0">
+          <a:gsLst>
+            <a:gs pos="0">
+              <a:schemeClr val="accent5">
+                <a:hueOff val="-7450407"/>
+                <a:satOff val="29858"/>
+                <a:lumOff val="6471"/>
+                <a:alphaOff val="0"/>
+                <a:tint val="100000"/>
+                <a:shade val="100000"/>
+                <a:satMod val="130000"/>
+              </a:schemeClr>
+            </a:gs>
+            <a:gs pos="100000">
+              <a:schemeClr val="accent5">
+                <a:hueOff val="-7450407"/>
+                <a:satOff val="29858"/>
+                <a:lumOff val="6471"/>
+                <a:alphaOff val="0"/>
+                <a:tint val="50000"/>
+                <a:shade val="100000"/>
+                <a:satMod val="350000"/>
+              </a:schemeClr>
+            </a:gs>
+          </a:gsLst>
+          <a:lin ang="16200000" scaled="0"/>
+        </a:gradFill>
+        <a:ln w="9525" cap="flat" cmpd="sng" algn="ctr">
+          <a:solidFill>
+            <a:schemeClr val="accent5">
+              <a:hueOff val="-7450407"/>
+              <a:satOff val="29858"/>
+              <a:lumOff val="6471"/>
+              <a:alphaOff val="0"/>
+            </a:schemeClr>
+          </a:solidFill>
+          <a:prstDash val="solid"/>
+        </a:ln>
+        <a:effectLst>
+          <a:outerShdw blurRad="40000" dist="23000" dir="5400000" rotWithShape="0">
+            <a:srgbClr val="000000">
+              <a:alpha val="35000"/>
+            </a:srgbClr>
+          </a:outerShdw>
+        </a:effectLst>
+        <a:scene3d>
+          <a:camera prst="orthographicFront">
+            <a:rot lat="0" lon="0" rev="0"/>
+          </a:camera>
+          <a:lightRig rig="threePt" dir="t">
+            <a:rot lat="0" lon="0" rev="1200000"/>
+          </a:lightRig>
+        </a:scene3d>
+        <a:sp3d>
+          <a:bevelT w="63500" h="25400"/>
+        </a:sp3d>
+      </dsp:spPr>
+      <dsp:style>
+        <a:lnRef idx="1">
+          <a:scrgbClr r="0" g="0" b="0"/>
+        </a:lnRef>
+        <a:fillRef idx="3">
+          <a:scrgbClr r="0" g="0" b="0"/>
+        </a:fillRef>
+        <a:effectRef idx="3">
+          <a:scrgbClr r="0" g="0" b="0"/>
+        </a:effectRef>
+        <a:fontRef idx="minor">
+          <a:schemeClr val="lt1"/>
+        </a:fontRef>
+      </dsp:style>
+    </dsp:sp>
+    <dsp:sp modelId="{68DFB6A5-0263-478C-BB1E-BD72A85A35B1}">
+      <dsp:nvSpPr>
+        <dsp:cNvPr id="0" name=""/>
+        <dsp:cNvSpPr/>
+      </dsp:nvSpPr>
+      <dsp:spPr>
+        <a:xfrm>
+          <a:off x="0" y="3327492"/>
+          <a:ext cx="2268977" cy="1108938"/>
+        </a:xfrm>
+        <a:prstGeom prst="rect">
+          <a:avLst/>
+        </a:prstGeom>
+        <a:noFill/>
+        <a:ln>
+          <a:noFill/>
+        </a:ln>
+        <a:effectLst/>
+      </dsp:spPr>
+      <dsp:style>
+        <a:lnRef idx="0">
+          <a:scrgbClr r="0" g="0" b="0"/>
+        </a:lnRef>
+        <a:fillRef idx="0">
+          <a:scrgbClr r="0" g="0" b="0"/>
+        </a:fillRef>
+        <a:effectRef idx="0">
+          <a:scrgbClr r="0" g="0" b="0"/>
+        </a:effectRef>
+        <a:fontRef idx="minor"/>
+      </dsp:style>
+      <dsp:txBody>
+        <a:bodyPr spcFirstLastPara="0" vert="horz" wrap="square" lIns="45720" tIns="45720" rIns="45720" bIns="45720" numCol="1" spcCol="1270" anchor="t" anchorCtr="0">
+          <a:noAutofit/>
+        </a:bodyPr>
+        <a:lstStyle/>
+        <a:p>
+          <a:pPr marL="0" lvl="0" indent="0" algn="l" defTabSz="533400">
+            <a:lnSpc>
+              <a:spcPct val="90000"/>
+            </a:lnSpc>
+            <a:spcBef>
+              <a:spcPct val="0"/>
+            </a:spcBef>
+            <a:spcAft>
+              <a:spcPct val="35000"/>
+            </a:spcAft>
+            <a:buFont typeface="Arial" panose="020B0604020202020204" pitchFamily="34" charset="0"/>
+            <a:buNone/>
+          </a:pPr>
+          <a:r>
+            <a:rPr lang="en-US" sz="1200" b="1" kern="1200"/>
+            <a:t>False Positives (Benign misclassified as malicious):</a:t>
+          </a:r>
+          <a:r>
+            <a:rPr lang="en-US" sz="1200" kern="1200"/>
+            <a:t> 43,778</a:t>
+          </a:r>
+        </a:p>
+      </dsp:txBody>
+      <dsp:txXfrm>
+        <a:off x="0" y="3327492"/>
+        <a:ext cx="2268977" cy="1108938"/>
+      </dsp:txXfrm>
+    </dsp:sp>
+    <dsp:sp modelId="{7166D2C2-D00D-4713-BE51-E8FB43254BC8}">
+      <dsp:nvSpPr>
+        <dsp:cNvPr id="0" name=""/>
+        <dsp:cNvSpPr/>
+      </dsp:nvSpPr>
+      <dsp:spPr>
+        <a:xfrm>
+          <a:off x="0" y="4436431"/>
+          <a:ext cx="2268977" cy="0"/>
+        </a:xfrm>
+        <a:prstGeom prst="line">
+          <a:avLst/>
+        </a:prstGeom>
+        <a:gradFill rotWithShape="0">
+          <a:gsLst>
+            <a:gs pos="0">
+              <a:schemeClr val="accent5">
+                <a:hueOff val="-9933876"/>
+                <a:satOff val="39811"/>
+                <a:lumOff val="8628"/>
+                <a:alphaOff val="0"/>
+                <a:tint val="100000"/>
+                <a:shade val="100000"/>
+                <a:satMod val="130000"/>
+              </a:schemeClr>
+            </a:gs>
+            <a:gs pos="100000">
+              <a:schemeClr val="accent5">
+                <a:hueOff val="-9933876"/>
+                <a:satOff val="39811"/>
+                <a:lumOff val="8628"/>
+                <a:alphaOff val="0"/>
+                <a:tint val="50000"/>
+                <a:shade val="100000"/>
+                <a:satMod val="350000"/>
+              </a:schemeClr>
+            </a:gs>
+          </a:gsLst>
+          <a:lin ang="16200000" scaled="0"/>
+        </a:gradFill>
+        <a:ln w="9525" cap="flat" cmpd="sng" algn="ctr">
+          <a:solidFill>
+            <a:schemeClr val="accent5">
+              <a:hueOff val="-9933876"/>
+              <a:satOff val="39811"/>
+              <a:lumOff val="8628"/>
+              <a:alphaOff val="0"/>
+            </a:schemeClr>
+          </a:solidFill>
+          <a:prstDash val="solid"/>
+        </a:ln>
+        <a:effectLst>
+          <a:outerShdw blurRad="40000" dist="23000" dir="5400000" rotWithShape="0">
+            <a:srgbClr val="000000">
+              <a:alpha val="35000"/>
+            </a:srgbClr>
+          </a:outerShdw>
+        </a:effectLst>
+        <a:scene3d>
+          <a:camera prst="orthographicFront">
+            <a:rot lat="0" lon="0" rev="0"/>
+          </a:camera>
+          <a:lightRig rig="threePt" dir="t">
+            <a:rot lat="0" lon="0" rev="1200000"/>
+          </a:lightRig>
+        </a:scene3d>
+        <a:sp3d>
+          <a:bevelT w="63500" h="25400"/>
+        </a:sp3d>
+      </dsp:spPr>
+      <dsp:style>
+        <a:lnRef idx="1">
+          <a:scrgbClr r="0" g="0" b="0"/>
+        </a:lnRef>
+        <a:fillRef idx="3">
+          <a:scrgbClr r="0" g="0" b="0"/>
+        </a:fillRef>
+        <a:effectRef idx="3">
+          <a:scrgbClr r="0" g="0" b="0"/>
+        </a:effectRef>
+        <a:fontRef idx="minor">
+          <a:schemeClr val="lt1"/>
+        </a:fontRef>
+      </dsp:style>
+    </dsp:sp>
+    <dsp:sp modelId="{6866CE05-03E7-4B12-935F-0F1038B511FD}">
+      <dsp:nvSpPr>
+        <dsp:cNvPr id="0" name=""/>
+        <dsp:cNvSpPr/>
+      </dsp:nvSpPr>
+      <dsp:spPr>
+        <a:xfrm>
+          <a:off x="0" y="4436431"/>
+          <a:ext cx="2268977" cy="1108938"/>
+        </a:xfrm>
+        <a:prstGeom prst="rect">
+          <a:avLst/>
+        </a:prstGeom>
+        <a:noFill/>
+        <a:ln>
+          <a:noFill/>
+        </a:ln>
+        <a:effectLst/>
+      </dsp:spPr>
+      <dsp:style>
+        <a:lnRef idx="0">
+          <a:scrgbClr r="0" g="0" b="0"/>
+        </a:lnRef>
+        <a:fillRef idx="0">
+          <a:scrgbClr r="0" g="0" b="0"/>
+        </a:fillRef>
+        <a:effectRef idx="0">
+          <a:scrgbClr r="0" g="0" b="0"/>
+        </a:effectRef>
+        <a:fontRef idx="minor"/>
+      </dsp:style>
+      <dsp:txBody>
+        <a:bodyPr spcFirstLastPara="0" vert="horz" wrap="square" lIns="45720" tIns="45720" rIns="45720" bIns="45720" numCol="1" spcCol="1270" anchor="t" anchorCtr="0">
+          <a:noAutofit/>
+        </a:bodyPr>
+        <a:lstStyle/>
+        <a:p>
+          <a:pPr marL="0" lvl="0" indent="0" algn="l" defTabSz="533400">
+            <a:lnSpc>
+              <a:spcPct val="90000"/>
+            </a:lnSpc>
+            <a:spcBef>
+              <a:spcPct val="0"/>
+            </a:spcBef>
+            <a:spcAft>
+              <a:spcPct val="35000"/>
+            </a:spcAft>
+            <a:buFont typeface="Arial" panose="020B0604020202020204" pitchFamily="34" charset="0"/>
+            <a:buNone/>
+          </a:pPr>
+          <a:r>
+            <a:rPr lang="en-US" sz="1200" b="1" kern="1200"/>
+            <a:t>False Negatives (Malicious misclassified as benign):</a:t>
+          </a:r>
+          <a:r>
+            <a:rPr lang="en-US" sz="1200" kern="1200"/>
+            <a:t> 17,057</a:t>
+          </a:r>
+          <a:br>
+            <a:rPr lang="en-US" sz="1200" kern="1200"/>
+          </a:br>
+          <a:r>
+            <a:rPr lang="en-US" sz="1200" kern="1200"/>
+            <a:t>This shows the model has strong recall for both classes but still faces some false positive/negative trade-offs.</a:t>
+          </a:r>
+        </a:p>
+      </dsp:txBody>
+      <dsp:txXfrm>
+        <a:off x="0" y="4436431"/>
+        <a:ext cx="2268977" cy="1108938"/>
+      </dsp:txXfrm>
+    </dsp:sp>
+  </dsp:spTree>
+</dsp:drawing>
+</file>
+
+<file path=ppt/diagrams/drawing6.xml><?xml version="1.0" encoding="utf-8"?>
+<dsp:drawing xmlns:dgm="http://schemas.openxmlformats.org/drawingml/2006/diagram" xmlns:dsp="http://schemas.microsoft.com/office/drawing/2008/diagram" xmlns:a="http://schemas.openxmlformats.org/drawingml/2006/main">
+  <dsp:spTree>
+    <dsp:nvGrpSpPr>
+      <dsp:cNvPr id="0" name=""/>
+      <dsp:cNvGrpSpPr/>
+    </dsp:nvGrpSpPr>
+    <dsp:grpSpPr/>
+    <dsp:sp modelId="{5BA14AF7-D058-46A9-90A4-6091933C4E74}">
+      <dsp:nvSpPr>
+        <dsp:cNvPr id="0" name=""/>
+        <dsp:cNvSpPr/>
+      </dsp:nvSpPr>
+      <dsp:spPr>
+        <a:xfrm>
+          <a:off x="451605" y="1204928"/>
+          <a:ext cx="737226" cy="737226"/>
+        </a:xfrm>
+        <a:prstGeom prst="rect">
+          <a:avLst/>
+        </a:prstGeom>
+        <a:blipFill>
+          <a:blip xmlns:r="http://schemas.openxmlformats.org/officeDocument/2006/relationships" r:embed="rId1">
+            <a:extLst>
+              <a:ext uri="{28A0092B-C50C-407E-A947-70E740481C1C}">
+                <a14:useLocalDpi xmlns:a14="http://schemas.microsoft.com/office/drawing/2010/main" val="0"/>
+              </a:ext>
+              <a:ext uri="{96DAC541-7B7A-43D3-8B79-37D633B846F1}">
+                <asvg:svgBlip xmlns:asvg="http://schemas.microsoft.com/office/drawing/2016/SVG/main" r:embed="rId2"/>
+              </a:ext>
+            </a:extLst>
+          </a:blip>
+          <a:stretch>
+            <a:fillRect/>
+          </a:stretch>
+        </a:blipFill>
+        <a:ln w="25400" cap="flat" cmpd="sng" algn="ctr">
+          <a:solidFill>
+            <a:schemeClr val="lt1">
+              <a:hueOff val="0"/>
+              <a:satOff val="0"/>
+              <a:lumOff val="0"/>
+              <a:alphaOff val="0"/>
+            </a:schemeClr>
+          </a:solidFill>
+          <a:prstDash val="solid"/>
+        </a:ln>
+        <a:effectLst/>
+      </dsp:spPr>
+      <dsp:style>
+        <a:lnRef idx="2">
+          <a:scrgbClr r="0" g="0" b="0"/>
+        </a:lnRef>
+        <a:fillRef idx="1">
+          <a:scrgbClr r="0" g="0" b="0"/>
+        </a:fillRef>
+        <a:effectRef idx="0">
+          <a:scrgbClr r="0" g="0" b="0"/>
+        </a:effectRef>
+        <a:fontRef idx="minor">
+          <a:schemeClr val="lt1"/>
+        </a:fontRef>
+      </dsp:style>
+    </dsp:sp>
+    <dsp:sp modelId="{396A5AE1-F152-4378-AD6B-DFAF4E41341D}">
+      <dsp:nvSpPr>
+        <dsp:cNvPr id="0" name=""/>
+        <dsp:cNvSpPr/>
+      </dsp:nvSpPr>
+      <dsp:spPr>
+        <a:xfrm>
+          <a:off x="1078" y="2209692"/>
+          <a:ext cx="1638281" cy="778183"/>
+        </a:xfrm>
+        <a:prstGeom prst="rect">
+          <a:avLst/>
+        </a:prstGeom>
+        <a:noFill/>
+        <a:ln>
+          <a:noFill/>
+        </a:ln>
+        <a:effectLst/>
+      </dsp:spPr>
+      <dsp:style>
+        <a:lnRef idx="0">
+          <a:scrgbClr r="0" g="0" b="0"/>
+        </a:lnRef>
+        <a:fillRef idx="0">
+          <a:scrgbClr r="0" g="0" b="0"/>
+        </a:fillRef>
+        <a:effectRef idx="0">
+          <a:scrgbClr r="0" g="0" b="0"/>
+        </a:effectRef>
+        <a:fontRef idx="minor"/>
+      </dsp:style>
+      <dsp:txBody>
+        <a:bodyPr spcFirstLastPara="0" vert="horz" wrap="square" lIns="0" tIns="0" rIns="0" bIns="0" numCol="1" spcCol="1270" anchor="t" anchorCtr="0">
+          <a:noAutofit/>
+        </a:bodyPr>
+        <a:lstStyle/>
+        <a:p>
+          <a:pPr marL="0" lvl="0" indent="0" algn="ctr" defTabSz="488950">
+            <a:lnSpc>
+              <a:spcPct val="100000"/>
+            </a:lnSpc>
+            <a:spcBef>
+              <a:spcPct val="0"/>
+            </a:spcBef>
+            <a:spcAft>
+              <a:spcPct val="35000"/>
+            </a:spcAft>
+            <a:buNone/>
+          </a:pPr>
+          <a:r>
+            <a:rPr lang="en-US" sz="1100" kern="1200"/>
+            <a:t>The most influential factors are the length of the URL, the number of digits, and the number of special characters.</a:t>
+          </a:r>
+          <a:endParaRPr lang="en-US" sz="1100" kern="1200" dirty="0"/>
+        </a:p>
+      </dsp:txBody>
+      <dsp:txXfrm>
+        <a:off x="1078" y="2209692"/>
+        <a:ext cx="1638281" cy="778183"/>
+      </dsp:txXfrm>
+    </dsp:sp>
+    <dsp:sp modelId="{4AA83085-5038-44D1-8AB6-40C19BC2B589}">
+      <dsp:nvSpPr>
+        <dsp:cNvPr id="0" name=""/>
+        <dsp:cNvSpPr/>
+      </dsp:nvSpPr>
+      <dsp:spPr>
+        <a:xfrm>
+          <a:off x="2376586" y="1204928"/>
+          <a:ext cx="737226" cy="737226"/>
+        </a:xfrm>
+        <a:prstGeom prst="rect">
+          <a:avLst/>
+        </a:prstGeom>
+        <a:blipFill>
+          <a:blip xmlns:r="http://schemas.openxmlformats.org/officeDocument/2006/relationships" r:embed="rId3">
+            <a:extLst>
+              <a:ext uri="{28A0092B-C50C-407E-A947-70E740481C1C}">
+                <a14:useLocalDpi xmlns:a14="http://schemas.microsoft.com/office/drawing/2010/main" val="0"/>
+              </a:ext>
+              <a:ext uri="{96DAC541-7B7A-43D3-8B79-37D633B846F1}">
+                <asvg:svgBlip xmlns:asvg="http://schemas.microsoft.com/office/drawing/2016/SVG/main" r:embed="rId4"/>
+              </a:ext>
+            </a:extLst>
+          </a:blip>
+          <a:stretch>
+            <a:fillRect/>
+          </a:stretch>
+        </a:blipFill>
+        <a:ln w="25400" cap="flat" cmpd="sng" algn="ctr">
+          <a:solidFill>
+            <a:schemeClr val="lt1">
+              <a:hueOff val="0"/>
+              <a:satOff val="0"/>
+              <a:lumOff val="0"/>
+              <a:alphaOff val="0"/>
+            </a:schemeClr>
+          </a:solidFill>
+          <a:prstDash val="solid"/>
+        </a:ln>
+        <a:effectLst/>
+      </dsp:spPr>
+      <dsp:style>
+        <a:lnRef idx="2">
+          <a:scrgbClr r="0" g="0" b="0"/>
+        </a:lnRef>
+        <a:fillRef idx="1">
+          <a:scrgbClr r="0" g="0" b="0"/>
+        </a:fillRef>
+        <a:effectRef idx="0">
+          <a:scrgbClr r="0" g="0" b="0"/>
+        </a:effectRef>
+        <a:fontRef idx="minor">
+          <a:schemeClr val="lt1"/>
+        </a:fontRef>
+      </dsp:style>
+    </dsp:sp>
+    <dsp:sp modelId="{0F2D8CAD-8DBD-4E4C-8EDC-0942357D51F6}">
+      <dsp:nvSpPr>
+        <dsp:cNvPr id="0" name=""/>
+        <dsp:cNvSpPr/>
+      </dsp:nvSpPr>
+      <dsp:spPr>
+        <a:xfrm>
+          <a:off x="1926059" y="2209692"/>
+          <a:ext cx="1638281" cy="778183"/>
+        </a:xfrm>
+        <a:prstGeom prst="rect">
+          <a:avLst/>
+        </a:prstGeom>
+        <a:noFill/>
+        <a:ln>
+          <a:noFill/>
+        </a:ln>
+        <a:effectLst/>
+      </dsp:spPr>
+      <dsp:style>
+        <a:lnRef idx="0">
+          <a:scrgbClr r="0" g="0" b="0"/>
+        </a:lnRef>
+        <a:fillRef idx="0">
+          <a:scrgbClr r="0" g="0" b="0"/>
+        </a:fillRef>
+        <a:effectRef idx="0">
+          <a:scrgbClr r="0" g="0" b="0"/>
+        </a:effectRef>
+        <a:fontRef idx="minor"/>
+      </dsp:style>
+      <dsp:txBody>
+        <a:bodyPr spcFirstLastPara="0" vert="horz" wrap="square" lIns="0" tIns="0" rIns="0" bIns="0" numCol="1" spcCol="1270" anchor="t" anchorCtr="0">
+          <a:noAutofit/>
+        </a:bodyPr>
+        <a:lstStyle/>
+        <a:p>
+          <a:pPr marL="0" lvl="0" indent="0" algn="ctr" defTabSz="488950">
+            <a:lnSpc>
+              <a:spcPct val="100000"/>
+            </a:lnSpc>
+            <a:spcBef>
+              <a:spcPct val="0"/>
+            </a:spcBef>
+            <a:spcAft>
+              <a:spcPct val="35000"/>
+            </a:spcAft>
+            <a:buNone/>
+          </a:pPr>
+          <a:r>
+            <a:rPr lang="en-US" sz="1100" kern="1200"/>
+            <a:t>Other important indicators include num_subdomains, presence of suspicious keywords, and use of URL shorteners.</a:t>
+          </a:r>
+        </a:p>
+      </dsp:txBody>
+      <dsp:txXfrm>
+        <a:off x="1926059" y="2209692"/>
+        <a:ext cx="1638281" cy="778183"/>
+      </dsp:txXfrm>
+    </dsp:sp>
+  </dsp:spTree>
+</dsp:drawing>
+</file>
+
+<file path=ppt/diagrams/drawing7.xml><?xml version="1.0" encoding="utf-8"?>
+<dsp:drawing xmlns:dgm="http://schemas.openxmlformats.org/drawingml/2006/diagram" xmlns:dsp="http://schemas.microsoft.com/office/drawing/2008/diagram" xmlns:a="http://schemas.openxmlformats.org/drawingml/2006/main">
+  <dsp:spTree>
+    <dsp:nvGrpSpPr>
+      <dsp:cNvPr id="0" name=""/>
+      <dsp:cNvGrpSpPr/>
+    </dsp:nvGrpSpPr>
+    <dsp:grpSpPr/>
     <dsp:sp modelId="{D82B9877-17F7-4090-BC1E-9E8A60AC7B9E}">
       <dsp:nvSpPr>
         <dsp:cNvPr id="0" name=""/>
@@ -8926,7 +12776,7 @@
 </dsp:drawing>
 </file>
 
-<file path=ppt/diagrams/drawing6.xml><?xml version="1.0" encoding="utf-8"?>
+<file path=ppt/diagrams/drawing8.xml><?xml version="1.0" encoding="utf-8"?>
 <dsp:drawing xmlns:dgm="http://schemas.openxmlformats.org/drawingml/2006/diagram" xmlns:dsp="http://schemas.microsoft.com/office/drawing/2008/diagram" xmlns:a="http://schemas.openxmlformats.org/drawingml/2006/main">
   <dsp:spTree>
     <dsp:nvGrpSpPr>
@@ -11303,6 +15153,662 @@
 </file>
 
 <file path=ppt/diagrams/layout5.xml><?xml version="1.0" encoding="utf-8"?>
+<dgm:layoutDef xmlns:dgm="http://schemas.openxmlformats.org/drawingml/2006/diagram" xmlns:a="http://schemas.openxmlformats.org/drawingml/2006/main" uniqueId="urn:microsoft.com/office/officeart/2008/layout/LinedList">
+  <dgm:title val=""/>
+  <dgm:desc val=""/>
+  <dgm:catLst>
+    <dgm:cat type="hierarchy" pri="8000"/>
+    <dgm:cat type="list" pri="2500"/>
+  </dgm:catLst>
+  <dgm:sampData>
+    <dgm:dataModel>
+      <dgm:ptLst>
+        <dgm:pt modelId="0" type="doc"/>
+        <dgm:pt modelId="1">
+          <dgm:prSet phldr="1"/>
+        </dgm:pt>
+        <dgm:pt modelId="11">
+          <dgm:prSet phldr="1"/>
+        </dgm:pt>
+        <dgm:pt modelId="12">
+          <dgm:prSet phldr="1"/>
+        </dgm:pt>
+        <dgm:pt modelId="13">
+          <dgm:prSet phldr="1"/>
+        </dgm:pt>
+      </dgm:ptLst>
+      <dgm:cxnLst>
+        <dgm:cxn modelId="2" srcId="0" destId="1" srcOrd="0" destOrd="0"/>
+        <dgm:cxn modelId="3" srcId="1" destId="11" srcOrd="0" destOrd="0"/>
+        <dgm:cxn modelId="4" srcId="1" destId="12" srcOrd="1" destOrd="0"/>
+        <dgm:cxn modelId="5" srcId="1" destId="13" srcOrd="2" destOrd="0"/>
+      </dgm:cxnLst>
+      <dgm:bg/>
+      <dgm:whole/>
+    </dgm:dataModel>
+  </dgm:sampData>
+  <dgm:styleData>
+    <dgm:dataModel>
+      <dgm:ptLst>
+        <dgm:pt modelId="0" type="doc"/>
+        <dgm:pt modelId="1">
+          <dgm:prSet phldr="1"/>
+        </dgm:pt>
+        <dgm:pt modelId="11">
+          <dgm:prSet phldr="1"/>
+        </dgm:pt>
+        <dgm:pt modelId="12">
+          <dgm:prSet phldr="1"/>
+        </dgm:pt>
+      </dgm:ptLst>
+      <dgm:cxnLst>
+        <dgm:cxn modelId="2" srcId="0" destId="1" srcOrd="0" destOrd="0"/>
+        <dgm:cxn modelId="3" srcId="1" destId="11" srcOrd="0" destOrd="0"/>
+        <dgm:cxn modelId="4" srcId="1" destId="12" srcOrd="1" destOrd="0"/>
+      </dgm:cxnLst>
+      <dgm:bg/>
+      <dgm:whole/>
+    </dgm:dataModel>
+  </dgm:styleData>
+  <dgm:clrData>
+    <dgm:dataModel>
+      <dgm:ptLst>
+        <dgm:pt modelId="0" type="doc"/>
+        <dgm:pt modelId="1">
+          <dgm:prSet phldr="1"/>
+        </dgm:pt>
+        <dgm:pt modelId="11">
+          <dgm:prSet phldr="1"/>
+        </dgm:pt>
+        <dgm:pt modelId="12">
+          <dgm:prSet phldr="1"/>
+        </dgm:pt>
+      </dgm:ptLst>
+      <dgm:cxnLst>
+        <dgm:cxn modelId="2" srcId="0" destId="1" srcOrd="0" destOrd="0"/>
+        <dgm:cxn modelId="3" srcId="1" destId="11" srcOrd="0" destOrd="0"/>
+        <dgm:cxn modelId="4" srcId="1" destId="12" srcOrd="1" destOrd="0"/>
+      </dgm:cxnLst>
+      <dgm:bg/>
+      <dgm:whole/>
+    </dgm:dataModel>
+  </dgm:clrData>
+  <dgm:layoutNode name="vert0">
+    <dgm:varLst>
+      <dgm:dir/>
+      <dgm:animOne val="branch"/>
+      <dgm:animLvl val="lvl"/>
+    </dgm:varLst>
+    <dgm:choose name="Name0">
+      <dgm:if name="Name1" func="var" arg="dir" op="equ" val="norm">
+        <dgm:alg type="lin">
+          <dgm:param type="linDir" val="fromT"/>
+          <dgm:param type="nodeHorzAlign" val="l"/>
+        </dgm:alg>
+      </dgm:if>
+      <dgm:else name="Name2">
+        <dgm:alg type="lin">
+          <dgm:param type="linDir" val="fromT"/>
+          <dgm:param type="nodeHorzAlign" val="r"/>
+        </dgm:alg>
+      </dgm:else>
+    </dgm:choose>
+    <dgm:shape xmlns:r="http://schemas.openxmlformats.org/officeDocument/2006/relationships" r:blip="">
+      <dgm:adjLst/>
+    </dgm:shape>
+    <dgm:presOf/>
+    <dgm:constrLst>
+      <dgm:constr type="w" for="ch" forName="horz1" refType="w"/>
+      <dgm:constr type="h" for="ch" forName="horz1" refType="h"/>
+      <dgm:constr type="h" for="des" forName="vert1" refType="h"/>
+      <dgm:constr type="h" for="des" forName="tx1" refType="h"/>
+      <dgm:constr type="h" for="des" forName="horz2" refType="h"/>
+      <dgm:constr type="h" for="des" forName="vert2" refType="h"/>
+      <dgm:constr type="h" for="des" forName="horz3" refType="h"/>
+      <dgm:constr type="h" for="des" forName="vert3" refType="h"/>
+      <dgm:constr type="h" for="des" forName="horz4" refType="h"/>
+      <dgm:constr type="h" for="des" ptType="node" refType="h"/>
+      <dgm:constr type="primFontSz" for="des" forName="tx1" op="equ" val="65"/>
+      <dgm:constr type="primFontSz" for="des" forName="tx2" op="equ" val="65"/>
+      <dgm:constr type="primFontSz" for="des" forName="tx3" op="equ" val="65"/>
+      <dgm:constr type="primFontSz" for="des" forName="tx4" op="equ" val="65"/>
+      <dgm:constr type="w" for="des" forName="thickLine" refType="w"/>
+      <dgm:constr type="h" for="des" forName="thickLine"/>
+      <dgm:constr type="h" for="des" forName="thinLine1"/>
+      <dgm:constr type="h" for="des" forName="thinLine2b"/>
+      <dgm:constr type="h" for="des" forName="thinLine3"/>
+      <dgm:constr type="h" for="des" forName="vertSpace2a" refType="h" fact="0.05"/>
+      <dgm:constr type="h" for="des" forName="vertSpace2b" refType="h" refFor="des" refForName="vertSpace2a"/>
+    </dgm:constrLst>
+    <dgm:forEach name="Name3" axis="ch" ptType="node">
+      <dgm:layoutNode name="thickLine" styleLbl="alignNode1">
+        <dgm:alg type="sp"/>
+        <dgm:shape xmlns:r="http://schemas.openxmlformats.org/officeDocument/2006/relationships" type="line" r:blip="">
+          <dgm:adjLst/>
+        </dgm:shape>
+        <dgm:presOf/>
+      </dgm:layoutNode>
+      <dgm:layoutNode name="horz1">
+        <dgm:choose name="Name4">
+          <dgm:if name="Name5" func="var" arg="dir" op="equ" val="norm">
+            <dgm:alg type="lin">
+              <dgm:param type="linDir" val="fromL"/>
+              <dgm:param type="nodeVertAlign" val="t"/>
+            </dgm:alg>
+          </dgm:if>
+          <dgm:else name="Name6">
+            <dgm:alg type="lin">
+              <dgm:param type="linDir" val="fromR"/>
+              <dgm:param type="nodeVertAlign" val="t"/>
+            </dgm:alg>
+          </dgm:else>
+        </dgm:choose>
+        <dgm:shape xmlns:r="http://schemas.openxmlformats.org/officeDocument/2006/relationships" r:blip="">
+          <dgm:adjLst/>
+        </dgm:shape>
+        <dgm:presOf/>
+        <dgm:choose name="Name7">
+          <dgm:if name="Name8" axis="root des" func="maxDepth" op="equ" val="1">
+            <dgm:constrLst>
+              <dgm:constr type="w" for="ch" forName="tx1" refType="w"/>
+            </dgm:constrLst>
+          </dgm:if>
+          <dgm:if name="Name9" axis="root des" func="maxDepth" op="equ" val="2">
+            <dgm:constrLst>
+              <dgm:constr type="w" for="ch" forName="tx1" refType="w" fact="0.2"/>
+              <dgm:constr type="w" for="des" forName="tx2" refType="w" fact="0.785"/>
+              <dgm:constr type="w" for="des" forName="horzSpace2" refType="w" fact="0.015"/>
+              <dgm:constr type="w" for="des" forName="thinLine2b" refType="w" fact="0.8"/>
+            </dgm:constrLst>
+          </dgm:if>
+          <dgm:if name="Name10" axis="root des" func="maxDepth" op="equ" val="3">
+            <dgm:constrLst>
+              <dgm:constr type="w" for="ch" forName="tx1" refType="w" fact="0.2"/>
+              <dgm:constr type="w" for="des" forName="tx2" refType="w" fact="0.385"/>
+              <dgm:constr type="w" for="des" forName="tx3" refType="w" fact="0.385"/>
+              <dgm:constr type="w" for="des" forName="horzSpace2" refType="w" fact="0.015"/>
+              <dgm:constr type="w" for="des" forName="horzSpace3" refType="w" fact="0.015"/>
+              <dgm:constr type="w" for="des" forName="thinLine2b" refType="w" fact="0.8"/>
+              <dgm:constr type="w" for="des" forName="thinLine3" refType="w" fact="0.385"/>
+            </dgm:constrLst>
+          </dgm:if>
+          <dgm:if name="Name11" axis="root des" func="maxDepth" op="gte" val="4">
+            <dgm:constrLst>
+              <dgm:constr type="w" for="ch" forName="tx1" refType="w" fact="0.2"/>
+              <dgm:constr type="w" for="des" forName="tx2" refType="w" fact="0.2516"/>
+              <dgm:constr type="w" for="des" forName="tx3" refType="w" fact="0.2516"/>
+              <dgm:constr type="w" for="des" forName="tx4" refType="w" fact="0.2516"/>
+              <dgm:constr type="w" for="des" forName="horzSpace2" refType="w" fact="0.015"/>
+              <dgm:constr type="w" for="des" forName="horzSpace3" refType="w" fact="0.015"/>
+              <dgm:constr type="w" for="des" forName="horzSpace4" refType="w" fact="0.015"/>
+              <dgm:constr type="w" for="des" forName="thinLine2b" refType="w" fact="0.8"/>
+              <dgm:constr type="w" for="des" forName="thinLine3" refType="w" fact="0.5332"/>
+            </dgm:constrLst>
+          </dgm:if>
+          <dgm:else name="Name12"/>
+        </dgm:choose>
+        <dgm:layoutNode name="tx1" styleLbl="revTx">
+          <dgm:alg type="tx">
+            <dgm:param type="parTxLTRAlign" val="l"/>
+            <dgm:param type="parTxRTLAlign" val="r"/>
+            <dgm:param type="txAnchorVert" val="t"/>
+          </dgm:alg>
+          <dgm:shape xmlns:r="http://schemas.openxmlformats.org/officeDocument/2006/relationships" type="rect" r:blip="">
+            <dgm:adjLst/>
+          </dgm:shape>
+          <dgm:presOf axis="self"/>
+          <dgm:constrLst>
+            <dgm:constr type="tMarg" refType="primFontSz" fact="0.3"/>
+            <dgm:constr type="bMarg" refType="primFontSz" fact="0.3"/>
+            <dgm:constr type="lMarg" refType="primFontSz" fact="0.3"/>
+            <dgm:constr type="rMarg" refType="primFontSz" fact="0.3"/>
+          </dgm:constrLst>
+          <dgm:ruleLst>
+            <dgm:rule type="primFontSz" val="5" fact="NaN" max="NaN"/>
+          </dgm:ruleLst>
+        </dgm:layoutNode>
+        <dgm:layoutNode name="vert1">
+          <dgm:choose name="Name13">
+            <dgm:if name="Name14" func="var" arg="dir" op="equ" val="norm">
+              <dgm:alg type="lin">
+                <dgm:param type="linDir" val="fromT"/>
+                <dgm:param type="nodeHorzAlign" val="l"/>
+              </dgm:alg>
+            </dgm:if>
+            <dgm:else name="Name15">
+              <dgm:alg type="lin">
+                <dgm:param type="linDir" val="fromT"/>
+                <dgm:param type="nodeHorzAlign" val="r"/>
+              </dgm:alg>
+            </dgm:else>
+          </dgm:choose>
+          <dgm:shape xmlns:r="http://schemas.openxmlformats.org/officeDocument/2006/relationships" r:blip="">
+            <dgm:adjLst/>
+          </dgm:shape>
+          <dgm:presOf/>
+          <dgm:forEach name="Name16" axis="ch" ptType="node">
+            <dgm:choose name="Name17">
+              <dgm:if name="Name18" axis="self" ptType="node" func="pos" op="equ" val="1">
+                <dgm:layoutNode name="vertSpace2a">
+                  <dgm:alg type="sp"/>
+                  <dgm:shape xmlns:r="http://schemas.openxmlformats.org/officeDocument/2006/relationships" r:blip="">
+                    <dgm:adjLst/>
+                  </dgm:shape>
+                  <dgm:presOf/>
+                </dgm:layoutNode>
+              </dgm:if>
+              <dgm:else name="Name19"/>
+            </dgm:choose>
+            <dgm:layoutNode name="horz2">
+              <dgm:choose name="Name20">
+                <dgm:if name="Name21" func="var" arg="dir" op="equ" val="norm">
+                  <dgm:alg type="lin">
+                    <dgm:param type="linDir" val="fromL"/>
+                    <dgm:param type="nodeVertAlign" val="t"/>
+                  </dgm:alg>
+                </dgm:if>
+                <dgm:else name="Name22">
+                  <dgm:alg type="lin">
+                    <dgm:param type="linDir" val="fromR"/>
+                    <dgm:param type="nodeVertAlign" val="t"/>
+                  </dgm:alg>
+                </dgm:else>
+              </dgm:choose>
+              <dgm:shape xmlns:r="http://schemas.openxmlformats.org/officeDocument/2006/relationships" r:blip="">
+                <dgm:adjLst/>
+              </dgm:shape>
+              <dgm:presOf/>
+              <dgm:layoutNode name="horzSpace2">
+                <dgm:alg type="sp"/>
+                <dgm:shape xmlns:r="http://schemas.openxmlformats.org/officeDocument/2006/relationships" r:blip="">
+                  <dgm:adjLst/>
+                </dgm:shape>
+                <dgm:presOf/>
+              </dgm:layoutNode>
+              <dgm:layoutNode name="tx2" styleLbl="revTx">
+                <dgm:alg type="tx">
+                  <dgm:param type="parTxLTRAlign" val="l"/>
+                  <dgm:param type="parTxRTLAlign" val="r"/>
+                  <dgm:param type="txAnchorVert" val="t"/>
+                </dgm:alg>
+                <dgm:shape xmlns:r="http://schemas.openxmlformats.org/officeDocument/2006/relationships" type="rect" r:blip="">
+                  <dgm:adjLst/>
+                </dgm:shape>
+                <dgm:presOf axis="self"/>
+                <dgm:constrLst>
+                  <dgm:constr type="tMarg" refType="primFontSz" fact="0.3"/>
+                  <dgm:constr type="bMarg" refType="primFontSz" fact="0.3"/>
+                  <dgm:constr type="lMarg" refType="primFontSz" fact="0.3"/>
+                  <dgm:constr type="rMarg" refType="primFontSz" fact="0.3"/>
+                </dgm:constrLst>
+                <dgm:ruleLst>
+                  <dgm:rule type="primFontSz" val="5" fact="NaN" max="NaN"/>
+                </dgm:ruleLst>
+              </dgm:layoutNode>
+              <dgm:layoutNode name="vert2">
+                <dgm:choose name="Name23">
+                  <dgm:if name="Name24" func="var" arg="dir" op="equ" val="norm">
+                    <dgm:alg type="lin">
+                      <dgm:param type="linDir" val="fromT"/>
+                      <dgm:param type="nodeHorzAlign" val="l"/>
+                    </dgm:alg>
+                  </dgm:if>
+                  <dgm:else name="Name25">
+                    <dgm:alg type="lin">
+                      <dgm:param type="linDir" val="fromT"/>
+                      <dgm:param type="nodeHorzAlign" val="r"/>
+                    </dgm:alg>
+                  </dgm:else>
+                </dgm:choose>
+                <dgm:shape xmlns:r="http://schemas.openxmlformats.org/officeDocument/2006/relationships" r:blip="">
+                  <dgm:adjLst/>
+                </dgm:shape>
+                <dgm:presOf/>
+                <dgm:forEach name="Name26" axis="ch" ptType="node">
+                  <dgm:layoutNode name="horz3">
+                    <dgm:choose name="Name27">
+                      <dgm:if name="Name28" func="var" arg="dir" op="equ" val="norm">
+                        <dgm:alg type="lin">
+                          <dgm:param type="linDir" val="fromL"/>
+                          <dgm:param type="nodeVertAlign" val="t"/>
+                        </dgm:alg>
+                      </dgm:if>
+                      <dgm:else name="Name29">
+                        <dgm:alg type="lin">
+                          <dgm:param type="linDir" val="fromR"/>
+                          <dgm:param type="nodeVertAlign" val="t"/>
+                        </dgm:alg>
+                      </dgm:else>
+                    </dgm:choose>
+                    <dgm:shape xmlns:r="http://schemas.openxmlformats.org/officeDocument/2006/relationships" r:blip="">
+                      <dgm:adjLst/>
+                    </dgm:shape>
+                    <dgm:presOf/>
+                    <dgm:layoutNode name="horzSpace3">
+                      <dgm:alg type="sp"/>
+                      <dgm:shape xmlns:r="http://schemas.openxmlformats.org/officeDocument/2006/relationships" r:blip="">
+                        <dgm:adjLst/>
+                      </dgm:shape>
+                      <dgm:presOf/>
+                    </dgm:layoutNode>
+                    <dgm:layoutNode name="tx3" styleLbl="revTx">
+                      <dgm:alg type="tx">
+                        <dgm:param type="parTxLTRAlign" val="l"/>
+                        <dgm:param type="parTxRTLAlign" val="r"/>
+                        <dgm:param type="txAnchorVert" val="t"/>
+                      </dgm:alg>
+                      <dgm:shape xmlns:r="http://schemas.openxmlformats.org/officeDocument/2006/relationships" type="rect" r:blip="">
+                        <dgm:adjLst/>
+                      </dgm:shape>
+                      <dgm:presOf axis="self"/>
+                      <dgm:constrLst>
+                        <dgm:constr type="tMarg" refType="primFontSz" fact="0.3"/>
+                        <dgm:constr type="bMarg" refType="primFontSz" fact="0.3"/>
+                        <dgm:constr type="lMarg" refType="primFontSz" fact="0.3"/>
+                        <dgm:constr type="rMarg" refType="primFontSz" fact="0.3"/>
+                      </dgm:constrLst>
+                      <dgm:ruleLst>
+                        <dgm:rule type="primFontSz" val="5" fact="NaN" max="NaN"/>
+                      </dgm:ruleLst>
+                    </dgm:layoutNode>
+                    <dgm:layoutNode name="vert3">
+                      <dgm:choose name="Name30">
+                        <dgm:if name="Name31" func="var" arg="dir" op="equ" val="norm">
+                          <dgm:alg type="lin">
+                            <dgm:param type="linDir" val="fromT"/>
+                            <dgm:param type="nodeHorzAlign" val="l"/>
+                          </dgm:alg>
+                        </dgm:if>
+                        <dgm:else name="Name32">
+                          <dgm:alg type="lin">
+                            <dgm:param type="linDir" val="fromT"/>
+                            <dgm:param type="nodeHorzAlign" val="r"/>
+                          </dgm:alg>
+                        </dgm:else>
+                      </dgm:choose>
+                      <dgm:shape xmlns:r="http://schemas.openxmlformats.org/officeDocument/2006/relationships" r:blip="">
+                        <dgm:adjLst/>
+                      </dgm:shape>
+                      <dgm:presOf/>
+                      <dgm:forEach name="Name33" axis="ch" ptType="node">
+                        <dgm:layoutNode name="horz4">
+                          <dgm:choose name="Name34">
+                            <dgm:if name="Name35" func="var" arg="dir" op="equ" val="norm">
+                              <dgm:alg type="lin">
+                                <dgm:param type="linDir" val="fromL"/>
+                                <dgm:param type="nodeVertAlign" val="t"/>
+                              </dgm:alg>
+                            </dgm:if>
+                            <dgm:else name="Name36">
+                              <dgm:alg type="lin">
+                                <dgm:param type="linDir" val="fromR"/>
+                                <dgm:param type="nodeVertAlign" val="t"/>
+                              </dgm:alg>
+                            </dgm:else>
+                          </dgm:choose>
+                          <dgm:shape xmlns:r="http://schemas.openxmlformats.org/officeDocument/2006/relationships" r:blip="">
+                            <dgm:adjLst/>
+                          </dgm:shape>
+                          <dgm:presOf/>
+                          <dgm:layoutNode name="horzSpace4">
+                            <dgm:alg type="sp"/>
+                            <dgm:shape xmlns:r="http://schemas.openxmlformats.org/officeDocument/2006/relationships" r:blip="">
+                              <dgm:adjLst/>
+                            </dgm:shape>
+                            <dgm:presOf/>
+                          </dgm:layoutNode>
+                          <dgm:layoutNode name="tx4" styleLbl="revTx">
+                            <dgm:varLst>
+                              <dgm:bulletEnabled val="1"/>
+                            </dgm:varLst>
+                            <dgm:alg type="tx">
+                              <dgm:param type="parTxLTRAlign" val="l"/>
+                              <dgm:param type="parTxRTLAlign" val="r"/>
+                              <dgm:param type="txAnchorVert" val="t"/>
+                            </dgm:alg>
+                            <dgm:shape xmlns:r="http://schemas.openxmlformats.org/officeDocument/2006/relationships" type="rect" r:blip="">
+                              <dgm:adjLst/>
+                            </dgm:shape>
+                            <dgm:presOf axis="desOrSelf" ptType="node"/>
+                            <dgm:constrLst>
+                              <dgm:constr type="tMarg" refType="primFontSz" fact="0.3"/>
+                              <dgm:constr type="bMarg" refType="primFontSz" fact="0.3"/>
+                              <dgm:constr type="lMarg" refType="primFontSz" fact="0.3"/>
+                              <dgm:constr type="rMarg" refType="primFontSz" fact="0.3"/>
+                            </dgm:constrLst>
+                            <dgm:ruleLst>
+                              <dgm:rule type="primFontSz" val="5" fact="NaN" max="NaN"/>
+                            </dgm:ruleLst>
+                          </dgm:layoutNode>
+                        </dgm:layoutNode>
+                      </dgm:forEach>
+                    </dgm:layoutNode>
+                  </dgm:layoutNode>
+                  <dgm:forEach name="Name37" axis="followSib" ptType="sibTrans" cnt="1">
+                    <dgm:layoutNode name="thinLine3" styleLbl="callout">
+                      <dgm:alg type="sp"/>
+                      <dgm:shape xmlns:r="http://schemas.openxmlformats.org/officeDocument/2006/relationships" type="line" r:blip="">
+                        <dgm:adjLst/>
+                      </dgm:shape>
+                      <dgm:presOf/>
+                    </dgm:layoutNode>
+                  </dgm:forEach>
+                </dgm:forEach>
+              </dgm:layoutNode>
+            </dgm:layoutNode>
+            <dgm:layoutNode name="thinLine2b" styleLbl="callout">
+              <dgm:alg type="sp"/>
+              <dgm:shape xmlns:r="http://schemas.openxmlformats.org/officeDocument/2006/relationships" type="line" r:blip="">
+                <dgm:adjLst/>
+              </dgm:shape>
+              <dgm:presOf/>
+            </dgm:layoutNode>
+            <dgm:layoutNode name="vertSpace2b">
+              <dgm:alg type="sp"/>
+              <dgm:shape xmlns:r="http://schemas.openxmlformats.org/officeDocument/2006/relationships" r:blip="">
+                <dgm:adjLst/>
+              </dgm:shape>
+              <dgm:presOf/>
+            </dgm:layoutNode>
+          </dgm:forEach>
+        </dgm:layoutNode>
+      </dgm:layoutNode>
+    </dgm:forEach>
+  </dgm:layoutNode>
+</dgm:layoutDef>
+</file>
+
+<file path=ppt/diagrams/layout6.xml><?xml version="1.0" encoding="utf-8"?>
+<dgm:layoutDef xmlns:dgm="http://schemas.openxmlformats.org/drawingml/2006/diagram" xmlns:a="http://schemas.openxmlformats.org/drawingml/2006/main" uniqueId="urn:microsoft.com/office/officeart/2018/2/layout/IconLabelList">
+  <dgm:title val="Icon Label List"/>
+  <dgm:desc val="Use to show non-sequential or grouped chunks of information accompanied by a related visuals. Works best with icons or small pictures with short text captions."/>
+  <dgm:catLst>
+    <dgm:cat type="icon" pri="500"/>
+  </dgm:catLst>
+  <dgm:sampData useDef="1">
+    <dgm:dataModel>
+      <dgm:ptLst/>
+      <dgm:bg/>
+      <dgm:whole/>
+    </dgm:dataModel>
+  </dgm:sampData>
+  <dgm:styleData useDef="1">
+    <dgm:dataModel>
+      <dgm:ptLst/>
+      <dgm:bg/>
+      <dgm:whole/>
+    </dgm:dataModel>
+  </dgm:styleData>
+  <dgm:clrData useDef="1">
+    <dgm:dataModel>
+      <dgm:ptLst/>
+      <dgm:bg/>
+      <dgm:whole/>
+    </dgm:dataModel>
+  </dgm:clrData>
+  <dgm:layoutNode name="root">
+    <dgm:varLst>
+      <dgm:dir/>
+      <dgm:resizeHandles val="exact"/>
+    </dgm:varLst>
+    <dgm:choose name="Name0">
+      <dgm:if name="Name1" axis="self" func="var" arg="dir" op="equ" val="norm">
+        <dgm:alg type="snake">
+          <dgm:param type="grDir" val="tL"/>
+          <dgm:param type="flowDir" val="row"/>
+          <dgm:param type="contDir" val="sameDir"/>
+          <dgm:param type="off" val="ctr"/>
+          <dgm:param type="vertAlign" val="mid"/>
+          <dgm:param type="horzAlign" val="ctr"/>
+        </dgm:alg>
+      </dgm:if>
+      <dgm:else name="Name2">
+        <dgm:alg type="snake">
+          <dgm:param type="grDir" val="tR"/>
+          <dgm:param type="flowDir" val="row"/>
+          <dgm:param type="contDir" val="sameDir"/>
+          <dgm:param type="off" val="ctr"/>
+          <dgm:param type="vertAlign" val="mid"/>
+          <dgm:param type="horzAlign" val="ctr"/>
+        </dgm:alg>
+      </dgm:else>
+    </dgm:choose>
+    <dgm:shape xmlns:r="http://schemas.openxmlformats.org/officeDocument/2006/relationships" r:blip="">
+      <dgm:adjLst/>
+    </dgm:shape>
+    <dgm:presOf/>
+    <dgm:choose name="Name3">
+      <dgm:if name="Name4" axis="ch" ptType="node" func="cnt" op="lte" val="2">
+        <dgm:constrLst>
+          <dgm:constr type="h" for="ch" forName="compNode" refType="h" fact="0.4"/>
+          <dgm:constr type="w" for="ch" forName="compNode" val="120"/>
+          <dgm:constr type="w" for="ch" forName="sibTrans" refType="w" refFor="ch" refForName="compNode" fact="0.175"/>
+          <dgm:constr type="sp" refType="w" refFor="ch" refForName="compNode" op="equ" fact="0.25"/>
+          <dgm:constr type="primFontSz" for="des" ptType="node" op="equ" val="50"/>
+          <dgm:constr type="h" for="des" forName="compNode" op="equ"/>
+          <dgm:constr type="h" for="des" forName="textRect" op="equ"/>
+        </dgm:constrLst>
+      </dgm:if>
+      <dgm:if name="Name5" axis="ch" ptType="node" func="cnt" op="lte" val="4">
+        <dgm:constrLst>
+          <dgm:constr type="h" for="ch" forName="compNode" refType="h" fact="0.4"/>
+          <dgm:constr type="w" for="ch" forName="compNode" refType="w"/>
+          <dgm:constr type="w" for="ch" forName="sibTrans" refType="w" refFor="ch" refForName="compNode" fact="0.175"/>
+          <dgm:constr type="sp" refType="w" refFor="ch" refForName="compNode" op="equ" fact="0.25"/>
+          <dgm:constr type="primFontSz" for="des" ptType="node" op="equ" val="36"/>
+          <dgm:constr type="h" for="des" forName="compNode" op="equ"/>
+          <dgm:constr type="h" for="des" forName="textRect" op="equ"/>
+        </dgm:constrLst>
+      </dgm:if>
+      <dgm:else name="Name6">
+        <dgm:constrLst>
+          <dgm:constr type="h" for="ch" forName="compNode" refType="h" fact="0.4"/>
+          <dgm:constr type="w" for="ch" forName="compNode" refType="w"/>
+          <dgm:constr type="w" for="ch" forName="sibTrans" refType="w" refFor="ch" refForName="compNode" fact="0.175"/>
+          <dgm:constr type="sp" refType="w" refFor="ch" refForName="compNode" op="equ" fact="0.25"/>
+          <dgm:constr type="primFontSz" for="des" ptType="node" op="equ" val="24"/>
+          <dgm:constr type="h" for="des" forName="compNode" op="equ"/>
+          <dgm:constr type="h" for="des" forName="textRect" op="equ"/>
+        </dgm:constrLst>
+      </dgm:else>
+    </dgm:choose>
+    <dgm:ruleLst>
+      <dgm:rule type="w" for="ch" forName="compNode" val="50" fact="NaN" max="NaN"/>
+    </dgm:ruleLst>
+    <dgm:forEach name="Name7" axis="ch" ptType="node">
+      <dgm:layoutNode name="compNode">
+        <dgm:alg type="composite"/>
+        <dgm:shape xmlns:r="http://schemas.openxmlformats.org/officeDocument/2006/relationships" r:blip="">
+          <dgm:adjLst/>
+        </dgm:shape>
+        <dgm:presOf axis="self"/>
+        <dgm:constrLst>
+          <dgm:constr type="w" for="ch" forName="iconRect" refType="w" fact="0.45"/>
+          <dgm:constr type="h" for="ch" forName="iconRect" refType="w" refFor="ch" refForName="iconRect"/>
+          <dgm:constr type="ctrX" for="ch" forName="iconRect" refType="w" fact="0.5"/>
+          <dgm:constr type="t" for="ch" forName="iconRect"/>
+          <dgm:constr type="h" for="ch" forName="spaceRect" refType="h" fact="0.15"/>
+          <dgm:constr type="w" for="ch" forName="spaceRect" refType="w"/>
+          <dgm:constr type="l" for="ch" forName="spaceRect"/>
+          <dgm:constr type="t" for="ch" forName="spaceRect" refType="b" refFor="ch" refForName="iconRect"/>
+          <dgm:constr type="h" for="ch" forName="textRect" val="20"/>
+          <dgm:constr type="w" for="ch" forName="textRect" refType="w"/>
+          <dgm:constr type="l" for="ch" forName="textRect"/>
+          <dgm:constr type="t" for="ch" forName="textRect" refType="b" refFor="ch" refForName="spaceRect"/>
+        </dgm:constrLst>
+        <dgm:ruleLst>
+          <dgm:rule type="h" val="INF" fact="NaN" max="NaN"/>
+        </dgm:ruleLst>
+        <dgm:layoutNode name="iconRect" styleLbl="node1">
+          <dgm:alg type="sp"/>
+          <dgm:shape xmlns:r="http://schemas.openxmlformats.org/officeDocument/2006/relationships" type="rect" r:blip="" blipPhldr="1">
+            <dgm:adjLst/>
+          </dgm:shape>
+          <dgm:presOf/>
+          <dgm:constrLst/>
+          <dgm:ruleLst/>
+        </dgm:layoutNode>
+        <dgm:layoutNode name="spaceRect">
+          <dgm:alg type="sp"/>
+          <dgm:shape xmlns:r="http://schemas.openxmlformats.org/officeDocument/2006/relationships" r:blip="">
+            <dgm:adjLst/>
+          </dgm:shape>
+          <dgm:presOf/>
+          <dgm:constrLst/>
+          <dgm:ruleLst/>
+        </dgm:layoutNode>
+        <dgm:layoutNode name="textRect" styleLbl="revTx">
+          <dgm:varLst>
+            <dgm:chMax val="1"/>
+            <dgm:chPref val="1"/>
+          </dgm:varLst>
+          <dgm:alg type="tx">
+            <dgm:param type="txAnchorVert" val="t"/>
+          </dgm:alg>
+          <dgm:shape xmlns:r="http://schemas.openxmlformats.org/officeDocument/2006/relationships" type="rect" r:blip="">
+            <dgm:adjLst/>
+          </dgm:shape>
+          <dgm:presOf axis="self" ptType="node"/>
+          <dgm:constrLst>
+            <dgm:constr type="lMarg"/>
+            <dgm:constr type="rMarg"/>
+            <dgm:constr type="tMarg"/>
+            <dgm:constr type="bMarg"/>
+          </dgm:constrLst>
+          <dgm:ruleLst>
+            <dgm:rule type="primFontSz" val="11" fact="NaN" max="NaN"/>
+            <dgm:rule type="h" val="INF" fact="NaN" max="NaN"/>
+          </dgm:ruleLst>
+        </dgm:layoutNode>
+      </dgm:layoutNode>
+      <dgm:forEach name="Name8" axis="followSib" ptType="sibTrans" cnt="1">
+        <dgm:layoutNode name="sibTrans">
+          <dgm:alg type="sp"/>
+          <dgm:shape xmlns:r="http://schemas.openxmlformats.org/officeDocument/2006/relationships" r:blip="">
+            <dgm:adjLst/>
+          </dgm:shape>
+          <dgm:presOf axis="self"/>
+          <dgm:constrLst/>
+          <dgm:ruleLst/>
+        </dgm:layoutNode>
+      </dgm:forEach>
+    </dgm:forEach>
+  </dgm:layoutNode>
+  <dgm:extLst>
+    <a:ext uri="{68A01E43-0DF5-4B5B-8FA6-DAF915123BFB}">
+      <dgm1612:lstStyle xmlns:dgm1612="http://schemas.microsoft.com/office/drawing/2016/12/diagram">
+        <a:lvl1pPr>
+          <a:lnSpc>
+            <a:spcPct val="100000"/>
+          </a:lnSpc>
+        </a:lvl1pPr>
+      </dgm1612:lstStyle>
+    </a:ext>
+  </dgm:extLst>
+</dgm:layoutDef>
+</file>
+
+<file path=ppt/diagrams/layout7.xml><?xml version="1.0" encoding="utf-8"?>
 <dgm:layoutDef xmlns:dgm="http://schemas.openxmlformats.org/drawingml/2006/diagram" xmlns:a="http://schemas.openxmlformats.org/drawingml/2006/main" uniqueId="urn:microsoft.com/office/officeart/2005/8/layout/hierarchy1">
   <dgm:title val=""/>
   <dgm:desc val=""/>
@@ -11865,7 +16371,7 @@
 </dgm:layoutDef>
 </file>
 
-<file path=ppt/diagrams/layout6.xml><?xml version="1.0" encoding="utf-8"?>
+<file path=ppt/diagrams/layout8.xml><?xml version="1.0" encoding="utf-8"?>
 <dgm:layoutDef xmlns:dgm="http://schemas.openxmlformats.org/drawingml/2006/diagram" xmlns:a="http://schemas.openxmlformats.org/drawingml/2006/main" uniqueId="urn:microsoft.com/office/officeart/2016/7/layout/VerticalSolidActionList">
   <dgm:title val="Vertical Solid Action List"/>
   <dgm:desc val="Use to show non-sequential or grouped lists of information. Works well with large amounts of text. All text has the same level of emphasis, and direction is not implied."/>
@@ -16236,6 +20742,1040 @@
 </file>
 
 <file path=ppt/diagrams/quickStyle5.xml><?xml version="1.0" encoding="utf-8"?>
+<dgm:styleDef xmlns:dgm="http://schemas.openxmlformats.org/drawingml/2006/diagram" xmlns:a="http://schemas.openxmlformats.org/drawingml/2006/main" uniqueId="urn:microsoft.com/office/officeart/2005/8/quickstyle/simple5">
+  <dgm:title val=""/>
+  <dgm:desc val=""/>
+  <dgm:catLst>
+    <dgm:cat type="simple" pri="10500"/>
+  </dgm:catLst>
+  <dgm:scene3d>
+    <a:camera prst="orthographicFront"/>
+    <a:lightRig rig="threePt" dir="t"/>
+  </dgm:scene3d>
+  <dgm:styleLbl name="node0">
+    <dgm:scene3d>
+      <a:camera prst="orthographicFront"/>
+      <a:lightRig rig="threePt" dir="t"/>
+    </dgm:scene3d>
+    <dgm:sp3d/>
+    <dgm:txPr/>
+    <dgm:style>
+      <a:lnRef idx="0">
+        <a:scrgbClr r="0" g="0" b="0"/>
+      </a:lnRef>
+      <a:fillRef idx="3">
+        <a:scrgbClr r="0" g="0" b="0"/>
+      </a:fillRef>
+      <a:effectRef idx="3">
+        <a:scrgbClr r="0" g="0" b="0"/>
+      </a:effectRef>
+      <a:fontRef idx="minor">
+        <a:schemeClr val="lt1"/>
+      </a:fontRef>
+    </dgm:style>
+  </dgm:styleLbl>
+  <dgm:styleLbl name="lnNode1">
+    <dgm:scene3d>
+      <a:camera prst="orthographicFront"/>
+      <a:lightRig rig="threePt" dir="t"/>
+    </dgm:scene3d>
+    <dgm:sp3d/>
+    <dgm:txPr/>
+    <dgm:style>
+      <a:lnRef idx="0">
+        <a:scrgbClr r="0" g="0" b="0"/>
+      </a:lnRef>
+      <a:fillRef idx="3">
+        <a:scrgbClr r="0" g="0" b="0"/>
+      </a:fillRef>
+      <a:effectRef idx="3">
+        <a:scrgbClr r="0" g="0" b="0"/>
+      </a:effectRef>
+      <a:fontRef idx="minor">
+        <a:schemeClr val="lt1"/>
+      </a:fontRef>
+    </dgm:style>
+  </dgm:styleLbl>
+  <dgm:styleLbl name="vennNode1">
+    <dgm:scene3d>
+      <a:camera prst="orthographicFront"/>
+      <a:lightRig rig="threePt" dir="t"/>
+    </dgm:scene3d>
+    <dgm:sp3d/>
+    <dgm:txPr/>
+    <dgm:style>
+      <a:lnRef idx="0">
+        <a:scrgbClr r="0" g="0" b="0"/>
+      </a:lnRef>
+      <a:fillRef idx="3">
+        <a:scrgbClr r="0" g="0" b="0"/>
+      </a:fillRef>
+      <a:effectRef idx="3">
+        <a:scrgbClr r="0" g="0" b="0"/>
+      </a:effectRef>
+      <a:fontRef idx="minor">
+        <a:schemeClr val="tx1"/>
+      </a:fontRef>
+    </dgm:style>
+  </dgm:styleLbl>
+  <dgm:styleLbl name="alignNode1">
+    <dgm:scene3d>
+      <a:camera prst="orthographicFront"/>
+      <a:lightRig rig="threePt" dir="t"/>
+    </dgm:scene3d>
+    <dgm:sp3d/>
+    <dgm:txPr/>
+    <dgm:style>
+      <a:lnRef idx="1">
+        <a:scrgbClr r="0" g="0" b="0"/>
+      </a:lnRef>
+      <a:fillRef idx="3">
+        <a:scrgbClr r="0" g="0" b="0"/>
+      </a:fillRef>
+      <a:effectRef idx="3">
+        <a:scrgbClr r="0" g="0" b="0"/>
+      </a:effectRef>
+      <a:fontRef idx="minor">
+        <a:schemeClr val="lt1"/>
+      </a:fontRef>
+    </dgm:style>
+  </dgm:styleLbl>
+  <dgm:styleLbl name="node1">
+    <dgm:scene3d>
+      <a:camera prst="orthographicFront"/>
+      <a:lightRig rig="threePt" dir="t"/>
+    </dgm:scene3d>
+    <dgm:sp3d/>
+    <dgm:txPr/>
+    <dgm:style>
+      <a:lnRef idx="0">
+        <a:scrgbClr r="0" g="0" b="0"/>
+      </a:lnRef>
+      <a:fillRef idx="3">
+        <a:scrgbClr r="0" g="0" b="0"/>
+      </a:fillRef>
+      <a:effectRef idx="3">
+        <a:scrgbClr r="0" g="0" b="0"/>
+      </a:effectRef>
+      <a:fontRef idx="minor">
+        <a:schemeClr val="lt1"/>
+      </a:fontRef>
+    </dgm:style>
+  </dgm:styleLbl>
+  <dgm:styleLbl name="node2">
+    <dgm:scene3d>
+      <a:camera prst="orthographicFront"/>
+      <a:lightRig rig="threePt" dir="t"/>
+    </dgm:scene3d>
+    <dgm:sp3d/>
+    <dgm:txPr/>
+    <dgm:style>
+      <a:lnRef idx="0">
+        <a:scrgbClr r="0" g="0" b="0"/>
+      </a:lnRef>
+      <a:fillRef idx="3">
+        <a:scrgbClr r="0" g="0" b="0"/>
+      </a:fillRef>
+      <a:effectRef idx="3">
+        <a:scrgbClr r="0" g="0" b="0"/>
+      </a:effectRef>
+      <a:fontRef idx="minor">
+        <a:schemeClr val="lt1"/>
+      </a:fontRef>
+    </dgm:style>
+  </dgm:styleLbl>
+  <dgm:styleLbl name="node3">
+    <dgm:scene3d>
+      <a:camera prst="orthographicFront"/>
+      <a:lightRig rig="threePt" dir="t"/>
+    </dgm:scene3d>
+    <dgm:sp3d/>
+    <dgm:txPr/>
+    <dgm:style>
+      <a:lnRef idx="0">
+        <a:scrgbClr r="0" g="0" b="0"/>
+      </a:lnRef>
+      <a:fillRef idx="3">
+        <a:scrgbClr r="0" g="0" b="0"/>
+      </a:fillRef>
+      <a:effectRef idx="3">
+        <a:scrgbClr r="0" g="0" b="0"/>
+      </a:effectRef>
+      <a:fontRef idx="minor">
+        <a:schemeClr val="lt1"/>
+      </a:fontRef>
+    </dgm:style>
+  </dgm:styleLbl>
+  <dgm:styleLbl name="node4">
+    <dgm:scene3d>
+      <a:camera prst="orthographicFront"/>
+      <a:lightRig rig="threePt" dir="t"/>
+    </dgm:scene3d>
+    <dgm:sp3d/>
+    <dgm:txPr/>
+    <dgm:style>
+      <a:lnRef idx="0">
+        <a:scrgbClr r="0" g="0" b="0"/>
+      </a:lnRef>
+      <a:fillRef idx="3">
+        <a:scrgbClr r="0" g="0" b="0"/>
+      </a:fillRef>
+      <a:effectRef idx="3">
+        <a:scrgbClr r="0" g="0" b="0"/>
+      </a:effectRef>
+      <a:fontRef idx="minor">
+        <a:schemeClr val="lt1"/>
+      </a:fontRef>
+    </dgm:style>
+  </dgm:styleLbl>
+  <dgm:styleLbl name="fgImgPlace1">
+    <dgm:scene3d>
+      <a:camera prst="orthographicFront"/>
+      <a:lightRig rig="threePt" dir="t"/>
+    </dgm:scene3d>
+    <dgm:sp3d/>
+    <dgm:txPr/>
+    <dgm:style>
+      <a:lnRef idx="0">
+        <a:scrgbClr r="0" g="0" b="0"/>
+      </a:lnRef>
+      <a:fillRef idx="1">
+        <a:scrgbClr r="0" g="0" b="0"/>
+      </a:fillRef>
+      <a:effectRef idx="3">
+        <a:scrgbClr r="0" g="0" b="0"/>
+      </a:effectRef>
+      <a:fontRef idx="minor"/>
+    </dgm:style>
+  </dgm:styleLbl>
+  <dgm:styleLbl name="alignImgPlace1">
+    <dgm:scene3d>
+      <a:camera prst="orthographicFront"/>
+      <a:lightRig rig="threePt" dir="t"/>
+    </dgm:scene3d>
+    <dgm:sp3d/>
+    <dgm:txPr/>
+    <dgm:style>
+      <a:lnRef idx="0">
+        <a:scrgbClr r="0" g="0" b="0"/>
+      </a:lnRef>
+      <a:fillRef idx="1">
+        <a:scrgbClr r="0" g="0" b="0"/>
+      </a:fillRef>
+      <a:effectRef idx="3">
+        <a:scrgbClr r="0" g="0" b="0"/>
+      </a:effectRef>
+      <a:fontRef idx="minor"/>
+    </dgm:style>
+  </dgm:styleLbl>
+  <dgm:styleLbl name="bgImgPlace1">
+    <dgm:scene3d>
+      <a:camera prst="orthographicFront"/>
+      <a:lightRig rig="threePt" dir="t"/>
+    </dgm:scene3d>
+    <dgm:sp3d/>
+    <dgm:txPr/>
+    <dgm:style>
+      <a:lnRef idx="0">
+        <a:scrgbClr r="0" g="0" b="0"/>
+      </a:lnRef>
+      <a:fillRef idx="1">
+        <a:scrgbClr r="0" g="0" b="0"/>
+      </a:fillRef>
+      <a:effectRef idx="3">
+        <a:scrgbClr r="0" g="0" b="0"/>
+      </a:effectRef>
+      <a:fontRef idx="minor"/>
+    </dgm:style>
+  </dgm:styleLbl>
+  <dgm:styleLbl name="sibTrans2D1">
+    <dgm:scene3d>
+      <a:camera prst="orthographicFront"/>
+      <a:lightRig rig="threePt" dir="t"/>
+    </dgm:scene3d>
+    <dgm:sp3d/>
+    <dgm:txPr/>
+    <dgm:style>
+      <a:lnRef idx="0">
+        <a:scrgbClr r="0" g="0" b="0"/>
+      </a:lnRef>
+      <a:fillRef idx="3">
+        <a:scrgbClr r="0" g="0" b="0"/>
+      </a:fillRef>
+      <a:effectRef idx="3">
+        <a:scrgbClr r="0" g="0" b="0"/>
+      </a:effectRef>
+      <a:fontRef idx="minor">
+        <a:schemeClr val="lt1"/>
+      </a:fontRef>
+    </dgm:style>
+  </dgm:styleLbl>
+  <dgm:styleLbl name="fgSibTrans2D1">
+    <dgm:scene3d>
+      <a:camera prst="orthographicFront"/>
+      <a:lightRig rig="threePt" dir="t"/>
+    </dgm:scene3d>
+    <dgm:sp3d/>
+    <dgm:txPr/>
+    <dgm:style>
+      <a:lnRef idx="0">
+        <a:scrgbClr r="0" g="0" b="0"/>
+      </a:lnRef>
+      <a:fillRef idx="3">
+        <a:scrgbClr r="0" g="0" b="0"/>
+      </a:fillRef>
+      <a:effectRef idx="3">
+        <a:scrgbClr r="0" g="0" b="0"/>
+      </a:effectRef>
+      <a:fontRef idx="minor">
+        <a:schemeClr val="lt1"/>
+      </a:fontRef>
+    </dgm:style>
+  </dgm:styleLbl>
+  <dgm:styleLbl name="bgSibTrans2D1">
+    <dgm:scene3d>
+      <a:camera prst="orthographicFront"/>
+      <a:lightRig rig="threePt" dir="t"/>
+    </dgm:scene3d>
+    <dgm:sp3d/>
+    <dgm:txPr/>
+    <dgm:style>
+      <a:lnRef idx="0">
+        <a:scrgbClr r="0" g="0" b="0"/>
+      </a:lnRef>
+      <a:fillRef idx="3">
+        <a:scrgbClr r="0" g="0" b="0"/>
+      </a:fillRef>
+      <a:effectRef idx="3">
+        <a:scrgbClr r="0" g="0" b="0"/>
+      </a:effectRef>
+      <a:fontRef idx="minor">
+        <a:schemeClr val="lt1"/>
+      </a:fontRef>
+    </dgm:style>
+  </dgm:styleLbl>
+  <dgm:styleLbl name="sibTrans1D1">
+    <dgm:scene3d>
+      <a:camera prst="orthographicFront"/>
+      <a:lightRig rig="threePt" dir="t"/>
+    </dgm:scene3d>
+    <dgm:sp3d/>
+    <dgm:txPr/>
+    <dgm:style>
+      <a:lnRef idx="1">
+        <a:scrgbClr r="0" g="0" b="0"/>
+      </a:lnRef>
+      <a:fillRef idx="0">
+        <a:scrgbClr r="0" g="0" b="0"/>
+      </a:fillRef>
+      <a:effectRef idx="0">
+        <a:scrgbClr r="0" g="0" b="0"/>
+      </a:effectRef>
+      <a:fontRef idx="minor"/>
+    </dgm:style>
+  </dgm:styleLbl>
+  <dgm:styleLbl name="callout">
+    <dgm:scene3d>
+      <a:camera prst="orthographicFront"/>
+      <a:lightRig rig="threePt" dir="t"/>
+    </dgm:scene3d>
+    <dgm:sp3d/>
+    <dgm:txPr/>
+    <dgm:style>
+      <a:lnRef idx="1">
+        <a:scrgbClr r="0" g="0" b="0"/>
+      </a:lnRef>
+      <a:fillRef idx="0">
+        <a:scrgbClr r="0" g="0" b="0"/>
+      </a:fillRef>
+      <a:effectRef idx="1">
+        <a:scrgbClr r="0" g="0" b="0"/>
+      </a:effectRef>
+      <a:fontRef idx="minor"/>
+    </dgm:style>
+  </dgm:styleLbl>
+  <dgm:styleLbl name="asst0">
+    <dgm:scene3d>
+      <a:camera prst="orthographicFront"/>
+      <a:lightRig rig="threePt" dir="t"/>
+    </dgm:scene3d>
+    <dgm:sp3d/>
+    <dgm:txPr/>
+    <dgm:style>
+      <a:lnRef idx="0">
+        <a:scrgbClr r="0" g="0" b="0"/>
+      </a:lnRef>
+      <a:fillRef idx="3">
+        <a:scrgbClr r="0" g="0" b="0"/>
+      </a:fillRef>
+      <a:effectRef idx="3">
+        <a:scrgbClr r="0" g="0" b="0"/>
+      </a:effectRef>
+      <a:fontRef idx="minor">
+        <a:schemeClr val="lt1"/>
+      </a:fontRef>
+    </dgm:style>
+  </dgm:styleLbl>
+  <dgm:styleLbl name="asst1">
+    <dgm:scene3d>
+      <a:camera prst="orthographicFront"/>
+      <a:lightRig rig="threePt" dir="t"/>
+    </dgm:scene3d>
+    <dgm:sp3d/>
+    <dgm:txPr/>
+    <dgm:style>
+      <a:lnRef idx="0">
+        <a:scrgbClr r="0" g="0" b="0"/>
+      </a:lnRef>
+      <a:fillRef idx="3">
+        <a:scrgbClr r="0" g="0" b="0"/>
+      </a:fillRef>
+      <a:effectRef idx="3">
+        <a:scrgbClr r="0" g="0" b="0"/>
+      </a:effectRef>
+      <a:fontRef idx="minor">
+        <a:schemeClr val="lt1"/>
+      </a:fontRef>
+    </dgm:style>
+  </dgm:styleLbl>
+  <dgm:styleLbl name="asst2">
+    <dgm:scene3d>
+      <a:camera prst="orthographicFront"/>
+      <a:lightRig rig="threePt" dir="t"/>
+    </dgm:scene3d>
+    <dgm:sp3d/>
+    <dgm:txPr/>
+    <dgm:style>
+      <a:lnRef idx="0">
+        <a:scrgbClr r="0" g="0" b="0"/>
+      </a:lnRef>
+      <a:fillRef idx="3">
+        <a:scrgbClr r="0" g="0" b="0"/>
+      </a:fillRef>
+      <a:effectRef idx="3">
+        <a:scrgbClr r="0" g="0" b="0"/>
+      </a:effectRef>
+      <a:fontRef idx="minor">
+        <a:schemeClr val="lt1"/>
+      </a:fontRef>
+    </dgm:style>
+  </dgm:styleLbl>
+  <dgm:styleLbl name="asst3">
+    <dgm:scene3d>
+      <a:camera prst="orthographicFront"/>
+      <a:lightRig rig="threePt" dir="t"/>
+    </dgm:scene3d>
+    <dgm:sp3d/>
+    <dgm:txPr/>
+    <dgm:style>
+      <a:lnRef idx="0">
+        <a:scrgbClr r="0" g="0" b="0"/>
+      </a:lnRef>
+      <a:fillRef idx="3">
+        <a:scrgbClr r="0" g="0" b="0"/>
+      </a:fillRef>
+      <a:effectRef idx="3">
+        <a:scrgbClr r="0" g="0" b="0"/>
+      </a:effectRef>
+      <a:fontRef idx="minor">
+        <a:schemeClr val="lt1"/>
+      </a:fontRef>
+    </dgm:style>
+  </dgm:styleLbl>
+  <dgm:styleLbl name="asst4">
+    <dgm:scene3d>
+      <a:camera prst="orthographicFront"/>
+      <a:lightRig rig="threePt" dir="t"/>
+    </dgm:scene3d>
+    <dgm:sp3d/>
+    <dgm:txPr/>
+    <dgm:style>
+      <a:lnRef idx="0">
+        <a:scrgbClr r="0" g="0" b="0"/>
+      </a:lnRef>
+      <a:fillRef idx="3">
+        <a:scrgbClr r="0" g="0" b="0"/>
+      </a:fillRef>
+      <a:effectRef idx="3">
+        <a:scrgbClr r="0" g="0" b="0"/>
+      </a:effectRef>
+      <a:fontRef idx="minor">
+        <a:schemeClr val="lt1"/>
+      </a:fontRef>
+    </dgm:style>
+  </dgm:styleLbl>
+  <dgm:styleLbl name="parChTrans2D1">
+    <dgm:scene3d>
+      <a:camera prst="orthographicFront"/>
+      <a:lightRig rig="threePt" dir="t"/>
+    </dgm:scene3d>
+    <dgm:sp3d/>
+    <dgm:txPr/>
+    <dgm:style>
+      <a:lnRef idx="0">
+        <a:scrgbClr r="0" g="0" b="0"/>
+      </a:lnRef>
+      <a:fillRef idx="3">
+        <a:scrgbClr r="0" g="0" b="0"/>
+      </a:fillRef>
+      <a:effectRef idx="3">
+        <a:scrgbClr r="0" g="0" b="0"/>
+      </a:effectRef>
+      <a:fontRef idx="minor">
+        <a:schemeClr val="lt1"/>
+      </a:fontRef>
+    </dgm:style>
+  </dgm:styleLbl>
+  <dgm:styleLbl name="parChTrans2D2">
+    <dgm:scene3d>
+      <a:camera prst="orthographicFront"/>
+      <a:lightRig rig="threePt" dir="t"/>
+    </dgm:scene3d>
+    <dgm:sp3d/>
+    <dgm:txPr/>
+    <dgm:style>
+      <a:lnRef idx="0">
+        <a:scrgbClr r="0" g="0" b="0"/>
+      </a:lnRef>
+      <a:fillRef idx="3">
+        <a:scrgbClr r="0" g="0" b="0"/>
+      </a:fillRef>
+      <a:effectRef idx="3">
+        <a:scrgbClr r="0" g="0" b="0"/>
+      </a:effectRef>
+      <a:fontRef idx="minor">
+        <a:schemeClr val="lt1"/>
+      </a:fontRef>
+    </dgm:style>
+  </dgm:styleLbl>
+  <dgm:styleLbl name="parChTrans2D3">
+    <dgm:scene3d>
+      <a:camera prst="orthographicFront"/>
+      <a:lightRig rig="threePt" dir="t"/>
+    </dgm:scene3d>
+    <dgm:sp3d/>
+    <dgm:txPr/>
+    <dgm:style>
+      <a:lnRef idx="0">
+        <a:scrgbClr r="0" g="0" b="0"/>
+      </a:lnRef>
+      <a:fillRef idx="3">
+        <a:scrgbClr r="0" g="0" b="0"/>
+      </a:fillRef>
+      <a:effectRef idx="3">
+        <a:scrgbClr r="0" g="0" b="0"/>
+      </a:effectRef>
+      <a:fontRef idx="minor">
+        <a:schemeClr val="lt1"/>
+      </a:fontRef>
+    </dgm:style>
+  </dgm:styleLbl>
+  <dgm:styleLbl name="parChTrans2D4">
+    <dgm:scene3d>
+      <a:camera prst="orthographicFront"/>
+      <a:lightRig rig="threePt" dir="t"/>
+    </dgm:scene3d>
+    <dgm:sp3d/>
+    <dgm:txPr/>
+    <dgm:style>
+      <a:lnRef idx="0">
+        <a:scrgbClr r="0" g="0" b="0"/>
+      </a:lnRef>
+      <a:fillRef idx="3">
+        <a:scrgbClr r="0" g="0" b="0"/>
+      </a:fillRef>
+      <a:effectRef idx="3">
+        <a:scrgbClr r="0" g="0" b="0"/>
+      </a:effectRef>
+      <a:fontRef idx="minor">
+        <a:schemeClr val="lt1"/>
+      </a:fontRef>
+    </dgm:style>
+  </dgm:styleLbl>
+  <dgm:styleLbl name="parChTrans1D1">
+    <dgm:scene3d>
+      <a:camera prst="orthographicFront"/>
+      <a:lightRig rig="threePt" dir="t"/>
+    </dgm:scene3d>
+    <dgm:sp3d/>
+    <dgm:txPr/>
+    <dgm:style>
+      <a:lnRef idx="2">
+        <a:scrgbClr r="0" g="0" b="0"/>
+      </a:lnRef>
+      <a:fillRef idx="0">
+        <a:scrgbClr r="0" g="0" b="0"/>
+      </a:fillRef>
+      <a:effectRef idx="0">
+        <a:scrgbClr r="0" g="0" b="0"/>
+      </a:effectRef>
+      <a:fontRef idx="minor"/>
+    </dgm:style>
+  </dgm:styleLbl>
+  <dgm:styleLbl name="parChTrans1D2">
+    <dgm:scene3d>
+      <a:camera prst="orthographicFront"/>
+      <a:lightRig rig="threePt" dir="t"/>
+    </dgm:scene3d>
+    <dgm:sp3d/>
+    <dgm:txPr/>
+    <dgm:style>
+      <a:lnRef idx="2">
+        <a:scrgbClr r="0" g="0" b="0"/>
+      </a:lnRef>
+      <a:fillRef idx="0">
+        <a:scrgbClr r="0" g="0" b="0"/>
+      </a:fillRef>
+      <a:effectRef idx="0">
+        <a:scrgbClr r="0" g="0" b="0"/>
+      </a:effectRef>
+      <a:fontRef idx="minor"/>
+    </dgm:style>
+  </dgm:styleLbl>
+  <dgm:styleLbl name="parChTrans1D3">
+    <dgm:scene3d>
+      <a:camera prst="orthographicFront"/>
+      <a:lightRig rig="threePt" dir="t"/>
+    </dgm:scene3d>
+    <dgm:sp3d/>
+    <dgm:txPr/>
+    <dgm:style>
+      <a:lnRef idx="2">
+        <a:scrgbClr r="0" g="0" b="0"/>
+      </a:lnRef>
+      <a:fillRef idx="0">
+        <a:scrgbClr r="0" g="0" b="0"/>
+      </a:fillRef>
+      <a:effectRef idx="0">
+        <a:scrgbClr r="0" g="0" b="0"/>
+      </a:effectRef>
+      <a:fontRef idx="minor"/>
+    </dgm:style>
+  </dgm:styleLbl>
+  <dgm:styleLbl name="parChTrans1D4">
+    <dgm:scene3d>
+      <a:camera prst="orthographicFront"/>
+      <a:lightRig rig="threePt" dir="t"/>
+    </dgm:scene3d>
+    <dgm:sp3d/>
+    <dgm:txPr/>
+    <dgm:style>
+      <a:lnRef idx="2">
+        <a:scrgbClr r="0" g="0" b="0"/>
+      </a:lnRef>
+      <a:fillRef idx="0">
+        <a:scrgbClr r="0" g="0" b="0"/>
+      </a:fillRef>
+      <a:effectRef idx="0">
+        <a:scrgbClr r="0" g="0" b="0"/>
+      </a:effectRef>
+      <a:fontRef idx="minor"/>
+    </dgm:style>
+  </dgm:styleLbl>
+  <dgm:styleLbl name="fgAcc1">
+    <dgm:scene3d>
+      <a:camera prst="orthographicFront"/>
+      <a:lightRig rig="threePt" dir="t"/>
+    </dgm:scene3d>
+    <dgm:sp3d/>
+    <dgm:txPr/>
+    <dgm:style>
+      <a:lnRef idx="1">
+        <a:scrgbClr r="0" g="0" b="0"/>
+      </a:lnRef>
+      <a:fillRef idx="1">
+        <a:scrgbClr r="0" g="0" b="0"/>
+      </a:fillRef>
+      <a:effectRef idx="2">
+        <a:scrgbClr r="0" g="0" b="0"/>
+      </a:effectRef>
+      <a:fontRef idx="minor"/>
+    </dgm:style>
+  </dgm:styleLbl>
+  <dgm:styleLbl name="conFgAcc1">
+    <dgm:scene3d>
+      <a:camera prst="orthographicFront"/>
+      <a:lightRig rig="threePt" dir="t"/>
+    </dgm:scene3d>
+    <dgm:sp3d/>
+    <dgm:txPr/>
+    <dgm:style>
+      <a:lnRef idx="1">
+        <a:scrgbClr r="0" g="0" b="0"/>
+      </a:lnRef>
+      <a:fillRef idx="1">
+        <a:scrgbClr r="0" g="0" b="0"/>
+      </a:fillRef>
+      <a:effectRef idx="2">
+        <a:scrgbClr r="0" g="0" b="0"/>
+      </a:effectRef>
+      <a:fontRef idx="minor"/>
+    </dgm:style>
+  </dgm:styleLbl>
+  <dgm:styleLbl name="alignAcc1">
+    <dgm:scene3d>
+      <a:camera prst="orthographicFront"/>
+      <a:lightRig rig="threePt" dir="t"/>
+    </dgm:scene3d>
+    <dgm:sp3d/>
+    <dgm:txPr/>
+    <dgm:style>
+      <a:lnRef idx="1">
+        <a:scrgbClr r="0" g="0" b="0"/>
+      </a:lnRef>
+      <a:fillRef idx="1">
+        <a:scrgbClr r="0" g="0" b="0"/>
+      </a:fillRef>
+      <a:effectRef idx="2">
+        <a:scrgbClr r="0" g="0" b="0"/>
+      </a:effectRef>
+      <a:fontRef idx="minor"/>
+    </dgm:style>
+  </dgm:styleLbl>
+  <dgm:styleLbl name="trAlignAcc1">
+    <dgm:scene3d>
+      <a:camera prst="orthographicFront"/>
+      <a:lightRig rig="threePt" dir="t"/>
+    </dgm:scene3d>
+    <dgm:sp3d/>
+    <dgm:txPr/>
+    <dgm:style>
+      <a:lnRef idx="1">
+        <a:scrgbClr r="0" g="0" b="0"/>
+      </a:lnRef>
+      <a:fillRef idx="1">
+        <a:scrgbClr r="0" g="0" b="0"/>
+      </a:fillRef>
+      <a:effectRef idx="0">
+        <a:scrgbClr r="0" g="0" b="0"/>
+      </a:effectRef>
+      <a:fontRef idx="minor"/>
+    </dgm:style>
+  </dgm:styleLbl>
+  <dgm:styleLbl name="bgAcc1">
+    <dgm:scene3d>
+      <a:camera prst="orthographicFront"/>
+      <a:lightRig rig="threePt" dir="t"/>
+    </dgm:scene3d>
+    <dgm:sp3d/>
+    <dgm:txPr/>
+    <dgm:style>
+      <a:lnRef idx="1">
+        <a:scrgbClr r="0" g="0" b="0"/>
+      </a:lnRef>
+      <a:fillRef idx="1">
+        <a:scrgbClr r="0" g="0" b="0"/>
+      </a:fillRef>
+      <a:effectRef idx="2">
+        <a:scrgbClr r="0" g="0" b="0"/>
+      </a:effectRef>
+      <a:fontRef idx="minor"/>
+    </dgm:style>
+  </dgm:styleLbl>
+  <dgm:styleLbl name="solidFgAcc1">
+    <dgm:scene3d>
+      <a:camera prst="orthographicFront"/>
+      <a:lightRig rig="threePt" dir="t"/>
+    </dgm:scene3d>
+    <dgm:sp3d/>
+    <dgm:txPr/>
+    <dgm:style>
+      <a:lnRef idx="1">
+        <a:scrgbClr r="0" g="0" b="0"/>
+      </a:lnRef>
+      <a:fillRef idx="1">
+        <a:scrgbClr r="0" g="0" b="0"/>
+      </a:fillRef>
+      <a:effectRef idx="2">
+        <a:scrgbClr r="0" g="0" b="0"/>
+      </a:effectRef>
+      <a:fontRef idx="minor"/>
+    </dgm:style>
+  </dgm:styleLbl>
+  <dgm:styleLbl name="solidAlignAcc1">
+    <dgm:scene3d>
+      <a:camera prst="orthographicFront"/>
+      <a:lightRig rig="threePt" dir="t"/>
+    </dgm:scene3d>
+    <dgm:sp3d/>
+    <dgm:txPr/>
+    <dgm:style>
+      <a:lnRef idx="1">
+        <a:scrgbClr r="0" g="0" b="0"/>
+      </a:lnRef>
+      <a:fillRef idx="1">
+        <a:scrgbClr r="0" g="0" b="0"/>
+      </a:fillRef>
+      <a:effectRef idx="3">
+        <a:scrgbClr r="0" g="0" b="0"/>
+      </a:effectRef>
+      <a:fontRef idx="minor"/>
+    </dgm:style>
+  </dgm:styleLbl>
+  <dgm:styleLbl name="solidBgAcc1">
+    <dgm:scene3d>
+      <a:camera prst="orthographicFront"/>
+      <a:lightRig rig="threePt" dir="t"/>
+    </dgm:scene3d>
+    <dgm:sp3d/>
+    <dgm:txPr/>
+    <dgm:style>
+      <a:lnRef idx="1">
+        <a:scrgbClr r="0" g="0" b="0"/>
+      </a:lnRef>
+      <a:fillRef idx="1">
+        <a:scrgbClr r="0" g="0" b="0"/>
+      </a:fillRef>
+      <a:effectRef idx="3">
+        <a:scrgbClr r="0" g="0" b="0"/>
+      </a:effectRef>
+      <a:fontRef idx="minor"/>
+    </dgm:style>
+  </dgm:styleLbl>
+  <dgm:styleLbl name="fgAccFollowNode1">
+    <dgm:scene3d>
+      <a:camera prst="orthographicFront"/>
+      <a:lightRig rig="threePt" dir="t"/>
+    </dgm:scene3d>
+    <dgm:sp3d/>
+    <dgm:txPr/>
+    <dgm:style>
+      <a:lnRef idx="1">
+        <a:scrgbClr r="0" g="0" b="0"/>
+      </a:lnRef>
+      <a:fillRef idx="1">
+        <a:scrgbClr r="0" g="0" b="0"/>
+      </a:fillRef>
+      <a:effectRef idx="2">
+        <a:scrgbClr r="0" g="0" b="0"/>
+      </a:effectRef>
+      <a:fontRef idx="minor"/>
+    </dgm:style>
+  </dgm:styleLbl>
+  <dgm:styleLbl name="alignAccFollowNode1">
+    <dgm:scene3d>
+      <a:camera prst="orthographicFront"/>
+      <a:lightRig rig="threePt" dir="t"/>
+    </dgm:scene3d>
+    <dgm:sp3d/>
+    <dgm:txPr/>
+    <dgm:style>
+      <a:lnRef idx="1">
+        <a:scrgbClr r="0" g="0" b="0"/>
+      </a:lnRef>
+      <a:fillRef idx="1">
+        <a:scrgbClr r="0" g="0" b="0"/>
+      </a:fillRef>
+      <a:effectRef idx="2">
+        <a:scrgbClr r="0" g="0" b="0"/>
+      </a:effectRef>
+      <a:fontRef idx="minor"/>
+    </dgm:style>
+  </dgm:styleLbl>
+  <dgm:styleLbl name="bgAccFollowNode1">
+    <dgm:scene3d>
+      <a:camera prst="orthographicFront"/>
+      <a:lightRig rig="threePt" dir="t"/>
+    </dgm:scene3d>
+    <dgm:sp3d/>
+    <dgm:txPr/>
+    <dgm:style>
+      <a:lnRef idx="1">
+        <a:scrgbClr r="0" g="0" b="0"/>
+      </a:lnRef>
+      <a:fillRef idx="1">
+        <a:scrgbClr r="0" g="0" b="0"/>
+      </a:fillRef>
+      <a:effectRef idx="2">
+        <a:scrgbClr r="0" g="0" b="0"/>
+      </a:effectRef>
+      <a:fontRef idx="minor"/>
+    </dgm:style>
+  </dgm:styleLbl>
+  <dgm:styleLbl name="fgAcc0">
+    <dgm:scene3d>
+      <a:camera prst="orthographicFront"/>
+      <a:lightRig rig="threePt" dir="t"/>
+    </dgm:scene3d>
+    <dgm:sp3d/>
+    <dgm:txPr/>
+    <dgm:style>
+      <a:lnRef idx="1">
+        <a:scrgbClr r="0" g="0" b="0"/>
+      </a:lnRef>
+      <a:fillRef idx="1">
+        <a:scrgbClr r="0" g="0" b="0"/>
+      </a:fillRef>
+      <a:effectRef idx="2">
+        <a:scrgbClr r="0" g="0" b="0"/>
+      </a:effectRef>
+      <a:fontRef idx="minor"/>
+    </dgm:style>
+  </dgm:styleLbl>
+  <dgm:styleLbl name="fgAcc2">
+    <dgm:scene3d>
+      <a:camera prst="orthographicFront"/>
+      <a:lightRig rig="threePt" dir="t"/>
+    </dgm:scene3d>
+    <dgm:sp3d/>
+    <dgm:txPr/>
+    <dgm:style>
+      <a:lnRef idx="1">
+        <a:scrgbClr r="0" g="0" b="0"/>
+      </a:lnRef>
+      <a:fillRef idx="1">
+        <a:scrgbClr r="0" g="0" b="0"/>
+      </a:fillRef>
+      <a:effectRef idx="2">
+        <a:scrgbClr r="0" g="0" b="0"/>
+      </a:effectRef>
+      <a:fontRef idx="minor"/>
+    </dgm:style>
+  </dgm:styleLbl>
+  <dgm:styleLbl name="fgAcc3">
+    <dgm:scene3d>
+      <a:camera prst="orthographicFront"/>
+      <a:lightRig rig="threePt" dir="t"/>
+    </dgm:scene3d>
+    <dgm:sp3d/>
+    <dgm:txPr/>
+    <dgm:style>
+      <a:lnRef idx="1">
+        <a:scrgbClr r="0" g="0" b="0"/>
+      </a:lnRef>
+      <a:fillRef idx="1">
+        <a:scrgbClr r="0" g="0" b="0"/>
+      </a:fillRef>
+      <a:effectRef idx="2">
+        <a:scrgbClr r="0" g="0" b="0"/>
+      </a:effectRef>
+      <a:fontRef idx="minor"/>
+    </dgm:style>
+  </dgm:styleLbl>
+  <dgm:styleLbl name="fgAcc4">
+    <dgm:scene3d>
+      <a:camera prst="orthographicFront"/>
+      <a:lightRig rig="threePt" dir="t"/>
+    </dgm:scene3d>
+    <dgm:sp3d/>
+    <dgm:txPr/>
+    <dgm:style>
+      <a:lnRef idx="1">
+        <a:scrgbClr r="0" g="0" b="0"/>
+      </a:lnRef>
+      <a:fillRef idx="1">
+        <a:scrgbClr r="0" g="0" b="0"/>
+      </a:fillRef>
+      <a:effectRef idx="2">
+        <a:scrgbClr r="0" g="0" b="0"/>
+      </a:effectRef>
+      <a:fontRef idx="minor"/>
+    </dgm:style>
+  </dgm:styleLbl>
+  <dgm:styleLbl name="bgShp">
+    <dgm:scene3d>
+      <a:camera prst="orthographicFront"/>
+      <a:lightRig rig="threePt" dir="t"/>
+    </dgm:scene3d>
+    <dgm:sp3d/>
+    <dgm:txPr/>
+    <dgm:style>
+      <a:lnRef idx="0">
+        <a:scrgbClr r="0" g="0" b="0"/>
+      </a:lnRef>
+      <a:fillRef idx="1">
+        <a:scrgbClr r="0" g="0" b="0"/>
+      </a:fillRef>
+      <a:effectRef idx="2">
+        <a:scrgbClr r="0" g="0" b="0"/>
+      </a:effectRef>
+      <a:fontRef idx="minor"/>
+    </dgm:style>
+  </dgm:styleLbl>
+  <dgm:styleLbl name="dkBgShp">
+    <dgm:scene3d>
+      <a:camera prst="orthographicFront"/>
+      <a:lightRig rig="threePt" dir="t"/>
+    </dgm:scene3d>
+    <dgm:sp3d/>
+    <dgm:txPr/>
+    <dgm:style>
+      <a:lnRef idx="0">
+        <a:scrgbClr r="0" g="0" b="0"/>
+      </a:lnRef>
+      <a:fillRef idx="1">
+        <a:scrgbClr r="0" g="0" b="0"/>
+      </a:fillRef>
+      <a:effectRef idx="3">
+        <a:scrgbClr r="0" g="0" b="0"/>
+      </a:effectRef>
+      <a:fontRef idx="minor"/>
+    </dgm:style>
+  </dgm:styleLbl>
+  <dgm:styleLbl name="trBgShp">
+    <dgm:scene3d>
+      <a:camera prst="orthographicFront"/>
+      <a:lightRig rig="threePt" dir="t"/>
+    </dgm:scene3d>
+    <dgm:sp3d/>
+    <dgm:txPr/>
+    <dgm:style>
+      <a:lnRef idx="0">
+        <a:scrgbClr r="0" g="0" b="0"/>
+      </a:lnRef>
+      <a:fillRef idx="1">
+        <a:scrgbClr r="0" g="0" b="0"/>
+      </a:fillRef>
+      <a:effectRef idx="0">
+        <a:scrgbClr r="0" g="0" b="0"/>
+      </a:effectRef>
+      <a:fontRef idx="minor"/>
+    </dgm:style>
+  </dgm:styleLbl>
+  <dgm:styleLbl name="fgShp">
+    <dgm:scene3d>
+      <a:camera prst="orthographicFront"/>
+      <a:lightRig rig="threePt" dir="t"/>
+    </dgm:scene3d>
+    <dgm:sp3d/>
+    <dgm:txPr/>
+    <dgm:style>
+      <a:lnRef idx="0">
+        <a:scrgbClr r="0" g="0" b="0"/>
+      </a:lnRef>
+      <a:fillRef idx="3">
+        <a:scrgbClr r="0" g="0" b="0"/>
+      </a:fillRef>
+      <a:effectRef idx="3">
+        <a:scrgbClr r="0" g="0" b="0"/>
+      </a:effectRef>
+      <a:fontRef idx="minor"/>
+    </dgm:style>
+  </dgm:styleLbl>
+  <dgm:styleLbl name="revTx">
+    <dgm:scene3d>
+      <a:camera prst="orthographicFront"/>
+      <a:lightRig rig="threePt" dir="t"/>
+    </dgm:scene3d>
+    <dgm:sp3d/>
+    <dgm:txPr/>
+    <dgm:style>
+      <a:lnRef idx="0">
+        <a:scrgbClr r="0" g="0" b="0"/>
+      </a:lnRef>
+      <a:fillRef idx="0">
+        <a:scrgbClr r="0" g="0" b="0"/>
+      </a:fillRef>
+      <a:effectRef idx="0">
+        <a:scrgbClr r="0" g="0" b="0"/>
+      </a:effectRef>
+      <a:fontRef idx="minor"/>
+    </dgm:style>
+  </dgm:styleLbl>
+</dgm:styleDef>
+</file>
+
+<file path=ppt/diagrams/quickStyle6.xml><?xml version="1.0" encoding="utf-8"?>
 <dgm:styleDef xmlns:dgm="http://schemas.openxmlformats.org/drawingml/2006/diagram" xmlns:a="http://schemas.openxmlformats.org/drawingml/2006/main" uniqueId="urn:microsoft.com/office/officeart/2005/8/quickstyle/simple1">
   <dgm:title val=""/>
   <dgm:desc val=""/>
@@ -17269,7 +22809,1041 @@
 </dgm:styleDef>
 </file>
 
-<file path=ppt/diagrams/quickStyle6.xml><?xml version="1.0" encoding="utf-8"?>
+<file path=ppt/diagrams/quickStyle7.xml><?xml version="1.0" encoding="utf-8"?>
+<dgm:styleDef xmlns:dgm="http://schemas.openxmlformats.org/drawingml/2006/diagram" xmlns:a="http://schemas.openxmlformats.org/drawingml/2006/main" uniqueId="urn:microsoft.com/office/officeart/2005/8/quickstyle/simple1">
+  <dgm:title val=""/>
+  <dgm:desc val=""/>
+  <dgm:catLst>
+    <dgm:cat type="simple" pri="10100"/>
+  </dgm:catLst>
+  <dgm:scene3d>
+    <a:camera prst="orthographicFront"/>
+    <a:lightRig rig="threePt" dir="t"/>
+  </dgm:scene3d>
+  <dgm:styleLbl name="node0">
+    <dgm:scene3d>
+      <a:camera prst="orthographicFront"/>
+      <a:lightRig rig="threePt" dir="t"/>
+    </dgm:scene3d>
+    <dgm:sp3d/>
+    <dgm:txPr/>
+    <dgm:style>
+      <a:lnRef idx="2">
+        <a:scrgbClr r="0" g="0" b="0"/>
+      </a:lnRef>
+      <a:fillRef idx="1">
+        <a:scrgbClr r="0" g="0" b="0"/>
+      </a:fillRef>
+      <a:effectRef idx="0">
+        <a:scrgbClr r="0" g="0" b="0"/>
+      </a:effectRef>
+      <a:fontRef idx="minor">
+        <a:schemeClr val="lt1"/>
+      </a:fontRef>
+    </dgm:style>
+  </dgm:styleLbl>
+  <dgm:styleLbl name="lnNode1">
+    <dgm:scene3d>
+      <a:camera prst="orthographicFront"/>
+      <a:lightRig rig="threePt" dir="t"/>
+    </dgm:scene3d>
+    <dgm:sp3d/>
+    <dgm:txPr/>
+    <dgm:style>
+      <a:lnRef idx="2">
+        <a:scrgbClr r="0" g="0" b="0"/>
+      </a:lnRef>
+      <a:fillRef idx="1">
+        <a:scrgbClr r="0" g="0" b="0"/>
+      </a:fillRef>
+      <a:effectRef idx="0">
+        <a:scrgbClr r="0" g="0" b="0"/>
+      </a:effectRef>
+      <a:fontRef idx="minor">
+        <a:schemeClr val="lt1"/>
+      </a:fontRef>
+    </dgm:style>
+  </dgm:styleLbl>
+  <dgm:styleLbl name="vennNode1">
+    <dgm:scene3d>
+      <a:camera prst="orthographicFront"/>
+      <a:lightRig rig="threePt" dir="t"/>
+    </dgm:scene3d>
+    <dgm:sp3d/>
+    <dgm:txPr/>
+    <dgm:style>
+      <a:lnRef idx="2">
+        <a:scrgbClr r="0" g="0" b="0"/>
+      </a:lnRef>
+      <a:fillRef idx="1">
+        <a:scrgbClr r="0" g="0" b="0"/>
+      </a:fillRef>
+      <a:effectRef idx="0">
+        <a:scrgbClr r="0" g="0" b="0"/>
+      </a:effectRef>
+      <a:fontRef idx="minor">
+        <a:schemeClr val="tx1"/>
+      </a:fontRef>
+    </dgm:style>
+  </dgm:styleLbl>
+  <dgm:styleLbl name="alignNode1">
+    <dgm:scene3d>
+      <a:camera prst="orthographicFront"/>
+      <a:lightRig rig="threePt" dir="t"/>
+    </dgm:scene3d>
+    <dgm:sp3d/>
+    <dgm:txPr/>
+    <dgm:style>
+      <a:lnRef idx="2">
+        <a:scrgbClr r="0" g="0" b="0"/>
+      </a:lnRef>
+      <a:fillRef idx="1">
+        <a:scrgbClr r="0" g="0" b="0"/>
+      </a:fillRef>
+      <a:effectRef idx="0">
+        <a:scrgbClr r="0" g="0" b="0"/>
+      </a:effectRef>
+      <a:fontRef idx="minor">
+        <a:schemeClr val="lt1"/>
+      </a:fontRef>
+    </dgm:style>
+  </dgm:styleLbl>
+  <dgm:styleLbl name="node1">
+    <dgm:scene3d>
+      <a:camera prst="orthographicFront"/>
+      <a:lightRig rig="threePt" dir="t"/>
+    </dgm:scene3d>
+    <dgm:sp3d/>
+    <dgm:txPr/>
+    <dgm:style>
+      <a:lnRef idx="2">
+        <a:scrgbClr r="0" g="0" b="0"/>
+      </a:lnRef>
+      <a:fillRef idx="1">
+        <a:scrgbClr r="0" g="0" b="0"/>
+      </a:fillRef>
+      <a:effectRef idx="0">
+        <a:scrgbClr r="0" g="0" b="0"/>
+      </a:effectRef>
+      <a:fontRef idx="minor">
+        <a:schemeClr val="lt1"/>
+      </a:fontRef>
+    </dgm:style>
+  </dgm:styleLbl>
+  <dgm:styleLbl name="node2">
+    <dgm:scene3d>
+      <a:camera prst="orthographicFront"/>
+      <a:lightRig rig="threePt" dir="t"/>
+    </dgm:scene3d>
+    <dgm:sp3d/>
+    <dgm:txPr/>
+    <dgm:style>
+      <a:lnRef idx="2">
+        <a:scrgbClr r="0" g="0" b="0"/>
+      </a:lnRef>
+      <a:fillRef idx="1">
+        <a:scrgbClr r="0" g="0" b="0"/>
+      </a:fillRef>
+      <a:effectRef idx="0">
+        <a:scrgbClr r="0" g="0" b="0"/>
+      </a:effectRef>
+      <a:fontRef idx="minor">
+        <a:schemeClr val="lt1"/>
+      </a:fontRef>
+    </dgm:style>
+  </dgm:styleLbl>
+  <dgm:styleLbl name="node3">
+    <dgm:scene3d>
+      <a:camera prst="orthographicFront"/>
+      <a:lightRig rig="threePt" dir="t"/>
+    </dgm:scene3d>
+    <dgm:sp3d/>
+    <dgm:txPr/>
+    <dgm:style>
+      <a:lnRef idx="2">
+        <a:scrgbClr r="0" g="0" b="0"/>
+      </a:lnRef>
+      <a:fillRef idx="1">
+        <a:scrgbClr r="0" g="0" b="0"/>
+      </a:fillRef>
+      <a:effectRef idx="0">
+        <a:scrgbClr r="0" g="0" b="0"/>
+      </a:effectRef>
+      <a:fontRef idx="minor">
+        <a:schemeClr val="lt1"/>
+      </a:fontRef>
+    </dgm:style>
+  </dgm:styleLbl>
+  <dgm:styleLbl name="node4">
+    <dgm:scene3d>
+      <a:camera prst="orthographicFront"/>
+      <a:lightRig rig="threePt" dir="t"/>
+    </dgm:scene3d>
+    <dgm:sp3d/>
+    <dgm:txPr/>
+    <dgm:style>
+      <a:lnRef idx="2">
+        <a:scrgbClr r="0" g="0" b="0"/>
+      </a:lnRef>
+      <a:fillRef idx="1">
+        <a:scrgbClr r="0" g="0" b="0"/>
+      </a:fillRef>
+      <a:effectRef idx="0">
+        <a:scrgbClr r="0" g="0" b="0"/>
+      </a:effectRef>
+      <a:fontRef idx="minor">
+        <a:schemeClr val="lt1"/>
+      </a:fontRef>
+    </dgm:style>
+  </dgm:styleLbl>
+  <dgm:styleLbl name="fgImgPlace1">
+    <dgm:scene3d>
+      <a:camera prst="orthographicFront"/>
+      <a:lightRig rig="threePt" dir="t"/>
+    </dgm:scene3d>
+    <dgm:sp3d/>
+    <dgm:txPr/>
+    <dgm:style>
+      <a:lnRef idx="2">
+        <a:scrgbClr r="0" g="0" b="0"/>
+      </a:lnRef>
+      <a:fillRef idx="1">
+        <a:scrgbClr r="0" g="0" b="0"/>
+      </a:fillRef>
+      <a:effectRef idx="0">
+        <a:scrgbClr r="0" g="0" b="0"/>
+      </a:effectRef>
+      <a:fontRef idx="minor"/>
+    </dgm:style>
+  </dgm:styleLbl>
+  <dgm:styleLbl name="alignImgPlace1">
+    <dgm:scene3d>
+      <a:camera prst="orthographicFront"/>
+      <a:lightRig rig="threePt" dir="t"/>
+    </dgm:scene3d>
+    <dgm:sp3d/>
+    <dgm:txPr/>
+    <dgm:style>
+      <a:lnRef idx="2">
+        <a:scrgbClr r="0" g="0" b="0"/>
+      </a:lnRef>
+      <a:fillRef idx="1">
+        <a:scrgbClr r="0" g="0" b="0"/>
+      </a:fillRef>
+      <a:effectRef idx="0">
+        <a:scrgbClr r="0" g="0" b="0"/>
+      </a:effectRef>
+      <a:fontRef idx="minor"/>
+    </dgm:style>
+  </dgm:styleLbl>
+  <dgm:styleLbl name="bgImgPlace1">
+    <dgm:scene3d>
+      <a:camera prst="orthographicFront"/>
+      <a:lightRig rig="threePt" dir="t"/>
+    </dgm:scene3d>
+    <dgm:sp3d/>
+    <dgm:txPr/>
+    <dgm:style>
+      <a:lnRef idx="2">
+        <a:scrgbClr r="0" g="0" b="0"/>
+      </a:lnRef>
+      <a:fillRef idx="1">
+        <a:scrgbClr r="0" g="0" b="0"/>
+      </a:fillRef>
+      <a:effectRef idx="0">
+        <a:scrgbClr r="0" g="0" b="0"/>
+      </a:effectRef>
+      <a:fontRef idx="minor"/>
+    </dgm:style>
+  </dgm:styleLbl>
+  <dgm:styleLbl name="sibTrans2D1">
+    <dgm:scene3d>
+      <a:camera prst="orthographicFront"/>
+      <a:lightRig rig="threePt" dir="t"/>
+    </dgm:scene3d>
+    <dgm:sp3d/>
+    <dgm:txPr/>
+    <dgm:style>
+      <a:lnRef idx="0">
+        <a:scrgbClr r="0" g="0" b="0"/>
+      </a:lnRef>
+      <a:fillRef idx="1">
+        <a:scrgbClr r="0" g="0" b="0"/>
+      </a:fillRef>
+      <a:effectRef idx="0">
+        <a:scrgbClr r="0" g="0" b="0"/>
+      </a:effectRef>
+      <a:fontRef idx="minor">
+        <a:schemeClr val="lt1"/>
+      </a:fontRef>
+    </dgm:style>
+  </dgm:styleLbl>
+  <dgm:styleLbl name="fgSibTrans2D1">
+    <dgm:scene3d>
+      <a:camera prst="orthographicFront"/>
+      <a:lightRig rig="threePt" dir="t"/>
+    </dgm:scene3d>
+    <dgm:sp3d/>
+    <dgm:txPr/>
+    <dgm:style>
+      <a:lnRef idx="0">
+        <a:scrgbClr r="0" g="0" b="0"/>
+      </a:lnRef>
+      <a:fillRef idx="1">
+        <a:scrgbClr r="0" g="0" b="0"/>
+      </a:fillRef>
+      <a:effectRef idx="0">
+        <a:scrgbClr r="0" g="0" b="0"/>
+      </a:effectRef>
+      <a:fontRef idx="minor">
+        <a:schemeClr val="lt1"/>
+      </a:fontRef>
+    </dgm:style>
+  </dgm:styleLbl>
+  <dgm:styleLbl name="bgSibTrans2D1">
+    <dgm:scene3d>
+      <a:camera prst="orthographicFront"/>
+      <a:lightRig rig="threePt" dir="t"/>
+    </dgm:scene3d>
+    <dgm:sp3d/>
+    <dgm:txPr/>
+    <dgm:style>
+      <a:lnRef idx="0">
+        <a:scrgbClr r="0" g="0" b="0"/>
+      </a:lnRef>
+      <a:fillRef idx="1">
+        <a:scrgbClr r="0" g="0" b="0"/>
+      </a:fillRef>
+      <a:effectRef idx="0">
+        <a:scrgbClr r="0" g="0" b="0"/>
+      </a:effectRef>
+      <a:fontRef idx="minor">
+        <a:schemeClr val="lt1"/>
+      </a:fontRef>
+    </dgm:style>
+  </dgm:styleLbl>
+  <dgm:styleLbl name="sibTrans1D1">
+    <dgm:scene3d>
+      <a:camera prst="orthographicFront"/>
+      <a:lightRig rig="threePt" dir="t"/>
+    </dgm:scene3d>
+    <dgm:sp3d/>
+    <dgm:txPr/>
+    <dgm:style>
+      <a:lnRef idx="1">
+        <a:scrgbClr r="0" g="0" b="0"/>
+      </a:lnRef>
+      <a:fillRef idx="0">
+        <a:scrgbClr r="0" g="0" b="0"/>
+      </a:fillRef>
+      <a:effectRef idx="0">
+        <a:scrgbClr r="0" g="0" b="0"/>
+      </a:effectRef>
+      <a:fontRef idx="minor"/>
+    </dgm:style>
+  </dgm:styleLbl>
+  <dgm:styleLbl name="callout">
+    <dgm:scene3d>
+      <a:camera prst="orthographicFront"/>
+      <a:lightRig rig="threePt" dir="t"/>
+    </dgm:scene3d>
+    <dgm:sp3d/>
+    <dgm:txPr/>
+    <dgm:style>
+      <a:lnRef idx="2">
+        <a:scrgbClr r="0" g="0" b="0"/>
+      </a:lnRef>
+      <a:fillRef idx="1">
+        <a:scrgbClr r="0" g="0" b="0"/>
+      </a:fillRef>
+      <a:effectRef idx="0">
+        <a:scrgbClr r="0" g="0" b="0"/>
+      </a:effectRef>
+      <a:fontRef idx="minor"/>
+    </dgm:style>
+  </dgm:styleLbl>
+  <dgm:styleLbl name="asst0">
+    <dgm:scene3d>
+      <a:camera prst="orthographicFront"/>
+      <a:lightRig rig="threePt" dir="t"/>
+    </dgm:scene3d>
+    <dgm:sp3d/>
+    <dgm:txPr/>
+    <dgm:style>
+      <a:lnRef idx="2">
+        <a:scrgbClr r="0" g="0" b="0"/>
+      </a:lnRef>
+      <a:fillRef idx="1">
+        <a:scrgbClr r="0" g="0" b="0"/>
+      </a:fillRef>
+      <a:effectRef idx="0">
+        <a:scrgbClr r="0" g="0" b="0"/>
+      </a:effectRef>
+      <a:fontRef idx="minor">
+        <a:schemeClr val="lt1"/>
+      </a:fontRef>
+    </dgm:style>
+  </dgm:styleLbl>
+  <dgm:styleLbl name="asst1">
+    <dgm:scene3d>
+      <a:camera prst="orthographicFront"/>
+      <a:lightRig rig="threePt" dir="t"/>
+    </dgm:scene3d>
+    <dgm:sp3d/>
+    <dgm:txPr/>
+    <dgm:style>
+      <a:lnRef idx="2">
+        <a:scrgbClr r="0" g="0" b="0"/>
+      </a:lnRef>
+      <a:fillRef idx="1">
+        <a:scrgbClr r="0" g="0" b="0"/>
+      </a:fillRef>
+      <a:effectRef idx="0">
+        <a:scrgbClr r="0" g="0" b="0"/>
+      </a:effectRef>
+      <a:fontRef idx="minor">
+        <a:schemeClr val="lt1"/>
+      </a:fontRef>
+    </dgm:style>
+  </dgm:styleLbl>
+  <dgm:styleLbl name="asst2">
+    <dgm:scene3d>
+      <a:camera prst="orthographicFront"/>
+      <a:lightRig rig="threePt" dir="t"/>
+    </dgm:scene3d>
+    <dgm:sp3d/>
+    <dgm:txPr/>
+    <dgm:style>
+      <a:lnRef idx="2">
+        <a:scrgbClr r="0" g="0" b="0"/>
+      </a:lnRef>
+      <a:fillRef idx="1">
+        <a:scrgbClr r="0" g="0" b="0"/>
+      </a:fillRef>
+      <a:effectRef idx="0">
+        <a:scrgbClr r="0" g="0" b="0"/>
+      </a:effectRef>
+      <a:fontRef idx="minor">
+        <a:schemeClr val="lt1"/>
+      </a:fontRef>
+    </dgm:style>
+  </dgm:styleLbl>
+  <dgm:styleLbl name="asst3">
+    <dgm:scene3d>
+      <a:camera prst="orthographicFront"/>
+      <a:lightRig rig="threePt" dir="t"/>
+    </dgm:scene3d>
+    <dgm:sp3d/>
+    <dgm:txPr/>
+    <dgm:style>
+      <a:lnRef idx="2">
+        <a:scrgbClr r="0" g="0" b="0"/>
+      </a:lnRef>
+      <a:fillRef idx="1">
+        <a:scrgbClr r="0" g="0" b="0"/>
+      </a:fillRef>
+      <a:effectRef idx="0">
+        <a:scrgbClr r="0" g="0" b="0"/>
+      </a:effectRef>
+      <a:fontRef idx="minor">
+        <a:schemeClr val="lt1"/>
+      </a:fontRef>
+    </dgm:style>
+  </dgm:styleLbl>
+  <dgm:styleLbl name="asst4">
+    <dgm:scene3d>
+      <a:camera prst="orthographicFront"/>
+      <a:lightRig rig="threePt" dir="t"/>
+    </dgm:scene3d>
+    <dgm:sp3d/>
+    <dgm:txPr/>
+    <dgm:style>
+      <a:lnRef idx="2">
+        <a:scrgbClr r="0" g="0" b="0"/>
+      </a:lnRef>
+      <a:fillRef idx="1">
+        <a:scrgbClr r="0" g="0" b="0"/>
+      </a:fillRef>
+      <a:effectRef idx="0">
+        <a:scrgbClr r="0" g="0" b="0"/>
+      </a:effectRef>
+      <a:fontRef idx="minor">
+        <a:schemeClr val="lt1"/>
+      </a:fontRef>
+    </dgm:style>
+  </dgm:styleLbl>
+  <dgm:styleLbl name="parChTrans2D1">
+    <dgm:scene3d>
+      <a:camera prst="orthographicFront"/>
+      <a:lightRig rig="threePt" dir="t"/>
+    </dgm:scene3d>
+    <dgm:sp3d/>
+    <dgm:txPr/>
+    <dgm:style>
+      <a:lnRef idx="2">
+        <a:scrgbClr r="0" g="0" b="0"/>
+      </a:lnRef>
+      <a:fillRef idx="1">
+        <a:scrgbClr r="0" g="0" b="0"/>
+      </a:fillRef>
+      <a:effectRef idx="0">
+        <a:scrgbClr r="0" g="0" b="0"/>
+      </a:effectRef>
+      <a:fontRef idx="minor">
+        <a:schemeClr val="lt1"/>
+      </a:fontRef>
+    </dgm:style>
+  </dgm:styleLbl>
+  <dgm:styleLbl name="parChTrans2D2">
+    <dgm:scene3d>
+      <a:camera prst="orthographicFront"/>
+      <a:lightRig rig="threePt" dir="t"/>
+    </dgm:scene3d>
+    <dgm:sp3d/>
+    <dgm:txPr/>
+    <dgm:style>
+      <a:lnRef idx="2">
+        <a:scrgbClr r="0" g="0" b="0"/>
+      </a:lnRef>
+      <a:fillRef idx="1">
+        <a:scrgbClr r="0" g="0" b="0"/>
+      </a:fillRef>
+      <a:effectRef idx="0">
+        <a:scrgbClr r="0" g="0" b="0"/>
+      </a:effectRef>
+      <a:fontRef idx="minor">
+        <a:schemeClr val="lt1"/>
+      </a:fontRef>
+    </dgm:style>
+  </dgm:styleLbl>
+  <dgm:styleLbl name="parChTrans2D3">
+    <dgm:scene3d>
+      <a:camera prst="orthographicFront"/>
+      <a:lightRig rig="threePt" dir="t"/>
+    </dgm:scene3d>
+    <dgm:sp3d/>
+    <dgm:txPr/>
+    <dgm:style>
+      <a:lnRef idx="2">
+        <a:scrgbClr r="0" g="0" b="0"/>
+      </a:lnRef>
+      <a:fillRef idx="1">
+        <a:scrgbClr r="0" g="0" b="0"/>
+      </a:fillRef>
+      <a:effectRef idx="0">
+        <a:scrgbClr r="0" g="0" b="0"/>
+      </a:effectRef>
+      <a:fontRef idx="minor">
+        <a:schemeClr val="lt1"/>
+      </a:fontRef>
+    </dgm:style>
+  </dgm:styleLbl>
+  <dgm:styleLbl name="parChTrans2D4">
+    <dgm:scene3d>
+      <a:camera prst="orthographicFront"/>
+      <a:lightRig rig="threePt" dir="t"/>
+    </dgm:scene3d>
+    <dgm:sp3d/>
+    <dgm:txPr/>
+    <dgm:style>
+      <a:lnRef idx="2">
+        <a:scrgbClr r="0" g="0" b="0"/>
+      </a:lnRef>
+      <a:fillRef idx="1">
+        <a:scrgbClr r="0" g="0" b="0"/>
+      </a:fillRef>
+      <a:effectRef idx="0">
+        <a:scrgbClr r="0" g="0" b="0"/>
+      </a:effectRef>
+      <a:fontRef idx="minor">
+        <a:schemeClr val="lt1"/>
+      </a:fontRef>
+    </dgm:style>
+  </dgm:styleLbl>
+  <dgm:styleLbl name="parChTrans1D1">
+    <dgm:scene3d>
+      <a:camera prst="orthographicFront"/>
+      <a:lightRig rig="threePt" dir="t"/>
+    </dgm:scene3d>
+    <dgm:sp3d/>
+    <dgm:txPr/>
+    <dgm:style>
+      <a:lnRef idx="2">
+        <a:scrgbClr r="0" g="0" b="0"/>
+      </a:lnRef>
+      <a:fillRef idx="0">
+        <a:scrgbClr r="0" g="0" b="0"/>
+      </a:fillRef>
+      <a:effectRef idx="0">
+        <a:scrgbClr r="0" g="0" b="0"/>
+      </a:effectRef>
+      <a:fontRef idx="minor"/>
+    </dgm:style>
+  </dgm:styleLbl>
+  <dgm:styleLbl name="parChTrans1D2">
+    <dgm:scene3d>
+      <a:camera prst="orthographicFront"/>
+      <a:lightRig rig="threePt" dir="t"/>
+    </dgm:scene3d>
+    <dgm:sp3d/>
+    <dgm:txPr/>
+    <dgm:style>
+      <a:lnRef idx="2">
+        <a:scrgbClr r="0" g="0" b="0"/>
+      </a:lnRef>
+      <a:fillRef idx="0">
+        <a:scrgbClr r="0" g="0" b="0"/>
+      </a:fillRef>
+      <a:effectRef idx="0">
+        <a:scrgbClr r="0" g="0" b="0"/>
+      </a:effectRef>
+      <a:fontRef idx="minor"/>
+    </dgm:style>
+  </dgm:styleLbl>
+  <dgm:styleLbl name="parChTrans1D3">
+    <dgm:scene3d>
+      <a:camera prst="orthographicFront"/>
+      <a:lightRig rig="threePt" dir="t"/>
+    </dgm:scene3d>
+    <dgm:sp3d/>
+    <dgm:txPr/>
+    <dgm:style>
+      <a:lnRef idx="2">
+        <a:scrgbClr r="0" g="0" b="0"/>
+      </a:lnRef>
+      <a:fillRef idx="0">
+        <a:scrgbClr r="0" g="0" b="0"/>
+      </a:fillRef>
+      <a:effectRef idx="0">
+        <a:scrgbClr r="0" g="0" b="0"/>
+      </a:effectRef>
+      <a:fontRef idx="minor"/>
+    </dgm:style>
+  </dgm:styleLbl>
+  <dgm:styleLbl name="parChTrans1D4">
+    <dgm:scene3d>
+      <a:camera prst="orthographicFront"/>
+      <a:lightRig rig="threePt" dir="t"/>
+    </dgm:scene3d>
+    <dgm:sp3d/>
+    <dgm:txPr/>
+    <dgm:style>
+      <a:lnRef idx="2">
+        <a:scrgbClr r="0" g="0" b="0"/>
+      </a:lnRef>
+      <a:fillRef idx="0">
+        <a:scrgbClr r="0" g="0" b="0"/>
+      </a:fillRef>
+      <a:effectRef idx="0">
+        <a:scrgbClr r="0" g="0" b="0"/>
+      </a:effectRef>
+      <a:fontRef idx="minor"/>
+    </dgm:style>
+  </dgm:styleLbl>
+  <dgm:styleLbl name="fgAcc1">
+    <dgm:scene3d>
+      <a:camera prst="orthographicFront"/>
+      <a:lightRig rig="threePt" dir="t"/>
+    </dgm:scene3d>
+    <dgm:sp3d/>
+    <dgm:txPr/>
+    <dgm:style>
+      <a:lnRef idx="2">
+        <a:scrgbClr r="0" g="0" b="0"/>
+      </a:lnRef>
+      <a:fillRef idx="1">
+        <a:scrgbClr r="0" g="0" b="0"/>
+      </a:fillRef>
+      <a:effectRef idx="0">
+        <a:scrgbClr r="0" g="0" b="0"/>
+      </a:effectRef>
+      <a:fontRef idx="minor"/>
+    </dgm:style>
+  </dgm:styleLbl>
+  <dgm:styleLbl name="conFgAcc1">
+    <dgm:scene3d>
+      <a:camera prst="orthographicFront"/>
+      <a:lightRig rig="threePt" dir="t"/>
+    </dgm:scene3d>
+    <dgm:sp3d/>
+    <dgm:txPr/>
+    <dgm:style>
+      <a:lnRef idx="2">
+        <a:scrgbClr r="0" g="0" b="0"/>
+      </a:lnRef>
+      <a:fillRef idx="1">
+        <a:scrgbClr r="0" g="0" b="0"/>
+      </a:fillRef>
+      <a:effectRef idx="0">
+        <a:scrgbClr r="0" g="0" b="0"/>
+      </a:effectRef>
+      <a:fontRef idx="minor"/>
+    </dgm:style>
+  </dgm:styleLbl>
+  <dgm:styleLbl name="alignAcc1">
+    <dgm:scene3d>
+      <a:camera prst="orthographicFront"/>
+      <a:lightRig rig="threePt" dir="t"/>
+    </dgm:scene3d>
+    <dgm:sp3d/>
+    <dgm:txPr/>
+    <dgm:style>
+      <a:lnRef idx="2">
+        <a:scrgbClr r="0" g="0" b="0"/>
+      </a:lnRef>
+      <a:fillRef idx="1">
+        <a:scrgbClr r="0" g="0" b="0"/>
+      </a:fillRef>
+      <a:effectRef idx="0">
+        <a:scrgbClr r="0" g="0" b="0"/>
+      </a:effectRef>
+      <a:fontRef idx="minor"/>
+    </dgm:style>
+  </dgm:styleLbl>
+  <dgm:styleLbl name="trAlignAcc1">
+    <dgm:scene3d>
+      <a:camera prst="orthographicFront"/>
+      <a:lightRig rig="threePt" dir="t"/>
+    </dgm:scene3d>
+    <dgm:sp3d/>
+    <dgm:txPr/>
+    <dgm:style>
+      <a:lnRef idx="1">
+        <a:scrgbClr r="0" g="0" b="0"/>
+      </a:lnRef>
+      <a:fillRef idx="1">
+        <a:scrgbClr r="0" g="0" b="0"/>
+      </a:fillRef>
+      <a:effectRef idx="0">
+        <a:scrgbClr r="0" g="0" b="0"/>
+      </a:effectRef>
+      <a:fontRef idx="minor"/>
+    </dgm:style>
+  </dgm:styleLbl>
+  <dgm:styleLbl name="bgAcc1">
+    <dgm:scene3d>
+      <a:camera prst="orthographicFront"/>
+      <a:lightRig rig="threePt" dir="t"/>
+    </dgm:scene3d>
+    <dgm:sp3d/>
+    <dgm:txPr/>
+    <dgm:style>
+      <a:lnRef idx="2">
+        <a:scrgbClr r="0" g="0" b="0"/>
+      </a:lnRef>
+      <a:fillRef idx="1">
+        <a:scrgbClr r="0" g="0" b="0"/>
+      </a:fillRef>
+      <a:effectRef idx="0">
+        <a:scrgbClr r="0" g="0" b="0"/>
+      </a:effectRef>
+      <a:fontRef idx="minor"/>
+    </dgm:style>
+  </dgm:styleLbl>
+  <dgm:styleLbl name="solidFgAcc1">
+    <dgm:scene3d>
+      <a:camera prst="orthographicFront"/>
+      <a:lightRig rig="threePt" dir="t"/>
+    </dgm:scene3d>
+    <dgm:sp3d/>
+    <dgm:txPr/>
+    <dgm:style>
+      <a:lnRef idx="2">
+        <a:scrgbClr r="0" g="0" b="0"/>
+      </a:lnRef>
+      <a:fillRef idx="1">
+        <a:scrgbClr r="0" g="0" b="0"/>
+      </a:fillRef>
+      <a:effectRef idx="0">
+        <a:scrgbClr r="0" g="0" b="0"/>
+      </a:effectRef>
+      <a:fontRef idx="minor"/>
+    </dgm:style>
+  </dgm:styleLbl>
+  <dgm:styleLbl name="solidAlignAcc1">
+    <dgm:scene3d>
+      <a:camera prst="orthographicFront"/>
+      <a:lightRig rig="threePt" dir="t"/>
+    </dgm:scene3d>
+    <dgm:sp3d/>
+    <dgm:txPr/>
+    <dgm:style>
+      <a:lnRef idx="2">
+        <a:scrgbClr r="0" g="0" b="0"/>
+      </a:lnRef>
+      <a:fillRef idx="1">
+        <a:scrgbClr r="0" g="0" b="0"/>
+      </a:fillRef>
+      <a:effectRef idx="0">
+        <a:scrgbClr r="0" g="0" b="0"/>
+      </a:effectRef>
+      <a:fontRef idx="minor"/>
+    </dgm:style>
+  </dgm:styleLbl>
+  <dgm:styleLbl name="solidBgAcc1">
+    <dgm:scene3d>
+      <a:camera prst="orthographicFront"/>
+      <a:lightRig rig="threePt" dir="t"/>
+    </dgm:scene3d>
+    <dgm:sp3d/>
+    <dgm:txPr/>
+    <dgm:style>
+      <a:lnRef idx="2">
+        <a:scrgbClr r="0" g="0" b="0"/>
+      </a:lnRef>
+      <a:fillRef idx="1">
+        <a:scrgbClr r="0" g="0" b="0"/>
+      </a:fillRef>
+      <a:effectRef idx="0">
+        <a:scrgbClr r="0" g="0" b="0"/>
+      </a:effectRef>
+      <a:fontRef idx="minor"/>
+    </dgm:style>
+  </dgm:styleLbl>
+  <dgm:styleLbl name="fgAccFollowNode1">
+    <dgm:scene3d>
+      <a:camera prst="orthographicFront"/>
+      <a:lightRig rig="threePt" dir="t"/>
+    </dgm:scene3d>
+    <dgm:sp3d/>
+    <dgm:txPr/>
+    <dgm:style>
+      <a:lnRef idx="2">
+        <a:scrgbClr r="0" g="0" b="0"/>
+      </a:lnRef>
+      <a:fillRef idx="1">
+        <a:scrgbClr r="0" g="0" b="0"/>
+      </a:fillRef>
+      <a:effectRef idx="0">
+        <a:scrgbClr r="0" g="0" b="0"/>
+      </a:effectRef>
+      <a:fontRef idx="minor"/>
+    </dgm:style>
+  </dgm:styleLbl>
+  <dgm:styleLbl name="alignAccFollowNode1">
+    <dgm:scene3d>
+      <a:camera prst="orthographicFront"/>
+      <a:lightRig rig="threePt" dir="t"/>
+    </dgm:scene3d>
+    <dgm:sp3d/>
+    <dgm:txPr/>
+    <dgm:style>
+      <a:lnRef idx="2">
+        <a:scrgbClr r="0" g="0" b="0"/>
+      </a:lnRef>
+      <a:fillRef idx="1">
+        <a:scrgbClr r="0" g="0" b="0"/>
+      </a:fillRef>
+      <a:effectRef idx="0">
+        <a:scrgbClr r="0" g="0" b="0"/>
+      </a:effectRef>
+      <a:fontRef idx="minor"/>
+    </dgm:style>
+  </dgm:styleLbl>
+  <dgm:styleLbl name="bgAccFollowNode1">
+    <dgm:scene3d>
+      <a:camera prst="orthographicFront"/>
+      <a:lightRig rig="threePt" dir="t"/>
+    </dgm:scene3d>
+    <dgm:sp3d/>
+    <dgm:txPr/>
+    <dgm:style>
+      <a:lnRef idx="2">
+        <a:scrgbClr r="0" g="0" b="0"/>
+      </a:lnRef>
+      <a:fillRef idx="1">
+        <a:scrgbClr r="0" g="0" b="0"/>
+      </a:fillRef>
+      <a:effectRef idx="0">
+        <a:scrgbClr r="0" g="0" b="0"/>
+      </a:effectRef>
+      <a:fontRef idx="minor"/>
+    </dgm:style>
+  </dgm:styleLbl>
+  <dgm:styleLbl name="fgAcc0">
+    <dgm:scene3d>
+      <a:camera prst="orthographicFront"/>
+      <a:lightRig rig="threePt" dir="t"/>
+    </dgm:scene3d>
+    <dgm:sp3d/>
+    <dgm:txPr/>
+    <dgm:style>
+      <a:lnRef idx="2">
+        <a:scrgbClr r="0" g="0" b="0"/>
+      </a:lnRef>
+      <a:fillRef idx="1">
+        <a:scrgbClr r="0" g="0" b="0"/>
+      </a:fillRef>
+      <a:effectRef idx="0">
+        <a:scrgbClr r="0" g="0" b="0"/>
+      </a:effectRef>
+      <a:fontRef idx="minor"/>
+    </dgm:style>
+  </dgm:styleLbl>
+  <dgm:styleLbl name="fgAcc2">
+    <dgm:scene3d>
+      <a:camera prst="orthographicFront"/>
+      <a:lightRig rig="threePt" dir="t"/>
+    </dgm:scene3d>
+    <dgm:sp3d/>
+    <dgm:txPr/>
+    <dgm:style>
+      <a:lnRef idx="2">
+        <a:scrgbClr r="0" g="0" b="0"/>
+      </a:lnRef>
+      <a:fillRef idx="1">
+        <a:scrgbClr r="0" g="0" b="0"/>
+      </a:fillRef>
+      <a:effectRef idx="0">
+        <a:scrgbClr r="0" g="0" b="0"/>
+      </a:effectRef>
+      <a:fontRef idx="minor"/>
+    </dgm:style>
+  </dgm:styleLbl>
+  <dgm:styleLbl name="fgAcc3">
+    <dgm:scene3d>
+      <a:camera prst="orthographicFront"/>
+      <a:lightRig rig="threePt" dir="t"/>
+    </dgm:scene3d>
+    <dgm:sp3d/>
+    <dgm:txPr/>
+    <dgm:style>
+      <a:lnRef idx="2">
+        <a:scrgbClr r="0" g="0" b="0"/>
+      </a:lnRef>
+      <a:fillRef idx="1">
+        <a:scrgbClr r="0" g="0" b="0"/>
+      </a:fillRef>
+      <a:effectRef idx="0">
+        <a:scrgbClr r="0" g="0" b="0"/>
+      </a:effectRef>
+      <a:fontRef idx="minor"/>
+    </dgm:style>
+  </dgm:styleLbl>
+  <dgm:styleLbl name="fgAcc4">
+    <dgm:scene3d>
+      <a:camera prst="orthographicFront"/>
+      <a:lightRig rig="threePt" dir="t"/>
+    </dgm:scene3d>
+    <dgm:sp3d/>
+    <dgm:txPr/>
+    <dgm:style>
+      <a:lnRef idx="2">
+        <a:scrgbClr r="0" g="0" b="0"/>
+      </a:lnRef>
+      <a:fillRef idx="1">
+        <a:scrgbClr r="0" g="0" b="0"/>
+      </a:fillRef>
+      <a:effectRef idx="0">
+        <a:scrgbClr r="0" g="0" b="0"/>
+      </a:effectRef>
+      <a:fontRef idx="minor"/>
+    </dgm:style>
+  </dgm:styleLbl>
+  <dgm:styleLbl name="bgShp">
+    <dgm:scene3d>
+      <a:camera prst="orthographicFront"/>
+      <a:lightRig rig="threePt" dir="t"/>
+    </dgm:scene3d>
+    <dgm:sp3d/>
+    <dgm:txPr/>
+    <dgm:style>
+      <a:lnRef idx="0">
+        <a:scrgbClr r="0" g="0" b="0"/>
+      </a:lnRef>
+      <a:fillRef idx="1">
+        <a:scrgbClr r="0" g="0" b="0"/>
+      </a:fillRef>
+      <a:effectRef idx="0">
+        <a:scrgbClr r="0" g="0" b="0"/>
+      </a:effectRef>
+      <a:fontRef idx="minor"/>
+    </dgm:style>
+  </dgm:styleLbl>
+  <dgm:styleLbl name="dkBgShp">
+    <dgm:scene3d>
+      <a:camera prst="orthographicFront"/>
+      <a:lightRig rig="threePt" dir="t"/>
+    </dgm:scene3d>
+    <dgm:sp3d/>
+    <dgm:txPr/>
+    <dgm:style>
+      <a:lnRef idx="0">
+        <a:scrgbClr r="0" g="0" b="0"/>
+      </a:lnRef>
+      <a:fillRef idx="1">
+        <a:scrgbClr r="0" g="0" b="0"/>
+      </a:fillRef>
+      <a:effectRef idx="0">
+        <a:scrgbClr r="0" g="0" b="0"/>
+      </a:effectRef>
+      <a:fontRef idx="minor"/>
+    </dgm:style>
+  </dgm:styleLbl>
+  <dgm:styleLbl name="trBgShp">
+    <dgm:scene3d>
+      <a:camera prst="orthographicFront"/>
+      <a:lightRig rig="threePt" dir="t"/>
+    </dgm:scene3d>
+    <dgm:sp3d/>
+    <dgm:txPr/>
+    <dgm:style>
+      <a:lnRef idx="0">
+        <a:scrgbClr r="0" g="0" b="0"/>
+      </a:lnRef>
+      <a:fillRef idx="1">
+        <a:scrgbClr r="0" g="0" b="0"/>
+      </a:fillRef>
+      <a:effectRef idx="0">
+        <a:scrgbClr r="0" g="0" b="0"/>
+      </a:effectRef>
+      <a:fontRef idx="minor"/>
+    </dgm:style>
+  </dgm:styleLbl>
+  <dgm:styleLbl name="fgShp">
+    <dgm:scene3d>
+      <a:camera prst="orthographicFront"/>
+      <a:lightRig rig="threePt" dir="t"/>
+    </dgm:scene3d>
+    <dgm:sp3d/>
+    <dgm:txPr/>
+    <dgm:style>
+      <a:lnRef idx="2">
+        <a:scrgbClr r="0" g="0" b="0"/>
+      </a:lnRef>
+      <a:fillRef idx="1">
+        <a:scrgbClr r="0" g="0" b="0"/>
+      </a:fillRef>
+      <a:effectRef idx="0">
+        <a:scrgbClr r="0" g="0" b="0"/>
+      </a:effectRef>
+      <a:fontRef idx="minor"/>
+    </dgm:style>
+  </dgm:styleLbl>
+  <dgm:styleLbl name="revTx">
+    <dgm:scene3d>
+      <a:camera prst="orthographicFront"/>
+      <a:lightRig rig="threePt" dir="t"/>
+    </dgm:scene3d>
+    <dgm:sp3d/>
+    <dgm:txPr/>
+    <dgm:style>
+      <a:lnRef idx="0">
+        <a:scrgbClr r="0" g="0" b="0"/>
+      </a:lnRef>
+      <a:fillRef idx="0">
+        <a:scrgbClr r="0" g="0" b="0"/>
+      </a:fillRef>
+      <a:effectRef idx="0">
+        <a:scrgbClr r="0" g="0" b="0"/>
+      </a:effectRef>
+      <a:fontRef idx="minor"/>
+    </dgm:style>
+  </dgm:styleLbl>
+</dgm:styleDef>
+</file>
+
+<file path=ppt/diagrams/quickStyle8.xml><?xml version="1.0" encoding="utf-8"?>
 <dgm:styleDef xmlns:dgm="http://schemas.openxmlformats.org/drawingml/2006/diagram" xmlns:a="http://schemas.openxmlformats.org/drawingml/2006/main" uniqueId="urn:microsoft.com/office/officeart/2005/8/quickstyle/simple4">
   <dgm:title val=""/>
   <dgm:desc val=""/>
@@ -18717,7 +25291,7 @@
           <a:p>
             <a:fld id="{28AB6350-7AEE-4CA3-9C11-6D3EA74240C3}" type="slidenum">
               <a:rPr lang="en-US" smtClean="0"/>
-              <a:t>12</a:t>
+              <a:t>14</a:t>
             </a:fld>
             <a:endParaRPr lang="en-US"/>
           </a:p>
@@ -22439,6 +29013,1196 @@
       </p:grpSpPr>
       <p:sp useBgFill="1">
         <p:nvSpPr>
+          <p:cNvPr id="10" name="Rectangle 9">
+            <a:extLst>
+              <a:ext uri="{FF2B5EF4-FFF2-40B4-BE49-F238E27FC236}">
+                <a16:creationId xmlns:a16="http://schemas.microsoft.com/office/drawing/2014/main" id="{BACC6370-2D7E-4714-9D71-7542949D7D5D}"/>
+              </a:ext>
+              <a:ext uri="{C183D7F6-B498-43B3-948B-1728B52AA6E4}">
+                <adec:decorative xmlns:adec="http://schemas.microsoft.com/office/drawing/2017/decorative" val="1"/>
+              </a:ext>
+            </a:extLst>
+          </p:cNvPr>
+          <p:cNvSpPr>
+            <a:spLocks noGrp="1" noRot="1" noChangeAspect="1" noMove="1" noResize="1" noEditPoints="1" noAdjustHandles="1" noChangeArrowheads="1" noChangeShapeType="1" noTextEdit="1"/>
+          </p:cNvSpPr>
+          <p:nvPr>
+            <p:extLst>
+              <p:ext uri="{386F3935-93C4-4BCD-93E2-E3B085C9AB24}">
+                <p16:designElem xmlns:p16="http://schemas.microsoft.com/office/powerpoint/2015/main" val="1"/>
+              </p:ext>
+            </p:extLst>
+          </p:nvPr>
+        </p:nvSpPr>
+        <p:spPr>
+          <a:xfrm>
+            <a:off x="0" y="0"/>
+            <a:ext cx="9144000" cy="6858000"/>
+          </a:xfrm>
+          <a:prstGeom prst="rect">
+            <a:avLst/>
+          </a:prstGeom>
+          <a:ln w="12700" cap="flat" cmpd="sng" algn="ctr">
+            <a:noFill/>
+            <a:prstDash val="solid"/>
+            <a:miter lim="800000"/>
+          </a:ln>
+          <a:effectLst/>
+          <a:extLst>
+            <a:ext uri="{91240B29-F687-4F45-9708-019B960494DF}">
+              <a14:hiddenLine xmlns:a14="http://schemas.microsoft.com/office/drawing/2010/main" w="12700" cap="flat" cmpd="sng" algn="ctr">
+                <a:solidFill>
+                  <a:schemeClr val="accent1">
+                    <a:shade val="50000"/>
+                  </a:schemeClr>
+                </a:solidFill>
+                <a:prstDash val="solid"/>
+                <a:miter lim="800000"/>
+              </a14:hiddenLine>
+            </a:ext>
+          </a:extLst>
+        </p:spPr>
+        <p:style>
+          <a:lnRef idx="2">
+            <a:schemeClr val="accent1">
+              <a:shade val="50000"/>
+            </a:schemeClr>
+          </a:lnRef>
+          <a:fillRef idx="1">
+            <a:schemeClr val="accent1"/>
+          </a:fillRef>
+          <a:effectRef idx="0">
+            <a:schemeClr val="accent1"/>
+          </a:effectRef>
+          <a:fontRef idx="minor">
+            <a:schemeClr val="lt1"/>
+          </a:fontRef>
+        </p:style>
+        <p:txBody>
+          <a:bodyPr rtlCol="0" anchor="ctr"/>
+          <a:lstStyle/>
+          <a:p>
+            <a:pPr algn="ctr"/>
+            <a:endParaRPr lang="en-US"/>
+          </a:p>
+        </p:txBody>
+      </p:sp>
+      <p:sp>
+        <p:nvSpPr>
+          <p:cNvPr id="12" name="Rectangle 11">
+            <a:extLst>
+              <a:ext uri="{FF2B5EF4-FFF2-40B4-BE49-F238E27FC236}">
+                <a16:creationId xmlns:a16="http://schemas.microsoft.com/office/drawing/2014/main" id="{F68B3F68-107C-434F-AA38-110D5EA91B85}"/>
+              </a:ext>
+              <a:ext uri="{C183D7F6-B498-43B3-948B-1728B52AA6E4}">
+                <adec:decorative xmlns:adec="http://schemas.microsoft.com/office/drawing/2017/decorative" val="1"/>
+              </a:ext>
+            </a:extLst>
+          </p:cNvPr>
+          <p:cNvSpPr>
+            <a:spLocks noGrp="1" noRot="1" noChangeAspect="1" noMove="1" noResize="1" noEditPoints="1" noAdjustHandles="1" noChangeArrowheads="1" noChangeShapeType="1" noTextEdit="1"/>
+          </p:cNvSpPr>
+          <p:nvPr>
+            <p:extLst>
+              <p:ext uri="{386F3935-93C4-4BCD-93E2-E3B085C9AB24}">
+                <p16:designElem xmlns:p16="http://schemas.microsoft.com/office/powerpoint/2015/main" val="1"/>
+              </p:ext>
+            </p:extLst>
+          </p:nvPr>
+        </p:nvSpPr>
+        <p:spPr>
+          <a:xfrm flipH="1">
+            <a:off x="1" y="0"/>
+            <a:ext cx="9143999" cy="2170031"/>
+          </a:xfrm>
+          <a:prstGeom prst="rect">
+            <a:avLst/>
+          </a:prstGeom>
+          <a:gradFill>
+            <a:gsLst>
+              <a:gs pos="0">
+                <a:srgbClr val="000000">
+                  <a:alpha val="96000"/>
+                </a:srgbClr>
+              </a:gs>
+              <a:gs pos="100000">
+                <a:schemeClr val="accent1">
+                  <a:lumMod val="75000"/>
+                </a:schemeClr>
+              </a:gs>
+            </a:gsLst>
+            <a:lin ang="19800000" scaled="0"/>
+          </a:gradFill>
+          <a:ln>
+            <a:noFill/>
+          </a:ln>
+        </p:spPr>
+        <p:style>
+          <a:lnRef idx="2">
+            <a:schemeClr val="accent1">
+              <a:shade val="50000"/>
+            </a:schemeClr>
+          </a:lnRef>
+          <a:fillRef idx="1">
+            <a:schemeClr val="accent1"/>
+          </a:fillRef>
+          <a:effectRef idx="0">
+            <a:schemeClr val="accent1"/>
+          </a:effectRef>
+          <a:fontRef idx="minor">
+            <a:schemeClr val="lt1"/>
+          </a:fontRef>
+        </p:style>
+        <p:txBody>
+          <a:bodyPr rtlCol="0" anchor="ctr"/>
+          <a:lstStyle/>
+          <a:p>
+            <a:pPr algn="ctr"/>
+            <a:endParaRPr lang="en-US"/>
+          </a:p>
+        </p:txBody>
+      </p:sp>
+      <p:sp>
+        <p:nvSpPr>
+          <p:cNvPr id="14" name="Rectangle 13">
+            <a:extLst>
+              <a:ext uri="{FF2B5EF4-FFF2-40B4-BE49-F238E27FC236}">
+                <a16:creationId xmlns:a16="http://schemas.microsoft.com/office/drawing/2014/main" id="{AAD0DBB9-1A4B-4391-81D4-CB19F9AB918A}"/>
+              </a:ext>
+              <a:ext uri="{C183D7F6-B498-43B3-948B-1728B52AA6E4}">
+                <adec:decorative xmlns:adec="http://schemas.microsoft.com/office/drawing/2017/decorative" val="1"/>
+              </a:ext>
+            </a:extLst>
+          </p:cNvPr>
+          <p:cNvSpPr>
+            <a:spLocks noGrp="1" noRot="1" noChangeAspect="1" noMove="1" noResize="1" noEditPoints="1" noAdjustHandles="1" noChangeArrowheads="1" noChangeShapeType="1" noTextEdit="1"/>
+          </p:cNvSpPr>
+          <p:nvPr>
+            <p:extLst>
+              <p:ext uri="{386F3935-93C4-4BCD-93E2-E3B085C9AB24}">
+                <p16:designElem xmlns:p16="http://schemas.microsoft.com/office/powerpoint/2015/main" val="1"/>
+              </p:ext>
+            </p:extLst>
+          </p:nvPr>
+        </p:nvSpPr>
+        <p:spPr>
+          <a:xfrm flipH="1">
+            <a:off x="6062114" y="0"/>
+            <a:ext cx="3072908" cy="2170661"/>
+          </a:xfrm>
+          <a:prstGeom prst="rect">
+            <a:avLst/>
+          </a:prstGeom>
+          <a:gradFill>
+            <a:gsLst>
+              <a:gs pos="19000">
+                <a:schemeClr val="accent1">
+                  <a:lumMod val="50000"/>
+                  <a:alpha val="68000"/>
+                </a:schemeClr>
+              </a:gs>
+              <a:gs pos="100000">
+                <a:schemeClr val="accent1">
+                  <a:alpha val="48000"/>
+                </a:schemeClr>
+              </a:gs>
+            </a:gsLst>
+            <a:lin ang="19200000" scaled="0"/>
+          </a:gradFill>
+          <a:ln>
+            <a:noFill/>
+          </a:ln>
+        </p:spPr>
+        <p:style>
+          <a:lnRef idx="2">
+            <a:schemeClr val="accent1">
+              <a:shade val="50000"/>
+            </a:schemeClr>
+          </a:lnRef>
+          <a:fillRef idx="1">
+            <a:schemeClr val="accent1"/>
+          </a:fillRef>
+          <a:effectRef idx="0">
+            <a:schemeClr val="accent1"/>
+          </a:effectRef>
+          <a:fontRef idx="minor">
+            <a:schemeClr val="lt1"/>
+          </a:fontRef>
+        </p:style>
+        <p:txBody>
+          <a:bodyPr rtlCol="0" anchor="ctr"/>
+          <a:lstStyle/>
+          <a:p>
+            <a:pPr algn="ctr"/>
+            <a:endParaRPr lang="en-US"/>
+          </a:p>
+        </p:txBody>
+      </p:sp>
+      <p:sp>
+        <p:nvSpPr>
+          <p:cNvPr id="16" name="Rectangle 15">
+            <a:extLst>
+              <a:ext uri="{FF2B5EF4-FFF2-40B4-BE49-F238E27FC236}">
+                <a16:creationId xmlns:a16="http://schemas.microsoft.com/office/drawing/2014/main" id="{063BBA22-50EA-4C4D-BE05-F1CE4E63AA56}"/>
+              </a:ext>
+              <a:ext uri="{C183D7F6-B498-43B3-948B-1728B52AA6E4}">
+                <adec:decorative xmlns:adec="http://schemas.microsoft.com/office/drawing/2017/decorative" val="1"/>
+              </a:ext>
+            </a:extLst>
+          </p:cNvPr>
+          <p:cNvSpPr>
+            <a:spLocks noGrp="1" noRot="1" noChangeAspect="1" noMove="1" noResize="1" noEditPoints="1" noAdjustHandles="1" noChangeArrowheads="1" noChangeShapeType="1" noTextEdit="1"/>
+          </p:cNvSpPr>
+          <p:nvPr>
+            <p:extLst>
+              <p:ext uri="{386F3935-93C4-4BCD-93E2-E3B085C9AB24}">
+                <p16:designElem xmlns:p16="http://schemas.microsoft.com/office/powerpoint/2015/main" val="1"/>
+              </p:ext>
+            </p:extLst>
+          </p:nvPr>
+        </p:nvSpPr>
+        <p:spPr>
+          <a:xfrm rot="16200000" flipH="1">
+            <a:off x="3486646" y="-3486043"/>
+            <a:ext cx="2170709" cy="9144000"/>
+          </a:xfrm>
+          <a:prstGeom prst="rect">
+            <a:avLst/>
+          </a:prstGeom>
+          <a:gradFill>
+            <a:gsLst>
+              <a:gs pos="23000">
+                <a:schemeClr val="accent1">
+                  <a:lumMod val="75000"/>
+                  <a:alpha val="16000"/>
+                </a:schemeClr>
+              </a:gs>
+              <a:gs pos="99000">
+                <a:srgbClr val="000000">
+                  <a:alpha val="45000"/>
+                </a:srgbClr>
+              </a:gs>
+            </a:gsLst>
+            <a:lin ang="21000000" scaled="0"/>
+          </a:gradFill>
+          <a:ln>
+            <a:noFill/>
+          </a:ln>
+        </p:spPr>
+        <p:style>
+          <a:lnRef idx="2">
+            <a:schemeClr val="accent1">
+              <a:shade val="50000"/>
+            </a:schemeClr>
+          </a:lnRef>
+          <a:fillRef idx="1">
+            <a:schemeClr val="accent1"/>
+          </a:fillRef>
+          <a:effectRef idx="0">
+            <a:schemeClr val="accent1"/>
+          </a:effectRef>
+          <a:fontRef idx="minor">
+            <a:schemeClr val="lt1"/>
+          </a:fontRef>
+        </p:style>
+        <p:txBody>
+          <a:bodyPr rtlCol="0" anchor="ctr"/>
+          <a:lstStyle/>
+          <a:p>
+            <a:pPr algn="ctr"/>
+            <a:endParaRPr lang="en-US" dirty="0"/>
+          </a:p>
+        </p:txBody>
+      </p:sp>
+      <p:sp>
+        <p:nvSpPr>
+          <p:cNvPr id="2" name="Title 1"/>
+          <p:cNvSpPr>
+            <a:spLocks noGrp="1"/>
+          </p:cNvSpPr>
+          <p:nvPr>
+            <p:ph type="title"/>
+          </p:nvPr>
+        </p:nvSpPr>
+        <p:spPr>
+          <a:xfrm>
+            <a:off x="1037673" y="348865"/>
+            <a:ext cx="7288583" cy="1576446"/>
+          </a:xfrm>
+        </p:spPr>
+        <p:txBody>
+          <a:bodyPr anchor="ctr">
+            <a:normAutofit/>
+          </a:bodyPr>
+          <a:lstStyle/>
+          <a:p>
+            <a:r>
+              <a:rPr lang="en-US" sz="3500">
+                <a:solidFill>
+                  <a:srgbClr val="FFFFFF"/>
+                </a:solidFill>
+              </a:rPr>
+              <a:t>Deployment on AWS</a:t>
+            </a:r>
+          </a:p>
+        </p:txBody>
+      </p:sp>
+      <p:graphicFrame>
+        <p:nvGraphicFramePr>
+          <p:cNvPr id="5" name="Content Placeholder 2">
+            <a:extLst>
+              <a:ext uri="{FF2B5EF4-FFF2-40B4-BE49-F238E27FC236}">
+                <a16:creationId xmlns:a16="http://schemas.microsoft.com/office/drawing/2014/main" id="{30C8B226-3DDF-0227-3002-434B64FF7780}"/>
+              </a:ext>
+            </a:extLst>
+          </p:cNvPr>
+          <p:cNvGraphicFramePr>
+            <a:graphicFrameLocks noGrp="1"/>
+          </p:cNvGraphicFramePr>
+          <p:nvPr>
+            <p:ph idx="1"/>
+            <p:extLst>
+              <p:ext uri="{D42A27DB-BD31-4B8C-83A1-F6EECF244321}">
+                <p14:modId xmlns:p14="http://schemas.microsoft.com/office/powerpoint/2010/main" val="39396677"/>
+              </p:ext>
+            </p:extLst>
+          </p:nvPr>
+        </p:nvGraphicFramePr>
+        <p:xfrm>
+          <a:off x="483042" y="2615979"/>
+          <a:ext cx="8195871" cy="3689405"/>
+        </p:xfrm>
+        <a:graphic>
+          <a:graphicData uri="http://schemas.openxmlformats.org/drawingml/2006/diagram">
+            <dgm:relIds xmlns:dgm="http://schemas.openxmlformats.org/drawingml/2006/diagram" xmlns:r="http://schemas.openxmlformats.org/officeDocument/2006/relationships" r:dm="rId2" r:lo="rId3" r:qs="rId4" r:cs="rId5"/>
+          </a:graphicData>
+        </a:graphic>
+      </p:graphicFrame>
+    </p:spTree>
+  </p:cSld>
+  <p:clrMapOvr>
+    <a:masterClrMapping/>
+  </p:clrMapOvr>
+</p:sld>
+</file>
+
+<file path=ppt/slides/slide11.xml><?xml version="1.0" encoding="utf-8"?>
+<p:sld xmlns:a="http://schemas.openxmlformats.org/drawingml/2006/main" xmlns:r="http://schemas.openxmlformats.org/officeDocument/2006/relationships" xmlns:p="http://schemas.openxmlformats.org/presentationml/2006/main">
+  <p:cSld>
+    <p:bg>
+      <p:bgPr>
+        <a:solidFill>
+          <a:schemeClr val="bg1"/>
+        </a:solidFill>
+        <a:effectLst/>
+      </p:bgPr>
+    </p:bg>
+    <p:spTree>
+      <p:nvGrpSpPr>
+        <p:cNvPr id="1" name=""/>
+        <p:cNvGrpSpPr/>
+        <p:nvPr/>
+      </p:nvGrpSpPr>
+      <p:grpSpPr>
+        <a:xfrm>
+          <a:off x="0" y="0"/>
+          <a:ext cx="0" cy="0"/>
+          <a:chOff x="0" y="0"/>
+          <a:chExt cx="0" cy="0"/>
+        </a:xfrm>
+      </p:grpSpPr>
+      <p:sp useBgFill="1">
+        <p:nvSpPr>
+          <p:cNvPr id="8" name="Rectangle 7">
+            <a:extLst>
+              <a:ext uri="{FF2B5EF4-FFF2-40B4-BE49-F238E27FC236}">
+                <a16:creationId xmlns:a16="http://schemas.microsoft.com/office/drawing/2014/main" id="{09588DA8-065E-4F6F-8EFD-43104AB2E0CF}"/>
+              </a:ext>
+              <a:ext uri="{C183D7F6-B498-43B3-948B-1728B52AA6E4}">
+                <adec:decorative xmlns:adec="http://schemas.microsoft.com/office/drawing/2017/decorative" val="1"/>
+              </a:ext>
+            </a:extLst>
+          </p:cNvPr>
+          <p:cNvSpPr>
+            <a:spLocks noGrp="1" noRot="1" noChangeAspect="1" noMove="1" noResize="1" noEditPoints="1" noAdjustHandles="1" noChangeArrowheads="1" noChangeShapeType="1" noTextEdit="1"/>
+          </p:cNvSpPr>
+          <p:nvPr>
+            <p:extLst>
+              <p:ext uri="{386F3935-93C4-4BCD-93E2-E3B085C9AB24}">
+                <p16:designElem xmlns:p16="http://schemas.microsoft.com/office/powerpoint/2015/main" val="1"/>
+              </p:ext>
+            </p:extLst>
+          </p:nvPr>
+        </p:nvSpPr>
+        <p:spPr>
+          <a:xfrm>
+            <a:off x="0" y="0"/>
+            <a:ext cx="9144000" cy="6858000"/>
+          </a:xfrm>
+          <a:prstGeom prst="rect">
+            <a:avLst/>
+          </a:prstGeom>
+          <a:ln w="12700" cap="flat" cmpd="sng" algn="ctr">
+            <a:noFill/>
+            <a:prstDash val="solid"/>
+            <a:miter lim="800000"/>
+          </a:ln>
+          <a:effectLst/>
+          <a:extLst>
+            <a:ext uri="{91240B29-F687-4F45-9708-019B960494DF}">
+              <a14:hiddenLine xmlns:a14="http://schemas.microsoft.com/office/drawing/2010/main" w="12700" cap="flat" cmpd="sng" algn="ctr">
+                <a:solidFill>
+                  <a:schemeClr val="accent1">
+                    <a:shade val="50000"/>
+                  </a:schemeClr>
+                </a:solidFill>
+                <a:prstDash val="solid"/>
+                <a:miter lim="800000"/>
+              </a14:hiddenLine>
+            </a:ext>
+          </a:extLst>
+        </p:spPr>
+        <p:style>
+          <a:lnRef idx="2">
+            <a:schemeClr val="accent1">
+              <a:shade val="50000"/>
+            </a:schemeClr>
+          </a:lnRef>
+          <a:fillRef idx="1">
+            <a:schemeClr val="accent1"/>
+          </a:fillRef>
+          <a:effectRef idx="0">
+            <a:schemeClr val="accent1"/>
+          </a:effectRef>
+          <a:fontRef idx="minor">
+            <a:schemeClr val="lt1"/>
+          </a:fontRef>
+        </p:style>
+        <p:txBody>
+          <a:bodyPr rtlCol="0" anchor="ctr"/>
+          <a:lstStyle/>
+          <a:p>
+            <a:pPr algn="ctr"/>
+            <a:endParaRPr lang="en-US"/>
+          </a:p>
+        </p:txBody>
+      </p:sp>
+      <p:sp useBgFill="1">
+        <p:nvSpPr>
+          <p:cNvPr id="10" name="Rectangle 9">
+            <a:extLst>
+              <a:ext uri="{FF2B5EF4-FFF2-40B4-BE49-F238E27FC236}">
+                <a16:creationId xmlns:a16="http://schemas.microsoft.com/office/drawing/2014/main" id="{C4285719-470E-454C-AF62-8323075F1F5B}"/>
+              </a:ext>
+              <a:ext uri="{C183D7F6-B498-43B3-948B-1728B52AA6E4}">
+                <adec:decorative xmlns:adec="http://schemas.microsoft.com/office/drawing/2017/decorative" val="1"/>
+              </a:ext>
+            </a:extLst>
+          </p:cNvPr>
+          <p:cNvSpPr>
+            <a:spLocks noGrp="1" noRot="1" noChangeAspect="1" noMove="1" noResize="1" noEditPoints="1" noAdjustHandles="1" noChangeArrowheads="1" noChangeShapeType="1" noTextEdit="1"/>
+          </p:cNvSpPr>
+          <p:nvPr>
+            <p:extLst>
+              <p:ext uri="{386F3935-93C4-4BCD-93E2-E3B085C9AB24}">
+                <p16:designElem xmlns:p16="http://schemas.microsoft.com/office/powerpoint/2015/main" val="1"/>
+              </p:ext>
+            </p:extLst>
+          </p:nvPr>
+        </p:nvSpPr>
+        <p:spPr>
+          <a:xfrm>
+            <a:off x="0" y="0"/>
+            <a:ext cx="9141714" cy="6858000"/>
+          </a:xfrm>
+          <a:prstGeom prst="rect">
+            <a:avLst/>
+          </a:prstGeom>
+          <a:ln w="12700" cap="flat" cmpd="sng" algn="ctr">
+            <a:noFill/>
+            <a:prstDash val="solid"/>
+            <a:miter lim="800000"/>
+          </a:ln>
+          <a:effectLst/>
+          <a:extLst>
+            <a:ext uri="{91240B29-F687-4F45-9708-019B960494DF}">
+              <a14:hiddenLine xmlns:a14="http://schemas.microsoft.com/office/drawing/2010/main" w="12700" cap="flat" cmpd="sng" algn="ctr">
+                <a:solidFill>
+                  <a:schemeClr val="accent1">
+                    <a:shade val="50000"/>
+                  </a:schemeClr>
+                </a:solidFill>
+                <a:prstDash val="solid"/>
+                <a:miter lim="800000"/>
+              </a14:hiddenLine>
+            </a:ext>
+          </a:extLst>
+        </p:spPr>
+        <p:style>
+          <a:lnRef idx="2">
+            <a:schemeClr val="accent1">
+              <a:shade val="50000"/>
+            </a:schemeClr>
+          </a:lnRef>
+          <a:fillRef idx="1">
+            <a:schemeClr val="accent1"/>
+          </a:fillRef>
+          <a:effectRef idx="0">
+            <a:schemeClr val="accent1"/>
+          </a:effectRef>
+          <a:fontRef idx="minor">
+            <a:schemeClr val="lt1"/>
+          </a:fontRef>
+        </p:style>
+        <p:txBody>
+          <a:bodyPr rtlCol="0" anchor="ctr"/>
+          <a:lstStyle/>
+          <a:p>
+            <a:pPr algn="ctr"/>
+            <a:endParaRPr lang="en-US"/>
+          </a:p>
+        </p:txBody>
+      </p:sp>
+      <p:sp>
+        <p:nvSpPr>
+          <p:cNvPr id="12" name="Rectangle 11">
+            <a:extLst>
+              <a:ext uri="{FF2B5EF4-FFF2-40B4-BE49-F238E27FC236}">
+                <a16:creationId xmlns:a16="http://schemas.microsoft.com/office/drawing/2014/main" id="{CD9FE4EF-C4D8-49A0-B2FF-81D8DB7D8A24}"/>
+              </a:ext>
+              <a:ext uri="{C183D7F6-B498-43B3-948B-1728B52AA6E4}">
+                <adec:decorative xmlns:adec="http://schemas.microsoft.com/office/drawing/2017/decorative" val="1"/>
+              </a:ext>
+            </a:extLst>
+          </p:cNvPr>
+          <p:cNvSpPr>
+            <a:spLocks noGrp="1" noRot="1" noChangeAspect="1" noMove="1" noResize="1" noEditPoints="1" noAdjustHandles="1" noChangeArrowheads="1" noChangeShapeType="1" noTextEdit="1"/>
+          </p:cNvSpPr>
+          <p:nvPr>
+            <p:extLst>
+              <p:ext uri="{386F3935-93C4-4BCD-93E2-E3B085C9AB24}">
+                <p16:designElem xmlns:p16="http://schemas.microsoft.com/office/powerpoint/2015/main" val="1"/>
+              </p:ext>
+            </p:extLst>
+          </p:nvPr>
+        </p:nvSpPr>
+        <p:spPr>
+          <a:xfrm rot="5400000" flipH="1">
+            <a:off x="-1914813" y="1914812"/>
+            <a:ext cx="6858000" cy="3028377"/>
+          </a:xfrm>
+          <a:prstGeom prst="rect">
+            <a:avLst/>
+          </a:prstGeom>
+          <a:gradFill>
+            <a:gsLst>
+              <a:gs pos="8000">
+                <a:srgbClr val="000000"/>
+              </a:gs>
+              <a:gs pos="100000">
+                <a:schemeClr val="accent1">
+                  <a:lumMod val="75000"/>
+                </a:schemeClr>
+              </a:gs>
+            </a:gsLst>
+            <a:lin ang="3000000" scaled="0"/>
+          </a:gradFill>
+          <a:ln>
+            <a:noFill/>
+          </a:ln>
+        </p:spPr>
+        <p:style>
+          <a:lnRef idx="2">
+            <a:schemeClr val="accent1">
+              <a:shade val="50000"/>
+            </a:schemeClr>
+          </a:lnRef>
+          <a:fillRef idx="1">
+            <a:schemeClr val="accent1"/>
+          </a:fillRef>
+          <a:effectRef idx="0">
+            <a:schemeClr val="accent1"/>
+          </a:effectRef>
+          <a:fontRef idx="minor">
+            <a:schemeClr val="lt1"/>
+          </a:fontRef>
+        </p:style>
+        <p:txBody>
+          <a:bodyPr rtlCol="0" anchor="ctr"/>
+          <a:lstStyle/>
+          <a:p>
+            <a:pPr algn="ctr"/>
+            <a:endParaRPr lang="en-US"/>
+          </a:p>
+        </p:txBody>
+      </p:sp>
+      <p:sp>
+        <p:nvSpPr>
+          <p:cNvPr id="14" name="Rectangle 13">
+            <a:extLst>
+              <a:ext uri="{FF2B5EF4-FFF2-40B4-BE49-F238E27FC236}">
+                <a16:creationId xmlns:a16="http://schemas.microsoft.com/office/drawing/2014/main" id="{4300840D-0A0B-4512-BACA-B439D5B9C57C}"/>
+              </a:ext>
+              <a:ext uri="{C183D7F6-B498-43B3-948B-1728B52AA6E4}">
+                <adec:decorative xmlns:adec="http://schemas.microsoft.com/office/drawing/2017/decorative" val="1"/>
+              </a:ext>
+            </a:extLst>
+          </p:cNvPr>
+          <p:cNvSpPr>
+            <a:spLocks noGrp="1" noRot="1" noChangeAspect="1" noMove="1" noResize="1" noEditPoints="1" noAdjustHandles="1" noChangeArrowheads="1" noChangeShapeType="1" noTextEdit="1"/>
+          </p:cNvSpPr>
+          <p:nvPr>
+            <p:extLst>
+              <p:ext uri="{386F3935-93C4-4BCD-93E2-E3B085C9AB24}">
+                <p16:designElem xmlns:p16="http://schemas.microsoft.com/office/powerpoint/2015/main" val="1"/>
+              </p:ext>
+            </p:extLst>
+          </p:nvPr>
+        </p:nvSpPr>
+        <p:spPr>
+          <a:xfrm rot="5400000" flipH="1">
+            <a:off x="-1914814" y="1924949"/>
+            <a:ext cx="6857999" cy="3028379"/>
+          </a:xfrm>
+          <a:prstGeom prst="rect">
+            <a:avLst/>
+          </a:prstGeom>
+          <a:gradFill>
+            <a:gsLst>
+              <a:gs pos="0">
+                <a:srgbClr val="000000">
+                  <a:alpha val="0"/>
+                </a:srgbClr>
+              </a:gs>
+              <a:gs pos="99000">
+                <a:schemeClr val="accent1">
+                  <a:alpha val="46000"/>
+                </a:schemeClr>
+              </a:gs>
+            </a:gsLst>
+            <a:lin ang="1800000" scaled="0"/>
+          </a:gradFill>
+          <a:ln>
+            <a:noFill/>
+          </a:ln>
+        </p:spPr>
+        <p:style>
+          <a:lnRef idx="2">
+            <a:schemeClr val="accent1">
+              <a:shade val="50000"/>
+            </a:schemeClr>
+          </a:lnRef>
+          <a:fillRef idx="1">
+            <a:schemeClr val="accent1"/>
+          </a:fillRef>
+          <a:effectRef idx="0">
+            <a:schemeClr val="accent1"/>
+          </a:effectRef>
+          <a:fontRef idx="minor">
+            <a:schemeClr val="lt1"/>
+          </a:fontRef>
+        </p:style>
+        <p:txBody>
+          <a:bodyPr rtlCol="0" anchor="ctr"/>
+          <a:lstStyle/>
+          <a:p>
+            <a:pPr algn="ctr"/>
+            <a:endParaRPr lang="en-US"/>
+          </a:p>
+        </p:txBody>
+      </p:sp>
+      <p:sp>
+        <p:nvSpPr>
+          <p:cNvPr id="16" name="Rectangle 15">
+            <a:extLst>
+              <a:ext uri="{FF2B5EF4-FFF2-40B4-BE49-F238E27FC236}">
+                <a16:creationId xmlns:a16="http://schemas.microsoft.com/office/drawing/2014/main" id="{D2B78728-A580-49A7-84F9-6EF6F583ADE0}"/>
+              </a:ext>
+              <a:ext uri="{C183D7F6-B498-43B3-948B-1728B52AA6E4}">
+                <adec:decorative xmlns:adec="http://schemas.microsoft.com/office/drawing/2017/decorative" val="1"/>
+              </a:ext>
+            </a:extLst>
+          </p:cNvPr>
+          <p:cNvSpPr>
+            <a:spLocks noGrp="1" noRot="1" noChangeAspect="1" noMove="1" noResize="1" noEditPoints="1" noAdjustHandles="1" noChangeArrowheads="1" noChangeShapeType="1" noTextEdit="1"/>
+          </p:cNvSpPr>
+          <p:nvPr>
+            <p:extLst>
+              <p:ext uri="{386F3935-93C4-4BCD-93E2-E3B085C9AB24}">
+                <p16:designElem xmlns:p16="http://schemas.microsoft.com/office/powerpoint/2015/main" val="1"/>
+              </p:ext>
+            </p:extLst>
+          </p:nvPr>
+        </p:nvSpPr>
+        <p:spPr>
+          <a:xfrm rot="5400000" flipH="1">
+            <a:off x="263195" y="4092815"/>
+            <a:ext cx="2501979" cy="3028381"/>
+          </a:xfrm>
+          <a:prstGeom prst="rect">
+            <a:avLst/>
+          </a:prstGeom>
+          <a:gradFill>
+            <a:gsLst>
+              <a:gs pos="2000">
+                <a:schemeClr val="accent1">
+                  <a:alpha val="29000"/>
+                </a:schemeClr>
+              </a:gs>
+              <a:gs pos="100000">
+                <a:srgbClr val="000000">
+                  <a:alpha val="30000"/>
+                </a:srgbClr>
+              </a:gs>
+            </a:gsLst>
+            <a:lin ang="7800000" scaled="0"/>
+          </a:gradFill>
+          <a:ln>
+            <a:noFill/>
+          </a:ln>
+        </p:spPr>
+        <p:style>
+          <a:lnRef idx="2">
+            <a:schemeClr val="accent1">
+              <a:shade val="50000"/>
+            </a:schemeClr>
+          </a:lnRef>
+          <a:fillRef idx="1">
+            <a:schemeClr val="accent1"/>
+          </a:fillRef>
+          <a:effectRef idx="0">
+            <a:schemeClr val="accent1"/>
+          </a:effectRef>
+          <a:fontRef idx="minor">
+            <a:schemeClr val="lt1"/>
+          </a:fontRef>
+        </p:style>
+        <p:txBody>
+          <a:bodyPr rtlCol="0" anchor="ctr"/>
+          <a:lstStyle/>
+          <a:p>
+            <a:pPr algn="ctr"/>
+            <a:endParaRPr lang="en-US" dirty="0"/>
+          </a:p>
+        </p:txBody>
+      </p:sp>
+      <p:sp>
+        <p:nvSpPr>
+          <p:cNvPr id="18" name="Freeform: Shape 17">
+            <a:extLst>
+              <a:ext uri="{FF2B5EF4-FFF2-40B4-BE49-F238E27FC236}">
+                <a16:creationId xmlns:a16="http://schemas.microsoft.com/office/drawing/2014/main" id="{38FAA1A1-D861-433F-88FA-1E9D6FD31D11}"/>
+              </a:ext>
+              <a:ext uri="{C183D7F6-B498-43B3-948B-1728B52AA6E4}">
+                <adec:decorative xmlns:adec="http://schemas.microsoft.com/office/drawing/2017/decorative" val="1"/>
+              </a:ext>
+            </a:extLst>
+          </p:cNvPr>
+          <p:cNvSpPr>
+            <a:spLocks noGrp="1" noRot="1" noChangeAspect="1" noMove="1" noResize="1" noEditPoints="1" noAdjustHandles="1" noChangeArrowheads="1" noChangeShapeType="1" noTextEdit="1"/>
+          </p:cNvSpPr>
+          <p:nvPr>
+            <p:extLst>
+              <p:ext uri="{386F3935-93C4-4BCD-93E2-E3B085C9AB24}">
+                <p16:designElem xmlns:p16="http://schemas.microsoft.com/office/powerpoint/2015/main" val="1"/>
+              </p:ext>
+            </p:extLst>
+          </p:nvPr>
+        </p:nvSpPr>
+        <p:spPr>
+          <a:xfrm rot="20635413">
+            <a:off x="-376302" y="969718"/>
+            <a:ext cx="2925267" cy="4178958"/>
+          </a:xfrm>
+          <a:custGeom>
+            <a:avLst/>
+            <a:gdLst>
+              <a:gd name="connsiteX0" fmla="*/ 2432225 w 3900357"/>
+              <a:gd name="connsiteY0" fmla="*/ 93939 h 4178958"/>
+              <a:gd name="connsiteX1" fmla="*/ 3900357 w 3900357"/>
+              <a:gd name="connsiteY1" fmla="*/ 2089479 h 4178958"/>
+              <a:gd name="connsiteX2" fmla="*/ 1810878 w 3900357"/>
+              <a:gd name="connsiteY2" fmla="*/ 4178958 h 4178958"/>
+              <a:gd name="connsiteX3" fmla="*/ 78249 w 3900357"/>
+              <a:gd name="connsiteY3" fmla="*/ 3257727 h 4178958"/>
+              <a:gd name="connsiteX4" fmla="*/ 0 w 3900357"/>
+              <a:gd name="connsiteY4" fmla="*/ 3128923 h 4178958"/>
+              <a:gd name="connsiteX5" fmla="*/ 831324 w 3900357"/>
+              <a:gd name="connsiteY5" fmla="*/ 244281 h 4178958"/>
+              <a:gd name="connsiteX6" fmla="*/ 997559 w 3900357"/>
+              <a:gd name="connsiteY6" fmla="*/ 164202 h 4178958"/>
+              <a:gd name="connsiteX7" fmla="*/ 1810878 w 3900357"/>
+              <a:gd name="connsiteY7" fmla="*/ 0 h 4178958"/>
+              <a:gd name="connsiteX8" fmla="*/ 2432225 w 3900357"/>
+              <a:gd name="connsiteY8" fmla="*/ 93939 h 4178958"/>
+            </a:gdLst>
+            <a:ahLst/>
+            <a:cxnLst>
+              <a:cxn ang="0">
+                <a:pos x="connsiteX0" y="connsiteY0"/>
+              </a:cxn>
+              <a:cxn ang="0">
+                <a:pos x="connsiteX1" y="connsiteY1"/>
+              </a:cxn>
+              <a:cxn ang="0">
+                <a:pos x="connsiteX2" y="connsiteY2"/>
+              </a:cxn>
+              <a:cxn ang="0">
+                <a:pos x="connsiteX3" y="connsiteY3"/>
+              </a:cxn>
+              <a:cxn ang="0">
+                <a:pos x="connsiteX4" y="connsiteY4"/>
+              </a:cxn>
+              <a:cxn ang="0">
+                <a:pos x="connsiteX5" y="connsiteY5"/>
+              </a:cxn>
+              <a:cxn ang="0">
+                <a:pos x="connsiteX6" y="connsiteY6"/>
+              </a:cxn>
+              <a:cxn ang="0">
+                <a:pos x="connsiteX7" y="connsiteY7"/>
+              </a:cxn>
+              <a:cxn ang="0">
+                <a:pos x="connsiteX8" y="connsiteY8"/>
+              </a:cxn>
+            </a:cxnLst>
+            <a:rect l="l" t="t" r="r" b="b"/>
+            <a:pathLst>
+              <a:path w="3900357" h="4178958">
+                <a:moveTo>
+                  <a:pt x="2432225" y="93939"/>
+                </a:moveTo>
+                <a:cubicBezTo>
+                  <a:pt x="3282786" y="358491"/>
+                  <a:pt x="3900357" y="1151865"/>
+                  <a:pt x="3900357" y="2089479"/>
+                </a:cubicBezTo>
+                <a:cubicBezTo>
+                  <a:pt x="3900357" y="3243466"/>
+                  <a:pt x="2964865" y="4178958"/>
+                  <a:pt x="1810878" y="4178958"/>
+                </a:cubicBezTo>
+                <a:cubicBezTo>
+                  <a:pt x="1089636" y="4178958"/>
+                  <a:pt x="453744" y="3813531"/>
+                  <a:pt x="78249" y="3257727"/>
+                </a:cubicBezTo>
+                <a:lnTo>
+                  <a:pt x="0" y="3128923"/>
+                </a:lnTo>
+                <a:lnTo>
+                  <a:pt x="831324" y="244281"/>
+                </a:lnTo>
+                <a:lnTo>
+                  <a:pt x="997559" y="164202"/>
+                </a:lnTo>
+                <a:cubicBezTo>
+                  <a:pt x="1247540" y="58468"/>
+                  <a:pt x="1522381" y="0"/>
+                  <a:pt x="1810878" y="0"/>
+                </a:cubicBezTo>
+                <a:cubicBezTo>
+                  <a:pt x="2027251" y="0"/>
+                  <a:pt x="2235942" y="32888"/>
+                  <a:pt x="2432225" y="93939"/>
+                </a:cubicBezTo>
+                <a:close/>
+              </a:path>
+            </a:pathLst>
+          </a:custGeom>
+          <a:gradFill>
+            <a:gsLst>
+              <a:gs pos="29000">
+                <a:srgbClr val="000000">
+                  <a:alpha val="0"/>
+                </a:srgbClr>
+              </a:gs>
+              <a:gs pos="100000">
+                <a:schemeClr val="accent1">
+                  <a:alpha val="43000"/>
+                </a:schemeClr>
+              </a:gs>
+            </a:gsLst>
+            <a:lin ang="1800000" scaled="0"/>
+          </a:gradFill>
+          <a:ln>
+            <a:noFill/>
+          </a:ln>
+        </p:spPr>
+        <p:style>
+          <a:lnRef idx="2">
+            <a:schemeClr val="accent1">
+              <a:shade val="50000"/>
+            </a:schemeClr>
+          </a:lnRef>
+          <a:fillRef idx="1">
+            <a:schemeClr val="accent1"/>
+          </a:fillRef>
+          <a:effectRef idx="0">
+            <a:schemeClr val="accent1"/>
+          </a:effectRef>
+          <a:fontRef idx="minor">
+            <a:schemeClr val="lt1"/>
+          </a:fontRef>
+        </p:style>
+        <p:txBody>
+          <a:bodyPr wrap="square" rtlCol="0" anchor="ctr">
+            <a:noAutofit/>
+          </a:bodyPr>
+          <a:lstStyle/>
+          <a:p>
+            <a:pPr algn="ctr"/>
+            <a:endParaRPr lang="en-US" dirty="0"/>
+          </a:p>
+        </p:txBody>
+      </p:sp>
+      <p:sp>
+        <p:nvSpPr>
+          <p:cNvPr id="20" name="Rectangle 19">
+            <a:extLst>
+              <a:ext uri="{FF2B5EF4-FFF2-40B4-BE49-F238E27FC236}">
+                <a16:creationId xmlns:a16="http://schemas.microsoft.com/office/drawing/2014/main" id="{8D71EDA1-87BF-4D5D-AB79-F346FD19278A}"/>
+              </a:ext>
+              <a:ext uri="{C183D7F6-B498-43B3-948B-1728B52AA6E4}">
+                <adec:decorative xmlns:adec="http://schemas.microsoft.com/office/drawing/2017/decorative" val="1"/>
+              </a:ext>
+            </a:extLst>
+          </p:cNvPr>
+          <p:cNvSpPr>
+            <a:spLocks noGrp="1" noRot="1" noChangeAspect="1" noMove="1" noResize="1" noEditPoints="1" noAdjustHandles="1" noChangeArrowheads="1" noChangeShapeType="1" noTextEdit="1"/>
+          </p:cNvSpPr>
+          <p:nvPr>
+            <p:extLst>
+              <p:ext uri="{386F3935-93C4-4BCD-93E2-E3B085C9AB24}">
+                <p16:designElem xmlns:p16="http://schemas.microsoft.com/office/powerpoint/2015/main" val="1"/>
+              </p:ext>
+            </p:extLst>
+          </p:nvPr>
+        </p:nvSpPr>
+        <p:spPr>
+          <a:xfrm rot="5400000" flipH="1">
+            <a:off x="-1914820" y="1904672"/>
+            <a:ext cx="6858003" cy="3028376"/>
+          </a:xfrm>
+          <a:prstGeom prst="rect">
+            <a:avLst/>
+          </a:prstGeom>
+          <a:gradFill>
+            <a:gsLst>
+              <a:gs pos="0">
+                <a:srgbClr val="000000">
+                  <a:alpha val="0"/>
+                </a:srgbClr>
+              </a:gs>
+              <a:gs pos="99000">
+                <a:schemeClr val="accent1">
+                  <a:lumMod val="60000"/>
+                  <a:lumOff val="40000"/>
+                  <a:alpha val="11000"/>
+                </a:schemeClr>
+              </a:gs>
+            </a:gsLst>
+            <a:lin ang="7200000" scaled="0"/>
+          </a:gradFill>
+          <a:ln>
+            <a:noFill/>
+          </a:ln>
+        </p:spPr>
+        <p:style>
+          <a:lnRef idx="2">
+            <a:schemeClr val="accent1">
+              <a:shade val="50000"/>
+            </a:schemeClr>
+          </a:lnRef>
+          <a:fillRef idx="1">
+            <a:schemeClr val="accent1"/>
+          </a:fillRef>
+          <a:effectRef idx="0">
+            <a:schemeClr val="accent1"/>
+          </a:effectRef>
+          <a:fontRef idx="minor">
+            <a:schemeClr val="lt1"/>
+          </a:fontRef>
+        </p:style>
+        <p:txBody>
+          <a:bodyPr rtlCol="0" anchor="ctr"/>
+          <a:lstStyle/>
+          <a:p>
+            <a:pPr algn="ctr"/>
+            <a:endParaRPr lang="en-US"/>
+          </a:p>
+        </p:txBody>
+      </p:sp>
+      <p:sp>
+        <p:nvSpPr>
+          <p:cNvPr id="2" name="Title 1"/>
+          <p:cNvSpPr>
+            <a:spLocks noGrp="1"/>
+          </p:cNvSpPr>
+          <p:nvPr>
+            <p:ph type="title"/>
+          </p:nvPr>
+        </p:nvSpPr>
+        <p:spPr>
+          <a:xfrm>
+            <a:off x="350041" y="586855"/>
+            <a:ext cx="2401025" cy="3387497"/>
+          </a:xfrm>
+        </p:spPr>
+        <p:txBody>
+          <a:bodyPr anchor="b">
+            <a:normAutofit/>
+          </a:bodyPr>
+          <a:lstStyle/>
+          <a:p>
+            <a:pPr algn="r"/>
+            <a:r>
+              <a:rPr lang="en-US" sz="3500">
+                <a:solidFill>
+                  <a:srgbClr val="FFFFFF"/>
+                </a:solidFill>
+              </a:rPr>
+              <a:t>Web UI (Optional Frontend)</a:t>
+            </a:r>
+          </a:p>
+        </p:txBody>
+      </p:sp>
+      <p:sp>
+        <p:nvSpPr>
+          <p:cNvPr id="3" name="Content Placeholder 2"/>
+          <p:cNvSpPr>
+            <a:spLocks noGrp="1"/>
+          </p:cNvSpPr>
+          <p:nvPr>
+            <p:ph idx="1"/>
+          </p:nvPr>
+        </p:nvSpPr>
+        <p:spPr>
+          <a:xfrm>
+            <a:off x="3607694" y="649480"/>
+            <a:ext cx="4916510" cy="5546047"/>
+          </a:xfrm>
+        </p:spPr>
+        <p:txBody>
+          <a:bodyPr anchor="ctr">
+            <a:normAutofit/>
+          </a:bodyPr>
+          <a:lstStyle/>
+          <a:p>
+            <a:r>
+              <a:rPr lang="en-US" sz="1700" dirty="0"/>
+              <a:t>A user-friendly HTML interface for real-time testing.  </a:t>
+            </a:r>
+          </a:p>
+          <a:p>
+            <a:r>
+              <a:rPr lang="en-US" sz="1700" dirty="0"/>
+              <a:t>Displays prediction results, labels, and probabilities.  </a:t>
+            </a:r>
+          </a:p>
+          <a:p>
+            <a:r>
+              <a:rPr lang="en-US" sz="1700" dirty="0"/>
+              <a:t>Logs predictions and errors for further review.</a:t>
+            </a:r>
+          </a:p>
+        </p:txBody>
+      </p:sp>
+      <p:pic>
+        <p:nvPicPr>
+          <p:cNvPr id="5" name="Picture 4">
+            <a:extLst>
+              <a:ext uri="{FF2B5EF4-FFF2-40B4-BE49-F238E27FC236}">
+                <a16:creationId xmlns:a16="http://schemas.microsoft.com/office/drawing/2014/main" id="{82357F0A-75B2-458F-6847-173ABE386EF3}"/>
+              </a:ext>
+            </a:extLst>
+          </p:cNvPr>
+          <p:cNvPicPr>
+            <a:picLocks noChangeAspect="1"/>
+          </p:cNvPicPr>
+          <p:nvPr/>
+        </p:nvPicPr>
+        <p:blipFill>
+          <a:blip r:embed="rId2"/>
+          <a:stretch>
+            <a:fillRect/>
+          </a:stretch>
+        </p:blipFill>
+        <p:spPr>
+          <a:xfrm>
+            <a:off x="4057782" y="370725"/>
+            <a:ext cx="3832168" cy="2187761"/>
+          </a:xfrm>
+          <a:prstGeom prst="rect">
+            <a:avLst/>
+          </a:prstGeom>
+        </p:spPr>
+      </p:pic>
+      <p:pic>
+        <p:nvPicPr>
+          <p:cNvPr id="7" name="Picture 6">
+            <a:extLst>
+              <a:ext uri="{FF2B5EF4-FFF2-40B4-BE49-F238E27FC236}">
+                <a16:creationId xmlns:a16="http://schemas.microsoft.com/office/drawing/2014/main" id="{2D04A1ED-B0CD-67DE-DFE1-F19AFA88513A}"/>
+              </a:ext>
+            </a:extLst>
+          </p:cNvPr>
+          <p:cNvPicPr>
+            <a:picLocks noChangeAspect="1"/>
+          </p:cNvPicPr>
+          <p:nvPr/>
+        </p:nvPicPr>
+        <p:blipFill>
+          <a:blip r:embed="rId3"/>
+          <a:stretch>
+            <a:fillRect/>
+          </a:stretch>
+        </p:blipFill>
+        <p:spPr>
+          <a:xfrm>
+            <a:off x="4424775" y="4356016"/>
+            <a:ext cx="3655197" cy="2384242"/>
+          </a:xfrm>
+          <a:prstGeom prst="rect">
+            <a:avLst/>
+          </a:prstGeom>
+        </p:spPr>
+      </p:pic>
+    </p:spTree>
+  </p:cSld>
+  <p:clrMapOvr>
+    <a:masterClrMapping/>
+  </p:clrMapOvr>
+</p:sld>
+</file>
+
+<file path=ppt/slides/slide12.xml><?xml version="1.0" encoding="utf-8"?>
+<p:sld xmlns:a="http://schemas.openxmlformats.org/drawingml/2006/main" xmlns:r="http://schemas.openxmlformats.org/officeDocument/2006/relationships" xmlns:p="http://schemas.openxmlformats.org/presentationml/2006/main">
+  <p:cSld>
+    <p:bg>
+      <p:bgPr>
+        <a:solidFill>
+          <a:schemeClr val="bg1"/>
+        </a:solidFill>
+        <a:effectLst/>
+      </p:bgPr>
+    </p:bg>
+    <p:spTree>
+      <p:nvGrpSpPr>
+        <p:cNvPr id="1" name=""/>
+        <p:cNvGrpSpPr/>
+        <p:nvPr/>
+      </p:nvGrpSpPr>
+      <p:grpSpPr>
+        <a:xfrm>
+          <a:off x="0" y="0"/>
+          <a:ext cx="0" cy="0"/>
+          <a:chOff x="0" y="0"/>
+          <a:chExt cx="0" cy="0"/>
+        </a:xfrm>
+      </p:grpSpPr>
+      <p:sp useBgFill="1">
+        <p:nvSpPr>
           <p:cNvPr id="34" name="Rectangle 33">
             <a:extLst>
               <a:ext uri="{FF2B5EF4-FFF2-40B4-BE49-F238E27FC236}">
@@ -23148,7 +30912,7 @@
 </p:sld>
 </file>
 
-<file path=ppt/slides/slide11.xml><?xml version="1.0" encoding="utf-8"?>
+<file path=ppt/slides/slide13.xml><?xml version="1.0" encoding="utf-8"?>
 <p:sld xmlns:a="http://schemas.openxmlformats.org/drawingml/2006/main" xmlns:r="http://schemas.openxmlformats.org/officeDocument/2006/relationships" xmlns:p="http://schemas.openxmlformats.org/presentationml/2006/main">
   <p:cSld>
     <p:bg>
@@ -23792,7 +31556,7 @@
 </p:sld>
 </file>
 
-<file path=ppt/slides/slide12.xml><?xml version="1.0" encoding="utf-8"?>
+<file path=ppt/slides/slide14.xml><?xml version="1.0" encoding="utf-8"?>
 <p:sld xmlns:a="http://schemas.openxmlformats.org/drawingml/2006/main" xmlns:r="http://schemas.openxmlformats.org/officeDocument/2006/relationships" xmlns:p="http://schemas.openxmlformats.org/presentationml/2006/main">
   <p:cSld>
     <p:bg>
@@ -27515,7 +35279,13 @@
     </p:bg>
     <p:spTree>
       <p:nvGrpSpPr>
-        <p:cNvPr id="1" name=""/>
+        <p:cNvPr id="1" name="">
+          <a:extLst>
+            <a:ext uri="{FF2B5EF4-FFF2-40B4-BE49-F238E27FC236}">
+              <a16:creationId xmlns:a16="http://schemas.microsoft.com/office/drawing/2014/main" id="{6280B6AE-243D-E64B-187E-55373545AFA5}"/>
+            </a:ext>
+          </a:extLst>
+        </p:cNvPr>
         <p:cNvGrpSpPr/>
         <p:nvPr/>
       </p:nvGrpSpPr>
@@ -27529,483 +35299,7 @@
       </p:grpSpPr>
       <p:sp useBgFill="1">
         <p:nvSpPr>
-          <p:cNvPr id="10" name="Rectangle 9">
-            <a:extLst>
-              <a:ext uri="{FF2B5EF4-FFF2-40B4-BE49-F238E27FC236}">
-                <a16:creationId xmlns:a16="http://schemas.microsoft.com/office/drawing/2014/main" id="{BACC6370-2D7E-4714-9D71-7542949D7D5D}"/>
-              </a:ext>
-              <a:ext uri="{C183D7F6-B498-43B3-948B-1728B52AA6E4}">
-                <adec:decorative xmlns:adec="http://schemas.microsoft.com/office/drawing/2017/decorative" val="1"/>
-              </a:ext>
-            </a:extLst>
-          </p:cNvPr>
-          <p:cNvSpPr>
-            <a:spLocks noGrp="1" noRot="1" noChangeAspect="1" noMove="1" noResize="1" noEditPoints="1" noAdjustHandles="1" noChangeArrowheads="1" noChangeShapeType="1" noTextEdit="1"/>
-          </p:cNvSpPr>
-          <p:nvPr>
-            <p:extLst>
-              <p:ext uri="{386F3935-93C4-4BCD-93E2-E3B085C9AB24}">
-                <p16:designElem xmlns:p16="http://schemas.microsoft.com/office/powerpoint/2015/main" val="1"/>
-              </p:ext>
-            </p:extLst>
-          </p:nvPr>
-        </p:nvSpPr>
-        <p:spPr>
-          <a:xfrm>
-            <a:off x="0" y="0"/>
-            <a:ext cx="9144000" cy="6858000"/>
-          </a:xfrm>
-          <a:prstGeom prst="rect">
-            <a:avLst/>
-          </a:prstGeom>
-          <a:ln w="12700" cap="flat" cmpd="sng" algn="ctr">
-            <a:noFill/>
-            <a:prstDash val="solid"/>
-            <a:miter lim="800000"/>
-          </a:ln>
-          <a:effectLst/>
-          <a:extLst>
-            <a:ext uri="{91240B29-F687-4F45-9708-019B960494DF}">
-              <a14:hiddenLine xmlns:a14="http://schemas.microsoft.com/office/drawing/2010/main" w="12700" cap="flat" cmpd="sng" algn="ctr">
-                <a:solidFill>
-                  <a:schemeClr val="accent1">
-                    <a:shade val="50000"/>
-                  </a:schemeClr>
-                </a:solidFill>
-                <a:prstDash val="solid"/>
-                <a:miter lim="800000"/>
-              </a14:hiddenLine>
-            </a:ext>
-          </a:extLst>
-        </p:spPr>
-        <p:style>
-          <a:lnRef idx="2">
-            <a:schemeClr val="accent1">
-              <a:shade val="50000"/>
-            </a:schemeClr>
-          </a:lnRef>
-          <a:fillRef idx="1">
-            <a:schemeClr val="accent1"/>
-          </a:fillRef>
-          <a:effectRef idx="0">
-            <a:schemeClr val="accent1"/>
-          </a:effectRef>
-          <a:fontRef idx="minor">
-            <a:schemeClr val="lt1"/>
-          </a:fontRef>
-        </p:style>
-        <p:txBody>
-          <a:bodyPr rtlCol="0" anchor="ctr"/>
-          <a:lstStyle/>
-          <a:p>
-            <a:pPr algn="ctr"/>
-            <a:endParaRPr lang="en-US"/>
-          </a:p>
-        </p:txBody>
-      </p:sp>
-      <p:sp>
-        <p:nvSpPr>
-          <p:cNvPr id="12" name="Rectangle 11">
-            <a:extLst>
-              <a:ext uri="{FF2B5EF4-FFF2-40B4-BE49-F238E27FC236}">
-                <a16:creationId xmlns:a16="http://schemas.microsoft.com/office/drawing/2014/main" id="{F68B3F68-107C-434F-AA38-110D5EA91B85}"/>
-              </a:ext>
-              <a:ext uri="{C183D7F6-B498-43B3-948B-1728B52AA6E4}">
-                <adec:decorative xmlns:adec="http://schemas.microsoft.com/office/drawing/2017/decorative" val="1"/>
-              </a:ext>
-            </a:extLst>
-          </p:cNvPr>
-          <p:cNvSpPr>
-            <a:spLocks noGrp="1" noRot="1" noChangeAspect="1" noMove="1" noResize="1" noEditPoints="1" noAdjustHandles="1" noChangeArrowheads="1" noChangeShapeType="1" noTextEdit="1"/>
-          </p:cNvSpPr>
-          <p:nvPr>
-            <p:extLst>
-              <p:ext uri="{386F3935-93C4-4BCD-93E2-E3B085C9AB24}">
-                <p16:designElem xmlns:p16="http://schemas.microsoft.com/office/powerpoint/2015/main" val="1"/>
-              </p:ext>
-            </p:extLst>
-          </p:nvPr>
-        </p:nvSpPr>
-        <p:spPr>
-          <a:xfrm flipH="1">
-            <a:off x="1" y="0"/>
-            <a:ext cx="9143999" cy="2170031"/>
-          </a:xfrm>
-          <a:prstGeom prst="rect">
-            <a:avLst/>
-          </a:prstGeom>
-          <a:gradFill>
-            <a:gsLst>
-              <a:gs pos="0">
-                <a:srgbClr val="000000">
-                  <a:alpha val="96000"/>
-                </a:srgbClr>
-              </a:gs>
-              <a:gs pos="100000">
-                <a:schemeClr val="accent1">
-                  <a:lumMod val="75000"/>
-                </a:schemeClr>
-              </a:gs>
-            </a:gsLst>
-            <a:lin ang="19800000" scaled="0"/>
-          </a:gradFill>
-          <a:ln>
-            <a:noFill/>
-          </a:ln>
-        </p:spPr>
-        <p:style>
-          <a:lnRef idx="2">
-            <a:schemeClr val="accent1">
-              <a:shade val="50000"/>
-            </a:schemeClr>
-          </a:lnRef>
-          <a:fillRef idx="1">
-            <a:schemeClr val="accent1"/>
-          </a:fillRef>
-          <a:effectRef idx="0">
-            <a:schemeClr val="accent1"/>
-          </a:effectRef>
-          <a:fontRef idx="minor">
-            <a:schemeClr val="lt1"/>
-          </a:fontRef>
-        </p:style>
-        <p:txBody>
-          <a:bodyPr rtlCol="0" anchor="ctr"/>
-          <a:lstStyle/>
-          <a:p>
-            <a:pPr algn="ctr"/>
-            <a:endParaRPr lang="en-US"/>
-          </a:p>
-        </p:txBody>
-      </p:sp>
-      <p:sp>
-        <p:nvSpPr>
-          <p:cNvPr id="14" name="Rectangle 13">
-            <a:extLst>
-              <a:ext uri="{FF2B5EF4-FFF2-40B4-BE49-F238E27FC236}">
-                <a16:creationId xmlns:a16="http://schemas.microsoft.com/office/drawing/2014/main" id="{AAD0DBB9-1A4B-4391-81D4-CB19F9AB918A}"/>
-              </a:ext>
-              <a:ext uri="{C183D7F6-B498-43B3-948B-1728B52AA6E4}">
-                <adec:decorative xmlns:adec="http://schemas.microsoft.com/office/drawing/2017/decorative" val="1"/>
-              </a:ext>
-            </a:extLst>
-          </p:cNvPr>
-          <p:cNvSpPr>
-            <a:spLocks noGrp="1" noRot="1" noChangeAspect="1" noMove="1" noResize="1" noEditPoints="1" noAdjustHandles="1" noChangeArrowheads="1" noChangeShapeType="1" noTextEdit="1"/>
-          </p:cNvSpPr>
-          <p:nvPr>
-            <p:extLst>
-              <p:ext uri="{386F3935-93C4-4BCD-93E2-E3B085C9AB24}">
-                <p16:designElem xmlns:p16="http://schemas.microsoft.com/office/powerpoint/2015/main" val="1"/>
-              </p:ext>
-            </p:extLst>
-          </p:nvPr>
-        </p:nvSpPr>
-        <p:spPr>
-          <a:xfrm flipH="1">
-            <a:off x="6062114" y="0"/>
-            <a:ext cx="3072908" cy="2170661"/>
-          </a:xfrm>
-          <a:prstGeom prst="rect">
-            <a:avLst/>
-          </a:prstGeom>
-          <a:gradFill>
-            <a:gsLst>
-              <a:gs pos="19000">
-                <a:schemeClr val="accent1">
-                  <a:lumMod val="50000"/>
-                  <a:alpha val="68000"/>
-                </a:schemeClr>
-              </a:gs>
-              <a:gs pos="100000">
-                <a:schemeClr val="accent1">
-                  <a:alpha val="48000"/>
-                </a:schemeClr>
-              </a:gs>
-            </a:gsLst>
-            <a:lin ang="19200000" scaled="0"/>
-          </a:gradFill>
-          <a:ln>
-            <a:noFill/>
-          </a:ln>
-        </p:spPr>
-        <p:style>
-          <a:lnRef idx="2">
-            <a:schemeClr val="accent1">
-              <a:shade val="50000"/>
-            </a:schemeClr>
-          </a:lnRef>
-          <a:fillRef idx="1">
-            <a:schemeClr val="accent1"/>
-          </a:fillRef>
-          <a:effectRef idx="0">
-            <a:schemeClr val="accent1"/>
-          </a:effectRef>
-          <a:fontRef idx="minor">
-            <a:schemeClr val="lt1"/>
-          </a:fontRef>
-        </p:style>
-        <p:txBody>
-          <a:bodyPr rtlCol="0" anchor="ctr"/>
-          <a:lstStyle/>
-          <a:p>
-            <a:pPr algn="ctr"/>
-            <a:endParaRPr lang="en-US"/>
-          </a:p>
-        </p:txBody>
-      </p:sp>
-      <p:sp>
-        <p:nvSpPr>
-          <p:cNvPr id="16" name="Rectangle 15">
-            <a:extLst>
-              <a:ext uri="{FF2B5EF4-FFF2-40B4-BE49-F238E27FC236}">
-                <a16:creationId xmlns:a16="http://schemas.microsoft.com/office/drawing/2014/main" id="{063BBA22-50EA-4C4D-BE05-F1CE4E63AA56}"/>
-              </a:ext>
-              <a:ext uri="{C183D7F6-B498-43B3-948B-1728B52AA6E4}">
-                <adec:decorative xmlns:adec="http://schemas.microsoft.com/office/drawing/2017/decorative" val="1"/>
-              </a:ext>
-            </a:extLst>
-          </p:cNvPr>
-          <p:cNvSpPr>
-            <a:spLocks noGrp="1" noRot="1" noChangeAspect="1" noMove="1" noResize="1" noEditPoints="1" noAdjustHandles="1" noChangeArrowheads="1" noChangeShapeType="1" noTextEdit="1"/>
-          </p:cNvSpPr>
-          <p:nvPr>
-            <p:extLst>
-              <p:ext uri="{386F3935-93C4-4BCD-93E2-E3B085C9AB24}">
-                <p16:designElem xmlns:p16="http://schemas.microsoft.com/office/powerpoint/2015/main" val="1"/>
-              </p:ext>
-            </p:extLst>
-          </p:nvPr>
-        </p:nvSpPr>
-        <p:spPr>
-          <a:xfrm rot="16200000" flipH="1">
-            <a:off x="3486646" y="-3486043"/>
-            <a:ext cx="2170709" cy="9144000"/>
-          </a:xfrm>
-          <a:prstGeom prst="rect">
-            <a:avLst/>
-          </a:prstGeom>
-          <a:gradFill>
-            <a:gsLst>
-              <a:gs pos="23000">
-                <a:schemeClr val="accent1">
-                  <a:lumMod val="75000"/>
-                  <a:alpha val="16000"/>
-                </a:schemeClr>
-              </a:gs>
-              <a:gs pos="99000">
-                <a:srgbClr val="000000">
-                  <a:alpha val="45000"/>
-                </a:srgbClr>
-              </a:gs>
-            </a:gsLst>
-            <a:lin ang="21000000" scaled="0"/>
-          </a:gradFill>
-          <a:ln>
-            <a:noFill/>
-          </a:ln>
-        </p:spPr>
-        <p:style>
-          <a:lnRef idx="2">
-            <a:schemeClr val="accent1">
-              <a:shade val="50000"/>
-            </a:schemeClr>
-          </a:lnRef>
-          <a:fillRef idx="1">
-            <a:schemeClr val="accent1"/>
-          </a:fillRef>
-          <a:effectRef idx="0">
-            <a:schemeClr val="accent1"/>
-          </a:effectRef>
-          <a:fontRef idx="minor">
-            <a:schemeClr val="lt1"/>
-          </a:fontRef>
-        </p:style>
-        <p:txBody>
-          <a:bodyPr rtlCol="0" anchor="ctr"/>
-          <a:lstStyle/>
-          <a:p>
-            <a:pPr algn="ctr"/>
-            <a:endParaRPr lang="en-US" dirty="0"/>
-          </a:p>
-        </p:txBody>
-      </p:sp>
-      <p:sp>
-        <p:nvSpPr>
-          <p:cNvPr id="2" name="Title 1"/>
-          <p:cNvSpPr>
-            <a:spLocks noGrp="1"/>
-          </p:cNvSpPr>
-          <p:nvPr>
-            <p:ph type="title"/>
-          </p:nvPr>
-        </p:nvSpPr>
-        <p:spPr>
-          <a:xfrm>
-            <a:off x="1037673" y="348865"/>
-            <a:ext cx="7288583" cy="1576446"/>
-          </a:xfrm>
-        </p:spPr>
-        <p:txBody>
-          <a:bodyPr anchor="ctr">
-            <a:normAutofit/>
-          </a:bodyPr>
-          <a:lstStyle/>
-          <a:p>
-            <a:r>
-              <a:rPr lang="en-US" sz="3500">
-                <a:solidFill>
-                  <a:srgbClr val="FFFFFF"/>
-                </a:solidFill>
-              </a:rPr>
-              <a:t>Deployment on AWS</a:t>
-            </a:r>
-          </a:p>
-        </p:txBody>
-      </p:sp>
-      <p:graphicFrame>
-        <p:nvGraphicFramePr>
-          <p:cNvPr id="5" name="Content Placeholder 2">
-            <a:extLst>
-              <a:ext uri="{FF2B5EF4-FFF2-40B4-BE49-F238E27FC236}">
-                <a16:creationId xmlns:a16="http://schemas.microsoft.com/office/drawing/2014/main" id="{30C8B226-3DDF-0227-3002-434B64FF7780}"/>
-              </a:ext>
-            </a:extLst>
-          </p:cNvPr>
-          <p:cNvGraphicFramePr>
-            <a:graphicFrameLocks noGrp="1"/>
-          </p:cNvGraphicFramePr>
-          <p:nvPr>
-            <p:ph idx="1"/>
-            <p:extLst>
-              <p:ext uri="{D42A27DB-BD31-4B8C-83A1-F6EECF244321}">
-                <p14:modId xmlns:p14="http://schemas.microsoft.com/office/powerpoint/2010/main" val="39396677"/>
-              </p:ext>
-            </p:extLst>
-          </p:nvPr>
-        </p:nvGraphicFramePr>
-        <p:xfrm>
-          <a:off x="483042" y="2615979"/>
-          <a:ext cx="8195871" cy="3689405"/>
-        </p:xfrm>
-        <a:graphic>
-          <a:graphicData uri="http://schemas.openxmlformats.org/drawingml/2006/diagram">
-            <dgm:relIds xmlns:dgm="http://schemas.openxmlformats.org/drawingml/2006/diagram" xmlns:r="http://schemas.openxmlformats.org/officeDocument/2006/relationships" r:dm="rId2" r:lo="rId3" r:qs="rId4" r:cs="rId5"/>
-          </a:graphicData>
-        </a:graphic>
-      </p:graphicFrame>
-    </p:spTree>
-  </p:cSld>
-  <p:clrMapOvr>
-    <a:masterClrMapping/>
-  </p:clrMapOvr>
-</p:sld>
-</file>
-
-<file path=ppt/slides/slide9.xml><?xml version="1.0" encoding="utf-8"?>
-<p:sld xmlns:a="http://schemas.openxmlformats.org/drawingml/2006/main" xmlns:r="http://schemas.openxmlformats.org/officeDocument/2006/relationships" xmlns:p="http://schemas.openxmlformats.org/presentationml/2006/main">
-  <p:cSld>
-    <p:bg>
-      <p:bgPr>
-        <a:solidFill>
-          <a:schemeClr val="bg1"/>
-        </a:solidFill>
-        <a:effectLst/>
-      </p:bgPr>
-    </p:bg>
-    <p:spTree>
-      <p:nvGrpSpPr>
-        <p:cNvPr id="1" name=""/>
-        <p:cNvGrpSpPr/>
-        <p:nvPr/>
-      </p:nvGrpSpPr>
-      <p:grpSpPr>
-        <a:xfrm>
-          <a:off x="0" y="0"/>
-          <a:ext cx="0" cy="0"/>
-          <a:chOff x="0" y="0"/>
-          <a:chExt cx="0" cy="0"/>
-        </a:xfrm>
-      </p:grpSpPr>
-      <p:sp useBgFill="1">
-        <p:nvSpPr>
-          <p:cNvPr id="8" name="Rectangle 7">
-            <a:extLst>
-              <a:ext uri="{FF2B5EF4-FFF2-40B4-BE49-F238E27FC236}">
-                <a16:creationId xmlns:a16="http://schemas.microsoft.com/office/drawing/2014/main" id="{09588DA8-065E-4F6F-8EFD-43104AB2E0CF}"/>
-              </a:ext>
-              <a:ext uri="{C183D7F6-B498-43B3-948B-1728B52AA6E4}">
-                <adec:decorative xmlns:adec="http://schemas.microsoft.com/office/drawing/2017/decorative" val="1"/>
-              </a:ext>
-            </a:extLst>
-          </p:cNvPr>
-          <p:cNvSpPr>
-            <a:spLocks noGrp="1" noRot="1" noChangeAspect="1" noMove="1" noResize="1" noEditPoints="1" noAdjustHandles="1" noChangeArrowheads="1" noChangeShapeType="1" noTextEdit="1"/>
-          </p:cNvSpPr>
-          <p:nvPr>
-            <p:extLst>
-              <p:ext uri="{386F3935-93C4-4BCD-93E2-E3B085C9AB24}">
-                <p16:designElem xmlns:p16="http://schemas.microsoft.com/office/powerpoint/2015/main" val="1"/>
-              </p:ext>
-            </p:extLst>
-          </p:nvPr>
-        </p:nvSpPr>
-        <p:spPr>
-          <a:xfrm>
-            <a:off x="0" y="0"/>
-            <a:ext cx="9144000" cy="6858000"/>
-          </a:xfrm>
-          <a:prstGeom prst="rect">
-            <a:avLst/>
-          </a:prstGeom>
-          <a:ln w="12700" cap="flat" cmpd="sng" algn="ctr">
-            <a:noFill/>
-            <a:prstDash val="solid"/>
-            <a:miter lim="800000"/>
-          </a:ln>
-          <a:effectLst/>
-          <a:extLst>
-            <a:ext uri="{91240B29-F687-4F45-9708-019B960494DF}">
-              <a14:hiddenLine xmlns:a14="http://schemas.microsoft.com/office/drawing/2010/main" w="12700" cap="flat" cmpd="sng" algn="ctr">
-                <a:solidFill>
-                  <a:schemeClr val="accent1">
-                    <a:shade val="50000"/>
-                  </a:schemeClr>
-                </a:solidFill>
-                <a:prstDash val="solid"/>
-                <a:miter lim="800000"/>
-              </a14:hiddenLine>
-            </a:ext>
-          </a:extLst>
-        </p:spPr>
-        <p:style>
-          <a:lnRef idx="2">
-            <a:schemeClr val="accent1">
-              <a:shade val="50000"/>
-            </a:schemeClr>
-          </a:lnRef>
-          <a:fillRef idx="1">
-            <a:schemeClr val="accent1"/>
-          </a:fillRef>
-          <a:effectRef idx="0">
-            <a:schemeClr val="accent1"/>
-          </a:effectRef>
-          <a:fontRef idx="minor">
-            <a:schemeClr val="lt1"/>
-          </a:fontRef>
-        </p:style>
-        <p:txBody>
-          <a:bodyPr rtlCol="0" anchor="ctr"/>
-          <a:lstStyle/>
-          <a:p>
-            <a:pPr algn="ctr"/>
-            <a:endParaRPr lang="en-US"/>
-          </a:p>
-        </p:txBody>
-      </p:sp>
-      <p:sp useBgFill="1">
-        <p:nvSpPr>
-          <p:cNvPr id="10" name="Rectangle 9">
+          <p:cNvPr id="71" name="Rectangle 70">
             <a:extLst>
               <a:ext uri="{FF2B5EF4-FFF2-40B4-BE49-F238E27FC236}">
                 <a16:creationId xmlns:a16="http://schemas.microsoft.com/office/drawing/2014/main" id="{C4285719-470E-454C-AF62-8323075F1F5B}"/>
@@ -28081,7 +35375,7 @@
       </p:sp>
       <p:sp>
         <p:nvSpPr>
-          <p:cNvPr id="12" name="Rectangle 11">
+          <p:cNvPr id="72" name="Rectangle 71">
             <a:extLst>
               <a:ext uri="{FF2B5EF4-FFF2-40B4-BE49-F238E27FC236}">
                 <a16:creationId xmlns:a16="http://schemas.microsoft.com/office/drawing/2014/main" id="{CD9FE4EF-C4D8-49A0-B2FF-81D8DB7D8A24}"/>
@@ -28154,7 +35448,7 @@
       </p:sp>
       <p:sp>
         <p:nvSpPr>
-          <p:cNvPr id="14" name="Rectangle 13">
+          <p:cNvPr id="73" name="Rectangle 72">
             <a:extLst>
               <a:ext uri="{FF2B5EF4-FFF2-40B4-BE49-F238E27FC236}">
                 <a16:creationId xmlns:a16="http://schemas.microsoft.com/office/drawing/2014/main" id="{4300840D-0A0B-4512-BACA-B439D5B9C57C}"/>
@@ -28229,7 +35523,7 @@
       </p:sp>
       <p:sp>
         <p:nvSpPr>
-          <p:cNvPr id="16" name="Rectangle 15">
+          <p:cNvPr id="74" name="Rectangle 73">
             <a:extLst>
               <a:ext uri="{FF2B5EF4-FFF2-40B4-BE49-F238E27FC236}">
                 <a16:creationId xmlns:a16="http://schemas.microsoft.com/office/drawing/2014/main" id="{D2B78728-A580-49A7-84F9-6EF6F583ADE0}"/>
@@ -28304,7 +35598,7 @@
       </p:sp>
       <p:sp>
         <p:nvSpPr>
-          <p:cNvPr id="18" name="Freeform: Shape 17">
+          <p:cNvPr id="75" name="Freeform: Shape 74">
             <a:extLst>
               <a:ext uri="{FF2B5EF4-FFF2-40B4-BE49-F238E27FC236}">
                 <a16:creationId xmlns:a16="http://schemas.microsoft.com/office/drawing/2014/main" id="{38FAA1A1-D861-433F-88FA-1E9D6FD31D11}"/>
@@ -28474,7 +35768,7 @@
       </p:sp>
       <p:sp>
         <p:nvSpPr>
-          <p:cNvPr id="20" name="Rectangle 19">
+          <p:cNvPr id="76" name="Rectangle 75">
             <a:extLst>
               <a:ext uri="{FF2B5EF4-FFF2-40B4-BE49-F238E27FC236}">
                 <a16:creationId xmlns:a16="http://schemas.microsoft.com/office/drawing/2014/main" id="{8D71EDA1-87BF-4D5D-AB79-F346FD19278A}"/>
@@ -28551,7 +35845,13 @@
       </p:sp>
       <p:sp>
         <p:nvSpPr>
-          <p:cNvPr id="2" name="Title 1"/>
+          <p:cNvPr id="2" name="Title 1">
+            <a:extLst>
+              <a:ext uri="{FF2B5EF4-FFF2-40B4-BE49-F238E27FC236}">
+                <a16:creationId xmlns:a16="http://schemas.microsoft.com/office/drawing/2014/main" id="{9B9DD31E-E84A-5BB5-1160-0AD40AF273A8}"/>
+              </a:ext>
+            </a:extLst>
+          </p:cNvPr>
           <p:cNvSpPr>
             <a:spLocks noGrp="1"/>
           </p:cNvSpPr>
@@ -28578,25 +35878,438 @@
                   <a:srgbClr val="FFFFFF"/>
                 </a:solidFill>
               </a:rPr>
-              <a:t>Web UI (Optional Frontend)</a:t>
+              <a:t>Model Results Cont.</a:t>
             </a:r>
+          </a:p>
+        </p:txBody>
+      </p:sp>
+      <p:pic>
+        <p:nvPicPr>
+          <p:cNvPr id="4" name="Picture 3" descr="A blue squares with white text&#10;&#10;AI-generated content may be incorrect.">
+            <a:extLst>
+              <a:ext uri="{FF2B5EF4-FFF2-40B4-BE49-F238E27FC236}">
+                <a16:creationId xmlns:a16="http://schemas.microsoft.com/office/drawing/2014/main" id="{CAB6E030-E4CF-0424-73B7-D9990D6FAA67}"/>
+              </a:ext>
+            </a:extLst>
+          </p:cNvPr>
+          <p:cNvPicPr>
+            <a:picLocks noChangeAspect="1"/>
+          </p:cNvPicPr>
+          <p:nvPr/>
+        </p:nvPicPr>
+        <p:blipFill>
+          <a:blip r:embed="rId2"/>
+          <a:stretch>
+            <a:fillRect/>
+          </a:stretch>
+        </p:blipFill>
+        <p:spPr>
+          <a:xfrm>
+            <a:off x="6082126" y="2529865"/>
+            <a:ext cx="2711832" cy="1810148"/>
+          </a:xfrm>
+          <a:prstGeom prst="rect">
+            <a:avLst/>
+          </a:prstGeom>
+        </p:spPr>
+      </p:pic>
+      <p:graphicFrame>
+        <p:nvGraphicFramePr>
+          <p:cNvPr id="15" name="Content Placeholder 2">
+            <a:extLst>
+              <a:ext uri="{FF2B5EF4-FFF2-40B4-BE49-F238E27FC236}">
+                <a16:creationId xmlns:a16="http://schemas.microsoft.com/office/drawing/2014/main" id="{10151314-D96F-0538-89F7-DE89E821FB36}"/>
+              </a:ext>
+            </a:extLst>
+          </p:cNvPr>
+          <p:cNvGraphicFramePr>
+            <a:graphicFrameLocks noGrp="1"/>
+          </p:cNvGraphicFramePr>
+          <p:nvPr>
+            <p:ph idx="1"/>
+            <p:extLst>
+              <p:ext uri="{D42A27DB-BD31-4B8C-83A1-F6EECF244321}">
+                <p14:modId xmlns:p14="http://schemas.microsoft.com/office/powerpoint/2010/main" val="3866209684"/>
+              </p:ext>
+            </p:extLst>
+          </p:nvPr>
+        </p:nvGraphicFramePr>
+        <p:xfrm>
+          <a:off x="3436295" y="649480"/>
+          <a:ext cx="2268977" cy="5546047"/>
+        </p:xfrm>
+        <a:graphic>
+          <a:graphicData uri="http://schemas.openxmlformats.org/drawingml/2006/diagram">
+            <dgm:relIds xmlns:dgm="http://schemas.openxmlformats.org/drawingml/2006/diagram" xmlns:r="http://schemas.openxmlformats.org/officeDocument/2006/relationships" r:dm="rId3" r:lo="rId4" r:qs="rId5" r:cs="rId6"/>
+          </a:graphicData>
+        </a:graphic>
+      </p:graphicFrame>
+    </p:spTree>
+    <p:extLst>
+      <p:ext uri="{BB962C8B-B14F-4D97-AF65-F5344CB8AC3E}">
+        <p14:creationId xmlns:p14="http://schemas.microsoft.com/office/powerpoint/2010/main" val="623461624"/>
+      </p:ext>
+    </p:extLst>
+  </p:cSld>
+  <p:clrMapOvr>
+    <a:masterClrMapping/>
+  </p:clrMapOvr>
+</p:sld>
+</file>
+
+<file path=ppt/slides/slide9.xml><?xml version="1.0" encoding="utf-8"?>
+<p:sld xmlns:a="http://schemas.openxmlformats.org/drawingml/2006/main" xmlns:r="http://schemas.openxmlformats.org/officeDocument/2006/relationships" xmlns:p="http://schemas.openxmlformats.org/presentationml/2006/main">
+  <p:cSld>
+    <p:bg>
+      <p:bgPr>
+        <a:solidFill>
+          <a:schemeClr val="bg1"/>
+        </a:solidFill>
+        <a:effectLst/>
+      </p:bgPr>
+    </p:bg>
+    <p:spTree>
+      <p:nvGrpSpPr>
+        <p:cNvPr id="1" name="">
+          <a:extLst>
+            <a:ext uri="{FF2B5EF4-FFF2-40B4-BE49-F238E27FC236}">
+              <a16:creationId xmlns:a16="http://schemas.microsoft.com/office/drawing/2014/main" id="{F43ED664-7B10-DF74-656B-F1D9BB290F21}"/>
+            </a:ext>
+          </a:extLst>
+        </p:cNvPr>
+        <p:cNvGrpSpPr/>
+        <p:nvPr/>
+      </p:nvGrpSpPr>
+      <p:grpSpPr>
+        <a:xfrm>
+          <a:off x="0" y="0"/>
+          <a:ext cx="0" cy="0"/>
+          <a:chOff x="0" y="0"/>
+          <a:chExt cx="0" cy="0"/>
+        </a:xfrm>
+      </p:grpSpPr>
+      <p:sp useBgFill="1">
+        <p:nvSpPr>
+          <p:cNvPr id="50" name="Rectangle 49">
+            <a:extLst>
+              <a:ext uri="{FF2B5EF4-FFF2-40B4-BE49-F238E27FC236}">
+                <a16:creationId xmlns:a16="http://schemas.microsoft.com/office/drawing/2014/main" id="{8286CAC6-A8CC-0E06-E0C1-68D96EBC6949}"/>
+              </a:ext>
+              <a:ext uri="{C183D7F6-B498-43B3-948B-1728B52AA6E4}">
+                <adec:decorative xmlns:adec="http://schemas.microsoft.com/office/drawing/2017/decorative" val="1"/>
+              </a:ext>
+            </a:extLst>
+          </p:cNvPr>
+          <p:cNvSpPr>
+            <a:spLocks noGrp="1" noRot="1" noChangeAspect="1" noMove="1" noResize="1" noEditPoints="1" noAdjustHandles="1" noChangeArrowheads="1" noChangeShapeType="1" noTextEdit="1"/>
+          </p:cNvSpPr>
+          <p:nvPr>
+            <p:extLst>
+              <p:ext uri="{386F3935-93C4-4BCD-93E2-E3B085C9AB24}">
+                <p16:designElem xmlns:p16="http://schemas.microsoft.com/office/powerpoint/2015/main" val="1"/>
+              </p:ext>
+            </p:extLst>
+          </p:nvPr>
+        </p:nvSpPr>
+        <p:spPr>
+          <a:xfrm>
+            <a:off x="0" y="0"/>
+            <a:ext cx="9144000" cy="6858000"/>
+          </a:xfrm>
+          <a:prstGeom prst="rect">
+            <a:avLst/>
+          </a:prstGeom>
+          <a:ln w="12700" cap="flat" cmpd="sng" algn="ctr">
+            <a:noFill/>
+            <a:prstDash val="solid"/>
+            <a:miter lim="800000"/>
+          </a:ln>
+          <a:effectLst/>
+          <a:extLst>
+            <a:ext uri="{91240B29-F687-4F45-9708-019B960494DF}">
+              <a14:hiddenLine xmlns:a14="http://schemas.microsoft.com/office/drawing/2010/main" w="12700" cap="flat" cmpd="sng" algn="ctr">
+                <a:solidFill>
+                  <a:schemeClr val="accent1">
+                    <a:shade val="50000"/>
+                  </a:schemeClr>
+                </a:solidFill>
+                <a:prstDash val="solid"/>
+                <a:miter lim="800000"/>
+              </a14:hiddenLine>
+            </a:ext>
+          </a:extLst>
+        </p:spPr>
+        <p:style>
+          <a:lnRef idx="2">
+            <a:schemeClr val="accent1">
+              <a:shade val="50000"/>
+            </a:schemeClr>
+          </a:lnRef>
+          <a:fillRef idx="1">
+            <a:schemeClr val="accent1"/>
+          </a:fillRef>
+          <a:effectRef idx="0">
+            <a:schemeClr val="accent1"/>
+          </a:effectRef>
+          <a:fontRef idx="minor">
+            <a:schemeClr val="lt1"/>
+          </a:fontRef>
+        </p:style>
+        <p:txBody>
+          <a:bodyPr rtlCol="0" anchor="ctr"/>
+          <a:lstStyle/>
+          <a:p>
+            <a:pPr algn="ctr"/>
+            <a:endParaRPr lang="en-US"/>
           </a:p>
         </p:txBody>
       </p:sp>
       <p:sp>
         <p:nvSpPr>
-          <p:cNvPr id="3" name="Content Placeholder 2"/>
+          <p:cNvPr id="51" name="Rectangle 50">
+            <a:extLst>
+              <a:ext uri="{FF2B5EF4-FFF2-40B4-BE49-F238E27FC236}">
+                <a16:creationId xmlns:a16="http://schemas.microsoft.com/office/drawing/2014/main" id="{79798C63-2A2A-DD88-1073-FCACBB58C6D8}"/>
+              </a:ext>
+              <a:ext uri="{C183D7F6-B498-43B3-948B-1728B52AA6E4}">
+                <adec:decorative xmlns:adec="http://schemas.microsoft.com/office/drawing/2017/decorative" val="1"/>
+              </a:ext>
+            </a:extLst>
+          </p:cNvPr>
+          <p:cNvSpPr>
+            <a:spLocks noGrp="1" noRot="1" noChangeAspect="1" noMove="1" noResize="1" noEditPoints="1" noAdjustHandles="1" noChangeArrowheads="1" noChangeShapeType="1" noTextEdit="1"/>
+          </p:cNvSpPr>
+          <p:nvPr>
+            <p:extLst>
+              <p:ext uri="{386F3935-93C4-4BCD-93E2-E3B085C9AB24}">
+                <p16:designElem xmlns:p16="http://schemas.microsoft.com/office/powerpoint/2015/main" val="1"/>
+              </p:ext>
+            </p:extLst>
+          </p:nvPr>
+        </p:nvSpPr>
+        <p:spPr>
+          <a:xfrm flipH="1">
+            <a:off x="1" y="0"/>
+            <a:ext cx="9143999" cy="1575955"/>
+          </a:xfrm>
+          <a:prstGeom prst="rect">
+            <a:avLst/>
+          </a:prstGeom>
+          <a:gradFill>
+            <a:gsLst>
+              <a:gs pos="0">
+                <a:srgbClr val="000000">
+                  <a:alpha val="96000"/>
+                </a:srgbClr>
+              </a:gs>
+              <a:gs pos="100000">
+                <a:schemeClr val="accent1">
+                  <a:lumMod val="75000"/>
+                </a:schemeClr>
+              </a:gs>
+            </a:gsLst>
+            <a:lin ang="8400000" scaled="0"/>
+          </a:gradFill>
+          <a:ln>
+            <a:noFill/>
+          </a:ln>
+        </p:spPr>
+        <p:style>
+          <a:lnRef idx="2">
+            <a:schemeClr val="accent1">
+              <a:shade val="50000"/>
+            </a:schemeClr>
+          </a:lnRef>
+          <a:fillRef idx="1">
+            <a:schemeClr val="accent1"/>
+          </a:fillRef>
+          <a:effectRef idx="0">
+            <a:schemeClr val="accent1"/>
+          </a:effectRef>
+          <a:fontRef idx="minor">
+            <a:schemeClr val="lt1"/>
+          </a:fontRef>
+        </p:style>
+        <p:txBody>
+          <a:bodyPr rtlCol="0" anchor="ctr"/>
+          <a:lstStyle/>
+          <a:p>
+            <a:pPr algn="ctr"/>
+            <a:endParaRPr lang="en-US"/>
+          </a:p>
+        </p:txBody>
+      </p:sp>
+      <p:sp>
+        <p:nvSpPr>
+          <p:cNvPr id="52" name="Rectangle 51">
+            <a:extLst>
+              <a:ext uri="{FF2B5EF4-FFF2-40B4-BE49-F238E27FC236}">
+                <a16:creationId xmlns:a16="http://schemas.microsoft.com/office/drawing/2014/main" id="{CC47DBE4-805E-02A4-189A-9C8794274B2C}"/>
+              </a:ext>
+              <a:ext uri="{C183D7F6-B498-43B3-948B-1728B52AA6E4}">
+                <adec:decorative xmlns:adec="http://schemas.microsoft.com/office/drawing/2017/decorative" val="1"/>
+              </a:ext>
+            </a:extLst>
+          </p:cNvPr>
+          <p:cNvSpPr>
+            <a:spLocks noGrp="1" noRot="1" noChangeAspect="1" noMove="1" noResize="1" noEditPoints="1" noAdjustHandles="1" noChangeArrowheads="1" noChangeShapeType="1" noTextEdit="1"/>
+          </p:cNvSpPr>
+          <p:nvPr>
+            <p:extLst>
+              <p:ext uri="{386F3935-93C4-4BCD-93E2-E3B085C9AB24}">
+                <p16:designElem xmlns:p16="http://schemas.microsoft.com/office/powerpoint/2015/main" val="1"/>
+              </p:ext>
+            </p:extLst>
+          </p:nvPr>
+        </p:nvSpPr>
+        <p:spPr>
+          <a:xfrm rot="10800000" flipH="1">
+            <a:off x="6096642" y="0"/>
+            <a:ext cx="3047358" cy="1576412"/>
+          </a:xfrm>
+          <a:prstGeom prst="rect">
+            <a:avLst/>
+          </a:prstGeom>
+          <a:gradFill>
+            <a:gsLst>
+              <a:gs pos="19000">
+                <a:schemeClr val="accent1">
+                  <a:lumMod val="50000"/>
+                  <a:alpha val="68000"/>
+                </a:schemeClr>
+              </a:gs>
+              <a:gs pos="100000">
+                <a:schemeClr val="accent1">
+                  <a:alpha val="79000"/>
+                </a:schemeClr>
+              </a:gs>
+            </a:gsLst>
+            <a:lin ang="19200000" scaled="0"/>
+          </a:gradFill>
+          <a:ln>
+            <a:noFill/>
+          </a:ln>
+        </p:spPr>
+        <p:style>
+          <a:lnRef idx="2">
+            <a:schemeClr val="accent1">
+              <a:shade val="50000"/>
+            </a:schemeClr>
+          </a:lnRef>
+          <a:fillRef idx="1">
+            <a:schemeClr val="accent1"/>
+          </a:fillRef>
+          <a:effectRef idx="0">
+            <a:schemeClr val="accent1"/>
+          </a:effectRef>
+          <a:fontRef idx="minor">
+            <a:schemeClr val="lt1"/>
+          </a:fontRef>
+        </p:style>
+        <p:txBody>
+          <a:bodyPr rtlCol="0" anchor="ctr"/>
+          <a:lstStyle/>
+          <a:p>
+            <a:pPr algn="ctr"/>
+            <a:endParaRPr lang="en-US"/>
+          </a:p>
+        </p:txBody>
+      </p:sp>
+      <p:sp>
+        <p:nvSpPr>
+          <p:cNvPr id="53" name="Rectangle 52">
+            <a:extLst>
+              <a:ext uri="{FF2B5EF4-FFF2-40B4-BE49-F238E27FC236}">
+                <a16:creationId xmlns:a16="http://schemas.microsoft.com/office/drawing/2014/main" id="{90EF9CB8-D9E4-8888-4D58-6A392ED4F504}"/>
+              </a:ext>
+              <a:ext uri="{C183D7F6-B498-43B3-948B-1728B52AA6E4}">
+                <adec:decorative xmlns:adec="http://schemas.microsoft.com/office/drawing/2017/decorative" val="1"/>
+              </a:ext>
+            </a:extLst>
+          </p:cNvPr>
+          <p:cNvSpPr>
+            <a:spLocks noGrp="1" noRot="1" noChangeAspect="1" noMove="1" noResize="1" noEditPoints="1" noAdjustHandles="1" noChangeArrowheads="1" noChangeShapeType="1" noTextEdit="1"/>
+          </p:cNvSpPr>
+          <p:nvPr>
+            <p:extLst>
+              <p:ext uri="{386F3935-93C4-4BCD-93E2-E3B085C9AB24}">
+                <p16:designElem xmlns:p16="http://schemas.microsoft.com/office/powerpoint/2015/main" val="1"/>
+              </p:ext>
+            </p:extLst>
+          </p:nvPr>
+        </p:nvSpPr>
+        <p:spPr>
+          <a:xfrm rot="5400000">
+            <a:off x="3783777" y="-3783778"/>
+            <a:ext cx="1576446" cy="9144002"/>
+          </a:xfrm>
+          <a:prstGeom prst="rect">
+            <a:avLst/>
+          </a:prstGeom>
+          <a:gradFill>
+            <a:gsLst>
+              <a:gs pos="23000">
+                <a:schemeClr val="accent1">
+                  <a:alpha val="0"/>
+                </a:schemeClr>
+              </a:gs>
+              <a:gs pos="99000">
+                <a:srgbClr val="000000">
+                  <a:alpha val="74000"/>
+                </a:srgbClr>
+              </a:gs>
+            </a:gsLst>
+            <a:lin ang="20400000" scaled="0"/>
+          </a:gradFill>
+          <a:ln>
+            <a:noFill/>
+          </a:ln>
+        </p:spPr>
+        <p:style>
+          <a:lnRef idx="2">
+            <a:schemeClr val="accent1">
+              <a:shade val="50000"/>
+            </a:schemeClr>
+          </a:lnRef>
+          <a:fillRef idx="1">
+            <a:schemeClr val="accent1"/>
+          </a:fillRef>
+          <a:effectRef idx="0">
+            <a:schemeClr val="accent1"/>
+          </a:effectRef>
+          <a:fontRef idx="minor">
+            <a:schemeClr val="lt1"/>
+          </a:fontRef>
+        </p:style>
+        <p:txBody>
+          <a:bodyPr rtlCol="0" anchor="ctr"/>
+          <a:lstStyle/>
+          <a:p>
+            <a:pPr algn="ctr"/>
+            <a:endParaRPr lang="en-US"/>
+          </a:p>
+        </p:txBody>
+      </p:sp>
+      <p:sp>
+        <p:nvSpPr>
+          <p:cNvPr id="2" name="Title 1">
+            <a:extLst>
+              <a:ext uri="{FF2B5EF4-FFF2-40B4-BE49-F238E27FC236}">
+                <a16:creationId xmlns:a16="http://schemas.microsoft.com/office/drawing/2014/main" id="{6A8A8C01-7217-AD13-857B-85A926E1CAEF}"/>
+              </a:ext>
+            </a:extLst>
+          </p:cNvPr>
           <p:cNvSpPr>
             <a:spLocks noGrp="1"/>
           </p:cNvSpPr>
           <p:nvPr>
-            <p:ph idx="1"/>
+            <p:ph type="title"/>
           </p:nvPr>
         </p:nvSpPr>
         <p:spPr>
           <a:xfrm>
-            <a:off x="3607694" y="649480"/>
-            <a:ext cx="4916510" cy="5546047"/>
+            <a:off x="1028697" y="348865"/>
+            <a:ext cx="7533018" cy="877729"/>
           </a:xfrm>
         </p:spPr>
         <p:txBody>
@@ -28606,25 +36319,88 @@
           <a:lstStyle/>
           <a:p>
             <a:r>
-              <a:rPr lang="en-US" sz="1700" dirty="0"/>
-              <a:t>A user-friendly HTML interface for real-time testing.  </a:t>
+              <a:rPr lang="en-US" sz="3500">
+                <a:solidFill>
+                  <a:srgbClr val="FFFFFF"/>
+                </a:solidFill>
+              </a:rPr>
+              <a:t>Model Results Cont.</a:t>
             </a:r>
-          </a:p>
-          <a:p>
-            <a:r>
-              <a:rPr lang="en-US" sz="1700" dirty="0"/>
-              <a:t>Displays prediction results, labels, and probabilities.  </a:t>
-            </a:r>
-          </a:p>
-          <a:p>
-            <a:r>
-              <a:rPr lang="en-US" sz="1700" dirty="0"/>
-              <a:t>Logs predictions and errors for further review.</a:t>
-            </a:r>
+            <a:endParaRPr lang="en-US" sz="3500" dirty="0">
+              <a:solidFill>
+                <a:srgbClr val="FFFFFF"/>
+              </a:solidFill>
+            </a:endParaRPr>
           </a:p>
         </p:txBody>
       </p:sp>
+      <p:graphicFrame>
+        <p:nvGraphicFramePr>
+          <p:cNvPr id="15" name="Content Placeholder 2">
+            <a:extLst>
+              <a:ext uri="{FF2B5EF4-FFF2-40B4-BE49-F238E27FC236}">
+                <a16:creationId xmlns:a16="http://schemas.microsoft.com/office/drawing/2014/main" id="{769D282B-E3A2-A141-EE48-3633E5E5C42F}"/>
+              </a:ext>
+            </a:extLst>
+          </p:cNvPr>
+          <p:cNvGraphicFramePr>
+            <a:graphicFrameLocks noGrp="1"/>
+          </p:cNvGraphicFramePr>
+          <p:nvPr>
+            <p:ph idx="1"/>
+            <p:extLst>
+              <p:ext uri="{D42A27DB-BD31-4B8C-83A1-F6EECF244321}">
+                <p14:modId xmlns:p14="http://schemas.microsoft.com/office/powerpoint/2010/main" val="4208571333"/>
+              </p:ext>
+            </p:extLst>
+          </p:nvPr>
+        </p:nvGraphicFramePr>
+        <p:xfrm>
+          <a:off x="5113494" y="2112579"/>
+          <a:ext cx="3565419" cy="4192805"/>
+        </p:xfrm>
+        <a:graphic>
+          <a:graphicData uri="http://schemas.openxmlformats.org/drawingml/2006/diagram">
+            <dgm:relIds xmlns:dgm="http://schemas.openxmlformats.org/drawingml/2006/diagram" xmlns:r="http://schemas.openxmlformats.org/officeDocument/2006/relationships" r:dm="rId2" r:lo="rId3" r:qs="rId4" r:cs="rId5"/>
+          </a:graphicData>
+        </a:graphic>
+      </p:graphicFrame>
+      <p:pic>
+        <p:nvPicPr>
+          <p:cNvPr id="6" name="Picture 5" descr="A graph with blue bars&#10;&#10;AI-generated content may be incorrect.">
+            <a:extLst>
+              <a:ext uri="{FF2B5EF4-FFF2-40B4-BE49-F238E27FC236}">
+                <a16:creationId xmlns:a16="http://schemas.microsoft.com/office/drawing/2014/main" id="{4F6DD129-CEC8-8BF2-498E-AE09C6DE12D0}"/>
+              </a:ext>
+            </a:extLst>
+          </p:cNvPr>
+          <p:cNvPicPr>
+            <a:picLocks noChangeAspect="1"/>
+          </p:cNvPicPr>
+          <p:nvPr/>
+        </p:nvPicPr>
+        <p:blipFill>
+          <a:blip r:embed="rId7"/>
+          <a:stretch>
+            <a:fillRect/>
+          </a:stretch>
+        </p:blipFill>
+        <p:spPr>
+          <a:xfrm>
+            <a:off x="156632" y="1762727"/>
+            <a:ext cx="4800230" cy="4321550"/>
+          </a:xfrm>
+          <a:prstGeom prst="rect">
+            <a:avLst/>
+          </a:prstGeom>
+        </p:spPr>
+      </p:pic>
     </p:spTree>
+    <p:extLst>
+      <p:ext uri="{BB962C8B-B14F-4D97-AF65-F5344CB8AC3E}">
+        <p14:creationId xmlns:p14="http://schemas.microsoft.com/office/powerpoint/2010/main" val="3964063589"/>
+      </p:ext>
+    </p:extLst>
   </p:cSld>
   <p:clrMapOvr>
     <a:masterClrMapping/>
